--- a/lectures/lecture-14/Lecture-Live A00/Lecture 14 - Lecture.pptx
+++ b/lectures/lecture-14/Lecture-Live A00/Lecture 14 - Lecture.pptx
@@ -5192,7 +5192,7 @@
           <a:p>
             <a:fld id="{3A2BF66F-FEB0-48C1-A8B9-A73F54BB1A08}" type="datetimeFigureOut">
               <a:rPr lang="en-US" smtClean="0"/>
-              <a:t>11/3/2020</a:t>
+              <a:t>11/4/2020</a:t>
             </a:fld>
             <a:endParaRPr lang="en-US"/>
           </a:p>
@@ -5392,7 +5392,7 @@
           <a:p>
             <a:fld id="{3A2BF66F-FEB0-48C1-A8B9-A73F54BB1A08}" type="datetimeFigureOut">
               <a:rPr lang="en-US" smtClean="0"/>
-              <a:t>11/3/2020</a:t>
+              <a:t>11/4/2020</a:t>
             </a:fld>
             <a:endParaRPr lang="en-US"/>
           </a:p>
@@ -5602,7 +5602,7 @@
           <a:p>
             <a:fld id="{3A2BF66F-FEB0-48C1-A8B9-A73F54BB1A08}" type="datetimeFigureOut">
               <a:rPr lang="en-US" smtClean="0"/>
-              <a:t>11/3/2020</a:t>
+              <a:t>11/4/2020</a:t>
             </a:fld>
             <a:endParaRPr lang="en-US"/>
           </a:p>
@@ -6161,7 +6161,7 @@
           <a:p>
             <a:fld id="{3A2BF66F-FEB0-48C1-A8B9-A73F54BB1A08}" type="datetimeFigureOut">
               <a:rPr lang="en-US" smtClean="0"/>
-              <a:t>11/3/2020</a:t>
+              <a:t>11/4/2020</a:t>
             </a:fld>
             <a:endParaRPr lang="en-US"/>
           </a:p>
@@ -6438,7 +6438,7 @@
           <a:p>
             <a:fld id="{3A2BF66F-FEB0-48C1-A8B9-A73F54BB1A08}" type="datetimeFigureOut">
               <a:rPr lang="en-US" smtClean="0"/>
-              <a:t>11/3/2020</a:t>
+              <a:t>11/4/2020</a:t>
             </a:fld>
             <a:endParaRPr lang="en-US"/>
           </a:p>
@@ -6705,7 +6705,7 @@
           <a:p>
             <a:fld id="{3A2BF66F-FEB0-48C1-A8B9-A73F54BB1A08}" type="datetimeFigureOut">
               <a:rPr lang="en-US" smtClean="0"/>
-              <a:t>11/3/2020</a:t>
+              <a:t>11/4/2020</a:t>
             </a:fld>
             <a:endParaRPr lang="en-US"/>
           </a:p>
@@ -7119,7 +7119,7 @@
           <a:p>
             <a:fld id="{3A2BF66F-FEB0-48C1-A8B9-A73F54BB1A08}" type="datetimeFigureOut">
               <a:rPr lang="en-US" smtClean="0"/>
-              <a:t>11/3/2020</a:t>
+              <a:t>11/4/2020</a:t>
             </a:fld>
             <a:endParaRPr lang="en-US"/>
           </a:p>
@@ -7262,7 +7262,7 @@
           <a:p>
             <a:fld id="{3A2BF66F-FEB0-48C1-A8B9-A73F54BB1A08}" type="datetimeFigureOut">
               <a:rPr lang="en-US" smtClean="0"/>
-              <a:t>11/3/2020</a:t>
+              <a:t>11/4/2020</a:t>
             </a:fld>
             <a:endParaRPr lang="en-US"/>
           </a:p>
@@ -7377,7 +7377,7 @@
           <a:p>
             <a:fld id="{3A2BF66F-FEB0-48C1-A8B9-A73F54BB1A08}" type="datetimeFigureOut">
               <a:rPr lang="en-US" smtClean="0"/>
-              <a:t>11/3/2020</a:t>
+              <a:t>11/4/2020</a:t>
             </a:fld>
             <a:endParaRPr lang="en-US"/>
           </a:p>
@@ -7689,7 +7689,7 @@
           <a:p>
             <a:fld id="{3A2BF66F-FEB0-48C1-A8B9-A73F54BB1A08}" type="datetimeFigureOut">
               <a:rPr lang="en-US" smtClean="0"/>
-              <a:t>11/3/2020</a:t>
+              <a:t>11/4/2020</a:t>
             </a:fld>
             <a:endParaRPr lang="en-US"/>
           </a:p>
@@ -7979,7 +7979,7 @@
           <a:p>
             <a:fld id="{3A2BF66F-FEB0-48C1-A8B9-A73F54BB1A08}" type="datetimeFigureOut">
               <a:rPr lang="en-US" smtClean="0"/>
-              <a:t>11/3/2020</a:t>
+              <a:t>11/4/2020</a:t>
             </a:fld>
             <a:endParaRPr lang="en-US"/>
           </a:p>
@@ -8222,7 +8222,7 @@
           <a:p>
             <a:fld id="{3A2BF66F-FEB0-48C1-A8B9-A73F54BB1A08}" type="datetimeFigureOut">
               <a:rPr lang="en-US" smtClean="0"/>
-              <a:t>11/3/2020</a:t>
+              <a:t>11/4/2020</a:t>
             </a:fld>
             <a:endParaRPr lang="en-US"/>
           </a:p>
@@ -8835,7 +8835,7 @@
           <a:p>
             <a:r>
               <a:rPr lang="en-US" dirty="0"/>
-              <a:t>Quiz 14 due Friday @ </a:t>
+              <a:t>Quiz 13 due Wednesday @ </a:t>
             </a:r>
             <a:r>
               <a:rPr lang="en-US" dirty="0" err="1"/>
@@ -8968,8 +8968,13 @@
           <a:p>
             <a:r>
               <a:rPr lang="en-US" dirty="0"/>
-              <a:t>Sorting</a:t>
+              <a:t>Sorting </a:t>
             </a:r>
+            <a:r>
+              <a:rPr lang="en-US" dirty="0" err="1"/>
+              <a:t>Wrapup</a:t>
+            </a:r>
+            <a:endParaRPr lang="en-US" dirty="0"/>
           </a:p>
           <a:p>
             <a:r>

--- a/lectures/lecture-14/Lecture-Live A00/Lecture 14 - Lecture.pptx
+++ b/lectures/lecture-14/Lecture-Live A00/Lecture 14 - Lecture.pptx
@@ -161,6 +161,1638 @@
         <inkml:traceFormat>
           <inkml:channel name="X" type="integer" min="-2.14748E9" max="2.14748E9" units="cm"/>
           <inkml:channel name="Y" type="integer" min="-2.14748E9" max="2.14748E9" units="cm"/>
+          <inkml:channel name="F" type="integer" max="32767" units="dev"/>
+          <inkml:channel name="OA" type="integer" max="360" units="deg"/>
+          <inkml:channel name="OE" type="integer" max="90" units="deg"/>
+        </inkml:traceFormat>
+        <inkml:channelProperties>
+          <inkml:channelProperty channel="X" name="resolution" value="1000" units="1/cm"/>
+          <inkml:channelProperty channel="Y" name="resolution" value="1000" units="1/cm"/>
+          <inkml:channelProperty channel="F" name="resolution" value="0" units="1/dev"/>
+          <inkml:channelProperty channel="OA" name="resolution" value="1000" units="1/deg"/>
+          <inkml:channelProperty channel="OE" name="resolution" value="1000" units="1/deg"/>
+        </inkml:channelProperties>
+      </inkml:inkSource>
+      <inkml:timestamp xml:id="ts0" timeString="2020-11-04T17:00:40.636"/>
+    </inkml:context>
+    <inkml:brush xml:id="br0">
+      <inkml:brushProperty name="width" value="0.05" units="cm"/>
+      <inkml:brushProperty name="height" value="0.05" units="cm"/>
+      <inkml:brushProperty name="color" value="#004F8B"/>
+    </inkml:brush>
+  </inkml:definitions>
+  <inkml:trace contextRef="#ctx0" brushRef="#br0">1 0 9704 0 0,'0'0'6336'0'0,"8"10"-4307"0"0,-1-5-1649 0 0,0 1 1 0 0,1-1-1 0 0,-1 0 1 0 0,1-1-1 0 0,0 0 1 0 0,1 0-1 0 0,-1 0 1 0 0,0-1-1 0 0,1-1 0 0 0,0 1 1 0 0,0-2-1 0 0,0 1 1 0 0,18 0-1 0 0,120 3 1822 0 0,-9 0-969 0 0,-35-1-673 0 0,29 2 64 0 0,35-3 143 0 0,-127-5-512 0 0,-1 2-1 0 0,1 2 1 0 0,74 12 0 0 0,-93-9-160 0 0,-6-1 225 0 0,23 3-1 0 0,-21-4-134 0 0,9 1 567 0 0,-16-3-585 0 0,-10-1-168 0 0,1 1 1 0 0,0-1 0 0 0,0 0 0 0 0,0 0 0 0 0,0 0 0 0 0,0 0-1 0 0,0 0 1 0 0,0 0 0 0 0,0 0 0 0 0,0 0 0 0 0,0 0 0 0 0,0-1-1 0 0,0 1 1 0 0,0 0 0 0 0,0-1 0 0 0,0 1 0 0 0,0-1 0 0 0,0 1 0 0 0,-1-1-1 0 0,1 1 1 0 0,0-1 0 0 0,0 1 0 0 0,0-2 0 0 0,1-1 42 0 0,1-11-175 0 0</inkml:trace>
+</inkml:ink>
+</file>
+
+<file path=ppt/ink/ink10.xml><?xml version="1.0" encoding="utf-8"?>
+<inkml:ink xmlns:inkml="http://www.w3.org/2003/InkML">
+  <inkml:definitions>
+    <inkml:context xml:id="ctx0">
+      <inkml:inkSource xml:id="inkSrc0">
+        <inkml:traceFormat>
+          <inkml:channel name="X" type="integer" min="-2.14748E9" max="2.14748E9" units="cm"/>
+          <inkml:channel name="Y" type="integer" min="-2.14748E9" max="2.14748E9" units="cm"/>
+          <inkml:channel name="F" type="integer" max="32767" units="dev"/>
+          <inkml:channel name="OA" type="integer" max="360" units="deg"/>
+          <inkml:channel name="OE" type="integer" max="90" units="deg"/>
+        </inkml:traceFormat>
+        <inkml:channelProperties>
+          <inkml:channelProperty channel="X" name="resolution" value="1000" units="1/cm"/>
+          <inkml:channelProperty channel="Y" name="resolution" value="1000" units="1/cm"/>
+          <inkml:channelProperty channel="F" name="resolution" value="0" units="1/dev"/>
+          <inkml:channelProperty channel="OA" name="resolution" value="1000" units="1/deg"/>
+          <inkml:channelProperty channel="OE" name="resolution" value="1000" units="1/deg"/>
+        </inkml:channelProperties>
+      </inkml:inkSource>
+      <inkml:timestamp xml:id="ts0" timeString="2020-11-04T17:00:48.155"/>
+    </inkml:context>
+    <inkml:brush xml:id="br0">
+      <inkml:brushProperty name="width" value="0.05" units="cm"/>
+      <inkml:brushProperty name="height" value="0.05" units="cm"/>
+      <inkml:brushProperty name="color" value="#004F8B"/>
+    </inkml:brush>
+  </inkml:definitions>
+  <inkml:trace contextRef="#ctx0" brushRef="#br0">1 495 5984 0 0,'0'0'273'0'0,"2"16"102"0"0,-2-15-104 0 0,1-1 0 0 0,-1 1 0 0 0,1 0 0 0 0,-1 0 0 0 0,0 0 0 0 0,1-1-1 0 0,0 1 1 0 0,-1 0 0 0 0,1-1 0 0 0,-1 1 0 0 0,1 0 0 0 0,0-1 0 0 0,-1 1 0 0 0,1-1 0 0 0,0 1 0 0 0,0-1 0 0 0,-1 1 0 0 0,1-1 0 0 0,0 0 0 0 0,0 1 0 0 0,0-1 0 0 0,-1 0 0 0 0,1 0 0 0 0,0 0 0 0 0,0 1 0 0 0,1-1 0 0 0,0-1 314 0 0,0 1 1 0 0,0-1-1 0 0,-1 1 1 0 0,1-1-1 0 0,0 1 1 0 0,-1-1-1 0 0,1 0 1 0 0,-1 0-1 0 0,1 0 1 0 0,-1 0-1 0 0,0 0 1 0 0,3-3-1 0 0,1-1-250 0 0,-1-1 0 0 0,0 0-1 0 0,0-1 1 0 0,0 1 0 0 0,-1-1 0 0 0,0 0-1 0 0,3-12 1 0 0,-1 8-65 0 0,38-135 1876 0 0,-22 67-1248 0 0,-3 26 30 0 0,27-56 0 0 0,-41 100-856 0 0,0 1 0 0 0,0 0 0 0 0,11-13 0 0 0,-9 17-72 0 0,3 3 0 0 0,-7 2 0 0 0,0 0 0 0 0,1-1 0 0 0,-1 1 0 0 0,0 0 0 0 0,0 1 0 0 0,0-1 0 0 0,0 0 0 0 0,0 0 0 0 0,0 1 0 0 0,-1-1 0 0 0,1 1 0 0 0,0 0 0 0 0,-1-1 0 0 0,1 1 0 0 0,-1 0 0 0 0,1 0 0 0 0,1 3 0 0 0,2 6 0 0 0,0-1 0 0 0,5 15 0 0 0,-7-19 0 0 0,3 16 12 0 0,0 0-1 0 0,-1 0 1 0 0,3 37 0 0 0,1 6 5 0 0,6 71 44 0 0,-13-114-58 0 0,-2 48-223 0 0,0-41 112 0 0,0-29 54 0 0,0 1 0 0 0,0-1 1 0 0,0 0-1 0 0,0 0 0 0 0,0 0 0 0 0,0 1 0 0 0,-1-1 0 0 0,1 0 1 0 0,0 0-1 0 0,0 1 0 0 0,0-1 0 0 0,0 0 0 0 0,0 0 1 0 0,-1 0-1 0 0,1 0 0 0 0,0 1 0 0 0,0-1 0 0 0,0 0 0 0 0,-1 0 1 0 0,1 0-1 0 0,0 0 0 0 0,0 0 0 0 0,0 0 0 0 0,-1 1 0 0 0,1-1 1 0 0,0 0-1 0 0,0 0 0 0 0,-1 0 0 0 0,1 0 0 0 0,0 0 0 0 0,0 0 1 0 0,-1 0-1 0 0,1 0 0 0 0,0 0 0 0 0,0 0 0 0 0,-1 0 0 0 0,-10-1-5438 0 0</inkml:trace>
+</inkml:ink>
+</file>
+
+<file path=ppt/ink/ink100.xml><?xml version="1.0" encoding="utf-8"?>
+<inkml:ink xmlns:inkml="http://www.w3.org/2003/InkML">
+  <inkml:definitions>
+    <inkml:context xml:id="ctx0">
+      <inkml:inkSource xml:id="inkSrc0">
+        <inkml:traceFormat>
+          <inkml:channel name="X" type="integer" min="-2.14748E9" max="2.14748E9" units="cm"/>
+          <inkml:channel name="Y" type="integer" min="-2.14748E9" max="2.14748E9" units="cm"/>
+          <inkml:channel name="F" type="integer" max="32767" units="dev"/>
+          <inkml:channel name="OA" type="integer" max="360" units="deg"/>
+          <inkml:channel name="OE" type="integer" max="90" units="deg"/>
+        </inkml:traceFormat>
+        <inkml:channelProperties>
+          <inkml:channelProperty channel="X" name="resolution" value="1000" units="1/cm"/>
+          <inkml:channelProperty channel="Y" name="resolution" value="1000" units="1/cm"/>
+          <inkml:channelProperty channel="F" name="resolution" value="0" units="1/dev"/>
+          <inkml:channelProperty channel="OA" name="resolution" value="1000" units="1/deg"/>
+          <inkml:channelProperty channel="OE" name="resolution" value="1000" units="1/deg"/>
+        </inkml:channelProperties>
+      </inkml:inkSource>
+      <inkml:timestamp xml:id="ts0" timeString="2020-11-03T16:22:36.341"/>
+    </inkml:context>
+    <inkml:brush xml:id="br0">
+      <inkml:brushProperty name="width" value="0.05" units="cm"/>
+      <inkml:brushProperty name="height" value="0.05" units="cm"/>
+      <inkml:brushProperty name="color" value="#E71224"/>
+    </inkml:brush>
+  </inkml:definitions>
+  <inkml:trace contextRef="#ctx0" brushRef="#br0">1 158 6448 0 0,'0'0'8862'0'0,"7"-1"-7366"0"0,-3-1-1088 0 0,1 0 0 0 0,-1-1 0 0 0,1 1 0 0 0,-1-1 1 0 0,0 0-1 0 0,0 0 0 0 0,0-1 0 0 0,0 1 0 0 0,0-1 0 0 0,-1 0 0 0 0,0 0 0 0 0,5-6 0 0 0,1-6 811 0 0,0 1 0 0 0,8-21 0 0 0,-15 30-1013 0 0,10-30 1418 0 0,-12 43-1621 0 0,-1 0 1 0 0,1 0 0 0 0,0 0-1 0 0,1 1 1 0 0,2 7-1 0 0,9 45-7 0 0,-7-44 4 0 0,1-1 0 0 0,0 0 0 0 0,13 22 0 0 0,-19-36 18 0 0,1 1-1 0 0,0-1 0 0 0,0 0 1 0 0,0 0-1 0 0,-1 0 1 0 0,1 0-1 0 0,0 0 0 0 0,1 0 1 0 0,-1 0-1 0 0,0 0 1 0 0,0 0-1 0 0,0 0 0 0 0,1 0 1 0 0,-1-1-1 0 0,0 1 1 0 0,0-1-1 0 0,1 1 0 0 0,-1-1 1 0 0,3 1-1 0 0,-3-1-3 0 0,0 0 1 0 0,1 0-1 0 0,-1 0 0 0 0,0 0 1 0 0,0 0-1 0 0,0 0 0 0 0,0-1 1 0 0,0 1-1 0 0,0-1 0 0 0,0 1 1 0 0,0 0-1 0 0,0-1 0 0 0,0 1 0 0 0,0-1 1 0 0,-1 0-1 0 0,1 1 0 0 0,0-1 1 0 0,0 0-1 0 0,0 0 0 0 0,-1 1 1 0 0,1-1-1 0 0,0 0 0 0 0,-1 0 1 0 0,1 0-1 0 0,0-2 0 0 0,5-9 104 0 0,-1 0 1 0 0,0 0-1 0 0,-1 0 0 0 0,5-23 0 0 0,2-53-4278 0 0,-10 84 3561 0 0,1-5-5509 0 0,1-1-1687 0 0</inkml:trace>
+</inkml:ink>
+</file>
+
+<file path=ppt/ink/ink101.xml><?xml version="1.0" encoding="utf-8"?>
+<inkml:ink xmlns:inkml="http://www.w3.org/2003/InkML">
+  <inkml:definitions>
+    <inkml:context xml:id="ctx0">
+      <inkml:inkSource xml:id="inkSrc0">
+        <inkml:traceFormat>
+          <inkml:channel name="X" type="integer" min="-2.14748E9" max="2.14748E9" units="cm"/>
+          <inkml:channel name="Y" type="integer" min="-2.14748E9" max="2.14748E9" units="cm"/>
+          <inkml:channel name="F" type="integer" max="32767" units="dev"/>
+          <inkml:channel name="OA" type="integer" max="360" units="deg"/>
+          <inkml:channel name="OE" type="integer" max="90" units="deg"/>
+        </inkml:traceFormat>
+        <inkml:channelProperties>
+          <inkml:channelProperty channel="X" name="resolution" value="1000" units="1/cm"/>
+          <inkml:channelProperty channel="Y" name="resolution" value="1000" units="1/cm"/>
+          <inkml:channelProperty channel="F" name="resolution" value="0" units="1/dev"/>
+          <inkml:channelProperty channel="OA" name="resolution" value="1000" units="1/deg"/>
+          <inkml:channelProperty channel="OE" name="resolution" value="1000" units="1/deg"/>
+        </inkml:channelProperties>
+      </inkml:inkSource>
+      <inkml:timestamp xml:id="ts0" timeString="2020-11-03T16:22:36.672"/>
+    </inkml:context>
+    <inkml:brush xml:id="br0">
+      <inkml:brushProperty name="width" value="0.05" units="cm"/>
+      <inkml:brushProperty name="height" value="0.05" units="cm"/>
+      <inkml:brushProperty name="color" value="#E71224"/>
+    </inkml:brush>
+  </inkml:definitions>
+  <inkml:trace contextRef="#ctx0" brushRef="#br0">0 0 21191 0 0,'0'0'1606'0'0,"6"7"-904"0"0,3 4-529 0 0,0 1-1 0 0,-1 0 0 0 0,0 0 0 0 0,-1 0 1 0 0,0 1-1 0 0,-1 0 0 0 0,0 1 1 0 0,-1-1-1 0 0,-1 1 0 0 0,0 0 0 0 0,0 0 1 0 0,-2 0-1 0 0,2 27 0 0 0,-3-26 118 0 0,-2 1-1 0 0,1-1 0 0 0,-6 24 0 0 0,-13 46 188 0 0,16-72-427 0 0,1-5-110 0 0,0 0-1 0 0,0 0 1 0 0,0 0 0 0 0,-1-1-1 0 0,0 1 1 0 0,-1-1-1 0 0,0 0 1 0 0,0 0 0 0 0,-10 12-1 0 0,13-18-267 0 0</inkml:trace>
+</inkml:ink>
+</file>
+
+<file path=ppt/ink/ink102.xml><?xml version="1.0" encoding="utf-8"?>
+<inkml:ink xmlns:inkml="http://www.w3.org/2003/InkML">
+  <inkml:definitions>
+    <inkml:context xml:id="ctx0">
+      <inkml:inkSource xml:id="inkSrc0">
+        <inkml:traceFormat>
+          <inkml:channel name="X" type="integer" min="-2.14748E9" max="2.14748E9" units="cm"/>
+          <inkml:channel name="Y" type="integer" min="-2.14748E9" max="2.14748E9" units="cm"/>
+          <inkml:channel name="F" type="integer" max="32767" units="dev"/>
+          <inkml:channel name="OA" type="integer" max="360" units="deg"/>
+          <inkml:channel name="OE" type="integer" max="90" units="deg"/>
+        </inkml:traceFormat>
+        <inkml:channelProperties>
+          <inkml:channelProperty channel="X" name="resolution" value="1000" units="1/cm"/>
+          <inkml:channelProperty channel="Y" name="resolution" value="1000" units="1/cm"/>
+          <inkml:channelProperty channel="F" name="resolution" value="0" units="1/dev"/>
+          <inkml:channelProperty channel="OA" name="resolution" value="1000" units="1/deg"/>
+          <inkml:channelProperty channel="OE" name="resolution" value="1000" units="1/deg"/>
+        </inkml:channelProperties>
+      </inkml:inkSource>
+      <inkml:timestamp xml:id="ts0" timeString="2020-11-03T16:22:37.035"/>
+    </inkml:context>
+    <inkml:brush xml:id="br0">
+      <inkml:brushProperty name="width" value="0.05" units="cm"/>
+      <inkml:brushProperty name="height" value="0.05" units="cm"/>
+      <inkml:brushProperty name="color" value="#E71224"/>
+    </inkml:brush>
+  </inkml:definitions>
+  <inkml:trace contextRef="#ctx0" brushRef="#br0">1 5 17503 0 0,'0'0'1759'0'0,"1"0"-1614"0"0,0-1 87 0 0,1 0-1 0 0,-1 1 0 0 0,1-1 0 0 0,-1 1 0 0 0,1-1 0 0 0,-1 1 0 0 0,1 0 1 0 0,-1 0-1 0 0,4-1 0 0 0,-4 2-98 0 0,0-1 1 0 0,-1 1-1 0 0,1-1 1 0 0,0 0-1 0 0,0 1 0 0 0,0 0 1 0 0,-1-1-1 0 0,1 1 1 0 0,0-1-1 0 0,-1 1 0 0 0,1 0 1 0 0,1 1-1 0 0,0 0-408 0 0,3 6 510 0 0,1 0-1 0 0,-1 1 1 0 0,0 0 0 0 0,-1 0 0 0 0,0 0-1 0 0,-1 0 1 0 0,0 0 0 0 0,3 12 0 0 0,4 13 368 0 0,5 10 140 0 0,-2 0 1 0 0,12 80-1 0 0,-22-95-663 0 0,-1 0 0 0 0,-1 0 0 0 0,-1 0 0 0 0,-1 1-1 0 0,-8 40 1 0 0,3-42-76 0 0,-15 69 96 0 0,17-86-146 0 0,0 1-1 0 0,0-1 1 0 0,-1 0 0 0 0,0 0 0 0 0,-1-1-1 0 0,-8 11 1 0 0,1-5-1282 0 0,-3-3-5301 0 0,-1-3-2149 0 0</inkml:trace>
+</inkml:ink>
+</file>
+
+<file path=ppt/ink/ink103.xml><?xml version="1.0" encoding="utf-8"?>
+<inkml:ink xmlns:inkml="http://www.w3.org/2003/InkML">
+  <inkml:definitions>
+    <inkml:context xml:id="ctx0">
+      <inkml:inkSource xml:id="inkSrc0">
+        <inkml:traceFormat>
+          <inkml:channel name="X" type="integer" min="-2.14748E9" max="2.14748E9" units="cm"/>
+          <inkml:channel name="Y" type="integer" min="-2.14748E9" max="2.14748E9" units="cm"/>
+          <inkml:channel name="F" type="integer" max="32767" units="dev"/>
+          <inkml:channel name="OA" type="integer" max="360" units="deg"/>
+          <inkml:channel name="OE" type="integer" max="90" units="deg"/>
+        </inkml:traceFormat>
+        <inkml:channelProperties>
+          <inkml:channelProperty channel="X" name="resolution" value="1000" units="1/cm"/>
+          <inkml:channelProperty channel="Y" name="resolution" value="1000" units="1/cm"/>
+          <inkml:channelProperty channel="F" name="resolution" value="0" units="1/dev"/>
+          <inkml:channelProperty channel="OA" name="resolution" value="1000" units="1/deg"/>
+          <inkml:channelProperty channel="OE" name="resolution" value="1000" units="1/deg"/>
+        </inkml:channelProperties>
+      </inkml:inkSource>
+      <inkml:timestamp xml:id="ts0" timeString="2020-11-03T16:22:43.533"/>
+    </inkml:context>
+    <inkml:brush xml:id="br0">
+      <inkml:brushProperty name="width" value="0.05" units="cm"/>
+      <inkml:brushProperty name="height" value="0.05" units="cm"/>
+      <inkml:brushProperty name="color" value="#E71224"/>
+    </inkml:brush>
+  </inkml:definitions>
+  <inkml:trace contextRef="#ctx0" brushRef="#br0">337 65 6448 0 0,'0'0'585'0'0,"-5"-5"1975"0"0,-2-10-380 0 0,2 5-1041 0 0,4 8-961 0 0,0 0-1 0 0,1 0 1 0 0,-1 1 0 0 0,0-1 0 0 0,0 0 0 0 0,0 0 0 0 0,0 0 0 0 0,-1 1 0 0 0,1-1 0 0 0,0 1 0 0 0,-1-1 0 0 0,1 1-1 0 0,-1-1 1 0 0,1 1 0 0 0,-1 0 0 0 0,1 0 0 0 0,-1 0 0 0 0,0 0 0 0 0,0 0 0 0 0,0 0 0 0 0,0 0 0 0 0,0 1 0 0 0,0-1-1 0 0,1 1 1 0 0,-1-1 0 0 0,-1 1 0 0 0,1 0 0 0 0,0 0 0 0 0,0-1 0 0 0,0 2 0 0 0,-2-1 0 0 0,-3 0-22 0 0,1 1 0 0 0,-1 0 1 0 0,1 0-1 0 0,0 0 0 0 0,0 1 0 0 0,-1 0 0 0 0,1 0 1 0 0,0 0-1 0 0,0 1 0 0 0,1 0 0 0 0,-1 0 1 0 0,-9 8-1 0 0,7-6-114 0 0,1 1 0 0 0,1 1 0 0 0,-1 0 1 0 0,1 0-1 0 0,0 0 0 0 0,1 0 0 0 0,0 1 0 0 0,-6 12 0 0 0,-9 13 49 0 0,-4 10 58 0 0,10-11-64 0 0,2 1 0 0 0,0 0-1 0 0,3 1 1 0 0,0 0-1 0 0,3 0 1 0 0,0 1-1 0 0,3 0 1 0 0,0 67 0 0 0,6-71 115 0 0,1 0 1 0 0,1 0-1 0 0,2-1 1 0 0,0 0-1 0 0,3 0 1 0 0,13 32-1 0 0,-14-44-56 0 0,0 1 0 0 0,1-1-1 0 0,1-1 1 0 0,1 0-1 0 0,0 0 1 0 0,1-1-1 0 0,1-1 1 0 0,0 0-1 0 0,1-1 1 0 0,20 15-1 0 0,-29-25-90 0 0,-1-1 0 0 0,1 1 1 0 0,0-1-1 0 0,0 0 0 0 0,1-1 0 0 0,-1 1 0 0 0,1-1 0 0 0,-1-1 0 0 0,1 1 0 0 0,0-1 1 0 0,12 1-1 0 0,-10-2-29 0 0,0-1 1 0 0,0 0-1 0 0,-1 0 1 0 0,1-1 0 0 0,-1 0-1 0 0,1-1 1 0 0,-1 1-1 0 0,15-8 1 0 0,-1-2 85 0 0,1-1 0 0 0,-2-1 1 0 0,1-1-1 0 0,-2-1 0 0 0,0 0 1 0 0,-1-2-1 0 0,-1 0 0 0 0,-1-1 0 0 0,0-1 1 0 0,-2 0-1 0 0,0-2 0 0 0,-1 1 0 0 0,-1-2 1 0 0,-1 0-1 0 0,-1 0 0 0 0,8-27 0 0 0,-9 18-47 0 0,-1-1-1 0 0,-2 0 1 0 0,-1 0-1 0 0,2-41 1 0 0,-7 53-6 0 0,-1-1 0 0 0,-1 1 1 0 0,-1-1-1 0 0,-1 1 0 0 0,-1 0 1 0 0,-1 0-1 0 0,-12-34 0 0 0,7 31 14 0 0,0 0 0 0 0,-2 1-1 0 0,-15-24 1 0 0,22 39-45 0 0,0 1 0 0 0,-1 0 1 0 0,0 0-1 0 0,0 1 0 0 0,0 0 0 0 0,-1 0 1 0 0,0 0-1 0 0,0 1 0 0 0,0 0 0 0 0,-1 0 1 0 0,0 0-1 0 0,-13-5 0 0 0,12 7-11 0 0,0 1 1 0 0,-1 0-1 0 0,1 0 0 0 0,-1 1 0 0 0,1 0 1 0 0,-1 0-1 0 0,1 1 0 0 0,-1 0 0 0 0,0 1 1 0 0,1 0-1 0 0,-16 4 0 0 0,14-2-28 0 0,0 1-1 0 0,0 0 1 0 0,0 1 0 0 0,1 0-1 0 0,0 1 1 0 0,0 0 0 0 0,0 1-1 0 0,1 0 1 0 0,-11 9-1 0 0,12-9-327 0 0,0 1 0 0 0,0-1 0 0 0,0 1 0 0 0,1 1 0 0 0,0-1 0 0 0,1 1 0 0 0,0 1 0 0 0,-5 10 0 0 0,9-13-2207 0 0</inkml:trace>
+</inkml:ink>
+</file>
+
+<file path=ppt/ink/ink104.xml><?xml version="1.0" encoding="utf-8"?>
+<inkml:ink xmlns:inkml="http://www.w3.org/2003/InkML">
+  <inkml:definitions>
+    <inkml:context xml:id="ctx0">
+      <inkml:inkSource xml:id="inkSrc0">
+        <inkml:traceFormat>
+          <inkml:channel name="X" type="integer" min="-2.14748E9" max="2.14748E9" units="cm"/>
+          <inkml:channel name="Y" type="integer" min="-2.14748E9" max="2.14748E9" units="cm"/>
+          <inkml:channel name="F" type="integer" max="32767" units="dev"/>
+          <inkml:channel name="OA" type="integer" max="360" units="deg"/>
+          <inkml:channel name="OE" type="integer" max="90" units="deg"/>
+        </inkml:traceFormat>
+        <inkml:channelProperties>
+          <inkml:channelProperty channel="X" name="resolution" value="1000" units="1/cm"/>
+          <inkml:channelProperty channel="Y" name="resolution" value="1000" units="1/cm"/>
+          <inkml:channelProperty channel="F" name="resolution" value="0" units="1/dev"/>
+          <inkml:channelProperty channel="OA" name="resolution" value="1000" units="1/deg"/>
+          <inkml:channelProperty channel="OE" name="resolution" value="1000" units="1/deg"/>
+        </inkml:channelProperties>
+      </inkml:inkSource>
+      <inkml:timestamp xml:id="ts0" timeString="2020-11-03T16:22:44.250"/>
+    </inkml:context>
+    <inkml:brush xml:id="br0">
+      <inkml:brushProperty name="width" value="0.05" units="cm"/>
+      <inkml:brushProperty name="height" value="0.05" units="cm"/>
+      <inkml:brushProperty name="color" value="#E71224"/>
+    </inkml:brush>
+  </inkml:definitions>
+  <inkml:trace contextRef="#ctx0" brushRef="#br0">0 203 2304 0 0,'0'0'441'0'0,"5"-8"6409"0"0,-1 1-5563 0 0,8-10-91 0 0,1 0-1 0 0,1 1 1 0 0,0 0-1 0 0,2 1 1 0 0,29-22 0 0 0,-23 19-333 0 0,-13 11-458 0 0,1 0-1 0 0,1 0 0 0 0,11-4 0 0 0,-1-1 243 0 0,-20 11-602 0 0,1 1 0 0 0,-1-1-1 0 0,1 0 1 0 0,-1 0 0 0 0,1 0-1 0 0,-1 1 1 0 0,1-1 0 0 0,0 1-1 0 0,-1-1 1 0 0,1 1-1 0 0,0 0 1 0 0,-1 0 0 0 0,1 0-1 0 0,0 0 1 0 0,-1 0 0 0 0,1 0-1 0 0,0 0 1 0 0,0 0 0 0 0,-1 1-1 0 0,1-1 1 0 0,0 1 0 0 0,-1-1-1 0 0,1 1 1 0 0,-1-1 0 0 0,1 1-1 0 0,-1 0 1 0 0,1 0-1 0 0,-1 0 1 0 0,1 0 0 0 0,-1 0-1 0 0,0 0 1 0 0,0 0 0 0 0,1 1-1 0 0,-1-1 1 0 0,0 0 0 0 0,0 1-1 0 0,1 1 1 0 0,2 5 78 0 0,1 0 0 0 0,-2 1 0 0 0,1-1 0 0 0,-1 1-1 0 0,3 12 1 0 0,-4-15-85 0 0,3 14 336 0 0,0 0 65 0 0,1-1 0 0 0,14 31 0 0 0,-17-44-369 0 0,0-1 0 0 0,0 1 0 0 0,0-1 0 0 0,1 0 0 0 0,0-1 0 0 0,0 1 0 0 0,0-1 1 0 0,0 1-1 0 0,1-1 0 0 0,0 0 0 0 0,0-1 0 0 0,0 1 0 0 0,8 3 0 0 0,-10-6-24 0 0,0 0 0 0 0,0 0 1 0 0,0-1-1 0 0,0 1 0 0 0,0-1 0 0 0,0 0 0 0 0,0 1 0 0 0,0-1 0 0 0,0-1 0 0 0,1 1 1 0 0,4-1-1 0 0,36-12 273 0 0,-35 11-267 0 0,-2-1-24 0 0,0 0-1 0 0,-1 0 0 0 0,1 0 0 0 0,-1-1 0 0 0,0 0 0 0 0,0 0 0 0 0,10-8 0 0 0,0-4-25 0 0,17-20 0 0 0,-24 24-644 0 0,1 1-1 0 0,0 0 1 0 0,1 1 0 0 0,0 0 0 0 0,19-12-1 0 0,-11 12-1177 0 0</inkml:trace>
+</inkml:ink>
+</file>
+
+<file path=ppt/ink/ink105.xml><?xml version="1.0" encoding="utf-8"?>
+<inkml:ink xmlns:inkml="http://www.w3.org/2003/InkML">
+  <inkml:definitions>
+    <inkml:context xml:id="ctx0">
+      <inkml:inkSource xml:id="inkSrc0">
+        <inkml:traceFormat>
+          <inkml:channel name="X" type="integer" min="-2.14748E9" max="2.14748E9" units="cm"/>
+          <inkml:channel name="Y" type="integer" min="-2.14748E9" max="2.14748E9" units="cm"/>
+          <inkml:channel name="F" type="integer" max="32767" units="dev"/>
+          <inkml:channel name="OA" type="integer" max="360" units="deg"/>
+          <inkml:channel name="OE" type="integer" max="90" units="deg"/>
+        </inkml:traceFormat>
+        <inkml:channelProperties>
+          <inkml:channelProperty channel="X" name="resolution" value="1000" units="1/cm"/>
+          <inkml:channelProperty channel="Y" name="resolution" value="1000" units="1/cm"/>
+          <inkml:channelProperty channel="F" name="resolution" value="0" units="1/dev"/>
+          <inkml:channelProperty channel="OA" name="resolution" value="1000" units="1/deg"/>
+          <inkml:channelProperty channel="OE" name="resolution" value="1000" units="1/deg"/>
+        </inkml:channelProperties>
+      </inkml:inkSource>
+      <inkml:timestamp xml:id="ts0" timeString="2020-11-03T16:22:44.931"/>
+    </inkml:context>
+    <inkml:brush xml:id="br0">
+      <inkml:brushProperty name="width" value="0.05" units="cm"/>
+      <inkml:brushProperty name="height" value="0.05" units="cm"/>
+      <inkml:brushProperty name="color" value="#E71224"/>
+    </inkml:brush>
+  </inkml:definitions>
+  <inkml:trace contextRef="#ctx0" brushRef="#br0">205 1 8752 0 0,'0'0'673'0'0,"-13"3"1787"0"0,9-1-1987 0 0,-1 0 1 0 0,1 1-1 0 0,-1-1 0 0 0,1 1 1 0 0,0 0-1 0 0,0 1 0 0 0,0-1 1 0 0,1 1-1 0 0,-1 0 0 0 0,-5 8 1 0 0,-2 4-40 0 0,-13 27 0 0 0,17-31-211 0 0,-3 9 68 0 0,1 0 0 0 0,-13 44-1 0 0,-4 49 451 0 0,24-102-648 0 0,-10 58 642 0 0,3 0 1 0 0,3 1-1 0 0,3 0 0 0 0,3-1 1 0 0,3 1-1 0 0,16 90 1 0 0,-15-134-509 0 0,1 1 0 0 0,2-1 0 0 0,1 0 0 0 0,1-1 0 0 0,15 33 0 0 0,-21-54-223 0 0,0 0-1 0 0,0-1 0 0 0,0 1 1 0 0,1 0-1 0 0,-1-1 1 0 0,5 4-1 0 0,-6-6-16 0 0,0 0 1 0 0,0-1-1 0 0,0 1 0 0 0,0-1 0 0 0,0 0 0 0 0,1 0 1 0 0,-1 0-1 0 0,0 0 0 0 0,0 0 0 0 0,1 0 0 0 0,-1 0 1 0 0,1-1-1 0 0,-1 1 0 0 0,5-1 0 0 0,-6 0-143 0 0,0-1-1 0 0,0 1 0 0 0,0-1 1 0 0,0 1-1 0 0,0-1 1 0 0,0 1-1 0 0,-1-1 0 0 0,1 0 1 0 0,0 0-1 0 0,0 1 1 0 0,-1-1-1 0 0,1 0 1 0 0,0 0-1 0 0,-1 0 0 0 0,1 0 1 0 0,-1 0-1 0 0,1 0 1 0 0,-1 0-1 0 0,0 0 0 0 0,1 0 1 0 0,-1 0-1 0 0,0-1 1 0 0,1 1-345 0 0,2-13-7604 0 0</inkml:trace>
+</inkml:ink>
+</file>
+
+<file path=ppt/ink/ink106.xml><?xml version="1.0" encoding="utf-8"?>
+<inkml:ink xmlns:inkml="http://www.w3.org/2003/InkML">
+  <inkml:definitions>
+    <inkml:context xml:id="ctx0">
+      <inkml:inkSource xml:id="inkSrc0">
+        <inkml:traceFormat>
+          <inkml:channel name="X" type="integer" min="-2.14748E9" max="2.14748E9" units="cm"/>
+          <inkml:channel name="Y" type="integer" min="-2.14748E9" max="2.14748E9" units="cm"/>
+          <inkml:channel name="F" type="integer" max="32767" units="dev"/>
+          <inkml:channel name="OA" type="integer" max="360" units="deg"/>
+          <inkml:channel name="OE" type="integer" max="90" units="deg"/>
+        </inkml:traceFormat>
+        <inkml:channelProperties>
+          <inkml:channelProperty channel="X" name="resolution" value="1000" units="1/cm"/>
+          <inkml:channelProperty channel="Y" name="resolution" value="1000" units="1/cm"/>
+          <inkml:channelProperty channel="F" name="resolution" value="0" units="1/dev"/>
+          <inkml:channelProperty channel="OA" name="resolution" value="1000" units="1/deg"/>
+          <inkml:channelProperty channel="OE" name="resolution" value="1000" units="1/deg"/>
+        </inkml:channelProperties>
+      </inkml:inkSource>
+      <inkml:timestamp xml:id="ts0" timeString="2020-11-03T16:22:45.652"/>
+    </inkml:context>
+    <inkml:brush xml:id="br0">
+      <inkml:brushProperty name="width" value="0.05" units="cm"/>
+      <inkml:brushProperty name="height" value="0.05" units="cm"/>
+      <inkml:brushProperty name="color" value="#E71224"/>
+    </inkml:brush>
+  </inkml:definitions>
+  <inkml:trace contextRef="#ctx0" brushRef="#br0">1 395 2760 0 0,'0'0'12181'0'0,"6"-16"-9803"0"0,3-9-666 0 0,14-83 1239 0 0,-7 35-1582 0 0,-7 41-585 0 0,-6 25-421 0 0,-1 0-1 0 0,0-1 1 0 0,0 1 0 0 0,1-15 0 0 0,3 50-441 0 0,-7 70 25 0 0,2-75 100 0 0,1 0 1 0 0,1 0-1 0 0,1-1 1 0 0,9 32-1 0 0,-13-53-43 0 0,1 1-1 0 0,-1-1 1 0 0,1 0-1 0 0,-1 1 1 0 0,1-1-1 0 0,0 0 1 0 0,-1 0 0 0 0,1 1-1 0 0,0-1 1 0 0,0 0-1 0 0,0 0 1 0 0,0 0-1 0 0,0 0 1 0 0,0 0-1 0 0,0 0 1 0 0,0 0-1 0 0,1-1 1 0 0,-1 1 0 0 0,0 0-1 0 0,1 0 1 0 0,-1-1-1 0 0,0 1 1 0 0,1-1-1 0 0,-1 0 1 0 0,0 1-1 0 0,1-1 1 0 0,-1 0-1 0 0,3 0 1 0 0,-1 0-3 0 0,-1 0-1 0 0,1-1 1 0 0,-1 1 0 0 0,0-1-1 0 0,0 0 1 0 0,1 0 0 0 0,-1 0 0 0 0,0 0-1 0 0,0 0 1 0 0,0 0 0 0 0,0-1-1 0 0,0 1 1 0 0,0 0 0 0 0,0-1-1 0 0,-1 0 1 0 0,3-2 0 0 0,3-5 82 0 0,0-1 0 0 0,-1 0 0 0 0,0-1 0 0 0,0 0-1 0 0,-1 0 1 0 0,4-15 0 0 0,14-28 22 0 0,30-67 133 0 0,-28 58-328 0 0,-21 51-126 0 0,9-15-3860 0 0</inkml:trace>
+</inkml:ink>
+</file>
+
+<file path=ppt/ink/ink107.xml><?xml version="1.0" encoding="utf-8"?>
+<inkml:ink xmlns:inkml="http://www.w3.org/2003/InkML">
+  <inkml:definitions>
+    <inkml:context xml:id="ctx0">
+      <inkml:inkSource xml:id="inkSrc0">
+        <inkml:traceFormat>
+          <inkml:channel name="X" type="integer" min="-2.14748E9" max="2.14748E9" units="cm"/>
+          <inkml:channel name="Y" type="integer" min="-2.14748E9" max="2.14748E9" units="cm"/>
+          <inkml:channel name="F" type="integer" max="32767" units="dev"/>
+          <inkml:channel name="OA" type="integer" max="360" units="deg"/>
+          <inkml:channel name="OE" type="integer" max="90" units="deg"/>
+        </inkml:traceFormat>
+        <inkml:channelProperties>
+          <inkml:channelProperty channel="X" name="resolution" value="1000" units="1/cm"/>
+          <inkml:channelProperty channel="Y" name="resolution" value="1000" units="1/cm"/>
+          <inkml:channelProperty channel="F" name="resolution" value="0" units="1/dev"/>
+          <inkml:channelProperty channel="OA" name="resolution" value="1000" units="1/deg"/>
+          <inkml:channelProperty channel="OE" name="resolution" value="1000" units="1/deg"/>
+        </inkml:channelProperties>
+      </inkml:inkSource>
+      <inkml:timestamp xml:id="ts0" timeString="2020-11-03T16:22:47.015"/>
+    </inkml:context>
+    <inkml:brush xml:id="br0">
+      <inkml:brushProperty name="width" value="0.05" units="cm"/>
+      <inkml:brushProperty name="height" value="0.05" units="cm"/>
+      <inkml:brushProperty name="color" value="#E71224"/>
+    </inkml:brush>
+  </inkml:definitions>
+  <inkml:trace contextRef="#ctx0" brushRef="#br0">28 25 8432 0 0,'0'0'388'0'0,"6"-24"8998"0"0,-6 24-9213 0 0,7 5 1863 0 0,6 9-1660 0 0,-8-4-27 0 0,-1 0 0 0 0,0 0 0 0 0,0 0 0 0 0,-1 0-1 0 0,3 20 1 0 0,3 5 222 0 0,18 71 589 0 0,8 28-624 0 0,-20-96-296 0 0,-14-37-52 0 0,-2-3-334 0 0,1 0 0 0 0,-1-1 0 0 0,1 1 0 0 0,-1 0-1 0 0,0 0 1 0 0,0 0 0 0 0,0 0 0 0 0,0 0 0 0 0,0 0 0 0 0,0 0 0 0 0,-3-2-1 0 0,-15-19-2389 0 0,19 22 2493 0 0,-24-25-2478 0 0,12 12 1269 0 0,-22-20 0 0 0,18 19 1773 0 0,-28-31 0 0 0,44 45-428 0 0,-1 0 0 0 0,1 1 0 0 0,-1-1 0 0 0,1 1 0 0 0,0-1 0 0 0,-1 0 0 0 0,1 1 0 0 0,0-1 0 0 0,-1 0 0 0 0,1 1-1 0 0,0-1 1 0 0,0 0 0 0 0,0 0 0 0 0,0 1 0 0 0,-1-1 0 0 0,1 0 0 0 0,0 0 0 0 0,0 1 0 0 0,0-1 0 0 0,1 0 0 0 0,-1 1-1 0 0,0-1 1 0 0,0 0 0 0 0,0 0 0 0 0,0 1 0 0 0,1-1 0 0 0,-1 0 0 0 0,0 1 0 0 0,1-1 0 0 0,-1 0 0 0 0,1 1 0 0 0,-1-1-1 0 0,0 1 1 0 0,1-1 0 0 0,-1 0 0 0 0,1 1 0 0 0,0 0 0 0 0,-1-1 0 0 0,1 1 0 0 0,-1-1 0 0 0,1 1 0 0 0,1-1 0 0 0,4-3 321 0 0,0 1 0 0 0,1 0 1 0 0,12-4-1 0 0,-6 3-219 0 0,2-2 516 0 0,29-5-1 0 0,-39 10-556 0 0,5-2 13 0 0,-1 1 60 0 0,0 0 1 0 0,17-1-1 0 0,-25 3-131 0 0,7 10 54 0 0,-7-8-141 0 0,-1 1 0 0 0,0-1 0 0 0,0 0 0 0 0,0 0 0 0 0,0 1 0 0 0,-1-1 0 0 0,1 0 0 0 0,0 0 0 0 0,-1 0 1 0 0,0 0-1 0 0,0 0 0 0 0,1 1 0 0 0,-1-1 0 0 0,0 0 0 0 0,-1-1 0 0 0,1 1 0 0 0,0 0 0 0 0,0 0 0 0 0,-1 0 1 0 0,1-1-1 0 0,-1 1 0 0 0,-2 2 0 0 0,-3 1 30 0 0,1 0-1 0 0,-1 0 1 0 0,0-1 0 0 0,-13 7-1 0 0,15-8-38 0 0,-1 0 0 0 0,0-1 0 0 0,1 1 0 0 0,-1-1 0 0 0,0-1 0 0 0,0 1 0 0 0,0-1 0 0 0,0 0 0 0 0,0-1 0 0 0,-8 1 0 0 0,-17 4 11 0 0,30-5 133 0 0,2 0-139 0 0,-1 0 1 0 0,0 0-1 0 0,0-1 1 0 0,0 1-1 0 0,0 0 1 0 0,0 0 0 0 0,0 0-1 0 0,0 0 1 0 0,0 0-1 0 0,1 0 1 0 0,-1 0-1 0 0,0-1 1 0 0,0 1-1 0 0,0 0 1 0 0,0 0-1 0 0,0 0 1 0 0,0 0-1 0 0,0 0 1 0 0,0-1-1 0 0,0 1 1 0 0,0 0-1 0 0,0 0 1 0 0,0 0-1 0 0,0 0 1 0 0,0 0-1 0 0,0-1 1 0 0,0 1-1 0 0,0 0 1 0 0,0 0 0 0 0,0 0-1 0 0,0 0 1 0 0,0 0-1 0 0,0 0 1 0 0,-1-1-1 0 0,1 1 1 0 0,0 0-1 0 0,0 0 1 0 0,0 0-1 0 0,0 0 1 0 0,0 0-1 0 0,0 0 1 0 0,0 0-1 0 0,0 0 1 0 0,0-1-1 0 0,-1 1 1 0 0,1 0-1 0 0,0 0 1 0 0,0 0-1 0 0,0 0 1 0 0,0 0-1 0 0,0 0 1 0 0,-1 0-1 0 0,1 0 1 0 0,0 0 0 0 0,0 0-1 0 0,0 0 1 0 0,0 0-1 0 0,0 0 1 0 0,-1 0-1 0 0,14-9 107 0 0,-11 8-62 0 0,5-4 19 0 0,1 1 0 0 0,0 1 0 0 0,0-1 0 0 0,0 1 0 0 0,10-3 0 0 0,16-5 181 0 0,-25 8-324 0 0,-1 0-1 0 0,1 1 1 0 0,0 1-1 0 0,14-2 0 0 0,3 0-1468 0 0,14-2-1947 0 0,-28 4 1768 0 0</inkml:trace>
+</inkml:ink>
+</file>
+
+<file path=ppt/ink/ink108.xml><?xml version="1.0" encoding="utf-8"?>
+<inkml:ink xmlns:inkml="http://www.w3.org/2003/InkML">
+  <inkml:definitions>
+    <inkml:context xml:id="ctx0">
+      <inkml:inkSource xml:id="inkSrc0">
+        <inkml:traceFormat>
+          <inkml:channel name="X" type="integer" min="-2.14748E9" max="2.14748E9" units="cm"/>
+          <inkml:channel name="Y" type="integer" min="-2.14748E9" max="2.14748E9" units="cm"/>
+          <inkml:channel name="F" type="integer" max="32767" units="dev"/>
+          <inkml:channel name="OA" type="integer" max="360" units="deg"/>
+          <inkml:channel name="OE" type="integer" max="90" units="deg"/>
+        </inkml:traceFormat>
+        <inkml:channelProperties>
+          <inkml:channelProperty channel="X" name="resolution" value="1000" units="1/cm"/>
+          <inkml:channelProperty channel="Y" name="resolution" value="1000" units="1/cm"/>
+          <inkml:channelProperty channel="F" name="resolution" value="0" units="1/dev"/>
+          <inkml:channelProperty channel="OA" name="resolution" value="1000" units="1/deg"/>
+          <inkml:channelProperty channel="OE" name="resolution" value="1000" units="1/deg"/>
+        </inkml:channelProperties>
+      </inkml:inkSource>
+      <inkml:timestamp xml:id="ts0" timeString="2020-11-03T16:22:47.867"/>
+    </inkml:context>
+    <inkml:brush xml:id="br0">
+      <inkml:brushProperty name="width" value="0.05" units="cm"/>
+      <inkml:brushProperty name="height" value="0.05" units="cm"/>
+      <inkml:brushProperty name="color" value="#E71224"/>
+    </inkml:brush>
+  </inkml:definitions>
+  <inkml:trace contextRef="#ctx0" brushRef="#br0">14 0 7368 0 0,'0'0'7906'0'0,"-1"8"-6149"0"0,1 4-808 0 0,-1 1 0 0 0,4 23 0 0 0,-1 3-85 0 0,-14 241 1824 0 0,9-245-2605 0 0,1 1 0 0 0,5 56 0 0 0,-3-89-354 0 0,0 0 0 0 0,1-1 0 0 0,0 1 0 0 0,0 0 0 0 0,1 4 0 0 0,11-12-8016 0 0,-5 0 2329 0 0</inkml:trace>
+</inkml:ink>
+</file>
+
+<file path=ppt/ink/ink109.xml><?xml version="1.0" encoding="utf-8"?>
+<inkml:ink xmlns:inkml="http://www.w3.org/2003/InkML">
+  <inkml:definitions>
+    <inkml:context xml:id="ctx0">
+      <inkml:inkSource xml:id="inkSrc0">
+        <inkml:traceFormat>
+          <inkml:channel name="X" type="integer" min="-2.14748E9" max="2.14748E9" units="cm"/>
+          <inkml:channel name="Y" type="integer" min="-2.14748E9" max="2.14748E9" units="cm"/>
+          <inkml:channel name="F" type="integer" max="32767" units="dev"/>
+          <inkml:channel name="OA" type="integer" max="360" units="deg"/>
+          <inkml:channel name="OE" type="integer" max="90" units="deg"/>
+        </inkml:traceFormat>
+        <inkml:channelProperties>
+          <inkml:channelProperty channel="X" name="resolution" value="1000" units="1/cm"/>
+          <inkml:channelProperty channel="Y" name="resolution" value="1000" units="1/cm"/>
+          <inkml:channelProperty channel="F" name="resolution" value="0" units="1/dev"/>
+          <inkml:channelProperty channel="OA" name="resolution" value="1000" units="1/deg"/>
+          <inkml:channelProperty channel="OE" name="resolution" value="1000" units="1/deg"/>
+        </inkml:channelProperties>
+      </inkml:inkSource>
+      <inkml:timestamp xml:id="ts0" timeString="2020-11-03T16:22:48.203"/>
+    </inkml:context>
+    <inkml:brush xml:id="br0">
+      <inkml:brushProperty name="width" value="0.05" units="cm"/>
+      <inkml:brushProperty name="height" value="0.05" units="cm"/>
+      <inkml:brushProperty name="color" value="#E71224"/>
+    </inkml:brush>
+  </inkml:definitions>
+  <inkml:trace contextRef="#ctx0" brushRef="#br0">87 1 10912 0 0,'-4'1'189'0'0,"1"-1"0"0"0,-1 1 0 0 0,1 0 0 0 0,-1 0 0 0 0,1 0 0 0 0,0 0 0 0 0,-1 0 0 0 0,1 1 0 0 0,0 0 0 0 0,0-1 0 0 0,0 1 0 0 0,0 0 0 0 0,1 1 0 0 0,-1-1 0 0 0,0 0 0 0 0,-3 6 0 0 0,2-2 408 0 0,1 0 0 0 0,-1 0 1 0 0,2 0-1 0 0,-1 1 0 0 0,1-1 1 0 0,0 1-1 0 0,-2 12 0 0 0,2-11-101 0 0,0 0-1 0 0,1 0 0 0 0,1 0 0 0 0,0 9 0 0 0,0-13-289 0 0,0-1-1 0 0,1 1 1 0 0,-1-1-1 0 0,1 1 1 0 0,0-1-1 0 0,0 1 1 0 0,0-1 0 0 0,1 0-1 0 0,-1 1 1 0 0,1-1-1 0 0,4 5 1 0 0,-5-6-143 0 0,-1-1 1 0 0,1 1-1 0 0,1-1 1 0 0,-1 0-1 0 0,0 1 1 0 0,0-1-1 0 0,0 0 1 0 0,1 0-1 0 0,-1 0 1 0 0,0 0-1 0 0,1 0 1 0 0,-1 0-1 0 0,1 0 1 0 0,-1-1-1 0 0,1 1 1 0 0,-1 0-1 0 0,1-1 1 0 0,0 0-1 0 0,-1 1 1 0 0,1-1-1 0 0,0 0 1 0 0,-1 0-1 0 0,1 1 1 0 0,0-1-1 0 0,-1-1 1 0 0,1 1-1 0 0,0 0 1 0 0,-1 0-1 0 0,1-1 1 0 0,0 1-1 0 0,-1-1 1 0 0,1 1-1 0 0,0-1 1 0 0,-1 1-1 0 0,1-1 1 0 0,-1 0-1 0 0,0 0 1 0 0,1 0-1 0 0,1-1 1 0 0,4-4-15 0 0,-1-1-1 0 0,0 1 1 0 0,0-1 0 0 0,0 0 0 0 0,0 0-1 0 0,-1-1 1 0 0,-1 1 0 0 0,1-1-1 0 0,-1 0 1 0 0,4-11 0 0 0,3-13-91 0 0,10-43 0 0 0,-20 71-28 0 0</inkml:trace>
+</inkml:ink>
+</file>
+
+<file path=ppt/ink/ink11.xml><?xml version="1.0" encoding="utf-8"?>
+<inkml:ink xmlns:inkml="http://www.w3.org/2003/InkML">
+  <inkml:definitions>
+    <inkml:context xml:id="ctx0">
+      <inkml:inkSource xml:id="inkSrc0">
+        <inkml:traceFormat>
+          <inkml:channel name="X" type="integer" min="-2.14748E9" max="2.14748E9" units="cm"/>
+          <inkml:channel name="Y" type="integer" min="-2.14748E9" max="2.14748E9" units="cm"/>
+          <inkml:channel name="F" type="integer" max="32767" units="dev"/>
+          <inkml:channel name="OA" type="integer" max="360" units="deg"/>
+          <inkml:channel name="OE" type="integer" max="90" units="deg"/>
+        </inkml:traceFormat>
+        <inkml:channelProperties>
+          <inkml:channelProperty channel="X" name="resolution" value="1000" units="1/cm"/>
+          <inkml:channelProperty channel="Y" name="resolution" value="1000" units="1/cm"/>
+          <inkml:channelProperty channel="F" name="resolution" value="0" units="1/dev"/>
+          <inkml:channelProperty channel="OA" name="resolution" value="1000" units="1/deg"/>
+          <inkml:channelProperty channel="OE" name="resolution" value="1000" units="1/deg"/>
+        </inkml:channelProperties>
+      </inkml:inkSource>
+      <inkml:timestamp xml:id="ts0" timeString="2020-11-04T17:00:48.492"/>
+    </inkml:context>
+    <inkml:brush xml:id="br0">
+      <inkml:brushProperty name="width" value="0.05" units="cm"/>
+      <inkml:brushProperty name="height" value="0.05" units="cm"/>
+      <inkml:brushProperty name="color" value="#004F8B"/>
+    </inkml:brush>
+  </inkml:definitions>
+  <inkml:trace contextRef="#ctx0" brushRef="#br0">0 0 17503 0 0,'0'0'1588'0'0,"11"10"-1284"0"0,-6-7 3596 0 0,27-1-2109 0 0,-19-1-956 0 0,0-1 0 0 0,14 0 0 0 0,-15-1-1325 0 0,-1 1 0 0 0,1 0 1 0 0,0 1-1 0 0,20 3 0 0 0,-20-1-909 0 0</inkml:trace>
+</inkml:ink>
+</file>
+
+<file path=ppt/ink/ink110.xml><?xml version="1.0" encoding="utf-8"?>
+<inkml:ink xmlns:inkml="http://www.w3.org/2003/InkML">
+  <inkml:definitions>
+    <inkml:context xml:id="ctx0">
+      <inkml:inkSource xml:id="inkSrc0">
+        <inkml:traceFormat>
+          <inkml:channel name="X" type="integer" min="-2.14748E9" max="2.14748E9" units="cm"/>
+          <inkml:channel name="Y" type="integer" min="-2.14748E9" max="2.14748E9" units="cm"/>
+          <inkml:channel name="F" type="integer" max="32767" units="dev"/>
+          <inkml:channel name="OA" type="integer" max="360" units="deg"/>
+          <inkml:channel name="OE" type="integer" max="90" units="deg"/>
+        </inkml:traceFormat>
+        <inkml:channelProperties>
+          <inkml:channelProperty channel="X" name="resolution" value="1000" units="1/cm"/>
+          <inkml:channelProperty channel="Y" name="resolution" value="1000" units="1/cm"/>
+          <inkml:channelProperty channel="F" name="resolution" value="0" units="1/dev"/>
+          <inkml:channelProperty channel="OA" name="resolution" value="1000" units="1/deg"/>
+          <inkml:channelProperty channel="OE" name="resolution" value="1000" units="1/deg"/>
+        </inkml:channelProperties>
+      </inkml:inkSource>
+      <inkml:timestamp xml:id="ts0" timeString="2020-11-03T16:22:48.702"/>
+    </inkml:context>
+    <inkml:brush xml:id="br0">
+      <inkml:brushProperty name="width" value="0.05" units="cm"/>
+      <inkml:brushProperty name="height" value="0.05" units="cm"/>
+      <inkml:brushProperty name="color" value="#E71224"/>
+    </inkml:brush>
+  </inkml:definitions>
+  <inkml:trace contextRef="#ctx0" brushRef="#br0">163 18 1376 0 0,'0'0'8697'0'0,"0"-1"-8145"0"0,0 0-1 0 0,0 0 1 0 0,0 0-1 0 0,0 0 1 0 0,0 0-1 0 0,0 0 1 0 0,0 0 0 0 0,0 0-1 0 0,0 1 1 0 0,0-1-1 0 0,0 0 1 0 0,-1-1-1 0 0,-1 1-431 0 0,1 0-1 0 0,-1 1 1 0 0,0-1-1 0 0,0 1 1 0 0,1-1-1 0 0,-1 1 0 0 0,0 0 1 0 0,0 0-1 0 0,0 0 1 0 0,1 0-1 0 0,-1 0 0 0 0,0 0 1 0 0,0 0-1 0 0,0 1 1 0 0,1-1-1 0 0,-1 1 0 0 0,0-1 1 0 0,0 1-1 0 0,1 0 1 0 0,-1-1-1 0 0,1 1 0 0 0,-1 0 1 0 0,-1 2-1 0 0,-2 0 63 0 0,0 0 0 0 0,1 0-1 0 0,0 1 1 0 0,0 0-1 0 0,0 0 1 0 0,-5 6 0 0 0,5-6-105 0 0,1 1 1 0 0,0 0-1 0 0,0 0 1 0 0,0 0-1 0 0,0 1 1 0 0,1-1 0 0 0,0 1-1 0 0,0-1 1 0 0,0 1-1 0 0,1 0 1 0 0,-2 5-1 0 0,3-4 34 0 0,0 1 0 0 0,0-1-1 0 0,0 0 1 0 0,1 0-1 0 0,0 0 1 0 0,1 0-1 0 0,1 7 1 0 0,-2-12-56 0 0,0 1-1 0 0,0-1 1 0 0,0 1-1 0 0,1-1 1 0 0,-1 1-1 0 0,1-1 1 0 0,-1 1-1 0 0,1-1 1 0 0,2 3 0 0 0,-2-4-34 0 0,-1-1 1 0 0,0 1 0 0 0,0 0-1 0 0,0 0 1 0 0,0 0 0 0 0,1-1-1 0 0,-1 1 1 0 0,0-1 0 0 0,1 1-1 0 0,-1-1 1 0 0,0 1 0 0 0,1-1-1 0 0,-1 0 1 0 0,1 0 0 0 0,-1 0 0 0 0,0 0-1 0 0,1 0 1 0 0,-1 0 0 0 0,2 0-1 0 0,0-1 7 0 0,-1 1-1 0 0,1-1 1 0 0,-1 0 0 0 0,0 0-1 0 0,1 0 1 0 0,-1-1-1 0 0,0 1 1 0 0,0-1-1 0 0,0 1 1 0 0,0-1 0 0 0,0 1-1 0 0,0-1 1 0 0,-1 0-1 0 0,3-2 1 0 0,-2 1 22 0 0,1-1 0 0 0,-1 1 0 0 0,0-1 0 0 0,1 0 0 0 0,-2 1 0 0 0,1-1 0 0 0,1-5 0 0 0,0-1 89 0 0,1-1 1 0 0,-1 1 0 0 0,2 1-1 0 0,10-20 1 0 0,-15 28-118 0 0,1 0-1 0 0,-1 0 1 0 0,1 1-1 0 0,-1-1 1 0 0,1 0-1 0 0,0 0 1 0 0,-1 0-1 0 0,1 0 1 0 0,0 1-1 0 0,0-1 1 0 0,0 0-1 0 0,-1 1 1 0 0,1-1-1 0 0,0 0 1 0 0,0 1-1 0 0,0 0 1 0 0,0-1-1 0 0,0 1 1 0 0,0-1-1 0 0,0 1 1 0 0,0 0-1 0 0,0 0 1 0 0,0-1-1 0 0,0 1 1 0 0,0 0-1 0 0,0 0 1 0 0,1 0-1 0 0,-1 0 1 0 0,0 0-1 0 0,0 1 1 0 0,0-1 0 0 0,0 0-1 0 0,0 0 1 0 0,0 1-1 0 0,0-1 1 0 0,0 1-1 0 0,0-1 1 0 0,1 1-1 0 0,1 1 26 0 0,-1 1 1 0 0,1-1-1 0 0,-1 0 0 0 0,0 0 1 0 0,1 1-1 0 0,-1 0 0 0 0,-1-1 1 0 0,1 1-1 0 0,0 0 0 0 0,-1 0 1 0 0,2 3-1 0 0,-1 0-8 0 0,0 0 0 0 0,-1-1 0 0 0,1 1 0 0 0,-2 0 1 0 0,1 0-1 0 0,0-1 0 0 0,-1 1 0 0 0,0 0 0 0 0,-1 0 0 0 0,-1 10 1 0 0,-3 4 66 0 0,-11 33 0 0 0,11-38-76 0 0,1-4-19 0 0,0-1 0 0 0,-1 1 0 0 0,0-1 0 0 0,-1 0 1 0 0,0 0-1 0 0,0-1 0 0 0,-1 0 0 0 0,0 0 0 0 0,-1 0 0 0 0,0-1 0 0 0,0 0 0 0 0,-19 12 0 0 0,22-17-369 0 0,0-1-1 0 0,0 1 1 0 0,-1-1-1 0 0,1-1 0 0 0,-1 1 1 0 0,0-1-1 0 0,1 0 1 0 0,-1 0-1 0 0,0-1 1 0 0,0 0-1 0 0,-5 0 1 0 0,8 0 186 0 0,1 0 1 0 0,0 0 0 0 0,0-1-1 0 0,-1 1 1 0 0,1 0 0 0 0,0-1-1 0 0,0 0 1 0 0,0 1 0 0 0,-1-1 0 0 0,1 0-1 0 0,0 0 1 0 0,0 0 0 0 0,0 0-1 0 0,0-1 1 0 0,1 1 0 0 0,-1 0-1 0 0,0-1 1 0 0,0 1 0 0 0,1-1-1 0 0,-1 0 1 0 0,1 0 0 0 0,0 1 0 0 0,-1-1-1 0 0,1 0 1 0 0,0 0 0 0 0,0 0-1 0 0,0 0 1 0 0,0-1 0 0 0,1 1-1 0 0,-2-4 1 0 0,2-4-1887 0 0</inkml:trace>
+</inkml:ink>
+</file>
+
+<file path=ppt/ink/ink111.xml><?xml version="1.0" encoding="utf-8"?>
+<inkml:ink xmlns:inkml="http://www.w3.org/2003/InkML">
+  <inkml:definitions>
+    <inkml:context xml:id="ctx0">
+      <inkml:inkSource xml:id="inkSrc0">
+        <inkml:traceFormat>
+          <inkml:channel name="X" type="integer" min="-2.14748E9" max="2.14748E9" units="cm"/>
+          <inkml:channel name="Y" type="integer" min="-2.14748E9" max="2.14748E9" units="cm"/>
+          <inkml:channel name="F" type="integer" max="32767" units="dev"/>
+          <inkml:channel name="OA" type="integer" max="360" units="deg"/>
+          <inkml:channel name="OE" type="integer" max="90" units="deg"/>
+        </inkml:traceFormat>
+        <inkml:channelProperties>
+          <inkml:channelProperty channel="X" name="resolution" value="1000" units="1/cm"/>
+          <inkml:channelProperty channel="Y" name="resolution" value="1000" units="1/cm"/>
+          <inkml:channelProperty channel="F" name="resolution" value="0" units="1/dev"/>
+          <inkml:channelProperty channel="OA" name="resolution" value="1000" units="1/deg"/>
+          <inkml:channelProperty channel="OE" name="resolution" value="1000" units="1/deg"/>
+        </inkml:channelProperties>
+      </inkml:inkSource>
+      <inkml:timestamp xml:id="ts0" timeString="2020-11-03T16:22:49.399"/>
+    </inkml:context>
+    <inkml:brush xml:id="br0">
+      <inkml:brushProperty name="width" value="0.05" units="cm"/>
+      <inkml:brushProperty name="height" value="0.05" units="cm"/>
+      <inkml:brushProperty name="color" value="#E71224"/>
+    </inkml:brush>
+  </inkml:definitions>
+  <inkml:trace contextRef="#ctx0" brushRef="#br0">0 12 4608 0 0,'0'0'11285'0'0,"9"0"-9812"0"0,-4 1-943 0 0,0-1-1 0 0,0 0 1 0 0,0 0-1 0 0,1-1 0 0 0,-1 1 1 0 0,0-1-1 0 0,0 0 1 0 0,5-2-1 0 0,-4 1 54 0 0,1 0-1 0 0,-1 1 0 0 0,13-1 1 0 0,-18 2-562 0 0,0 0 0 0 0,0 1 1 0 0,1-1-1 0 0,-1 0 1 0 0,0 1-1 0 0,0-1 1 0 0,0 1-1 0 0,0-1 0 0 0,0 1 1 0 0,0-1-1 0 0,0 1 1 0 0,0 0-1 0 0,0-1 1 0 0,0 1-1 0 0,0 0 0 0 0,0 0 1 0 0,0 0-1 0 0,-1 0 1 0 0,1 0-1 0 0,0 0 1 0 0,-1 0-1 0 0,1 0 0 0 0,-1 0 1 0 0,1 0-1 0 0,-1 0 1 0 0,1 0-1 0 0,-1 0 1 0 0,0 1-1 0 0,1-1 1 0 0,-1 0-1 0 0,0 0 0 0 0,0 0 1 0 0,0 0-1 0 0,0 2 1 0 0,0 3-18 0 0,0-1 1 0 0,0 0-1 0 0,0 0 1 0 0,-1 1-1 0 0,0-1 0 0 0,-2 9 1 0 0,-2-1 15 0 0,-1-1 0 0 0,-10 18 0 0 0,-2 4-123 0 0,15-25 103 0 0,2 0 0 0 0,5-1 0 0 0,-2-7 5 0 0,0 0 1 0 0,-1 0-1 0 0,1 0 0 0 0,0-1 0 0 0,0 1 0 0 0,0 0 1 0 0,0-1-1 0 0,0 1 0 0 0,0-1 0 0 0,0 0 0 0 0,0 0 0 0 0,0 0 1 0 0,0 0-1 0 0,0 0 0 0 0,0 0 0 0 0,3-1 0 0 0,34-10-1065 0 0,-31 8 258 0 0,10-2-288 0 0</inkml:trace>
+</inkml:ink>
+</file>
+
+<file path=ppt/ink/ink112.xml><?xml version="1.0" encoding="utf-8"?>
+<inkml:ink xmlns:inkml="http://www.w3.org/2003/InkML">
+  <inkml:definitions>
+    <inkml:context xml:id="ctx0">
+      <inkml:inkSource xml:id="inkSrc0">
+        <inkml:traceFormat>
+          <inkml:channel name="X" type="integer" min="-2.14748E9" max="2.14748E9" units="cm"/>
+          <inkml:channel name="Y" type="integer" min="-2.14748E9" max="2.14748E9" units="cm"/>
+          <inkml:channel name="F" type="integer" max="32767" units="dev"/>
+          <inkml:channel name="OA" type="integer" max="360" units="deg"/>
+          <inkml:channel name="OE" type="integer" max="90" units="deg"/>
+        </inkml:traceFormat>
+        <inkml:channelProperties>
+          <inkml:channelProperty channel="X" name="resolution" value="1000" units="1/cm"/>
+          <inkml:channelProperty channel="Y" name="resolution" value="1000" units="1/cm"/>
+          <inkml:channelProperty channel="F" name="resolution" value="0" units="1/dev"/>
+          <inkml:channelProperty channel="OA" name="resolution" value="1000" units="1/deg"/>
+          <inkml:channelProperty channel="OE" name="resolution" value="1000" units="1/deg"/>
+        </inkml:channelProperties>
+      </inkml:inkSource>
+      <inkml:timestamp xml:id="ts0" timeString="2020-11-03T16:22:50.219"/>
+    </inkml:context>
+    <inkml:brush xml:id="br0">
+      <inkml:brushProperty name="width" value="0.05" units="cm"/>
+      <inkml:brushProperty name="height" value="0.05" units="cm"/>
+      <inkml:brushProperty name="color" value="#E71224"/>
+    </inkml:brush>
+  </inkml:definitions>
+  <inkml:trace contextRef="#ctx0" brushRef="#br0">198 0 1840 0 0,'0'0'11232'0'0,"-6"5"-9694"0"0,1-1-1175 0 0,-1 0 0 0 0,1 1 0 0 0,0 0 0 0 0,0 0 0 0 0,0 0 0 0 0,1 0 0 0 0,-8 12 0 0 0,-23 47 512 0 0,22-38-577 0 0,-8 15 174 0 0,-26 76 0 0 0,40-95-295 0 0,1 1-1 0 0,1 0 0 0 0,1 0 0 0 0,-2 41 0 0 0,6-53-45 0 0,0 1 0 0 0,0-1-1 0 0,1 0 1 0 0,1 0 0 0 0,0 0 0 0 0,0-1-1 0 0,1 1 1 0 0,1 0 0 0 0,0-1-1 0 0,0 0 1 0 0,1 0 0 0 0,7 11-1 0 0,-9-16-42 0 0,1 0 0 0 0,0-1 0 0 0,1 1 0 0 0,-1-1 0 0 0,1 0 0 0 0,-1 0-1 0 0,1 0 1 0 0,1-1 0 0 0,-1 0 0 0 0,0 0 0 0 0,9 4 0 0 0,-9-6-275 0 0,-1 1 0 0 0,1-1 1 0 0,0 0-1 0 0,-1 0 0 0 0,1 0 0 0 0,0-1 1 0 0,0 1-1 0 0,-1-1 0 0 0,1 0 0 0 0,0-1 1 0 0,-1 1-1 0 0,1-1 0 0 0,0 0 1 0 0,-1 0-1 0 0,8-3 0 0 0,0-4-4881 0 0,-3-1-1486 0 0</inkml:trace>
+</inkml:ink>
+</file>
+
+<file path=ppt/ink/ink113.xml><?xml version="1.0" encoding="utf-8"?>
+<inkml:ink xmlns:inkml="http://www.w3.org/2003/InkML">
+  <inkml:definitions>
+    <inkml:context xml:id="ctx0">
+      <inkml:inkSource xml:id="inkSrc0">
+        <inkml:traceFormat>
+          <inkml:channel name="X" type="integer" min="-2.14748E9" max="2.14748E9" units="cm"/>
+          <inkml:channel name="Y" type="integer" min="-2.14748E9" max="2.14748E9" units="cm"/>
+          <inkml:channel name="F" type="integer" max="32767" units="dev"/>
+          <inkml:channel name="OA" type="integer" max="360" units="deg"/>
+          <inkml:channel name="OE" type="integer" max="90" units="deg"/>
+        </inkml:traceFormat>
+        <inkml:channelProperties>
+          <inkml:channelProperty channel="X" name="resolution" value="1000" units="1/cm"/>
+          <inkml:channelProperty channel="Y" name="resolution" value="1000" units="1/cm"/>
+          <inkml:channelProperty channel="F" name="resolution" value="0" units="1/dev"/>
+          <inkml:channelProperty channel="OA" name="resolution" value="1000" units="1/deg"/>
+          <inkml:channelProperty channel="OE" name="resolution" value="1000" units="1/deg"/>
+        </inkml:channelProperties>
+      </inkml:inkSource>
+      <inkml:timestamp xml:id="ts0" timeString="2020-11-03T16:22:50.736"/>
+    </inkml:context>
+    <inkml:brush xml:id="br0">
+      <inkml:brushProperty name="width" value="0.05" units="cm"/>
+      <inkml:brushProperty name="height" value="0.05" units="cm"/>
+      <inkml:brushProperty name="color" value="#E71224"/>
+    </inkml:brush>
+  </inkml:definitions>
+  <inkml:trace contextRef="#ctx0" brushRef="#br0">1 208 1840 0 0,'0'0'13077'0'0,"4"-7"-11472"0"0,5-2-270 0 0,-4 5-910 0 0,-1 0 1 0 0,0 0-1 0 0,0 0 0 0 0,-1-1 1 0 0,1 1-1 0 0,-1-1 0 0 0,3-6 0 0 0,31-70 906 0 0,-23 55-996 0 0,-13 26-178 0 0,16 15 0 0 0,-13-10-146 0 0,-1 0-1 0 0,0 1 1 0 0,0-1-1 0 0,0 1 1 0 0,-1 0-1 0 0,4 10 0 0 0,5 14-11 0 0,11 31 76 0 0,-22-60 322 0 0,1-2-374 0 0,0 0-1 0 0,0 0 1 0 0,0 0-1 0 0,-1 0 0 0 0,1 0 1 0 0,0 0-1 0 0,-1 0 1 0 0,1 0-1 0 0,-1-1 0 0 0,1 1 1 0 0,-1 0-1 0 0,0 0 1 0 0,0-1-1 0 0,1-1 1 0 0,-1 1 6 0 0,8-38 16 0 0,4-61 0 0 0,-12 94-1127 0 0,1 1 0 0 0,0-1-1 0 0,3-10 1 0 0</inkml:trace>
+</inkml:ink>
+</file>
+
+<file path=ppt/ink/ink114.xml><?xml version="1.0" encoding="utf-8"?>
+<inkml:ink xmlns:inkml="http://www.w3.org/2003/InkML">
+  <inkml:definitions>
+    <inkml:context xml:id="ctx0">
+      <inkml:inkSource xml:id="inkSrc0">
+        <inkml:traceFormat>
+          <inkml:channel name="X" type="integer" min="-2.14748E9" max="2.14748E9" units="cm"/>
+          <inkml:channel name="Y" type="integer" min="-2.14748E9" max="2.14748E9" units="cm"/>
+          <inkml:channel name="F" type="integer" max="32767" units="dev"/>
+          <inkml:channel name="OA" type="integer" max="360" units="deg"/>
+          <inkml:channel name="OE" type="integer" max="90" units="deg"/>
+        </inkml:traceFormat>
+        <inkml:channelProperties>
+          <inkml:channelProperty channel="X" name="resolution" value="1000" units="1/cm"/>
+          <inkml:channelProperty channel="Y" name="resolution" value="1000" units="1/cm"/>
+          <inkml:channelProperty channel="F" name="resolution" value="0" units="1/dev"/>
+          <inkml:channelProperty channel="OA" name="resolution" value="1000" units="1/deg"/>
+          <inkml:channelProperty channel="OE" name="resolution" value="1000" units="1/deg"/>
+        </inkml:channelProperties>
+      </inkml:inkSource>
+      <inkml:timestamp xml:id="ts0" timeString="2020-11-03T16:22:51.120"/>
+    </inkml:context>
+    <inkml:brush xml:id="br0">
+      <inkml:brushProperty name="width" value="0.05" units="cm"/>
+      <inkml:brushProperty name="height" value="0.05" units="cm"/>
+      <inkml:brushProperty name="color" value="#E71224"/>
+    </inkml:brush>
+  </inkml:definitions>
+  <inkml:trace contextRef="#ctx0" brushRef="#br0">1 0 3224 0 0,'0'1'4383'0'0,"3"6"-1988"0"0,8 5 4934 0 0,10 4-4275 0 0,4 3-2052 0 0,-18-13-911 0 0,-1 0-1 0 0,1 1 1 0 0,-1 0-1 0 0,0 1 1 0 0,0-1-1 0 0,-1 1 1 0 0,0 0-1 0 0,-1 1 0 0 0,0-1 1 0 0,0 1-1 0 0,-1 0 1 0 0,3 12-1 0 0,-2-5-6 0 0,-2 1-1 0 0,0-1 1 0 0,-1 1-1 0 0,0 0 1 0 0,-2-1-1 0 0,0 1 1 0 0,-4 22-1 0 0,-6 51-160 0 0,11-89 63 0 0,-3 44-230 0 0,3-41-48 0 0,0-1 0 0 0,0 1 0 0 0,1 0 1 0 0,-1 0-1 0 0,1 0 0 0 0,0-1 0 0 0,0 1 1 0 0,0-1-1 0 0,2 5 0 0 0</inkml:trace>
+</inkml:ink>
+</file>
+
+<file path=ppt/ink/ink115.xml><?xml version="1.0" encoding="utf-8"?>
+<inkml:ink xmlns:inkml="http://www.w3.org/2003/InkML">
+  <inkml:definitions>
+    <inkml:context xml:id="ctx0">
+      <inkml:inkSource xml:id="inkSrc0">
+        <inkml:traceFormat>
+          <inkml:channel name="X" type="integer" min="-2.14748E9" max="2.14748E9" units="cm"/>
+          <inkml:channel name="Y" type="integer" min="-2.14748E9" max="2.14748E9" units="cm"/>
+          <inkml:channel name="F" type="integer" max="32767" units="dev"/>
+          <inkml:channel name="OA" type="integer" max="360" units="deg"/>
+          <inkml:channel name="OE" type="integer" max="90" units="deg"/>
+        </inkml:traceFormat>
+        <inkml:channelProperties>
+          <inkml:channelProperty channel="X" name="resolution" value="1000" units="1/cm"/>
+          <inkml:channelProperty channel="Y" name="resolution" value="1000" units="1/cm"/>
+          <inkml:channelProperty channel="F" name="resolution" value="0" units="1/dev"/>
+          <inkml:channelProperty channel="OA" name="resolution" value="1000" units="1/deg"/>
+          <inkml:channelProperty channel="OE" name="resolution" value="1000" units="1/deg"/>
+        </inkml:channelProperties>
+      </inkml:inkSource>
+      <inkml:timestamp xml:id="ts0" timeString="2020-11-03T16:22:51.485"/>
+    </inkml:context>
+    <inkml:brush xml:id="br0">
+      <inkml:brushProperty name="width" value="0.05" units="cm"/>
+      <inkml:brushProperty name="height" value="0.05" units="cm"/>
+      <inkml:brushProperty name="color" value="#E71224"/>
+    </inkml:brush>
+  </inkml:definitions>
+  <inkml:trace contextRef="#ctx0" brushRef="#br0">1 0 6912 0 0,'2'1'8751'0'0,"8"6"-6791"0"0,47 36 2176 0 0,-46-33-3952 0 0,0 1-1 0 0,0 0 1 0 0,-1 0-1 0 0,-1 1 1 0 0,0 0-1 0 0,0 1 1 0 0,-1-1-1 0 0,-1 2 1 0 0,0-1-1 0 0,-1 1 1 0 0,-1 0-1 0 0,0 1 1 0 0,-1-1-1 0 0,0 1 1 0 0,2 15-1 0 0,-4-6-89 0 0,-1 0 0 0 0,-3 45 0 0 0,-14 45-54 0 0,5-33-467 0 0,5-50-1401 0 0,-8 32 0 0 0,6-49-784 0 0,7-13 2344 0 0,-2 3-1203 0 0</inkml:trace>
+</inkml:ink>
+</file>
+
+<file path=ppt/ink/ink116.xml><?xml version="1.0" encoding="utf-8"?>
+<inkml:ink xmlns:inkml="http://www.w3.org/2003/InkML">
+  <inkml:definitions>
+    <inkml:context xml:id="ctx0">
+      <inkml:inkSource xml:id="inkSrc0">
+        <inkml:traceFormat>
+          <inkml:channel name="X" type="integer" min="-2.14748E9" max="2.14748E9" units="cm"/>
+          <inkml:channel name="Y" type="integer" min="-2.14748E9" max="2.14748E9" units="cm"/>
+          <inkml:channel name="F" type="integer" max="32767" units="dev"/>
+          <inkml:channel name="OA" type="integer" max="360" units="deg"/>
+          <inkml:channel name="OE" type="integer" max="90" units="deg"/>
+        </inkml:traceFormat>
+        <inkml:channelProperties>
+          <inkml:channelProperty channel="X" name="resolution" value="1000" units="1/cm"/>
+          <inkml:channelProperty channel="Y" name="resolution" value="1000" units="1/cm"/>
+          <inkml:channelProperty channel="F" name="resolution" value="0" units="1/dev"/>
+          <inkml:channelProperty channel="OA" name="resolution" value="1000" units="1/deg"/>
+          <inkml:channelProperty channel="OE" name="resolution" value="1000" units="1/deg"/>
+        </inkml:channelProperties>
+      </inkml:inkSource>
+      <inkml:timestamp xml:id="ts0" timeString="2020-11-03T16:23:06.867"/>
+    </inkml:context>
+    <inkml:brush xml:id="br0">
+      <inkml:brushProperty name="width" value="0.05" units="cm"/>
+      <inkml:brushProperty name="height" value="0.05" units="cm"/>
+      <inkml:brushProperty name="color" value="#E71224"/>
+    </inkml:brush>
+  </inkml:definitions>
+  <inkml:trace contextRef="#ctx0" brushRef="#br0">1 0 3224 0 0,'0'0'288'0'0</inkml:trace>
+</inkml:ink>
+</file>
+
+<file path=ppt/ink/ink117.xml><?xml version="1.0" encoding="utf-8"?>
+<inkml:ink xmlns:inkml="http://www.w3.org/2003/InkML">
+  <inkml:definitions>
+    <inkml:context xml:id="ctx0">
+      <inkml:inkSource xml:id="inkSrc0">
+        <inkml:traceFormat>
+          <inkml:channel name="X" type="integer" min="-2.14748E9" max="2.14748E9" units="cm"/>
+          <inkml:channel name="Y" type="integer" min="-2.14748E9" max="2.14748E9" units="cm"/>
+          <inkml:channel name="F" type="integer" max="32767" units="dev"/>
+          <inkml:channel name="OA" type="integer" max="360" units="deg"/>
+          <inkml:channel name="OE" type="integer" max="90" units="deg"/>
+        </inkml:traceFormat>
+        <inkml:channelProperties>
+          <inkml:channelProperty channel="X" name="resolution" value="1000" units="1/cm"/>
+          <inkml:channelProperty channel="Y" name="resolution" value="1000" units="1/cm"/>
+          <inkml:channelProperty channel="F" name="resolution" value="0" units="1/dev"/>
+          <inkml:channelProperty channel="OA" name="resolution" value="1000" units="1/deg"/>
+          <inkml:channelProperty channel="OE" name="resolution" value="1000" units="1/deg"/>
+        </inkml:channelProperties>
+      </inkml:inkSource>
+      <inkml:timestamp xml:id="ts0" timeString="2020-11-03T16:23:16.889"/>
+    </inkml:context>
+    <inkml:brush xml:id="br0">
+      <inkml:brushProperty name="width" value="0.05" units="cm"/>
+      <inkml:brushProperty name="height" value="0.05" units="cm"/>
+      <inkml:brushProperty name="color" value="#E71224"/>
+    </inkml:brush>
+  </inkml:definitions>
+  <inkml:trace contextRef="#ctx0" brushRef="#br0">360 206 10136 0 0,'0'0'918'0'0,"3"-11"-339"0"0,-3 6-95 0 0,0 1-1 0 0,-1-1 1 0 0,0 0 0 0 0,0 1 0 0 0,0-1-1 0 0,-3-5 1 0 0,3 6-243 0 0,0 0 28 0 0,1 1 0 0 0,0 0 0 0 0,0-1 0 0 0,0 1 0 0 0,0 0 1 0 0,0-1-1 0 0,0 1 0 0 0,1 0 0 0 0,1-6 0 0 0,-4-24 2162 0 0,1 32-2336 0 0,1-1 0 0 0,0 1 0 0 0,-1-1 0 0 0,1 1 0 0 0,-1-1 0 0 0,0 1 0 0 0,1-1-1 0 0,-1 1 1 0 0,0 0 0 0 0,0-1 0 0 0,0 1 0 0 0,0 0 0 0 0,0 0 0 0 0,0 0 0 0 0,0-1 0 0 0,-1 1 0 0 0,1 0 0 0 0,-2 0 0 0 0,-5-7 385 0 0,5 5-390 0 0,0 1 0 0 0,1-1 0 0 0,-1 1 1 0 0,-1 0-1 0 0,1 0 0 0 0,0 0 0 0 0,0 1 0 0 0,-1-1 0 0 0,1 1 1 0 0,-1 0-1 0 0,1 0 0 0 0,-1 0 0 0 0,0 0 0 0 0,1 1 0 0 0,-1-1 1 0 0,0 1-1 0 0,1 0 0 0 0,-1 0 0 0 0,0 0 0 0 0,1 1 0 0 0,-1-1 1 0 0,-5 2-1 0 0,1 0 16 0 0,0 0 1 0 0,0 1-1 0 0,1-1 1 0 0,-1 1-1 0 0,1 1 1 0 0,0 0-1 0 0,0 0 1 0 0,0 0-1 0 0,-9 8 1 0 0,7-3-80 0 0,0 0 1 0 0,1 0 0 0 0,0 1-1 0 0,1 0 1 0 0,0 1 0 0 0,-9 18 0 0 0,-26 73 15 0 0,32-74-46 0 0,1-3 51 0 0,0 0 0 0 0,2 1 0 0 0,1 0 0 0 0,1 0 0 0 0,1 0 0 0 0,2 1 0 0 0,0-1 0 0 0,2 1 0 0 0,1 0 0 0 0,6 39 0 0 0,-3-47 34 0 0,0-1-1 0 0,1 0 0 0 0,1 0 1 0 0,0-1-1 0 0,2 0 1 0 0,11 21-1 0 0,-13-29-40 0 0,0 0 0 0 0,0-1 1 0 0,1 0-1 0 0,0 0 0 0 0,1 0 0 0 0,-1-1 0 0 0,1 0 1 0 0,1-1-1 0 0,-1 0 0 0 0,1 0 0 0 0,0-1 0 0 0,16 7 0 0 0,-12-7-4 0 0,0-1-1 0 0,0 0 0 0 0,0-1 0 0 0,0 0 0 0 0,0-1 0 0 0,1-1 1 0 0,-1 0-1 0 0,1-1 0 0 0,-1-1 0 0 0,0 0 0 0 0,1 0 0 0 0,-1-1 0 0 0,0-1 1 0 0,0 0-1 0 0,24-10 0 0 0,-25 8 21 0 0,-1-1 0 0 0,0 0 0 0 0,0 0 0 0 0,-1-1 0 0 0,0 0 0 0 0,0-1 0 0 0,-1 0 0 0 0,0-1 0 0 0,0 0 0 0 0,-1 0 0 0 0,7-11 0 0 0,12-21 111 0 0,-2-1 0 0 0,-3-2 0 0 0,30-76 0 0 0,-43 92 74 0 0,-1-1 0 0 0,-1 0-1 0 0,5-38 1 0 0,-10 44-16 0 0,-1 1-1 0 0,0 0 1 0 0,-2-1-1 0 0,-7-43 1 0 0,6 55-210 0 0,0 0 1 0 0,-2 0-1 0 0,1 1 1 0 0,-1-1 0 0 0,-1 1-1 0 0,0 0 1 0 0,0 1-1 0 0,-1-1 1 0 0,-8-9-1 0 0,8 12-4 0 0,0 0 0 0 0,-1 1-1 0 0,1-1 1 0 0,-2 1 0 0 0,1 1-1 0 0,-1 0 1 0 0,1 0-1 0 0,-1 0 1 0 0,-1 1 0 0 0,1 0-1 0 0,-11-3 1 0 0,3 2-115 0 0,1 2 0 0 0,-1-1 1 0 0,0 2-1 0 0,1 0 0 0 0,-1 1 0 0 0,-26 2 0 0 0,20 1-92 0 0,-1 1-1 0 0,1 0 1 0 0,-1 2-1 0 0,-21 8 1 0 0,40-12-18 0 0,1 1 0 0 0,-1-1 0 0 0,1 1 0 0 0,-1 0 0 0 0,-3 2-1 0 0,-5 8-3592 0 0</inkml:trace>
+</inkml:ink>
+</file>
+
+<file path=ppt/ink/ink118.xml><?xml version="1.0" encoding="utf-8"?>
+<inkml:ink xmlns:inkml="http://www.w3.org/2003/InkML">
+  <inkml:definitions>
+    <inkml:context xml:id="ctx0">
+      <inkml:inkSource xml:id="inkSrc0">
+        <inkml:traceFormat>
+          <inkml:channel name="X" type="integer" min="-2.14748E9" max="2.14748E9" units="cm"/>
+          <inkml:channel name="Y" type="integer" min="-2.14748E9" max="2.14748E9" units="cm"/>
+          <inkml:channel name="F" type="integer" max="32767" units="dev"/>
+          <inkml:channel name="OA" type="integer" max="360" units="deg"/>
+          <inkml:channel name="OE" type="integer" max="90" units="deg"/>
+        </inkml:traceFormat>
+        <inkml:channelProperties>
+          <inkml:channelProperty channel="X" name="resolution" value="1000" units="1/cm"/>
+          <inkml:channelProperty channel="Y" name="resolution" value="1000" units="1/cm"/>
+          <inkml:channelProperty channel="F" name="resolution" value="0" units="1/dev"/>
+          <inkml:channelProperty channel="OA" name="resolution" value="1000" units="1/deg"/>
+          <inkml:channelProperty channel="OE" name="resolution" value="1000" units="1/deg"/>
+        </inkml:channelProperties>
+      </inkml:inkSource>
+      <inkml:timestamp xml:id="ts0" timeString="2020-11-03T16:23:17.624"/>
+    </inkml:context>
+    <inkml:brush xml:id="br0">
+      <inkml:brushProperty name="width" value="0.05" units="cm"/>
+      <inkml:brushProperty name="height" value="0.05" units="cm"/>
+      <inkml:brushProperty name="color" value="#E71224"/>
+    </inkml:brush>
+  </inkml:definitions>
+  <inkml:trace contextRef="#ctx0" brushRef="#br0">1 111 6448 0 0,'0'0'6418'0'0,"6"-11"-2307"0"0,-2 5-3548 0 0,0 0 0 0 0,1 1 0 0 0,0-1-1 0 0,0 1 1 0 0,0 0 0 0 0,1 0 0 0 0,7-5 0 0 0,7-6 220 0 0,-16 12-614 0 0,1 0-1 0 0,0 1 1 0 0,0-1-1 0 0,1 1 1 0 0,-1 0-1 0 0,1 1 1 0 0,-1-1-1 0 0,1 1 1 0 0,0 0-1 0 0,0 0 1 0 0,0 1-1 0 0,0 0 0 0 0,8-1 1 0 0,-11 2-133 0 0,0 1-1 0 0,0-1 1 0 0,0 1 0 0 0,0-1 0 0 0,0 1-1 0 0,0 0 1 0 0,0 0 0 0 0,0 0-1 0 0,-1 1 1 0 0,1-1 0 0 0,0 1 0 0 0,-1-1-1 0 0,1 1 1 0 0,-1 0 0 0 0,0 0-1 0 0,1 0 1 0 0,-1 0 0 0 0,0 0 0 0 0,0 0-1 0 0,-1 1 1 0 0,1-1 0 0 0,1 4 0 0 0,3 5 72 0 0,0 0 1 0 0,-1 0 0 0 0,6 23 0 0 0,-9-30-111 0 0,-1 0 0 0 0,0 0 0 0 0,1 0 0 0 0,0 0 0 0 0,0-1 0 0 0,4 7 0 0 0,-5-9 3 0 0,0 0 1 0 0,0 0-1 0 0,0-1 1 0 0,-1 1-1 0 0,1 0 0 0 0,0 0 1 0 0,0-1-1 0 0,0 1 0 0 0,0-1 1 0 0,0 1-1 0 0,0-1 0 0 0,0 0 1 0 0,0 1-1 0 0,1-1 0 0 0,-1 0 1 0 0,0 1-1 0 0,0-1 1 0 0,0 0-1 0 0,0 0 0 0 0,0 0 1 0 0,0 0-1 0 0,1 0 0 0 0,-1-1 1 0 0,0 1-1 0 0,0 0 0 0 0,0 0 1 0 0,0-1-1 0 0,0 1 0 0 0,2-1 1 0 0,9-5 78 0 0,0-1 0 0 0,-1 0 0 0 0,0-1 1 0 0,11-9-1 0 0,14-9-758 0 0,-21 15-961 0 0,-1 0-4138 0 0,0-1-2060 0 0</inkml:trace>
+</inkml:ink>
+</file>
+
+<file path=ppt/ink/ink119.xml><?xml version="1.0" encoding="utf-8"?>
+<inkml:ink xmlns:inkml="http://www.w3.org/2003/InkML">
+  <inkml:definitions>
+    <inkml:context xml:id="ctx0">
+      <inkml:inkSource xml:id="inkSrc0">
+        <inkml:traceFormat>
+          <inkml:channel name="X" type="integer" min="-2.14748E9" max="2.14748E9" units="cm"/>
+          <inkml:channel name="Y" type="integer" min="-2.14748E9" max="2.14748E9" units="cm"/>
+          <inkml:channel name="F" type="integer" max="32767" units="dev"/>
+          <inkml:channel name="OA" type="integer" max="360" units="deg"/>
+          <inkml:channel name="OE" type="integer" max="90" units="deg"/>
+        </inkml:traceFormat>
+        <inkml:channelProperties>
+          <inkml:channelProperty channel="X" name="resolution" value="1000" units="1/cm"/>
+          <inkml:channelProperty channel="Y" name="resolution" value="1000" units="1/cm"/>
+          <inkml:channelProperty channel="F" name="resolution" value="0" units="1/dev"/>
+          <inkml:channelProperty channel="OA" name="resolution" value="1000" units="1/deg"/>
+          <inkml:channelProperty channel="OE" name="resolution" value="1000" units="1/deg"/>
+        </inkml:channelProperties>
+      </inkml:inkSource>
+      <inkml:timestamp xml:id="ts0" timeString="2020-11-03T16:23:18.391"/>
+    </inkml:context>
+    <inkml:brush xml:id="br0">
+      <inkml:brushProperty name="width" value="0.05" units="cm"/>
+      <inkml:brushProperty name="height" value="0.05" units="cm"/>
+      <inkml:brushProperty name="color" value="#E71224"/>
+    </inkml:brush>
+  </inkml:definitions>
+  <inkml:trace contextRef="#ctx0" brushRef="#br0">216 9 7832 0 0,'0'0'7813'0'0,"-1"-6"-5363"0"0,-1 6-2280 0 0,0-1-1 0 0,-1 1 1 0 0,1-1-1 0 0,0 1 1 0 0,-1 0-1 0 0,1 0 1 0 0,-1 0-1 0 0,1 0 0 0 0,0 1 1 0 0,-1-1-1 0 0,1 0 1 0 0,0 1-1 0 0,-1 0 1 0 0,1-1-1 0 0,0 1 0 0 0,0 0 1 0 0,0 0-1 0 0,-1 1 1 0 0,1-1-1 0 0,0 0 1 0 0,0 1-1 0 0,1-1 0 0 0,-3 3 1 0 0,-1 0-1 0 0,1 1 1 0 0,0-1-1 0 0,0 1 0 0 0,0 0 1 0 0,0 0-1 0 0,1 0 0 0 0,0 0 1 0 0,-4 10-1 0 0,-53 167 915 0 0,50-149-919 0 0,-2 5 80 0 0,1 1 0 0 0,2 0 0 0 0,2 0-1 0 0,-3 51 1 0 0,8-35-95 0 0,2 81 532 0 0,1-122-629 0 0,1 1 0 0 0,0-1 0 0 0,1 0 0 0 0,0 0 0 0 0,1 0 0 0 0,1-1 0 0 0,8 16 0 0 0,3-2-48 0 0,-15-25-7 0 0,0 0 0 0 0,1 0 0 0 0,-1-1 0 0 0,1 1-1 0 0,-1-1 1 0 0,1 1 0 0 0,0-1 0 0 0,-1 1 0 0 0,1-1-1 0 0,0 0 1 0 0,2 1 0 0 0,-3-2-36 0 0,0 0 0 0 0,-1 0 0 0 0,1 0 0 0 0,0 0 0 0 0,0 0 0 0 0,-1 0 0 0 0,1 0 0 0 0,0 0 0 0 0,-1 0 0 0 0,1-1 0 0 0,0 1-1 0 0,0 0 1 0 0,-1 0 0 0 0,1-1 0 0 0,-1 1 0 0 0,1-1 0 0 0,0 1 0 0 0,-1 0 0 0 0,1-1 0 0 0,-1 1 0 0 0,1-1 0 0 0,-1 1 0 0 0,1-1 0 0 0,-1 0 0 0 0,1 1 0 0 0,-1-1 0 0 0,0 1 0 0 0,1-1 0 0 0,-1 0 0 0 0,9-20-4102 0 0,-4 7-4013 0 0</inkml:trace>
+</inkml:ink>
+</file>
+
+<file path=ppt/ink/ink12.xml><?xml version="1.0" encoding="utf-8"?>
+<inkml:ink xmlns:inkml="http://www.w3.org/2003/InkML">
+  <inkml:definitions>
+    <inkml:context xml:id="ctx0">
+      <inkml:inkSource xml:id="inkSrc0">
+        <inkml:traceFormat>
+          <inkml:channel name="X" type="integer" min="-2.14748E9" max="2.14748E9" units="cm"/>
+          <inkml:channel name="Y" type="integer" min="-2.14748E9" max="2.14748E9" units="cm"/>
+          <inkml:channel name="F" type="integer" max="32767" units="dev"/>
+          <inkml:channel name="OA" type="integer" max="360" units="deg"/>
+          <inkml:channel name="OE" type="integer" max="90" units="deg"/>
+        </inkml:traceFormat>
+        <inkml:channelProperties>
+          <inkml:channelProperty channel="X" name="resolution" value="1000" units="1/cm"/>
+          <inkml:channelProperty channel="Y" name="resolution" value="1000" units="1/cm"/>
+          <inkml:channelProperty channel="F" name="resolution" value="0" units="1/dev"/>
+          <inkml:channelProperty channel="OA" name="resolution" value="1000" units="1/deg"/>
+          <inkml:channelProperty channel="OE" name="resolution" value="1000" units="1/deg"/>
+        </inkml:channelProperties>
+      </inkml:inkSource>
+      <inkml:timestamp xml:id="ts0" timeString="2020-11-04T17:00:56.513"/>
+    </inkml:context>
+    <inkml:brush xml:id="br0">
+      <inkml:brushProperty name="width" value="0.05" units="cm"/>
+      <inkml:brushProperty name="height" value="0.05" units="cm"/>
+      <inkml:brushProperty name="color" value="#004F8B"/>
+    </inkml:brush>
+  </inkml:definitions>
+  <inkml:trace contextRef="#ctx0" brushRef="#br0">0 21 7368 0 0,'0'0'4928'0'0,"17"-10"-1727"0"0,5 6-2327 0 0,0 1 0 0 0,0 1 1 0 0,41 1-1 0 0,-45 1-701 0 0,114 9 223 0 0,-117-8-368 0 0,25 0 32 0 0,-28-1-89 0 0,0 0 0 0 0,-1 1 0 0 0,15 2 0 0 0,-1 1 309 0 0,33 2-1 0 0,5 0 97 0 0,46 3-25 0 0,-10-2-77 0 0,7 0-31 0 0,8 1 212 0 0,23 4 183 0 0,-1-1-422 0 0,21 16 42 0 0,86 11 355 0 0,137-3-33 0 0,-349-33-490 0 0,198 9 689 0 0,-63-1-719 0 0,1-1 24 0 0,307 11 880 0 0,-445-19-848 0 0,63-1-43 0 0,1 0-611 0 0,26 1 2036 0 0,-64-2-1243 0 0,-52 2-241 0 0,12-4 80 0 0,-14 2-73 0 0,4 0 37 0 0,8 2-50 0 0,-12-1-9 0 0,-1 0 0 0 0,1 0 0 0 0,-1 0 1 0 0,0 0-1 0 0,1 0 0 0 0,-1 0 0 0 0,1 0 1 0 0,-1 0-1 0 0,0 0 0 0 0,1-1 0 0 0,-1 1 0 0 0,0 0 1 0 0,1 0-1 0 0,-1-1 0 0 0,0 1 0 0 0,1 0 0 0 0,-1 0 1 0 0,0-1-1 0 0,1 1 0 0 0,-1 0 0 0 0,0-1 1 0 0,0 1-1 0 0,1 0 0 0 0,-1-1 0 0 0,0 1 0 0 0,0 0 1 0 0,0-1-1 0 0,1 1 0 0 0,-1 0 0 0 0,0-1 0 0 0,0 1 1 0 0,0-1-1 0 0,0 1 0 0 0,0 0 0 0 0,0-1 1 0 0,0 1-1 0 0,0-1 0 0 0,-3-14-1392 0 0,0 8 29 0 0</inkml:trace>
+</inkml:ink>
+</file>
+
+<file path=ppt/ink/ink120.xml><?xml version="1.0" encoding="utf-8"?>
+<inkml:ink xmlns:inkml="http://www.w3.org/2003/InkML">
+  <inkml:definitions>
+    <inkml:context xml:id="ctx0">
+      <inkml:inkSource xml:id="inkSrc0">
+        <inkml:traceFormat>
+          <inkml:channel name="X" type="integer" min="-2.14748E9" max="2.14748E9" units="cm"/>
+          <inkml:channel name="Y" type="integer" min="-2.14748E9" max="2.14748E9" units="cm"/>
+          <inkml:channel name="F" type="integer" max="32767" units="dev"/>
+          <inkml:channel name="OA" type="integer" max="360" units="deg"/>
+          <inkml:channel name="OE" type="integer" max="90" units="deg"/>
+        </inkml:traceFormat>
+        <inkml:channelProperties>
+          <inkml:channelProperty channel="X" name="resolution" value="1000" units="1/cm"/>
+          <inkml:channelProperty channel="Y" name="resolution" value="1000" units="1/cm"/>
+          <inkml:channelProperty channel="F" name="resolution" value="0" units="1/dev"/>
+          <inkml:channelProperty channel="OA" name="resolution" value="1000" units="1/deg"/>
+          <inkml:channelProperty channel="OE" name="resolution" value="1000" units="1/deg"/>
+        </inkml:channelProperties>
+      </inkml:inkSource>
+      <inkml:timestamp xml:id="ts0" timeString="2020-11-03T16:23:19.121"/>
+    </inkml:context>
+    <inkml:brush xml:id="br0">
+      <inkml:brushProperty name="width" value="0.05" units="cm"/>
+      <inkml:brushProperty name="height" value="0.05" units="cm"/>
+      <inkml:brushProperty name="color" value="#E71224"/>
+    </inkml:brush>
+  </inkml:definitions>
+  <inkml:trace contextRef="#ctx0" brushRef="#br0">11 247 7168 0 0,'0'0'652'0'0,"-1"0"-540"0"0,-2 1-23 0 0,2 0 311 0 0,0 0-10 0 0,0 0-1 0 0,1 0 1 0 0,-1 0-1 0 0,1 0 1 0 0,-1 1-1 0 0,1-1 1 0 0,-1 0-1 0 0,1 0 1 0 0,0 1 0 0 0,-1-1-1 0 0,1 0 1 0 0,0 0-1 0 0,0 1 1 0 0,0-1-1 0 0,0 0 1 0 0,0 1-1 0 0,1 1 1 0 0,-1-2-186 0 0,0 0 0 0 0,0 0 0 0 0,0-1 0 0 0,1 1 0 0 0,-1 0 1 0 0,0-1-1 0 0,0 1 0 0 0,1 0 0 0 0,-1-1 0 0 0,1 1 0 0 0,-1 0 0 0 0,0-1 0 0 0,1 1 0 0 0,-1-1 1 0 0,1 1-1 0 0,0-1 0 0 0,-1 1 0 0 0,4 1 3279 0 0,9-10-2692 0 0,-10 4-643 0 0,0 0 0 0 0,0 0 0 0 0,-1 0 0 0 0,1 0 1 0 0,-1-1-1 0 0,0 1 0 0 0,0-1 0 0 0,0 1 0 0 0,-1-1 1 0 0,2-7-1 0 0,7-20 424 0 0,1 3-572 0 0,4-8 0 0 0,1 8 316 0 0,31-54 1304 0 0,-47 82-1620 0 0,0 1 1 0 0,1 0-1 0 0,-1 0 0 0 0,0-1 0 0 0,0 1 0 0 0,0 0 1 0 0,0 0-1 0 0,0-1 0 0 0,0 1 0 0 0,1 0 0 0 0,-1 0 0 0 0,0 0 1 0 0,0 0-1 0 0,0-1 0 0 0,1 1 0 0 0,-1 0 0 0 0,0 0 1 0 0,0 0-1 0 0,0 0 0 0 0,1 0 0 0 0,-1-1 0 0 0,0 1 1 0 0,0 0-1 0 0,1 0 0 0 0,-1 0 0 0 0,0 0 0 0 0,0 0 1 0 0,1 0-1 0 0,-1 0 0 0 0,0 0 0 0 0,1 0 0 0 0,-1 0 0 0 0,0 0 1 0 0,5 9 14 0 0,-1 20 16 0 0,-4-22-28 0 0,6 34-3 0 0,14 56 0 0 0,-14-78 0 0 0,0-1 0 0 0,0 0 0 0 0,2-1 0 0 0,0 1 0 0 0,15 21 0 0 0,-20-35-1 0 0,0 1 0 0 0,1 0 0 0 0,0-1 0 0 0,0 0 0 0 0,0 0 0 0 0,0 0 0 0 0,1-1 0 0 0,7 6-1 0 0,-11-9 6 0 0,1 1 0 0 0,-1 0 0 0 0,1 0 0 0 0,0-1 0 0 0,-1 1 0 0 0,1-1 0 0 0,0 1 0 0 0,0-1 0 0 0,-1 0 0 0 0,1 0 0 0 0,0 1 0 0 0,0-1 0 0 0,0 0-1 0 0,-1-1 1 0 0,1 1 0 0 0,0 0 0 0 0,0-1 0 0 0,-1 1 0 0 0,1-1 0 0 0,0 1 0 0 0,-1-1 0 0 0,1 0 0 0 0,0 1 0 0 0,-1-1 0 0 0,1 0 0 0 0,-1 0-1 0 0,1 0 1 0 0,-1-1 0 0 0,0 1 0 0 0,3-3 0 0 0,1-1 23 0 0,-1-1 0 0 0,0 1 0 0 0,0-1 0 0 0,0 0 0 0 0,-1-1 0 0 0,0 1-1 0 0,0 0 1 0 0,3-14 0 0 0,0-4 67 0 0,3-30-1 0 0,-4 18-94 0 0,0 10 31 0 0,0-50 0 0 0,-6 69-224 0 0,0 0 0 0 0,0 0 0 0 0,0 1 0 0 0,-5-12 0 0 0,0-4-2164 0 0,5 20 744 0 0</inkml:trace>
+</inkml:ink>
+</file>
+
+<file path=ppt/ink/ink121.xml><?xml version="1.0" encoding="utf-8"?>
+<inkml:ink xmlns:inkml="http://www.w3.org/2003/InkML">
+  <inkml:definitions>
+    <inkml:context xml:id="ctx0">
+      <inkml:inkSource xml:id="inkSrc0">
+        <inkml:traceFormat>
+          <inkml:channel name="X" type="integer" min="-2.14748E9" max="2.14748E9" units="cm"/>
+          <inkml:channel name="Y" type="integer" min="-2.14748E9" max="2.14748E9" units="cm"/>
+          <inkml:channel name="F" type="integer" max="32767" units="dev"/>
+          <inkml:channel name="OA" type="integer" max="360" units="deg"/>
+          <inkml:channel name="OE" type="integer" max="90" units="deg"/>
+        </inkml:traceFormat>
+        <inkml:channelProperties>
+          <inkml:channelProperty channel="X" name="resolution" value="1000" units="1/cm"/>
+          <inkml:channelProperty channel="Y" name="resolution" value="1000" units="1/cm"/>
+          <inkml:channelProperty channel="F" name="resolution" value="0" units="1/dev"/>
+          <inkml:channelProperty channel="OA" name="resolution" value="1000" units="1/deg"/>
+          <inkml:channelProperty channel="OE" name="resolution" value="1000" units="1/deg"/>
+        </inkml:channelProperties>
+      </inkml:inkSource>
+      <inkml:timestamp xml:id="ts0" timeString="2020-11-03T16:23:19.637"/>
+    </inkml:context>
+    <inkml:brush xml:id="br0">
+      <inkml:brushProperty name="width" value="0.05" units="cm"/>
+      <inkml:brushProperty name="height" value="0.05" units="cm"/>
+      <inkml:brushProperty name="color" value="#E71224"/>
+    </inkml:brush>
+  </inkml:definitions>
+  <inkml:trace contextRef="#ctx0" brushRef="#br0">4 56 2760 0 0,'-3'-15'604'0'0,"3"-1"11723"0"0,0 9-10668 0 0,22-6 1629 0 0,-20 13-3170 0 0,-1-1 0 0 0,1 0 0 0 0,-1 1 0 0 0,1-1 0 0 0,0 1 0 0 0,-1-1 0 0 0,1 1-1 0 0,0 0 1 0 0,0 0 0 0 0,-1 0 0 0 0,1 0 0 0 0,0 0 0 0 0,-1 0 0 0 0,1 0 0 0 0,0 0 0 0 0,0 1 0 0 0,-1-1 0 0 0,1 1 0 0 0,-1-1 0 0 0,4 2 0 0 0,-4 0-47 0 0,1-1 0 0 0,-1 0 0 0 0,1 1 1 0 0,-1 0-1 0 0,0-1 0 0 0,1 1 1 0 0,-1 0-1 0 0,0-1 0 0 0,0 1 0 0 0,0 0 1 0 0,0 0-1 0 0,-1 0 0 0 0,1 0 0 0 0,0 3 1 0 0,1 5 28 0 0,-1 1 0 0 0,0-1-1 0 0,0 0 1 0 0,-1 0 0 0 0,-2 14 0 0 0,1-17 39 0 0,1 0 0 0 0,0-1 0 0 0,0 1 0 0 0,0 0 0 0 0,1 0 0 0 0,1 7 0 0 0,-2-13-118 0 0,1 1 0 0 0,-1-1 1 0 0,1 1-1 0 0,-1-1 0 0 0,1 0 1 0 0,0 1-1 0 0,0-1 1 0 0,0 1-1 0 0,0-1 0 0 0,0 0 1 0 0,0 0-1 0 0,0 0 0 0 0,0 0 1 0 0,0 0-1 0 0,0 0 0 0 0,1 0 1 0 0,-1 0-1 0 0,0 0 1 0 0,1 0-1 0 0,-1-1 0 0 0,1 1 1 0 0,-1 0-1 0 0,1-1 0 0 0,-1 1 1 0 0,1-1-1 0 0,-1 0 0 0 0,1 0 1 0 0,0 1-1 0 0,-1-1 0 0 0,1 0 1 0 0,1-1-1 0 0,6 1 50 0 0,0 0 1 0 0,0-1-1 0 0,0 0 0 0 0,0-1 0 0 0,15-5 1 0 0,-19 6-215 0 0,-1-1 0 0 0,0 0 0 0 0,0 0 0 0 0,0-1 1 0 0,6-4-1 0 0,-7 5-358 0 0,-1 0 1 0 0,0 0 0 0 0,0 0-1 0 0,0-1 1 0 0,0 1-1 0 0,0-1 1 0 0,0 1 0 0 0,-1-1-1 0 0,2-4 1 0 0,0-1-1387 0 0</inkml:trace>
+</inkml:ink>
+</file>
+
+<file path=ppt/ink/ink122.xml><?xml version="1.0" encoding="utf-8"?>
+<inkml:ink xmlns:inkml="http://www.w3.org/2003/InkML">
+  <inkml:definitions>
+    <inkml:context xml:id="ctx0">
+      <inkml:inkSource xml:id="inkSrc0">
+        <inkml:traceFormat>
+          <inkml:channel name="X" type="integer" min="-2.14748E9" max="2.14748E9" units="cm"/>
+          <inkml:channel name="Y" type="integer" min="-2.14748E9" max="2.14748E9" units="cm"/>
+          <inkml:channel name="F" type="integer" max="32767" units="dev"/>
+          <inkml:channel name="OA" type="integer" max="360" units="deg"/>
+          <inkml:channel name="OE" type="integer" max="90" units="deg"/>
+        </inkml:traceFormat>
+        <inkml:channelProperties>
+          <inkml:channelProperty channel="X" name="resolution" value="1000" units="1/cm"/>
+          <inkml:channelProperty channel="Y" name="resolution" value="1000" units="1/cm"/>
+          <inkml:channelProperty channel="F" name="resolution" value="0" units="1/dev"/>
+          <inkml:channelProperty channel="OA" name="resolution" value="1000" units="1/deg"/>
+          <inkml:channelProperty channel="OE" name="resolution" value="1000" units="1/deg"/>
+        </inkml:channelProperties>
+      </inkml:inkSource>
+      <inkml:timestamp xml:id="ts0" timeString="2020-11-03T16:23:19.974"/>
+    </inkml:context>
+    <inkml:brush xml:id="br0">
+      <inkml:brushProperty name="width" value="0.05" units="cm"/>
+      <inkml:brushProperty name="height" value="0.05" units="cm"/>
+      <inkml:brushProperty name="color" value="#E71224"/>
+    </inkml:brush>
+  </inkml:definitions>
+  <inkml:trace contextRef="#ctx0" brushRef="#br0">1 0 15608 0 0,'0'0'1409'0'0,"11"9"-1032"0"0,-1-2 492 0 0,0 1 0 0 0,-1 0 0 0 0,0 0-1 0 0,0 1 1 0 0,9 13 0 0 0,-10-10-538 0 0,0 0-1 0 0,-1 0 0 0 0,0 1 1 0 0,7 19-1 0 0,-4-2-61 0 0,-1 0 0 0 0,-1 1 0 0 0,-2 0 0 0 0,0 0 0 0 0,0 44 0 0 0,-5-35-128 0 0,-3 0 1 0 0,0-1 0 0 0,-17 75-1 0 0,16-96-50 0 0,-2-1 1 0 0,0 1-1 0 0,-15 32 0 0 0,18-46-300 0 0,0 0-1 0 0,0 0 1 0 0,-1 0-1 0 0,0 0 0 0 0,0 0 1 0 0,0 0-1 0 0,0 0 1 0 0,0-1-1 0 0,-1 0 1 0 0,1 0-1 0 0,-1 0 0 0 0,0 0 1 0 0,0 0-1 0 0,0-1 1 0 0,-1 0-1 0 0,1 0 1 0 0,0 0-1 0 0,-1 0 0 0 0,1-1 1 0 0,-7 2-1 0 0,-9-1-7977 0 0</inkml:trace>
+</inkml:ink>
+</file>
+
+<file path=ppt/ink/ink123.xml><?xml version="1.0" encoding="utf-8"?>
+<inkml:ink xmlns:inkml="http://www.w3.org/2003/InkML">
+  <inkml:definitions>
+    <inkml:context xml:id="ctx0">
+      <inkml:inkSource xml:id="inkSrc0">
+        <inkml:traceFormat>
+          <inkml:channel name="X" type="integer" min="-2.14748E9" max="2.14748E9" units="cm"/>
+          <inkml:channel name="Y" type="integer" min="-2.14748E9" max="2.14748E9" units="cm"/>
+          <inkml:channel name="F" type="integer" max="32767" units="dev"/>
+          <inkml:channel name="OA" type="integer" max="360" units="deg"/>
+          <inkml:channel name="OE" type="integer" max="90" units="deg"/>
+        </inkml:traceFormat>
+        <inkml:channelProperties>
+          <inkml:channelProperty channel="X" name="resolution" value="1000" units="1/cm"/>
+          <inkml:channelProperty channel="Y" name="resolution" value="1000" units="1/cm"/>
+          <inkml:channelProperty channel="F" name="resolution" value="0" units="1/dev"/>
+          <inkml:channelProperty channel="OA" name="resolution" value="1000" units="1/deg"/>
+          <inkml:channelProperty channel="OE" name="resolution" value="1000" units="1/deg"/>
+        </inkml:channelProperties>
+      </inkml:inkSource>
+      <inkml:timestamp xml:id="ts0" timeString="2020-11-03T16:23:21.210"/>
+    </inkml:context>
+    <inkml:brush xml:id="br0">
+      <inkml:brushProperty name="width" value="0.05" units="cm"/>
+      <inkml:brushProperty name="height" value="0.05" units="cm"/>
+      <inkml:brushProperty name="color" value="#E71224"/>
+    </inkml:brush>
+  </inkml:definitions>
+  <inkml:trace contextRef="#ctx0" brushRef="#br0">12 23 13072 0 0,'0'0'297'0'0,"0"-3"506"0"0,0 1-1 0 0,0-1 1 0 0,1 0-1 0 0,-1 1 1 0 0,1-1 0 0 0,0-3-1 0 0,1 6-698 0 0,-1 0 0 0 0,1 0-1 0 0,-1 1 1 0 0,0-1 0 0 0,1 0-1 0 0,-1 1 1 0 0,0-1-1 0 0,1 1 1 0 0,-1 0 0 0 0,0-1-1 0 0,0 1 1 0 0,0 0 0 0 0,0 0-1 0 0,0 0 1 0 0,0 0-1 0 0,0 0 1 0 0,0 0 0 0 0,1 1-1 0 0,16 25 222 0 0,-11-14-127 0 0,-1-3 2 0 0,-1 0 0 0 0,-1 1 1 0 0,1-1-1 0 0,-2 1 0 0 0,5 20 0 0 0,6 19 225 0 0,-5-11-19 0 0,-8-39-406 0 0,-1 0 0 0 0,0 0 0 0 0,0 0 0 0 0,0 0 0 0 0,0 1 0 0 0,0-1 0 0 0,0 0 0 0 0,1 0 0 0 0,-1 0 0 0 0,0 1 0 0 0,0-1 0 0 0,0 0 0 0 0,0 0 0 0 0,0 0 0 0 0,0 1 0 0 0,0-1 0 0 0,0 0 0 0 0,0 0 0 0 0,0 1 0 0 0,0-1 0 0 0,0 0 0 0 0,0 0 0 0 0,0 0 0 0 0,0 1 0 0 0,0-1 0 0 0,0 0 0 0 0,0 0 0 0 0,-1 0 0 0 0,1 1 0 0 0,0-1 0 0 0,0 0 0 0 0,0 0 0 0 0,0 0 0 0 0,0 0 0 0 0,0 1 0 0 0,-1-1 0 0 0,1 0 0 0 0,0 0 0 0 0,0 0 0 0 0,0 0 0 0 0,0 0 0 0 0,-1 1 0 0 0,1-1 0 0 0,0 0 0 0 0,0 0 0 0 0,0 0 0 0 0,-1 0 0 0 0,1 0 0 0 0,0 0 0 0 0,0 0 0 0 0,0 0 0 0 0,-1 0 0 0 0,1 0 0 0 0,0 0 0 0 0,0 0 0 0 0,0 0 0 0 0,-1 0 0 0 0,1 0 0 0 0,0 0 0 0 0,0 0 0 0 0,0 0 0 0 0,-1 0 0 0 0,-8-3 0 0 0,5 1 0 0 0,0-1 0 0 0,1 1 0 0 0,-1-1 0 0 0,0 0 0 0 0,1 0 0 0 0,0 0 0 0 0,-4-6 0 0 0,-1 1 0 0 0,-24-30 0 0 0,29 35 0 0 0,3 2 2 0 0,0 0 0 0 0,0 0 0 0 0,0 1 0 0 0,0-1 1 0 0,0 0-1 0 0,1 1 0 0 0,-1-1 0 0 0,0 0 0 0 0,0 1 0 0 0,0-1 0 0 0,1 0 0 0 0,-1 1 0 0 0,0-1 0 0 0,0 1 0 0 0,1-1 0 0 0,-1 0 0 0 0,1 1 0 0 0,-1-1 0 0 0,0 1 0 0 0,1-1 0 0 0,-1 1 0 0 0,1-1 0 0 0,-1 1 0 0 0,1-1 0 0 0,0 1 0 0 0,-1 0 0 0 0,1-1 1 0 0,-1 1-1 0 0,2 0 0 0 0,1-2 151 0 0,0 1 0 0 0,0 0 0 0 0,1 0 0 0 0,-1 0 0 0 0,1 0 0 0 0,-1 0 1 0 0,0 1-1 0 0,1 0 0 0 0,-1 0 0 0 0,1 0 0 0 0,3 0 0 0 0,-2 1-129 0 0,0-1-1 0 0,1 1 1 0 0,-1 0-1 0 0,0 0 1 0 0,0 1 0 0 0,7 2-1 0 0,-11-3-23 0 0,0-1 0 0 0,0 1 0 0 0,0-1 0 0 0,0 1 0 0 0,0 0 0 0 0,0-1 0 0 0,0 1 0 0 0,0 0 0 0 0,0 0 0 0 0,0-1 0 0 0,0 1 0 0 0,0 0 0 0 0,0 0 0 0 0,-1 0 0 0 0,1 0 0 0 0,0 0 0 0 0,-1 0 0 0 0,1 1 0 0 0,-1-1 0 0 0,1 0 0 0 0,-1 0 0 0 0,1 0 0 0 0,-1 1 0 0 0,0 1 0 0 0,0-1 0 0 0,0 0 0 0 0,-1 0 0 0 0,1 0 0 0 0,-1 0 0 0 0,0 0 0 0 0,0 0 0 0 0,1 0 0 0 0,-1 0 0 0 0,-1 0 0 0 0,1 0 0 0 0,0 0 0 0 0,-3 2 0 0 0,0 1 0 0 0,0-1 0 0 0,0 0 1 0 0,-1 0-1 0 0,0 0 0 0 0,1 0 0 0 0,-2-1 0 0 0,1 0 0 0 0,-11 5 0 0 0,7-4-2 0 0,-1-1-1 0 0,1 0 0 0 0,-1 0 1 0 0,-17 2-1 0 0,12-5-57 0 0,39-11 60 0 0,2 2-231 0 0,42-10 0 0 0,-28 14-7347 0 0,-25 3 59 0 0</inkml:trace>
+</inkml:ink>
+</file>
+
+<file path=ppt/ink/ink124.xml><?xml version="1.0" encoding="utf-8"?>
+<inkml:ink xmlns:inkml="http://www.w3.org/2003/InkML">
+  <inkml:definitions>
+    <inkml:context xml:id="ctx0">
+      <inkml:inkSource xml:id="inkSrc0">
+        <inkml:traceFormat>
+          <inkml:channel name="X" type="integer" min="-2.14748E9" max="2.14748E9" units="cm"/>
+          <inkml:channel name="Y" type="integer" min="-2.14748E9" max="2.14748E9" units="cm"/>
+          <inkml:channel name="F" type="integer" max="32767" units="dev"/>
+          <inkml:channel name="OA" type="integer" max="360" units="deg"/>
+          <inkml:channel name="OE" type="integer" max="90" units="deg"/>
+        </inkml:traceFormat>
+        <inkml:channelProperties>
+          <inkml:channelProperty channel="X" name="resolution" value="1000" units="1/cm"/>
+          <inkml:channelProperty channel="Y" name="resolution" value="1000" units="1/cm"/>
+          <inkml:channelProperty channel="F" name="resolution" value="0" units="1/dev"/>
+          <inkml:channelProperty channel="OA" name="resolution" value="1000" units="1/deg"/>
+          <inkml:channelProperty channel="OE" name="resolution" value="1000" units="1/deg"/>
+        </inkml:channelProperties>
+      </inkml:inkSource>
+      <inkml:timestamp xml:id="ts0" timeString="2020-11-03T16:23:21.874"/>
+    </inkml:context>
+    <inkml:brush xml:id="br0">
+      <inkml:brushProperty name="width" value="0.05" units="cm"/>
+      <inkml:brushProperty name="height" value="0.05" units="cm"/>
+      <inkml:brushProperty name="color" value="#E71224"/>
+    </inkml:brush>
+  </inkml:definitions>
+  <inkml:trace contextRef="#ctx0" brushRef="#br0">168 21 3680 0 0,'0'0'11'0'0,"0"0"1"0"0,0 0-1 0 0,0 0 0 0 0,0 0 1 0 0,0 0-1 0 0,1 0 0 0 0,-1 0 1 0 0,0 0-1 0 0,0 0 0 0 0,0 0 1 0 0,0 0-1 0 0,0 0 1 0 0,0 0-1 0 0,0 0 0 0 0,0 0 1 0 0,0-1-1 0 0,1 1 0 0 0,-1 0 1 0 0,0 0-1 0 0,0 0 0 0 0,0 0 1 0 0,0 0-1 0 0,0 0 0 0 0,0 0 1 0 0,0 0-1 0 0,0 0 1 0 0,0 0-1 0 0,0 0 0 0 0,0 0 1 0 0,0-1-1 0 0,0 1 0 0 0,0 0 1 0 0,0 0-1 0 0,0 0 0 0 0,1 0 1 0 0,-1 0-1 0 0,0 0 0 0 0,0 0 1 0 0,0 0-1 0 0,0 0 0 0 0,0-1 1 0 0,0 1-1 0 0,0 0 1 0 0,0 0-1 0 0,-1 0 0 0 0,-1-7 2847 0 0,-7-3 5218 0 0,-2 12-6892 0 0,6 0-1048 0 0,1 0 0 0 0,0 0 1 0 0,0 0-1 0 0,0 0 1 0 0,0 1-1 0 0,0-1 1 0 0,1 1-1 0 0,-1 0 1 0 0,1 0-1 0 0,0 1 1 0 0,-4 3-1 0 0,-3 7 191 0 0,-14 25 0 0 0,9-14-135 0 0,5-11-67 0 0,1 2 0 0 0,-8 20 0 0 0,14-30-66 0 0,1 0 0 0 0,0 0 0 0 0,0 1 0 0 0,1-1 0 0 0,-1 1 0 0 0,1 0 0 0 0,1-1 1 0 0,0 1-1 0 0,0 7 0 0 0,0-12 2 0 0,1 0 0 0 0,-1 0 0 0 0,1 0 0 0 0,0-1 1 0 0,-1 1-1 0 0,1 0 0 0 0,0 0 0 0 0,0-1 0 0 0,0 1 1 0 0,0 0-1 0 0,0-1 0 0 0,1 1 0 0 0,-1-1 0 0 0,0 0 1 0 0,1 1-1 0 0,-1-1 0 0 0,1 0 0 0 0,-1 0 0 0 0,1 0 0 0 0,0 0 1 0 0,0 0-1 0 0,-1 0 0 0 0,1-1 0 0 0,2 2 0 0 0,-2-2 25 0 0,0 1 0 0 0,1 0-1 0 0,-1-1 1 0 0,0 1-1 0 0,1-1 1 0 0,-1 0-1 0 0,0 0 1 0 0,1 0 0 0 0,-1 0-1 0 0,0 0 1 0 0,1 0-1 0 0,-1-1 1 0 0,0 1 0 0 0,1-1-1 0 0,-1 1 1 0 0,0-1-1 0 0,0 0 1 0 0,0 0-1 0 0,4-2 1 0 0,2-3 96 0 0,-1-1-1 0 0,1 0 1 0 0,-1 0-1 0 0,0-1 1 0 0,-1 0-1 0 0,10-15 1 0 0,-1-2 71 0 0,10-28 0 0 0,-13 26 7 0 0,-7 19 27 0 0,-1-1 0 0 0,1 1 0 0 0,0 0 0 0 0,1 1-1 0 0,0-1 1 0 0,9-8 0 0 0,-15 16-277 0 0,0 0 0 0 0,0 0 1 0 0,1 0-1 0 0,-1 0 0 0 0,0 0 0 0 0,0 0 0 0 0,0 0 0 0 0,1 0 0 0 0,-1 0 0 0 0,0 0 0 0 0,0 0 0 0 0,0 0 1 0 0,1 0-1 0 0,-1 0 0 0 0,0 0 0 0 0,0 1 0 0 0,0-1 0 0 0,0 0 0 0 0,1 0 0 0 0,-1 0 0 0 0,0 0 1 0 0,0 0-1 0 0,0 1 0 0 0,0-1 0 0 0,0 0 0 0 0,0 0 0 0 0,1 0 0 0 0,-1 0 0 0 0,0 1 0 0 0,0-1 1 0 0,0 0-1 0 0,0 0 0 0 0,0 0 0 0 0,0 0 0 0 0,0 1 0 0 0,0-1 0 0 0,0 0 0 0 0,0 0 0 0 0,0 0 1 0 0,0 1-1 0 0,0-1 0 0 0,0 0 0 0 0,2 9 91 0 0,5 51-637 0 0,-3 86-1 0 0,-4-144-186 0 0</inkml:trace>
+</inkml:ink>
+</file>
+
+<file path=ppt/ink/ink125.xml><?xml version="1.0" encoding="utf-8"?>
+<inkml:ink xmlns:inkml="http://www.w3.org/2003/InkML">
+  <inkml:definitions>
+    <inkml:context xml:id="ctx0">
+      <inkml:inkSource xml:id="inkSrc0">
+        <inkml:traceFormat>
+          <inkml:channel name="X" type="integer" min="-2.14748E9" max="2.14748E9" units="cm"/>
+          <inkml:channel name="Y" type="integer" min="-2.14748E9" max="2.14748E9" units="cm"/>
+          <inkml:channel name="F" type="integer" max="32767" units="dev"/>
+          <inkml:channel name="OA" type="integer" max="360" units="deg"/>
+          <inkml:channel name="OE" type="integer" max="90" units="deg"/>
+        </inkml:traceFormat>
+        <inkml:channelProperties>
+          <inkml:channelProperty channel="X" name="resolution" value="1000" units="1/cm"/>
+          <inkml:channelProperty channel="Y" name="resolution" value="1000" units="1/cm"/>
+          <inkml:channelProperty channel="F" name="resolution" value="0" units="1/dev"/>
+          <inkml:channelProperty channel="OA" name="resolution" value="1000" units="1/deg"/>
+          <inkml:channelProperty channel="OE" name="resolution" value="1000" units="1/deg"/>
+        </inkml:channelProperties>
+      </inkml:inkSource>
+      <inkml:timestamp xml:id="ts0" timeString="2020-11-03T16:23:22.211"/>
+    </inkml:context>
+    <inkml:brush xml:id="br0">
+      <inkml:brushProperty name="width" value="0.05" units="cm"/>
+      <inkml:brushProperty name="height" value="0.05" units="cm"/>
+      <inkml:brushProperty name="color" value="#E71224"/>
+    </inkml:brush>
+  </inkml:definitions>
+  <inkml:trace contextRef="#ctx0" brushRef="#br0">7 63 15752 0 0,'-3'16'719'0'0,"1"1"0"0"0,1 0 0 0 0,1-1 0 0 0,0 1 0 0 0,1 0 0 0 0,0-1 0 0 0,2 1 0 0 0,0-1 0 0 0,8 26 0 0 0,-10-39-580 0 0,1 0 0 0 0,-1-1 0 0 0,0 1 0 0 0,0-1 0 0 0,1 1 0 0 0,0-1 0 0 0,-1 0 0 0 0,1 1-1 0 0,0-1 1 0 0,4 3 0 0 0,-5-4-94 0 0,0-1-1 0 0,0 1 1 0 0,0 0 0 0 0,0-1-1 0 0,0 1 1 0 0,0-1-1 0 0,0 1 1 0 0,0-1-1 0 0,0 0 1 0 0,0 1-1 0 0,0-1 1 0 0,1 0 0 0 0,-1 0-1 0 0,0 0 1 0 0,0 0-1 0 0,0 0 1 0 0,0 0-1 0 0,1 0 1 0 0,-1 0-1 0 0,0 0 1 0 0,0-1 0 0 0,0 1-1 0 0,0 0 1 0 0,0-1-1 0 0,0 1 1 0 0,0-1-1 0 0,2 0 1 0 0,0-1 18 0 0,-1 0 1 0 0,1 0 0 0 0,-1 0-1 0 0,0 0 1 0 0,1 0-1 0 0,-1-1 1 0 0,0 1 0 0 0,0-1-1 0 0,-1 1 1 0 0,1-1-1 0 0,0 0 1 0 0,1-6-1 0 0,0 0 64 0 0,0 0-1 0 0,3-19 0 0 0,2-12-58 0 0,1 12-90 0 0,14-39 182 0 0,-19 58-480 0 0,0 0 0 0 0,0 0 0 0 0,1 1 1 0 0,12-17-1 0 0,-16 25 115 0 0,-1-1 0 0 0,1 0 0 0 0,0 1 1 0 0,0-1-1 0 0,-1 0 0 0 0,1 1 0 0 0,0-1 0 0 0,0 1 0 0 0,0 0 0 0 0,0-1 1 0 0,-1 1-1 0 0,1 0 0 0 0,0-1 0 0 0,0 1 0 0 0,0 0 0 0 0,0 0 1 0 0,0 0-1 0 0,0 0 0 0 0,0 0 0 0 0,0 0 0 0 0,2 0 0 0 0,-1 0-703 0 0</inkml:trace>
+</inkml:ink>
+</file>
+
+<file path=ppt/ink/ink126.xml><?xml version="1.0" encoding="utf-8"?>
+<inkml:ink xmlns:inkml="http://www.w3.org/2003/InkML">
+  <inkml:definitions>
+    <inkml:context xml:id="ctx0">
+      <inkml:inkSource xml:id="inkSrc0">
+        <inkml:traceFormat>
+          <inkml:channel name="X" type="integer" min="-2.14748E9" max="2.14748E9" units="cm"/>
+          <inkml:channel name="Y" type="integer" min="-2.14748E9" max="2.14748E9" units="cm"/>
+          <inkml:channel name="F" type="integer" max="32767" units="dev"/>
+          <inkml:channel name="OA" type="integer" max="360" units="deg"/>
+          <inkml:channel name="OE" type="integer" max="90" units="deg"/>
+        </inkml:traceFormat>
+        <inkml:channelProperties>
+          <inkml:channelProperty channel="X" name="resolution" value="1000" units="1/cm"/>
+          <inkml:channelProperty channel="Y" name="resolution" value="1000" units="1/cm"/>
+          <inkml:channelProperty channel="F" name="resolution" value="0" units="1/dev"/>
+          <inkml:channelProperty channel="OA" name="resolution" value="1000" units="1/deg"/>
+          <inkml:channelProperty channel="OE" name="resolution" value="1000" units="1/deg"/>
+        </inkml:channelProperties>
+      </inkml:inkSource>
+      <inkml:timestamp xml:id="ts0" timeString="2020-11-03T16:23:22.544"/>
+    </inkml:context>
+    <inkml:brush xml:id="br0">
+      <inkml:brushProperty name="width" value="0.05" units="cm"/>
+      <inkml:brushProperty name="height" value="0.05" units="cm"/>
+      <inkml:brushProperty name="color" value="#E71224"/>
+    </inkml:brush>
+  </inkml:definitions>
+  <inkml:trace contextRef="#ctx0" brushRef="#br0">107 15 9216 0 0,'0'0'706'0'0,"-13"-14"6726"0"0,12 14-7237 0 0,-1-1 0 0 0,1 1 0 0 0,0 0 0 0 0,0 0 0 0 0,-1 1 0 0 0,1-1 0 0 0,0 0 0 0 0,0 0 0 0 0,-1 1 0 0 0,1-1 0 0 0,0 0 0 0 0,0 1 0 0 0,0-1 0 0 0,-2 2 0 0 0,-4 1 515 0 0,5-2-605 0 0,-1 0 0 0 0,1 1 0 0 0,-1-1 0 0 0,1 1 0 0 0,0-1 0 0 0,-1 1 0 0 0,1 0 0 0 0,0 0 0 0 0,0 0 0 0 0,1 0 0 0 0,-1 0 0 0 0,0 0 0 0 0,1 1 0 0 0,-1-1 0 0 0,1 0 0 0 0,0 1 0 0 0,-2 4 0 0 0,-3 7 118 0 0,-6 30 0 0 0,8-32-101 0 0,2-1 1 0 0,-1 0-1 0 0,2 1 1 0 0,-1-1 0 0 0,1 0-1 0 0,1 14 1 0 0,1-20-58 0 0,-1 0 1 0 0,0-1-1 0 0,1 1 1 0 0,0-1-1 0 0,0 1 0 0 0,1-1 1 0 0,-1 1-1 0 0,1-1 1 0 0,0 0-1 0 0,0 1 1 0 0,0-1-1 0 0,1 0 1 0 0,-1 0-1 0 0,1-1 0 0 0,4 6 1 0 0,-6-8-52 0 0,1 0 0 0 0,-1 0 0 0 0,0 0 0 0 0,1 0 0 0 0,-1 0 1 0 0,1 0-1 0 0,-1-1 0 0 0,1 1 0 0 0,-1 0 0 0 0,1-1 0 0 0,0 1 0 0 0,-1-1 0 0 0,1 0 0 0 0,0 1 1 0 0,-1-1-1 0 0,1 0 0 0 0,0 0 0 0 0,0 0 0 0 0,-1 0 0 0 0,1 0 0 0 0,0-1 0 0 0,-1 1 0 0 0,1 0 0 0 0,0-1 1 0 0,-1 1-1 0 0,1-1 0 0 0,-1 0 0 0 0,1 0 0 0 0,-1 1 0 0 0,1-1 0 0 0,-1 0 0 0 0,1 0 0 0 0,-1 0 1 0 0,0 0-1 0 0,0-1 0 0 0,1 1 0 0 0,-1 0 0 0 0,0 0 0 0 0,0-1 0 0 0,0 1 0 0 0,0-1 0 0 0,-1 1 1 0 0,1-1-1 0 0,0 1 0 0 0,-1-1 0 0 0,1 0 0 0 0,-1 1 0 0 0,1-1 0 0 0,-1-2 0 0 0,14-84 484 0 0,1-5-76 0 0,-14 90-379 0 0,0 0-1 0 0,0 0 0 0 0,0-1 1 0 0,1 1-1 0 0,-1 1 0 0 0,1-1 1 0 0,2-3-1 0 0,-4 5-33 0 0,1 1 0 0 0,-1-1 0 0 0,0 1 1 0 0,0-1-1 0 0,1 1 0 0 0,-1 0 0 0 0,1-1 0 0 0,-1 1 0 0 0,0-1 0 0 0,1 1 0 0 0,-1 0 0 0 0,1-1 0 0 0,-1 1 0 0 0,1 0 0 0 0,-1 0 0 0 0,0 0 1 0 0,1-1-1 0 0,0 1 0 0 0,-1 0 0 0 0,1 0 0 0 0,-1 0 0 0 0,1 0 0 0 0,-1 0 0 0 0,1 0 0 0 0,-1 0 0 0 0,1 0 0 0 0,-1 0 0 0 0,1 0 0 0 0,-1 0 0 0 0,1 0 1 0 0,-1 0-1 0 0,1 0 0 0 0,-1 0 0 0 0,1 1 0 0 0,-1-1 0 0 0,1 0 0 0 0,-1 0 0 0 0,1 1 0 0 0,-1-1 0 0 0,1 0 0 0 0,-1 1 0 0 0,0-1 0 0 0,1 0 1 0 0,-1 1-1 0 0,0-1 0 0 0,1 0 0 0 0,0 2 0 0 0,11 12 122 0 0,-9-10-107 0 0,1 0 1 0 0,-1 0 0 0 0,0 0 0 0 0,0 0 0 0 0,0 1-1 0 0,-1-1 1 0 0,3 7 0 0 0,5 13 51 0 0,-6-17-60 0 0,-1 0 0 0 0,0 1 0 0 0,4 15 0 0 0,-5-12-2 0 0,-1 0 1 0 0,0 0-1 0 0,-1 0 0 0 0,0 1 0 0 0,-4 21 1 0 0,0-12 5 0 0,-1 0 1 0 0,-9 25 0 0 0,10-36-13 0 0,0 0 0 0 0,-1-1 0 0 0,0 1 1 0 0,0-1-1 0 0,-1 0 0 0 0,0 0 0 0 0,-1-1 0 0 0,-13 13 0 0 0,15-16-242 0 0,0-1 0 0 0,0 1 0 0 0,-1-1 0 0 0,1-1 0 0 0,-1 1 0 0 0,0-1 0 0 0,0 0 0 0 0,0-1 0 0 0,0 1 0 0 0,0-1 0 0 0,-1 0 0 0 0,1-1 1 0 0,-1 1-1 0 0,1-1 0 0 0,-10 0 0 0 0,-1-3-1256 0 0</inkml:trace>
+</inkml:ink>
+</file>
+
+<file path=ppt/ink/ink127.xml><?xml version="1.0" encoding="utf-8"?>
+<inkml:ink xmlns:inkml="http://www.w3.org/2003/InkML">
+  <inkml:definitions>
+    <inkml:context xml:id="ctx0">
+      <inkml:inkSource xml:id="inkSrc0">
+        <inkml:traceFormat>
+          <inkml:channel name="X" type="integer" min="-2.14748E9" max="2.14748E9" units="cm"/>
+          <inkml:channel name="Y" type="integer" min="-2.14748E9" max="2.14748E9" units="cm"/>
+          <inkml:channel name="F" type="integer" max="32767" units="dev"/>
+          <inkml:channel name="OA" type="integer" max="360" units="deg"/>
+          <inkml:channel name="OE" type="integer" max="90" units="deg"/>
+        </inkml:traceFormat>
+        <inkml:channelProperties>
+          <inkml:channelProperty channel="X" name="resolution" value="1000" units="1/cm"/>
+          <inkml:channelProperty channel="Y" name="resolution" value="1000" units="1/cm"/>
+          <inkml:channelProperty channel="F" name="resolution" value="0" units="1/dev"/>
+          <inkml:channelProperty channel="OA" name="resolution" value="1000" units="1/deg"/>
+          <inkml:channelProperty channel="OE" name="resolution" value="1000" units="1/deg"/>
+        </inkml:channelProperties>
+      </inkml:inkSource>
+      <inkml:timestamp xml:id="ts0" timeString="2020-11-03T16:23:23.190"/>
+    </inkml:context>
+    <inkml:brush xml:id="br0">
+      <inkml:brushProperty name="width" value="0.05" units="cm"/>
+      <inkml:brushProperty name="height" value="0.05" units="cm"/>
+      <inkml:brushProperty name="color" value="#E71224"/>
+    </inkml:brush>
+  </inkml:definitions>
+  <inkml:trace contextRef="#ctx0" brushRef="#br0">0 0 6448 0 0,'0'0'2148'0'0,"12"13"4698"0"0,7 10-4927 0 0,-1 1 0 0 0,23 40 0 0 0,11 15 196 0 0,-38-54-2228 0 0,-14-25 31 0 0,-8 6-1898 0 0,2-1 256 0 0</inkml:trace>
+</inkml:ink>
+</file>
+
+<file path=ppt/ink/ink128.xml><?xml version="1.0" encoding="utf-8"?>
+<inkml:ink xmlns:inkml="http://www.w3.org/2003/InkML">
+  <inkml:definitions>
+    <inkml:context xml:id="ctx0">
+      <inkml:inkSource xml:id="inkSrc0">
+        <inkml:traceFormat>
+          <inkml:channel name="X" type="integer" min="-2.14748E9" max="2.14748E9" units="cm"/>
+          <inkml:channel name="Y" type="integer" min="-2.14748E9" max="2.14748E9" units="cm"/>
+          <inkml:channel name="F" type="integer" max="32767" units="dev"/>
+          <inkml:channel name="OA" type="integer" max="360" units="deg"/>
+          <inkml:channel name="OE" type="integer" max="90" units="deg"/>
+        </inkml:traceFormat>
+        <inkml:channelProperties>
+          <inkml:channelProperty channel="X" name="resolution" value="1000" units="1/cm"/>
+          <inkml:channelProperty channel="Y" name="resolution" value="1000" units="1/cm"/>
+          <inkml:channelProperty channel="F" name="resolution" value="0" units="1/dev"/>
+          <inkml:channelProperty channel="OA" name="resolution" value="1000" units="1/deg"/>
+          <inkml:channelProperty channel="OE" name="resolution" value="1000" units="1/deg"/>
+        </inkml:channelProperties>
+      </inkml:inkSource>
+      <inkml:timestamp xml:id="ts0" timeString="2020-11-03T16:23:23.518"/>
+    </inkml:context>
+    <inkml:brush xml:id="br0">
+      <inkml:brushProperty name="width" value="0.05" units="cm"/>
+      <inkml:brushProperty name="height" value="0.05" units="cm"/>
+      <inkml:brushProperty name="color" value="#E71224"/>
+    </inkml:brush>
+  </inkml:definitions>
+  <inkml:trace contextRef="#ctx0" brushRef="#br0">1 272 8288 0 0,'0'0'638'0'0,"6"-10"3261"0"0,35-50 3720 0 0,16-26-4846 0 0,-45 70-2663 0 0,1 0 0 0 0,1 0 0 0 0,31-26 0 0 0,-26 25-48 0 0,-14 12-99 0 0,-4 4-156 0 0,6-1-491 0 0</inkml:trace>
+</inkml:ink>
+</file>
+
+<file path=ppt/ink/ink129.xml><?xml version="1.0" encoding="utf-8"?>
+<inkml:ink xmlns:inkml="http://www.w3.org/2003/InkML">
+  <inkml:definitions>
+    <inkml:context xml:id="ctx0">
+      <inkml:inkSource xml:id="inkSrc0">
+        <inkml:traceFormat>
+          <inkml:channel name="X" type="integer" min="-2.14748E9" max="2.14748E9" units="cm"/>
+          <inkml:channel name="Y" type="integer" min="-2.14748E9" max="2.14748E9" units="cm"/>
+          <inkml:channel name="F" type="integer" max="32767" units="dev"/>
+          <inkml:channel name="OA" type="integer" max="360" units="deg"/>
+          <inkml:channel name="OE" type="integer" max="90" units="deg"/>
+        </inkml:traceFormat>
+        <inkml:channelProperties>
+          <inkml:channelProperty channel="X" name="resolution" value="1000" units="1/cm"/>
+          <inkml:channelProperty channel="Y" name="resolution" value="1000" units="1/cm"/>
+          <inkml:channelProperty channel="F" name="resolution" value="0" units="1/dev"/>
+          <inkml:channelProperty channel="OA" name="resolution" value="1000" units="1/deg"/>
+          <inkml:channelProperty channel="OE" name="resolution" value="1000" units="1/deg"/>
+        </inkml:channelProperties>
+      </inkml:inkSource>
+      <inkml:timestamp xml:id="ts0" timeString="2020-11-03T16:23:23.875"/>
+    </inkml:context>
+    <inkml:brush xml:id="br0">
+      <inkml:brushProperty name="width" value="0.05" units="cm"/>
+      <inkml:brushProperty name="height" value="0.05" units="cm"/>
+      <inkml:brushProperty name="color" value="#E71224"/>
+    </inkml:brush>
+  </inkml:definitions>
+  <inkml:trace contextRef="#ctx0" brushRef="#br0">3 1 11520 0 0,'0'0'886'0'0,"-2"18"2677"0"0,3-16-3273 0 0,0 0-1 0 0,0 0 1 0 0,0 0 0 0 0,0 0 0 0 0,0 0 0 0 0,0 0-1 0 0,1-1 1 0 0,-1 1 0 0 0,1 0 0 0 0,-1-1 0 0 0,1 1-1 0 0,3 2 1 0 0,24 14 1029 0 0,-11-11-1246 0 0,0 0-1 0 0,1-1 1 0 0,-1-1-1 0 0,1-1 1 0 0,27 3-1 0 0,-29-3-1765 0 0,-8-1-289 0 0</inkml:trace>
+</inkml:ink>
+</file>
+
+<file path=ppt/ink/ink13.xml><?xml version="1.0" encoding="utf-8"?>
+<inkml:ink xmlns:inkml="http://www.w3.org/2003/InkML">
+  <inkml:definitions>
+    <inkml:context xml:id="ctx0">
+      <inkml:inkSource xml:id="inkSrc0">
+        <inkml:traceFormat>
+          <inkml:channel name="X" type="integer" min="-2.14748E9" max="2.14748E9" units="cm"/>
+          <inkml:channel name="Y" type="integer" min="-2.14748E9" max="2.14748E9" units="cm"/>
+          <inkml:channel name="F" type="integer" max="32767" units="dev"/>
+          <inkml:channel name="OA" type="integer" max="360" units="deg"/>
+          <inkml:channel name="OE" type="integer" max="90" units="deg"/>
+        </inkml:traceFormat>
+        <inkml:channelProperties>
+          <inkml:channelProperty channel="X" name="resolution" value="1000" units="1/cm"/>
+          <inkml:channelProperty channel="Y" name="resolution" value="1000" units="1/cm"/>
+          <inkml:channelProperty channel="F" name="resolution" value="0" units="1/dev"/>
+          <inkml:channelProperty channel="OA" name="resolution" value="1000" units="1/deg"/>
+          <inkml:channelProperty channel="OE" name="resolution" value="1000" units="1/deg"/>
+        </inkml:channelProperties>
+      </inkml:inkSource>
+      <inkml:timestamp xml:id="ts0" timeString="2020-11-04T17:00:57.296"/>
+    </inkml:context>
+    <inkml:brush xml:id="br0">
+      <inkml:brushProperty name="width" value="0.05" units="cm"/>
+      <inkml:brushProperty name="height" value="0.05" units="cm"/>
+      <inkml:brushProperty name="color" value="#004F8B"/>
+    </inkml:brush>
+  </inkml:definitions>
+  <inkml:trace contextRef="#ctx0" brushRef="#br0">87 52 8752 0 0,'-3'-14'1165'0'0,"-1"-9"4897"0"0,3 9 2308 0 0,2 44-7065 0 0,0-10-1028 0 0,-3 24 1 0 0,-15 181 496 0 0,-8 7-400 0 0,20-179-313 0 0,3-26-7 0 0,-8 39 1 0 0,5-52-445 0 0,5-13-62 0 0,-4-6-652 0 0,3 3 721 0 0,0 0 1 0 0,0-1 0 0 0,0 1 0 0 0,0 0 0 0 0,0-1 0 0 0,-1-3 0 0 0,-1-8-1133 0 0</inkml:trace>
+</inkml:ink>
+</file>
+
+<file path=ppt/ink/ink130.xml><?xml version="1.0" encoding="utf-8"?>
+<inkml:ink xmlns:inkml="http://www.w3.org/2003/InkML">
+  <inkml:definitions>
+    <inkml:context xml:id="ctx0">
+      <inkml:inkSource xml:id="inkSrc0">
+        <inkml:traceFormat>
+          <inkml:channel name="X" type="integer" min="-2.14748E9" max="2.14748E9" units="cm"/>
+          <inkml:channel name="Y" type="integer" min="-2.14748E9" max="2.14748E9" units="cm"/>
+          <inkml:channel name="F" type="integer" max="32767" units="dev"/>
+          <inkml:channel name="OA" type="integer" max="360" units="deg"/>
+          <inkml:channel name="OE" type="integer" max="90" units="deg"/>
+        </inkml:traceFormat>
+        <inkml:channelProperties>
+          <inkml:channelProperty channel="X" name="resolution" value="1000" units="1/cm"/>
+          <inkml:channelProperty channel="Y" name="resolution" value="1000" units="1/cm"/>
+          <inkml:channelProperty channel="F" name="resolution" value="0" units="1/dev"/>
+          <inkml:channelProperty channel="OA" name="resolution" value="1000" units="1/deg"/>
+          <inkml:channelProperty channel="OE" name="resolution" value="1000" units="1/deg"/>
+        </inkml:channelProperties>
+      </inkml:inkSource>
+      <inkml:timestamp xml:id="ts0" timeString="2020-11-03T16:23:24.411"/>
+    </inkml:context>
+    <inkml:brush xml:id="br0">
+      <inkml:brushProperty name="width" value="0.05" units="cm"/>
+      <inkml:brushProperty name="height" value="0.05" units="cm"/>
+      <inkml:brushProperty name="color" value="#E71224"/>
+    </inkml:brush>
+  </inkml:definitions>
+  <inkml:trace contextRef="#ctx0" brushRef="#br0">77 16 10136 0 0,'-3'-13'464'0'0,"3"11"610"0"0,-8 12 461 0 0,4-2-937 0 0,0 0 0 0 0,1 1 0 0 0,0-1 0 0 0,-2 11 0 0 0,3-15-536 0 0,-2 30 452 0 0,3-28-431 0 0,1 1 0 0 0,-1 0 0 0 0,-4 11 0 0 0,-2 7-14 0 0,0-1 0 0 0,1 1 0 0 0,-3 44 0 0 0,7-53-233 0 0,0 11 64 0 0,3-8-4417 0 0,-1-4-893 0 0</inkml:trace>
+</inkml:ink>
+</file>
+
+<file path=ppt/ink/ink131.xml><?xml version="1.0" encoding="utf-8"?>
+<inkml:ink xmlns:inkml="http://www.w3.org/2003/InkML">
+  <inkml:definitions>
+    <inkml:context xml:id="ctx0">
+      <inkml:inkSource xml:id="inkSrc0">
+        <inkml:traceFormat>
+          <inkml:channel name="X" type="integer" min="-2.14748E9" max="2.14748E9" units="cm"/>
+          <inkml:channel name="Y" type="integer" min="-2.14748E9" max="2.14748E9" units="cm"/>
+          <inkml:channel name="F" type="integer" max="32767" units="dev"/>
+          <inkml:channel name="OA" type="integer" max="360" units="deg"/>
+          <inkml:channel name="OE" type="integer" max="90" units="deg"/>
+        </inkml:traceFormat>
+        <inkml:channelProperties>
+          <inkml:channelProperty channel="X" name="resolution" value="1000" units="1/cm"/>
+          <inkml:channelProperty channel="Y" name="resolution" value="1000" units="1/cm"/>
+          <inkml:channelProperty channel="F" name="resolution" value="0" units="1/dev"/>
+          <inkml:channelProperty channel="OA" name="resolution" value="1000" units="1/deg"/>
+          <inkml:channelProperty channel="OE" name="resolution" value="1000" units="1/deg"/>
+        </inkml:channelProperties>
+      </inkml:inkSource>
+      <inkml:timestamp xml:id="ts0" timeString="2020-11-03T16:23:26.529"/>
+    </inkml:context>
+    <inkml:brush xml:id="br0">
+      <inkml:brushProperty name="width" value="0.05" units="cm"/>
+      <inkml:brushProperty name="height" value="0.05" units="cm"/>
+      <inkml:brushProperty name="color" value="#E71224"/>
+    </inkml:brush>
+  </inkml:definitions>
+  <inkml:trace contextRef="#ctx0" brushRef="#br0">362 86 6624 0 0,'0'0'593'0'0,"5"-16"5686"0"0,-6 13-5894 0 0,0 0 1 0 0,1 0-1 0 0,-1 1 1 0 0,-1-1-1 0 0,1 0 1 0 0,0 0 0 0 0,-1 1-1 0 0,1-1 1 0 0,-1 1-1 0 0,0-1 1 0 0,-3-2-1 0 0,3 1-102 0 0,-1 1-1 0 0,0 0 0 0 0,0 0 1 0 0,-1 0-1 0 0,1 1 0 0 0,-1-1 1 0 0,1 1-1 0 0,-5-3 0 0 0,3 4-136 0 0,0-1 0 0 0,-1 1-1 0 0,1 0 1 0 0,-1 0 0 0 0,1 1 0 0 0,-1-1-1 0 0,1 1 1 0 0,-1 1 0 0 0,1-1-1 0 0,0 1 1 0 0,-1 0 0 0 0,1 0-1 0 0,-1 0 1 0 0,1 1 0 0 0,-7 2 0 0 0,4 0-86 0 0,0 0 0 0 0,0 0 0 0 0,0 1 0 0 0,1 0 0 0 0,-1 0 0 0 0,1 1 0 0 0,1 0 0 0 0,-11 11 0 0 0,-1 6-23 0 0,1 1 1 0 0,1 1-1 0 0,2 1 0 0 0,0 0 0 0 0,1 1 0 0 0,2 0 0 0 0,-12 43 1 0 0,17-47 71 0 0,2 1 0 0 0,0-1 1 0 0,1 1-1 0 0,2-1 1 0 0,0 1-1 0 0,2 0 1 0 0,0-1-1 0 0,2 1 0 0 0,0-1 1 0 0,2 0-1 0 0,0 0 1 0 0,15 38-1 0 0,-15-51-19 0 0,-1 0-1 0 0,2-1 0 0 0,-1 1 1 0 0,1-1-1 0 0,0-1 0 0 0,1 1 1 0 0,0-1-1 0 0,0 0 1 0 0,15 12-1 0 0,-15-15-32 0 0,0 1 1 0 0,1-2-1 0 0,-1 1 1 0 0,1-1-1 0 0,-1 0 0 0 0,1-1 1 0 0,0 0-1 0 0,1 0 1 0 0,-1-1-1 0 0,0 0 0 0 0,1 0 1 0 0,14 0-1 0 0,-14-2-14 0 0,1 0 1 0 0,0-1-1 0 0,-1 0 0 0 0,1 0 1 0 0,-1-1-1 0 0,1 0 0 0 0,-1-1 0 0 0,0 0 1 0 0,15-8-1 0 0,-12 5-11 0 0,-2-1 0 0 0,1 0 0 0 0,-1 0 0 0 0,0-1-1 0 0,-1-1 1 0 0,15-16 0 0 0,-8 6-18 0 0,-2-1 0 0 0,0-1-1 0 0,-2 0 1 0 0,0-1 0 0 0,-1-1-1 0 0,-1 1 1 0 0,7-28-1 0 0,-7 16 188 0 0,-1 0-1 0 0,-2-1 1 0 0,-1 1-1 0 0,-2-2 0 0 0,-2 1 1 0 0,-3-66-1 0 0,0 89-160 0 0,0 1-1 0 0,-1-1 1 0 0,-1 1-1 0 0,0-1 1 0 0,0 1 0 0 0,-9-16-1 0 0,10 23-34 0 0,0 0 0 0 0,0 0 0 0 0,-1 0 1 0 0,1 1-1 0 0,-1-1 0 0 0,0 1 0 0 0,0 0 0 0 0,-7-6 0 0 0,8 8-12 0 0,0-1 0 0 0,-1 1-1 0 0,1 0 1 0 0,0 0 0 0 0,-1 0-1 0 0,1 0 1 0 0,-1 0 0 0 0,0 0 0 0 0,1 1-1 0 0,-1-1 1 0 0,0 1 0 0 0,1 0 0 0 0,-1 0-1 0 0,0 0 1 0 0,-4 1 0 0 0,2 0-92 0 0,0 0 1 0 0,0 1-1 0 0,0 0 1 0 0,0 0 0 0 0,0 0-1 0 0,0 1 1 0 0,1-1-1 0 0,-1 1 1 0 0,1 0-1 0 0,-1 1 1 0 0,1-1-1 0 0,-6 8 1 0 0,-5 6-1281 0 0,-21 30-1 0 0,32-43 1180 0 0,-14 22-1454 0 0,3-1-212 0 0</inkml:trace>
+</inkml:ink>
+</file>
+
+<file path=ppt/ink/ink132.xml><?xml version="1.0" encoding="utf-8"?>
+<inkml:ink xmlns:inkml="http://www.w3.org/2003/InkML">
+  <inkml:definitions>
+    <inkml:context xml:id="ctx0">
+      <inkml:inkSource xml:id="inkSrc0">
+        <inkml:traceFormat>
+          <inkml:channel name="X" type="integer" min="-2.14748E9" max="2.14748E9" units="cm"/>
+          <inkml:channel name="Y" type="integer" min="-2.14748E9" max="2.14748E9" units="cm"/>
+          <inkml:channel name="F" type="integer" max="32767" units="dev"/>
+          <inkml:channel name="OA" type="integer" max="360" units="deg"/>
+          <inkml:channel name="OE" type="integer" max="90" units="deg"/>
+        </inkml:traceFormat>
+        <inkml:channelProperties>
+          <inkml:channelProperty channel="X" name="resolution" value="1000" units="1/cm"/>
+          <inkml:channelProperty channel="Y" name="resolution" value="1000" units="1/cm"/>
+          <inkml:channelProperty channel="F" name="resolution" value="0" units="1/dev"/>
+          <inkml:channelProperty channel="OA" name="resolution" value="1000" units="1/deg"/>
+          <inkml:channelProperty channel="OE" name="resolution" value="1000" units="1/deg"/>
+        </inkml:channelProperties>
+      </inkml:inkSource>
+      <inkml:timestamp xml:id="ts0" timeString="2020-11-03T16:23:27.128"/>
+    </inkml:context>
+    <inkml:brush xml:id="br0">
+      <inkml:brushProperty name="width" value="0.05" units="cm"/>
+      <inkml:brushProperty name="height" value="0.05" units="cm"/>
+      <inkml:brushProperty name="color" value="#E71224"/>
+    </inkml:brush>
+  </inkml:definitions>
+  <inkml:trace contextRef="#ctx0" brushRef="#br0">0 74 9960 0 0,'4'6'8542'0'0,"-1"-7"-8207"0"0,0 1 0 0 0,-1 0 0 0 0,1-1 0 0 0,0 0 0 0 0,0 0 0 0 0,0 0 0 0 0,0 0 0 0 0,0 0 0 0 0,-1 0 0 0 0,4-3 0 0 0,27-20 1855 0 0,-15 10-1172 0 0,-12 10-914 0 0,2-2 148 0 0,0 1 0 0 0,16-9 0 0 0,-23 14-41 0 0,11 8-106 0 0,-7-2-95 0 0,-1 0-1 0 0,0 0 0 0 0,0 0 1 0 0,0 1-1 0 0,-1 0 1 0 0,1 0-1 0 0,-2 0 1 0 0,5 14-1 0 0,-4-11 1 0 0,0 0 0 0 0,2 0-1 0 0,6 14 1 0 0,-9-21-7 0 0,0 1 1 0 0,1-1-1 0 0,-1 1 0 0 0,1-1 0 0 0,-1 0 0 0 0,1 0 0 0 0,0 0 1 0 0,0-1-1 0 0,1 1 0 0 0,-1-1 0 0 0,1 0 0 0 0,-1 1 0 0 0,1-2 1 0 0,-1 1-1 0 0,6 2 0 0 0,-6-4 0 0 0,0 1 1 0 0,0-1-1 0 0,1 0 0 0 0,-1 0 1 0 0,0 0-1 0 0,0 0 0 0 0,0 0 1 0 0,0-1-1 0 0,1 1 0 0 0,-1-1 1 0 0,0 0-1 0 0,0 0 0 0 0,0 0 1 0 0,0 0-1 0 0,0-1 0 0 0,0 1 1 0 0,-1-1-1 0 0,1 1 0 0 0,4-5 1 0 0,21-22 154 0 0,-24 23-821 0 0,1 0 1 0 0,-1 0-1 0 0,1 1 1 0 0,9-7-1 0 0</inkml:trace>
+</inkml:ink>
+</file>
+
+<file path=ppt/ink/ink133.xml><?xml version="1.0" encoding="utf-8"?>
+<inkml:ink xmlns:inkml="http://www.w3.org/2003/InkML">
+  <inkml:definitions>
+    <inkml:context xml:id="ctx0">
+      <inkml:inkSource xml:id="inkSrc0">
+        <inkml:traceFormat>
+          <inkml:channel name="X" type="integer" min="-2.14748E9" max="2.14748E9" units="cm"/>
+          <inkml:channel name="Y" type="integer" min="-2.14748E9" max="2.14748E9" units="cm"/>
+          <inkml:channel name="F" type="integer" max="32767" units="dev"/>
+          <inkml:channel name="OA" type="integer" max="360" units="deg"/>
+          <inkml:channel name="OE" type="integer" max="90" units="deg"/>
+        </inkml:traceFormat>
+        <inkml:channelProperties>
+          <inkml:channelProperty channel="X" name="resolution" value="1000" units="1/cm"/>
+          <inkml:channelProperty channel="Y" name="resolution" value="1000" units="1/cm"/>
+          <inkml:channelProperty channel="F" name="resolution" value="0" units="1/dev"/>
+          <inkml:channelProperty channel="OA" name="resolution" value="1000" units="1/deg"/>
+          <inkml:channelProperty channel="OE" name="resolution" value="1000" units="1/deg"/>
+        </inkml:channelProperties>
+      </inkml:inkSource>
+      <inkml:timestamp xml:id="ts0" timeString="2020-11-03T16:23:27.813"/>
+    </inkml:context>
+    <inkml:brush xml:id="br0">
+      <inkml:brushProperty name="width" value="0.05" units="cm"/>
+      <inkml:brushProperty name="height" value="0.05" units="cm"/>
+      <inkml:brushProperty name="color" value="#E71224"/>
+    </inkml:brush>
+  </inkml:definitions>
+  <inkml:trace contextRef="#ctx0" brushRef="#br0">205 1 11000 0 0,'0'0'1292'0'0,"-9"1"1890"0"0,4 1-2875 0 0,0-1 0 0 0,0 1 0 0 0,0 0 0 0 0,0 0 0 0 0,0 0 0 0 0,1 1 0 0 0,-1 0 0 0 0,1-1 0 0 0,-1 2 0 0 0,1-1 0 0 0,0 0 0 0 0,0 1 0 0 0,1 0 0 0 0,-1 0 0 0 0,1 0 0 0 0,0 0 0 0 0,0 1 0 0 0,0-1 0 0 0,-2 6 0 0 0,-5 12-151 0 0,1-1-1 0 0,1 1 0 0 0,-6 26 0 0 0,3-9 441 0 0,-3 11 193 0 0,-16 103 1 0 0,15 55 493 0 0,19-50-327 0 0,-1-127-781 0 0,1 0 0 0 0,2-1 0 0 0,11 32-1 0 0,-16-58-155 0 0,0 1 0 0 0,1-1 0 0 0,-1 0 0 0 0,1 0 0 0 0,0 0 0 0 0,1 0 0 0 0,-1 0 0 0 0,1 0 0 0 0,-1-1 0 0 0,5 5-1 0 0,-3-7 46 0 0,-3 0 3 0 0,-1-8-339 0 0,-4 0-847 0 0,0-1 0 0 0,0 1 0 0 0,-1 0 1 0 0,-6-8-1 0 0,-1 2-751 0 0</inkml:trace>
+</inkml:ink>
+</file>
+
+<file path=ppt/ink/ink134.xml><?xml version="1.0" encoding="utf-8"?>
+<inkml:ink xmlns:inkml="http://www.w3.org/2003/InkML">
+  <inkml:definitions>
+    <inkml:context xml:id="ctx0">
+      <inkml:inkSource xml:id="inkSrc0">
+        <inkml:traceFormat>
+          <inkml:channel name="X" type="integer" min="-2.14748E9" max="2.14748E9" units="cm"/>
+          <inkml:channel name="Y" type="integer" min="-2.14748E9" max="2.14748E9" units="cm"/>
+          <inkml:channel name="F" type="integer" max="32767" units="dev"/>
+          <inkml:channel name="OA" type="integer" max="360" units="deg"/>
+          <inkml:channel name="OE" type="integer" max="90" units="deg"/>
+        </inkml:traceFormat>
+        <inkml:channelProperties>
+          <inkml:channelProperty channel="X" name="resolution" value="1000" units="1/cm"/>
+          <inkml:channelProperty channel="Y" name="resolution" value="1000" units="1/cm"/>
+          <inkml:channelProperty channel="F" name="resolution" value="0" units="1/dev"/>
+          <inkml:channelProperty channel="OA" name="resolution" value="1000" units="1/deg"/>
+          <inkml:channelProperty channel="OE" name="resolution" value="1000" units="1/deg"/>
+        </inkml:channelProperties>
+      </inkml:inkSource>
+      <inkml:timestamp xml:id="ts0" timeString="2020-11-03T16:23:28.525"/>
+    </inkml:context>
+    <inkml:brush xml:id="br0">
+      <inkml:brushProperty name="width" value="0.05" units="cm"/>
+      <inkml:brushProperty name="height" value="0.05" units="cm"/>
+      <inkml:brushProperty name="color" value="#E71224"/>
+    </inkml:brush>
+  </inkml:definitions>
+  <inkml:trace contextRef="#ctx0" brushRef="#br0">0 275 9872 0 0,'0'0'3744'0'0,"9"-20"-167"0"0,-1 6-2652 0 0,-1 0-1 0 0,0 0 1 0 0,-1-1 0 0 0,-1 0-1 0 0,5-21 1 0 0,0 4-337 0 0,-7 20-257 0 0,-1 0 0 0 0,2-16 0 0 0,-3 18-72 0 0,0 0-1 0 0,1 0 1 0 0,0 0 0 0 0,4-11-1 0 0,-5 20-10 0 0,-1 19 0 0 0,-1 13-246 0 0,1-4 10 0 0,0 0 0 0 0,7 47 0 0 0,-5-66-11 0 0,-1-1 1 0 0,1 1 0 0 0,1-1 0 0 0,-1 0-1 0 0,1 0 1 0 0,0 0 0 0 0,1 0 0 0 0,0-1 0 0 0,0 1-1 0 0,0-1 1 0 0,1 0 0 0 0,-1 0 0 0 0,2 0-1 0 0,8 7 1 0 0,-10-9 32 0 0,1-1 0 0 0,0-1-1 0 0,-1 1 1 0 0,1-1 0 0 0,0 1 0 0 0,0-1-1 0 0,0-1 1 0 0,0 1 0 0 0,0-1 0 0 0,1 0-1 0 0,-1 0 1 0 0,0 0 0 0 0,1-1-1 0 0,9 0 1 0 0,-12-1-11 0 0,0 1 0 0 0,0 0-1 0 0,1-1 1 0 0,-1 0 0 0 0,0 0-1 0 0,0 0 1 0 0,0 0 0 0 0,0 0-1 0 0,0-1 1 0 0,0 1 0 0 0,0-1-1 0 0,-1 0 1 0 0,1 0 0 0 0,-1 0 0 0 0,1 0-1 0 0,-1 0 1 0 0,0 0 0 0 0,1-1-1 0 0,-1 1 1 0 0,0-1 0 0 0,-1 0-1 0 0,1 0 1 0 0,0 1 0 0 0,-1-1-1 0 0,2-5 1 0 0,7-26 151 0 0,-3 0 0 0 0,0 0 0 0 0,3-65 0 0 0,-9 90-216 0 0,-1 5-49 0 0,1-1 0 0 0,-1 1 0 0 0,0-1 1 0 0,0 1-1 0 0,0-1 0 0 0,-1 1 0 0 0,0-1 0 0 0,-1-3 0 0 0,2 7-418 0 0,-5 3-1942 0 0</inkml:trace>
+</inkml:ink>
+</file>
+
+<file path=ppt/ink/ink135.xml><?xml version="1.0" encoding="utf-8"?>
+<inkml:ink xmlns:inkml="http://www.w3.org/2003/InkML">
+  <inkml:definitions>
+    <inkml:context xml:id="ctx0">
+      <inkml:inkSource xml:id="inkSrc0">
+        <inkml:traceFormat>
+          <inkml:channel name="X" type="integer" min="-2.14748E9" max="2.14748E9" units="cm"/>
+          <inkml:channel name="Y" type="integer" min="-2.14748E9" max="2.14748E9" units="cm"/>
+          <inkml:channel name="F" type="integer" max="32767" units="dev"/>
+          <inkml:channel name="OA" type="integer" max="360" units="deg"/>
+          <inkml:channel name="OE" type="integer" max="90" units="deg"/>
+        </inkml:traceFormat>
+        <inkml:channelProperties>
+          <inkml:channelProperty channel="X" name="resolution" value="1000" units="1/cm"/>
+          <inkml:channelProperty channel="Y" name="resolution" value="1000" units="1/cm"/>
+          <inkml:channelProperty channel="F" name="resolution" value="0" units="1/dev"/>
+          <inkml:channelProperty channel="OA" name="resolution" value="1000" units="1/deg"/>
+          <inkml:channelProperty channel="OE" name="resolution" value="1000" units="1/deg"/>
+        </inkml:channelProperties>
+      </inkml:inkSource>
+      <inkml:timestamp xml:id="ts0" timeString="2020-11-03T16:23:30.583"/>
+    </inkml:context>
+    <inkml:brush xml:id="br0">
+      <inkml:brushProperty name="width" value="0.05" units="cm"/>
+      <inkml:brushProperty name="height" value="0.05" units="cm"/>
+      <inkml:brushProperty name="color" value="#E71224"/>
+    </inkml:brush>
+  </inkml:definitions>
+  <inkml:trace contextRef="#ctx0" brushRef="#br0">6 21 2304 0 0,'0'0'101'0'0,"0"-1"1"0"0,0 0 742 0 0,0 0 1 0 0,0 0 0 0 0,-1 0 0 0 0,2 0 0 0 0,2-10 8449 0 0,-2 9-8449 0 0,-1 2-663 0 0,1 0 1 0 0,-1-1 0 0 0,0 1 0 0 0,1 0 0 0 0,-1 0 0 0 0,0 0 0 0 0,1 0 0 0 0,-1 0-1 0 0,1 0 1 0 0,-1 0 0 0 0,0 0 0 0 0,1 0 0 0 0,-1 0 0 0 0,0 0 0 0 0,1 0-1 0 0,-1 0 1 0 0,0 0 0 0 0,1 1 0 0 0,-1-1 0 0 0,0 0 0 0 0,1 0 0 0 0,-1 0 0 0 0,0 0-1 0 0,1 1 1 0 0,-1-1 0 0 0,0 0 0 0 0,0 0 0 0 0,1 1 0 0 0,1 1-53 0 0,1 1 0 0 0,-1-1 1 0 0,0 0-1 0 0,0 1 0 0 0,0 0 1 0 0,0 0-1 0 0,1 3 0 0 0,45 130 1182 0 0,-13-32-1000 0 0,-12-55-45 0 0,-23-48-86 0 0,-1-14-39 0 0,-15-23-72 0 0,-2 0 0 0 0,-24-35 0 0 0,31 48-54 0 0,10 20-12 0 0,1 0 1 0 0,-2 0-1 0 0,1 1 1 0 0,0-1-1 0 0,0 1 0 0 0,-1-1 1 0 0,0 1-1 0 0,1-1 1 0 0,-3-1-1 0 0,3 4 13 0 0,1-1-1 0 0,0 1 1 0 0,0 0-1 0 0,0 0 1 0 0,0 0-1 0 0,-1 0 1 0 0,1 0-1 0 0,0 0 1 0 0,0 0-1 0 0,0 0 1 0 0,0 0-1 0 0,-1 0 1 0 0,1-1-1 0 0,0 1 1 0 0,0 0-1 0 0,0 0 1 0 0,0 0-1 0 0,0 0 1 0 0,0 0-1 0 0,0-1 1 0 0,-1 1-1 0 0,1 0 1 0 0,0 0-1 0 0,0 0 1 0 0,0-1-1 0 0,0 1 1 0 0,0 0-1 0 0,0 0 1 0 0,0 0-1 0 0,0 0 1 0 0,0-1-1 0 0,0 1 1 0 0,0 0-1 0 0,0 0 1 0 0,0 0-1 0 0,0-1 1 0 0,0 1-1 0 0,0 0 1 0 0,0 0-1 0 0,0 0 1 0 0,0 0-1 0 0,0-1 1 0 0,1 1-1 0 0,-1 0 1 0 0,0 0-1 0 0,11-1 95 0 0,15 6-110 0 0,1 2 135 0 0,-16-5-97 0 0,1 1 0 0 0,-1 1 0 0 0,0 0-1 0 0,12 6 1 0 0,-21-9-34 0 0,0 0 0 0 0,0 1-1 0 0,1-1 1 0 0,-1 1-1 0 0,0-1 1 0 0,0 1 0 0 0,0 0-1 0 0,-1 0 1 0 0,1 0 0 0 0,0 0-1 0 0,-1 0 1 0 0,1 0-1 0 0,-1 0 1 0 0,0 1 0 0 0,0-1-1 0 0,0 0 1 0 0,0 1-1 0 0,0-1 1 0 0,0 1 0 0 0,0-1-1 0 0,-1 1 1 0 0,1-1 0 0 0,-1 6-1 0 0,0-6 3 0 0,-1 1 1 0 0,1 0-1 0 0,-1 0 0 0 0,1-1 1 0 0,-1 1-1 0 0,0-1 0 0 0,0 1 1 0 0,0-1-1 0 0,-1 1 0 0 0,1-1 1 0 0,-1 0-1 0 0,1 1 0 0 0,-1-1 0 0 0,0 0 1 0 0,1 0-1 0 0,-1 0 0 0 0,0 0 1 0 0,0-1-1 0 0,-1 1 0 0 0,1 0 1 0 0,0-1-1 0 0,-1 0 0 0 0,-4 3 1 0 0,2-2 6 0 0,0 0 0 0 0,0 0 0 0 0,-1 0 0 0 0,1-1 0 0 0,0 1 0 0 0,-1-1 0 0 0,1-1 0 0 0,-1 1 0 0 0,1-1 0 0 0,-11 0 0 0 0,5-2 7 0 0,-1 0 0 0 0,-16-5 1 0 0,23 5-4 0 0,1 0 1 0 0,-1 0-1 0 0,1 0 0 0 0,0 0 1 0 0,0-1-1 0 0,0 1 0 0 0,0-1 0 0 0,-5-6 1 0 0,9 9-13 0 0,0-1-1 0 0,0 1 1 0 0,0-1 0 0 0,0 1 0 0 0,0 0-1 0 0,0-1 1 0 0,0 1 0 0 0,0-1 0 0 0,0 1-1 0 0,0-1 1 0 0,0 1 0 0 0,0 0 0 0 0,0-1-1 0 0,1 1 1 0 0,-1-1 0 0 0,0 1 0 0 0,0 0-1 0 0,1-1 1 0 0,-1 1 0 0 0,0 0 0 0 0,0-1-1 0 0,1 1 1 0 0,-1 0 0 0 0,0-1 0 0 0,1 1-1 0 0,8-8 112 0 0,0 5-108 0 0,-1 0 0 0 0,0 1 0 0 0,1 0-1 0 0,0 1 1 0 0,-1-1 0 0 0,1 2 0 0 0,0-1-1 0 0,11 2 1 0 0,15-2-69 0 0,-12 1-806 0 0,28 2-1 0 0,-41-1 96 0 0,4-1-549 0 0</inkml:trace>
+</inkml:ink>
+</file>
+
+<file path=ppt/ink/ink136.xml><?xml version="1.0" encoding="utf-8"?>
+<inkml:ink xmlns:inkml="http://www.w3.org/2003/InkML">
+  <inkml:definitions>
+    <inkml:context xml:id="ctx0">
+      <inkml:inkSource xml:id="inkSrc0">
+        <inkml:traceFormat>
+          <inkml:channel name="X" type="integer" min="-2.14748E9" max="2.14748E9" units="cm"/>
+          <inkml:channel name="Y" type="integer" min="-2.14748E9" max="2.14748E9" units="cm"/>
+          <inkml:channel name="F" type="integer" max="32767" units="dev"/>
+          <inkml:channel name="OA" type="integer" max="360" units="deg"/>
+          <inkml:channel name="OE" type="integer" max="90" units="deg"/>
+        </inkml:traceFormat>
+        <inkml:channelProperties>
+          <inkml:channelProperty channel="X" name="resolution" value="1000" units="1/cm"/>
+          <inkml:channelProperty channel="Y" name="resolution" value="1000" units="1/cm"/>
+          <inkml:channelProperty channel="F" name="resolution" value="0" units="1/dev"/>
+          <inkml:channelProperty channel="OA" name="resolution" value="1000" units="1/deg"/>
+          <inkml:channelProperty channel="OE" name="resolution" value="1000" units="1/deg"/>
+        </inkml:channelProperties>
+      </inkml:inkSource>
+      <inkml:timestamp xml:id="ts0" timeString="2020-11-03T16:23:31.293"/>
+    </inkml:context>
+    <inkml:brush xml:id="br0">
+      <inkml:brushProperty name="width" value="0.05" units="cm"/>
+      <inkml:brushProperty name="height" value="0.05" units="cm"/>
+      <inkml:brushProperty name="color" value="#E71224"/>
+    </inkml:brush>
+  </inkml:definitions>
+  <inkml:trace contextRef="#ctx0" brushRef="#br0">43 29 4144 0 0,'4'-29'18594'0'0,"-1"33"-17665"0"0,-1 1-683 0 0,0 0 0 0 0,0 1 0 0 0,-1-1 0 0 0,1 1 0 0 0,-1-1 0 0 0,0 10 0 0 0,1 36 600 0 0,-2-49-818 0 0,-3 46 412 0 0,-2 0 0 0 0,-17 74 0 0 0,10-59-316 0 0,3-22 391 0 0,1-7-1884 0 0,4-11-7799 0 0</inkml:trace>
+</inkml:ink>
+</file>
+
+<file path=ppt/ink/ink137.xml><?xml version="1.0" encoding="utf-8"?>
+<inkml:ink xmlns:inkml="http://www.w3.org/2003/InkML">
+  <inkml:definitions>
+    <inkml:context xml:id="ctx0">
+      <inkml:inkSource xml:id="inkSrc0">
+        <inkml:traceFormat>
+          <inkml:channel name="X" type="integer" min="-2.14748E9" max="2.14748E9" units="cm"/>
+          <inkml:channel name="Y" type="integer" min="-2.14748E9" max="2.14748E9" units="cm"/>
+          <inkml:channel name="F" type="integer" max="32767" units="dev"/>
+          <inkml:channel name="OA" type="integer" max="360" units="deg"/>
+          <inkml:channel name="OE" type="integer" max="90" units="deg"/>
+        </inkml:traceFormat>
+        <inkml:channelProperties>
+          <inkml:channelProperty channel="X" name="resolution" value="1000" units="1/cm"/>
+          <inkml:channelProperty channel="Y" name="resolution" value="1000" units="1/cm"/>
+          <inkml:channelProperty channel="F" name="resolution" value="0" units="1/dev"/>
+          <inkml:channelProperty channel="OA" name="resolution" value="1000" units="1/deg"/>
+          <inkml:channelProperty channel="OE" name="resolution" value="1000" units="1/deg"/>
+        </inkml:channelProperties>
+      </inkml:inkSource>
+      <inkml:timestamp xml:id="ts0" timeString="2020-11-03T16:23:31.633"/>
+    </inkml:context>
+    <inkml:brush xml:id="br0">
+      <inkml:brushProperty name="width" value="0.05" units="cm"/>
+      <inkml:brushProperty name="height" value="0.05" units="cm"/>
+      <inkml:brushProperty name="color" value="#E71224"/>
+    </inkml:brush>
+  </inkml:definitions>
+  <inkml:trace contextRef="#ctx0" brushRef="#br0">138 18 10592 0 0,'-11'-11'1152'0'0,"9"10"-918"0"0,0 0-1 0 0,0 0 1 0 0,0 1 0 0 0,0-1 0 0 0,0 0 0 0 0,0 1 0 0 0,0 0 0 0 0,0-1-1 0 0,0 1 1 0 0,0 0 0 0 0,-1 0 0 0 0,1 0 0 0 0,0 0 0 0 0,0 0 0 0 0,0 1 0 0 0,0-1-1 0 0,0 1 1 0 0,-3 1 0 0 0,-1 0 548 0 0,0 0 1 0 0,1 0-1 0 0,0 1 0 0 0,-1 0 0 0 0,-5 5 1 0 0,7-5-604 0 0,0 0 0 0 0,1 1 0 0 0,-1 0 0 0 0,1-1 1 0 0,0 1-1 0 0,0 0 0 0 0,1 1 0 0 0,-1-1 0 0 0,1 0 0 0 0,0 1 1 0 0,0-1-1 0 0,0 1 0 0 0,-1 8 0 0 0,1-4-18 0 0,1-1 1 0 0,0 0-1 0 0,0 0 0 0 0,1 1 0 0 0,0-1 1 0 0,0 1-1 0 0,3 11 0 0 0,-2-16-83 0 0,0 0-1 0 0,1-1 0 0 0,-1 1 1 0 0,1 0-1 0 0,0 0 0 0 0,0-1 1 0 0,0 1-1 0 0,1-1 0 0 0,-1 0 1 0 0,1 0-1 0 0,0 0 0 0 0,0 0 1 0 0,0 0-1 0 0,0 0 0 0 0,0-1 1 0 0,1 1-1 0 0,-1-1 0 0 0,1 0 1 0 0,0 0-1 0 0,-1-1 0 0 0,1 1 1 0 0,0-1-1 0 0,0 1 0 0 0,0-1 1 0 0,0 0-1 0 0,0-1 0 0 0,0 1 0 0 0,0-1 1 0 0,6 0-1 0 0,-8 0-57 0 0,0-1 0 0 0,-1 1 0 0 0,1-1 0 0 0,0 1 1 0 0,-1-1-1 0 0,1 0 0 0 0,-1 0 0 0 0,1 0 0 0 0,-1 0 0 0 0,1 0 0 0 0,-1 0 0 0 0,1 0 0 0 0,-1 0 0 0 0,0 0 0 0 0,0-1 0 0 0,0 1 0 0 0,0-1 0 0 0,0 1 1 0 0,0-1-1 0 0,0 1 0 0 0,0-1 0 0 0,0 1 0 0 0,0-4 0 0 0,2-3 135 0 0,-1-1 1 0 0,0 1-1 0 0,1-15 0 0 0,-1 12-98 0 0,0-5-534 0 0,-1 0 0 0 0,-1 0 0 0 0,-2-18 0 0 0,1-7-768 0 0,3 36-3019 0 0</inkml:trace>
+</inkml:ink>
+</file>
+
+<file path=ppt/ink/ink138.xml><?xml version="1.0" encoding="utf-8"?>
+<inkml:ink xmlns:inkml="http://www.w3.org/2003/InkML">
+  <inkml:definitions>
+    <inkml:context xml:id="ctx0">
+      <inkml:inkSource xml:id="inkSrc0">
+        <inkml:traceFormat>
+          <inkml:channel name="X" type="integer" min="-2.14748E9" max="2.14748E9" units="cm"/>
+          <inkml:channel name="Y" type="integer" min="-2.14748E9" max="2.14748E9" units="cm"/>
+          <inkml:channel name="F" type="integer" max="32767" units="dev"/>
+          <inkml:channel name="OA" type="integer" max="360" units="deg"/>
+          <inkml:channel name="OE" type="integer" max="90" units="deg"/>
+        </inkml:traceFormat>
+        <inkml:channelProperties>
+          <inkml:channelProperty channel="X" name="resolution" value="1000" units="1/cm"/>
+          <inkml:channelProperty channel="Y" name="resolution" value="1000" units="1/cm"/>
+          <inkml:channelProperty channel="F" name="resolution" value="0" units="1/dev"/>
+          <inkml:channelProperty channel="OA" name="resolution" value="1000" units="1/deg"/>
+          <inkml:channelProperty channel="OE" name="resolution" value="1000" units="1/deg"/>
+        </inkml:channelProperties>
+      </inkml:inkSource>
+      <inkml:timestamp xml:id="ts0" timeString="2020-11-03T16:23:32.278"/>
+    </inkml:context>
+    <inkml:brush xml:id="br0">
+      <inkml:brushProperty name="width" value="0.05" units="cm"/>
+      <inkml:brushProperty name="height" value="0.05" units="cm"/>
+      <inkml:brushProperty name="color" value="#E71224"/>
+    </inkml:brush>
+  </inkml:definitions>
+  <inkml:trace contextRef="#ctx0" brushRef="#br0">176 11 10856 0 0,'3'-3'7122'0'0,"-3"0"-7463"0"0,-2 2 453 0 0,1 0 1 0 0,0 1 0 0 0,0-1-1 0 0,0 1 1 0 0,0 0 0 0 0,-1-1-1 0 0,1 1 1 0 0,0 0 0 0 0,0-1 0 0 0,-1 1-1 0 0,1 0 1 0 0,0 0 0 0 0,-1 0-1 0 0,1 0 1 0 0,0 0 0 0 0,0 1-1 0 0,-1-1 1 0 0,1 0 0 0 0,0 0-1 0 0,-2 2 1 0 0,0-2 81 0 0,0 1 1 0 0,0 0-1 0 0,0 0 0 0 0,0 1 1 0 0,0-1-1 0 0,1 1 1 0 0,-5 2-1 0 0,2 2 62 0 0,-1 0-1 0 0,1 0 1 0 0,0 0-1 0 0,0 1 1 0 0,1 0 0 0 0,0 0-1 0 0,0 0 1 0 0,0 0-1 0 0,-3 12 1 0 0,3-7-159 0 0,1 1 0 0 0,1-1 0 0 0,0 1 0 0 0,0-1-1 0 0,1 19 1 0 0,1-29-88 0 0,0 0-1 0 0,0 0 0 0 0,1 0 1 0 0,-1 0-1 0 0,0 0 1 0 0,1-1-1 0 0,0 1 0 0 0,-1 0 1 0 0,1 0-1 0 0,0 0 0 0 0,0 0 1 0 0,0-1-1 0 0,0 1 1 0 0,0 0-1 0 0,1-1 0 0 0,-1 1 1 0 0,0-1-1 0 0,1 1 0 0 0,-1-1 1 0 0,1 0-1 0 0,0 0 1 0 0,-1 1-1 0 0,1-1 0 0 0,0 0 1 0 0,0-1-1 0 0,-1 1 1 0 0,1 0-1 0 0,0 0 0 0 0,0-1 1 0 0,0 1-1 0 0,0-1 0 0 0,0 0 1 0 0,0 1-1 0 0,0-1 1 0 0,0 0-1 0 0,0 0 0 0 0,0 0 1 0 0,0-1-1 0 0,0 1 0 0 0,0 0 1 0 0,3-2-1 0 0,-1 1 18 0 0,0-1 0 0 0,0 0 0 0 0,0 0 0 0 0,0 0 0 0 0,0 0 0 0 0,0-1 1 0 0,-1 0-1 0 0,1 0 0 0 0,-1 0 0 0 0,0 0 0 0 0,0 0 0 0 0,0 0 0 0 0,0-1 0 0 0,-1 0 0 0 0,1 1 0 0 0,2-7 0 0 0,-3 5-9 0 0,-1 3 29 0 0,1 0-1 0 0,-2 0 1 0 0,1 0-1 0 0,0 0 0 0 0,0 0 1 0 0,-1-1-1 0 0,1 1 1 0 0,-1 0-1 0 0,0 0 1 0 0,1-3-1 0 0,-1 3-13 0 0,0 0 0 0 0,1 0-1 0 0,-1 0 1 0 0,1 0 0 0 0,-1 0 0 0 0,1 0-1 0 0,1-3 1 0 0,3-10 114 0 0,-5 13-84 0 0,1 1-1 0 0,0 0 1 0 0,-1-1-1 0 0,1 1 1 0 0,0 0-1 0 0,0 0 1 0 0,0-1-1 0 0,0 1 1 0 0,0 0-1 0 0,1 0 1 0 0,0-1-1 0 0,1 0 225 0 0,-2 1-278 0 0,0 0 0 0 0,0 1 1 0 0,-1-1-1 0 0,1 1 0 0 0,0 0 0 0 0,0-1 0 0 0,0 1 0 0 0,0 0 0 0 0,0-1 0 0 0,0 1 1 0 0,-1 0-1 0 0,1 0 0 0 0,0 0 0 0 0,0 0 0 0 0,0 0 0 0 0,0 0 0 0 0,0 0 1 0 0,0 0-1 0 0,0 0 0 0 0,0 0 0 0 0,0 0 0 0 0,0 1 0 0 0,-1-1 0 0 0,1 0 0 0 0,0 1 1 0 0,0-1-1 0 0,0 1 0 0 0,0-1 0 0 0,-1 1 0 0 0,1-1 0 0 0,1 2 0 0 0,-1-2 36 0 0,4 5-34 0 0,1-1 0 0 0,-1 1 0 0 0,0 0 0 0 0,0 0 0 0 0,-1 0 0 0 0,1 1 0 0 0,-1-1 0 0 0,0 1 0 0 0,-1 0 0 0 0,0 1 0 0 0,0-1 0 0 0,0 0 0 0 0,0 1 0 0 0,-1 0 0 0 0,3 13 0 0 0,-3-8 28 0 0,0 1 0 0 0,-1-1 0 0 0,0 1 0 0 0,-1-1 0 0 0,0 1 0 0 0,-1-1 1 0 0,0 1-1 0 0,-4 14 0 0 0,3-19-30 0 0,0 0 0 0 0,-1-1 0 0 0,0 1 0 0 0,0-1 0 0 0,-1 0 0 0 0,0 0 0 0 0,0 0 0 0 0,-1 0 0 0 0,1-1 0 0 0,-1 1 0 0 0,-1-2 0 0 0,1 1 0 0 0,-1 0 1 0 0,0-1-1 0 0,-1 0 0 0 0,1 0 0 0 0,-1-1 0 0 0,0 0 0 0 0,0 0 0 0 0,0-1 0 0 0,-1 1 0 0 0,1-2 0 0 0,-1 1 0 0 0,-12 2 0 0 0,-9 0-107 0 0,-32 2 1 0 0,47-5-230 0 0,-18 0-269 0 0,30-3 228 0 0,0 1-1 0 0,-1 0 1 0 0,1 0 0 0 0,0-1-1 0 0,0 1 1 0 0,0-1 0 0 0,0 1-1 0 0,0-1 1 0 0,0 0-1 0 0,0 0 1 0 0,-3-2 0 0 0</inkml:trace>
+</inkml:ink>
+</file>
+
+<file path=ppt/ink/ink139.xml><?xml version="1.0" encoding="utf-8"?>
+<inkml:ink xmlns:inkml="http://www.w3.org/2003/InkML">
+  <inkml:definitions>
+    <inkml:context xml:id="ctx0">
+      <inkml:inkSource xml:id="inkSrc0">
+        <inkml:traceFormat>
+          <inkml:channel name="X" type="integer" min="-2.14748E9" max="2.14748E9" units="cm"/>
+          <inkml:channel name="Y" type="integer" min="-2.14748E9" max="2.14748E9" units="cm"/>
+          <inkml:channel name="F" type="integer" max="32767" units="dev"/>
+          <inkml:channel name="OA" type="integer" max="360" units="deg"/>
+          <inkml:channel name="OE" type="integer" max="90" units="deg"/>
+        </inkml:traceFormat>
+        <inkml:channelProperties>
+          <inkml:channelProperty channel="X" name="resolution" value="1000" units="1/cm"/>
+          <inkml:channelProperty channel="Y" name="resolution" value="1000" units="1/cm"/>
+          <inkml:channelProperty channel="F" name="resolution" value="0" units="1/dev"/>
+          <inkml:channelProperty channel="OA" name="resolution" value="1000" units="1/deg"/>
+          <inkml:channelProperty channel="OE" name="resolution" value="1000" units="1/deg"/>
+        </inkml:channelProperties>
+      </inkml:inkSource>
+      <inkml:timestamp xml:id="ts0" timeString="2020-11-03T16:23:33.952"/>
+    </inkml:context>
+    <inkml:brush xml:id="br0">
+      <inkml:brushProperty name="width" value="0.05" units="cm"/>
+      <inkml:brushProperty name="height" value="0.05" units="cm"/>
+      <inkml:brushProperty name="color" value="#E71224"/>
+    </inkml:brush>
+  </inkml:definitions>
+  <inkml:trace contextRef="#ctx0" brushRef="#br0">207 30 4144 0 0,'0'0'191'0'0,"4"-7"1527"0"0,-4 6-1481 0 0,1 0-1 0 0,-1 0 1 0 0,1 0-1 0 0,-1 0 0 0 0,0 0 1 0 0,1 0-1 0 0,-1 0 1 0 0,0 0-1 0 0,0-1 1 0 0,0 1-1 0 0,0 0 1 0 0,0 0-1 0 0,0-2 0 0 0,0 2-79 0 0,0 1-1 0 0,-1 0 0 0 0,1 0 0 0 0,0-1 0 0 0,0 1 0 0 0,0 0 0 0 0,-1-1 0 0 0,1 1 0 0 0,0 0 0 0 0,-1 0 0 0 0,1-1 0 0 0,0 1 0 0 0,0 0 0 0 0,-1 0 0 0 0,1 0 0 0 0,0-1 0 0 0,-1 1 0 0 0,1 0 0 0 0,0 0 0 0 0,-1 0 0 0 0,1 0 0 0 0,0 0 0 0 0,-1 0 0 0 0,1 0 0 0 0,-1 0 0 0 0,1 0 0 0 0,-1 0 0 0 0,-2 0 321 0 0,-1 1-1 0 0,1 0 0 0 0,0 0 1 0 0,-1 0-1 0 0,1 0 1 0 0,0 0-1 0 0,-6 4 0 0 0,-3 2-181 0 0,1 0-1 0 0,0 1 0 0 0,0 0 0 0 0,1 1 0 0 0,0 0 0 0 0,0 0 1 0 0,1 1-1 0 0,1 1 0 0 0,-1 0 0 0 0,2 0 0 0 0,-9 15 0 0 0,8-11-115 0 0,1 1-1 0 0,1 0 0 0 0,0 0 0 0 0,1 1 0 0 0,1 0 0 0 0,0 0 0 0 0,2 0 1 0 0,-2 23-1 0 0,4-32-157 0 0,-2 16 286 0 0,2 0 0 0 0,5 48 0 0 0,-4-66-264 0 0,0 1 0 0 0,1-1 0 0 0,-1 0 0 0 0,1 0 0 0 0,0 0 0 0 0,1 0 1 0 0,0 0-1 0 0,0 0 0 0 0,0-1 0 0 0,1 1 0 0 0,-1-1 0 0 0,1 0 0 0 0,0 0 0 0 0,1-1 0 0 0,-1 1 0 0 0,8 5 0 0 0,-8-7-190 0 0,0 0 0 0 0,-1-1-1 0 0,1 1 1 0 0,0-1 0 0 0,0 0 0 0 0,0 0-1 0 0,1-1 1 0 0,-1 1 0 0 0,0-1-1 0 0,1 0 1 0 0,-1 0 0 0 0,1 0-1 0 0,-1 0 1 0 0,1-1 0 0 0,-1 0 0 0 0,1 0-1 0 0,0 0 1 0 0,5-2 0 0 0,1 0-1351 0 0</inkml:trace>
+</inkml:ink>
+</file>
+
+<file path=ppt/ink/ink14.xml><?xml version="1.0" encoding="utf-8"?>
+<inkml:ink xmlns:inkml="http://www.w3.org/2003/InkML">
+  <inkml:definitions>
+    <inkml:context xml:id="ctx0">
+      <inkml:inkSource xml:id="inkSrc0">
+        <inkml:traceFormat>
+          <inkml:channel name="X" type="integer" min="-2.14748E9" max="2.14748E9" units="cm"/>
+          <inkml:channel name="Y" type="integer" min="-2.14748E9" max="2.14748E9" units="cm"/>
+          <inkml:channel name="F" type="integer" max="32767" units="dev"/>
+          <inkml:channel name="OA" type="integer" max="360" units="deg"/>
+          <inkml:channel name="OE" type="integer" max="90" units="deg"/>
+        </inkml:traceFormat>
+        <inkml:channelProperties>
+          <inkml:channelProperty channel="X" name="resolution" value="1000" units="1/cm"/>
+          <inkml:channelProperty channel="Y" name="resolution" value="1000" units="1/cm"/>
+          <inkml:channelProperty channel="F" name="resolution" value="0" units="1/dev"/>
+          <inkml:channelProperty channel="OA" name="resolution" value="1000" units="1/deg"/>
+          <inkml:channelProperty channel="OE" name="resolution" value="1000" units="1/deg"/>
+        </inkml:channelProperties>
+      </inkml:inkSource>
+      <inkml:timestamp xml:id="ts0" timeString="2020-11-04T17:00:57.630"/>
+    </inkml:context>
+    <inkml:brush xml:id="br0">
+      <inkml:brushProperty name="width" value="0.05" units="cm"/>
+      <inkml:brushProperty name="height" value="0.05" units="cm"/>
+      <inkml:brushProperty name="color" value="#004F8B"/>
+    </inkml:brush>
+  </inkml:definitions>
+  <inkml:trace contextRef="#ctx0" brushRef="#br0">35 299 10592 0 0,'-3'1'562'0'0,"0"0"-1"0"0,0 0 1 0 0,-1 0 0 0 0,1-1 0 0 0,0 1 0 0 0,0-1 0 0 0,0 0 0 0 0,-6-1 3090 0 0,10 0-3437 0 0,1 0-1 0 0,0 0 0 0 0,-1 0 1 0 0,1 0-1 0 0,-1 0 0 0 0,1-1 1 0 0,-1 1-1 0 0,1-1 0 0 0,-1 1 1 0 0,0-1-1 0 0,0 1 0 0 0,0-1 0 0 0,0 0 1 0 0,1-2-1 0 0,3-3 415 0 0,112-131 3204 0 0,-77 94-3371 0 0,33-28 323 0 0,-71 70-770 0 0,0 0-1 0 0,-1 1 1 0 0,1-1 0 0 0,0 1-1 0 0,0 0 1 0 0,0-1 0 0 0,-1 1-1 0 0,1 0 1 0 0,1 0 0 0 0,-1 0-1 0 0,0 1 1 0 0,0-1 0 0 0,0 0-1 0 0,0 1 1 0 0,1-1 0 0 0,-1 1-1 0 0,0 0 1 0 0,0 0 0 0 0,1 0-1 0 0,-1 0 1 0 0,0 0 0 0 0,0 0-1 0 0,1 1 1 0 0,-1-1 0 0 0,4 2-1 0 0,-4-1-8 0 0,1 1 0 0 0,0-1 0 0 0,0 1 0 0 0,-1 0 0 0 0,1 0 0 0 0,0 0 0 0 0,-1 0 0 0 0,0 0 0 0 0,0 0 0 0 0,0 1 0 0 0,0-1-1 0 0,0 1 1 0 0,0 0 0 0 0,0-1 0 0 0,-1 1 0 0 0,1 0 0 0 0,1 5 0 0 0,8 30 74 0 0,-2 0 0 0 0,6 45-1 0 0,-14-78-78 0 0,7 28-1823 0 0,-6-30 1190 0 0,-1 0 0 0 0,1 0 0 0 0,-1 0 0 0 0,1 0 0 0 0,0 0 0 0 0,0 0 1 0 0,0 0-1 0 0,1-1 0 0 0,-1 1 0 0 0,1-1 0 0 0,4 4 0 0 0</inkml:trace>
+</inkml:ink>
+</file>
+
+<file path=ppt/ink/ink140.xml><?xml version="1.0" encoding="utf-8"?>
+<inkml:ink xmlns:inkml="http://www.w3.org/2003/InkML">
+  <inkml:definitions>
+    <inkml:context xml:id="ctx0">
+      <inkml:inkSource xml:id="inkSrc0">
+        <inkml:traceFormat>
+          <inkml:channel name="X" type="integer" min="-2.14748E9" max="2.14748E9" units="cm"/>
+          <inkml:channel name="Y" type="integer" min="-2.14748E9" max="2.14748E9" units="cm"/>
+          <inkml:channel name="F" type="integer" max="32767" units="dev"/>
+          <inkml:channel name="OA" type="integer" max="360" units="deg"/>
+          <inkml:channel name="OE" type="integer" max="90" units="deg"/>
+        </inkml:traceFormat>
+        <inkml:channelProperties>
+          <inkml:channelProperty channel="X" name="resolution" value="1000" units="1/cm"/>
+          <inkml:channelProperty channel="Y" name="resolution" value="1000" units="1/cm"/>
+          <inkml:channelProperty channel="F" name="resolution" value="0" units="1/dev"/>
+          <inkml:channelProperty channel="OA" name="resolution" value="1000" units="1/deg"/>
+          <inkml:channelProperty channel="OE" name="resolution" value="1000" units="1/deg"/>
+        </inkml:channelProperties>
+      </inkml:inkSource>
+      <inkml:timestamp xml:id="ts0" timeString="2020-11-03T16:23:34.562"/>
+    </inkml:context>
+    <inkml:brush xml:id="br0">
+      <inkml:brushProperty name="width" value="0.05" units="cm"/>
+      <inkml:brushProperty name="height" value="0.05" units="cm"/>
+      <inkml:brushProperty name="color" value="#E71224"/>
+    </inkml:brush>
+  </inkml:definitions>
+  <inkml:trace contextRef="#ctx0" brushRef="#br0">25 130 7368 0 0,'0'0'333'0'0,"-25"14"10916"0"0,42-57-8947 0 0,-6 11-1107 0 0,-4 19-583 0 0,-1 1 0 0 0,17-22 0 0 0,-19 29-433 0 0,-4 5-165 0 0,0-1 0 0 0,1 1 0 0 0,-1 0 0 0 0,0-1 0 0 0,0 1 0 0 0,1 0 0 0 0,-1 0 0 0 0,0-1 0 0 0,0 1 0 0 0,1 0 0 0 0,-1 0 0 0 0,0 0 0 0 0,0-1 0 0 0,1 1 0 0 0,-1 0 0 0 0,0 0 0 0 0,1 0 0 0 0,-1 0 0 0 0,0 0 0 0 0,1 0 0 0 0,-1-1 0 0 0,0 1 0 0 0,1 0 0 0 0,-1 0 0 0 0,1 0 0 0 0,-1 0 0 0 0,0 0 0 0 0,1 0 0 0 0,-1 1 0 0 0,9 7 75 0 0,4 18-160 0 0,-11-23 109 0 0,1 8-41 0 0,0 1 1 0 0,0-1-1 0 0,-1 1 0 0 0,1 14 1 0 0,-1-4-4 0 0,-1-19 9 0 0,-1 0 0 0 0,1 0 0 0 0,0-1 0 0 0,0 1 0 0 0,0 0 0 0 0,0 0-1 0 0,0-1 1 0 0,1 1 0 0 0,-1-1 0 0 0,1 1 0 0 0,-1-1 0 0 0,1 0 0 0 0,0 1 0 0 0,0-1 0 0 0,0 0-1 0 0,0 0 1 0 0,3 2 0 0 0,-3-5-2 0 0,0 1-1 0 0,-1 0 1 0 0,1-1-1 0 0,-1 0 0 0 0,1 1 1 0 0,0-1-1 0 0,-1 0 1 0 0,1 0-1 0 0,-1 0 1 0 0,1 1-1 0 0,-1-2 1 0 0,0 1-1 0 0,2-1 0 0 0,-1 0-2 0 0,3-2 5 0 0,0-1 0 0 0,0-1-1 0 0,0 1 1 0 0,0-1 0 0 0,-1 1 0 0 0,0-1-1 0 0,3-7 1 0 0,23-49-240 0 0,-28 57 176 0 0,2-9-1570 0 0,-3 6-5501 0 0</inkml:trace>
+</inkml:ink>
+</file>
+
+<file path=ppt/ink/ink141.xml><?xml version="1.0" encoding="utf-8"?>
+<inkml:ink xmlns:inkml="http://www.w3.org/2003/InkML">
+  <inkml:definitions>
+    <inkml:context xml:id="ctx0">
+      <inkml:inkSource xml:id="inkSrc0">
+        <inkml:traceFormat>
+          <inkml:channel name="X" type="integer" min="-2.14748E9" max="2.14748E9" units="cm"/>
+          <inkml:channel name="Y" type="integer" min="-2.14748E9" max="2.14748E9" units="cm"/>
+          <inkml:channel name="F" type="integer" max="32767" units="dev"/>
+          <inkml:channel name="OA" type="integer" max="360" units="deg"/>
+          <inkml:channel name="OE" type="integer" max="90" units="deg"/>
+        </inkml:traceFormat>
+        <inkml:channelProperties>
+          <inkml:channelProperty channel="X" name="resolution" value="1000" units="1/cm"/>
+          <inkml:channelProperty channel="Y" name="resolution" value="1000" units="1/cm"/>
+          <inkml:channelProperty channel="F" name="resolution" value="0" units="1/dev"/>
+          <inkml:channelProperty channel="OA" name="resolution" value="1000" units="1/deg"/>
+          <inkml:channelProperty channel="OE" name="resolution" value="1000" units="1/deg"/>
+        </inkml:channelProperties>
+      </inkml:inkSource>
+      <inkml:timestamp xml:id="ts0" timeString="2020-11-03T16:23:35.184"/>
+    </inkml:context>
+    <inkml:brush xml:id="br0">
+      <inkml:brushProperty name="width" value="0.05" units="cm"/>
+      <inkml:brushProperty name="height" value="0.05" units="cm"/>
+      <inkml:brushProperty name="color" value="#E71224"/>
+    </inkml:brush>
+  </inkml:definitions>
+  <inkml:trace contextRef="#ctx0" brushRef="#br0">3 3 9760 0 0,'-2'-3'8790'0'0,"5"8"-8129"0"0,4 5-144 0 0,0-1 0 0 0,10 8 0 0 0,9 12 352 0 0,-18-19-760 0 0,0 1 1 0 0,0 1-1 0 0,-2-1 0 0 0,1 1 0 0 0,-1 0 0 0 0,-1 1 0 0 0,0-1 0 0 0,-1 1 0 0 0,-1 0 0 0 0,3 14 0 0 0,-3-1-60 0 0,-1 0 1 0 0,-1 0-1 0 0,-1 0 0 0 0,-1 0 0 0 0,-2 0 0 0 0,-5 27 0 0 0,6-47-33 0 0,1 1-1 0 0,-2-1 0 0 0,1 1 1 0 0,-1-1-1 0 0,-3 7 1 0 0,4-11-12 0 0,1 1 1 0 0,0-1-1 0 0,-1 0 1 0 0,1 0 0 0 0,-1 0-1 0 0,1 0 1 0 0,-1-1-1 0 0,0 1 1 0 0,0 0 0 0 0,0-1-1 0 0,0 1 1 0 0,0-1 0 0 0,0 0-1 0 0,0 1 1 0 0,-1-1-1 0 0,-2 1 1 0 0,4-2-50 0 0,0 0 0 0 0,0 0 0 0 0,0 0-1 0 0,0 0 1 0 0,0-1 0 0 0,0 1 0 0 0,0 0 0 0 0,0 0 0 0 0,0-1 0 0 0,0 1-1 0 0,0-1 1 0 0,0 1 0 0 0,0-1 0 0 0,-1 0 0 0 0,-5-4-2713 0 0</inkml:trace>
+</inkml:ink>
+</file>
+
+<file path=ppt/ink/ink142.xml><?xml version="1.0" encoding="utf-8"?>
+<inkml:ink xmlns:inkml="http://www.w3.org/2003/InkML">
+  <inkml:definitions>
+    <inkml:context xml:id="ctx0">
+      <inkml:inkSource xml:id="inkSrc0">
+        <inkml:traceFormat>
+          <inkml:channel name="X" type="integer" min="-2.14748E9" max="2.14748E9" units="cm"/>
+          <inkml:channel name="Y" type="integer" min="-2.14748E9" max="2.14748E9" units="cm"/>
+          <inkml:channel name="F" type="integer" max="32767" units="dev"/>
+          <inkml:channel name="OA" type="integer" max="360" units="deg"/>
+          <inkml:channel name="OE" type="integer" max="90" units="deg"/>
+        </inkml:traceFormat>
+        <inkml:channelProperties>
+          <inkml:channelProperty channel="X" name="resolution" value="1000" units="1/cm"/>
+          <inkml:channelProperty channel="Y" name="resolution" value="1000" units="1/cm"/>
+          <inkml:channelProperty channel="F" name="resolution" value="0" units="1/dev"/>
+          <inkml:channelProperty channel="OA" name="resolution" value="1000" units="1/deg"/>
+          <inkml:channelProperty channel="OE" name="resolution" value="1000" units="1/deg"/>
+        </inkml:channelProperties>
+      </inkml:inkSource>
+      <inkml:timestamp xml:id="ts0" timeString="2020-11-03T16:23:36.318"/>
+    </inkml:context>
+    <inkml:brush xml:id="br0">
+      <inkml:brushProperty name="width" value="0.05" units="cm"/>
+      <inkml:brushProperty name="height" value="0.05" units="cm"/>
+      <inkml:brushProperty name="color" value="#E71224"/>
+    </inkml:brush>
+  </inkml:definitions>
+  <inkml:trace contextRef="#ctx0" brushRef="#br0">122 66 2304 0 0,'0'0'380'0'0,"-4"-17"6013"0"0,1-16-2233 0 0,3 18 5692 0 0,0 16-9776 0 0,0 1-1 0 0,0-1 1 0 0,0 1 0 0 0,0-1 0 0 0,0 0 0 0 0,1 1 0 0 0,-1-1 0 0 0,0 1-1 0 0,1-1 1 0 0,-1 0 0 0 0,1 1 0 0 0,-1-1 0 0 0,1 0 0 0 0,0 0 0 0 0,0 2 0 0 0,2 1-69 0 0,41 54 2049 0 0,-36-47-1887 0 0,1 0-1 0 0,12 12 1 0 0,-11-13 99 0 0,17 24 0 0 0,-13-14-69 0 0,-2 1 0 0 0,0 0 0 0 0,-1 1 0 0 0,-1 0 0 0 0,-2 0 0 0 0,0 1 0 0 0,-1 1 0 0 0,6 39 0 0 0,-9-35-145 0 0,-1 1-1 0 0,-2 0 1 0 0,-1 0 0 0 0,-5 36-1 0 0,4-52-35 0 0,-2 0-1 0 0,0 0 1 0 0,0 0 0 0 0,-1 0-1 0 0,-1 0 1 0 0,0-1 0 0 0,-1 0-1 0 0,0 0 1 0 0,0 0 0 0 0,-2-1-1 0 0,-12 16 1 0 0,9-16 4 0 0,0 0 0 0 0,-18 12 1 0 0,-7 6 27 0 0,23-18-24 0 0,0-1 1 0 0,-24 13-1 0 0,11-8 23 0 0,18-9-45 0 0,0 0 0 0 0,0 1 0 0 0,-11 12 0 0 0,-6 5-62 0 0,-1 1-17 0 0,25-24 11 0 0,10-1-5392 0 0</inkml:trace>
+</inkml:ink>
+</file>
+
+<file path=ppt/ink/ink15.xml><?xml version="1.0" encoding="utf-8"?>
+<inkml:ink xmlns:inkml="http://www.w3.org/2003/InkML">
+  <inkml:definitions>
+    <inkml:context xml:id="ctx0">
+      <inkml:inkSource xml:id="inkSrc0">
+        <inkml:traceFormat>
+          <inkml:channel name="X" type="integer" min="-2.14748E9" max="2.14748E9" units="cm"/>
+          <inkml:channel name="Y" type="integer" min="-2.14748E9" max="2.14748E9" units="cm"/>
+          <inkml:channel name="F" type="integer" max="32767" units="dev"/>
+          <inkml:channel name="OA" type="integer" max="360" units="deg"/>
+          <inkml:channel name="OE" type="integer" max="90" units="deg"/>
+        </inkml:traceFormat>
+        <inkml:channelProperties>
+          <inkml:channelProperty channel="X" name="resolution" value="1000" units="1/cm"/>
+          <inkml:channelProperty channel="Y" name="resolution" value="1000" units="1/cm"/>
+          <inkml:channelProperty channel="F" name="resolution" value="0" units="1/dev"/>
+          <inkml:channelProperty channel="OA" name="resolution" value="1000" units="1/deg"/>
+          <inkml:channelProperty channel="OE" name="resolution" value="1000" units="1/deg"/>
+        </inkml:channelProperties>
+      </inkml:inkSource>
+      <inkml:timestamp xml:id="ts0" timeString="2020-11-04T17:01:04.060"/>
+    </inkml:context>
+    <inkml:brush xml:id="br0">
+      <inkml:brushProperty name="width" value="0.05" units="cm"/>
+      <inkml:brushProperty name="height" value="0.05" units="cm"/>
+      <inkml:brushProperty name="color" value="#004F8B"/>
+    </inkml:brush>
+  </inkml:definitions>
+  <inkml:trace contextRef="#ctx0" brushRef="#br0">73 63 11200 0 0,'0'0'513'0'0,"0"-19"291"0"0,1 15-203 0 0,0 0 1 0 0,0 1-1 0 0,0-1 1 0 0,0 0-1 0 0,1 1 0 0 0,-1-1 1 0 0,1 1-1 0 0,4-6 1 0 0,-2 3 4261 0 0,0 10-4130 0 0,3 6-332 0 0,-6-1-101 0 0,-1-1 0 0 0,0 1 0 0 0,0 0 0 0 0,0 0 0 0 0,-1-1 0 0 0,-4 15 0 0 0,3-8-73 0 0,-92 457 674 0 0,91-461-3063 0 0</inkml:trace>
+</inkml:ink>
+</file>
+
+<file path=ppt/ink/ink16.xml><?xml version="1.0" encoding="utf-8"?>
+<inkml:ink xmlns:inkml="http://www.w3.org/2003/InkML">
+  <inkml:definitions>
+    <inkml:context xml:id="ctx0">
+      <inkml:inkSource xml:id="inkSrc0">
+        <inkml:traceFormat>
+          <inkml:channel name="X" type="integer" min="-2.14748E9" max="2.14748E9" units="cm"/>
+          <inkml:channel name="Y" type="integer" min="-2.14748E9" max="2.14748E9" units="cm"/>
+          <inkml:channel name="F" type="integer" max="32767" units="dev"/>
+          <inkml:channel name="OA" type="integer" max="360" units="deg"/>
+          <inkml:channel name="OE" type="integer" max="90" units="deg"/>
+        </inkml:traceFormat>
+        <inkml:channelProperties>
+          <inkml:channelProperty channel="X" name="resolution" value="1000" units="1/cm"/>
+          <inkml:channelProperty channel="Y" name="resolution" value="1000" units="1/cm"/>
+          <inkml:channelProperty channel="F" name="resolution" value="0" units="1/dev"/>
+          <inkml:channelProperty channel="OA" name="resolution" value="1000" units="1/deg"/>
+          <inkml:channelProperty channel="OE" name="resolution" value="1000" units="1/deg"/>
+        </inkml:channelProperties>
+      </inkml:inkSource>
+      <inkml:timestamp xml:id="ts0" timeString="2020-11-04T17:01:04.432"/>
+    </inkml:context>
+    <inkml:brush xml:id="br0">
+      <inkml:brushProperty name="width" value="0.05" units="cm"/>
+      <inkml:brushProperty name="height" value="0.05" units="cm"/>
+      <inkml:brushProperty name="color" value="#004F8B"/>
+    </inkml:brush>
+  </inkml:definitions>
+  <inkml:trace contextRef="#ctx0" brushRef="#br0">1 241 11056 0 0,'0'0'1001'0'0,"4"-6"1030"0"0,11-20 4746 0 0,0 1-4284 0 0,-2 8-1436 0 0,-2 0-465 0 0,1 1-1 0 0,1 0 1 0 0,1 1 0 0 0,22-20 0 0 0,-34 34-598 0 0,14-13 217 0 0,34-20 0 0 0,-46 32-153 0 0,1-1 1 0 0,-1 1-1 0 0,1 0 0 0 0,-1 0 0 0 0,1 0 0 0 0,0 1 0 0 0,0 0 1 0 0,-1 0-1 0 0,1 0 0 0 0,0 0 0 0 0,0 1 0 0 0,0 0 0 0 0,9 0 0 0 0,-11 1-48 0 0,1 0 0 0 0,-1 0 0 0 0,0 1 0 0 0,0-1 0 0 0,0 0 0 0 0,-1 1-1 0 0,1 0 1 0 0,0 0 0 0 0,-1 0 0 0 0,1 0 0 0 0,3 4 0 0 0,1 2 12 0 0,0 0 0 0 0,6 10-1 0 0,-11-15-13 0 0,0 1-1 0 0,-1 0 1 0 0,1-1-1 0 0,-1 1 1 0 0,0 0-1 0 0,0 0 1 0 0,0 0-1 0 0,-1 0 1 0 0,1 8-1 0 0,4 18 12 0 0,3 3-95 0 0,-8-32-591 0 0,3 1-609 0 0,-1-1 330 0 0</inkml:trace>
+</inkml:ink>
+</file>
+
+<file path=ppt/ink/ink17.xml><?xml version="1.0" encoding="utf-8"?>
+<inkml:ink xmlns:inkml="http://www.w3.org/2003/InkML">
+  <inkml:definitions>
+    <inkml:context xml:id="ctx0">
+      <inkml:inkSource xml:id="inkSrc0">
+        <inkml:traceFormat>
+          <inkml:channel name="X" type="integer" min="-2.14748E9" max="2.14748E9" units="cm"/>
+          <inkml:channel name="Y" type="integer" min="-2.14748E9" max="2.14748E9" units="cm"/>
         </inkml:traceFormat>
         <inkml:channelProperties>
           <inkml:channelProperty channel="X" name="resolution" value="1000" units="1/cm"/>
@@ -180,7 +1812,295 @@
 </inkml:ink>
 </file>
 
-<file path=ppt/ink/ink10.xml><?xml version="1.0" encoding="utf-8"?>
+<file path=ppt/ink/ink18.xml><?xml version="1.0" encoding="utf-8"?>
+<inkml:ink xmlns:inkml="http://www.w3.org/2003/InkML">
+  <inkml:definitions>
+    <inkml:context xml:id="ctx0">
+      <inkml:inkSource xml:id="inkSrc0">
+        <inkml:traceFormat>
+          <inkml:channel name="X" type="integer" min="-2.14748E9" max="2.14748E9" units="cm"/>
+          <inkml:channel name="Y" type="integer" min="-2.14748E9" max="2.14748E9" units="cm"/>
+          <inkml:channel name="F" type="integer" max="32767" units="dev"/>
+          <inkml:channel name="OA" type="integer" max="360" units="deg"/>
+          <inkml:channel name="OE" type="integer" max="90" units="deg"/>
+        </inkml:traceFormat>
+        <inkml:channelProperties>
+          <inkml:channelProperty channel="X" name="resolution" value="1000" units="1/cm"/>
+          <inkml:channelProperty channel="Y" name="resolution" value="1000" units="1/cm"/>
+          <inkml:channelProperty channel="F" name="resolution" value="0" units="1/dev"/>
+          <inkml:channelProperty channel="OA" name="resolution" value="1000" units="1/deg"/>
+          <inkml:channelProperty channel="OE" name="resolution" value="1000" units="1/deg"/>
+        </inkml:channelProperties>
+      </inkml:inkSource>
+      <inkml:timestamp xml:id="ts0" timeString="2020-11-03T16:21:38.252"/>
+    </inkml:context>
+    <inkml:brush xml:id="br0">
+      <inkml:brushProperty name="width" value="0.05" units="cm"/>
+      <inkml:brushProperty name="height" value="0.05" units="cm"/>
+      <inkml:brushProperty name="color" value="#E71224"/>
+    </inkml:brush>
+  </inkml:definitions>
+  <inkml:trace contextRef="#ctx0" brushRef="#br0">119 9 6160 0 0,'0'0'904'0'0,"8"2"1276"0"0,3-1 8050 0 0,-12-2-10056 0 0,-1 0 0 0 0,0-1-1 0 0,0 1 1 0 0,0 0 0 0 0,0 1 0 0 0,0-1-1 0 0,0 0 1 0 0,0 0 0 0 0,-4 0-1 0 0,5 1-126 0 0,0-1-1 0 0,0 1 0 0 0,0 0 1 0 0,-1 0-1 0 0,1 0 0 0 0,0 0 0 0 0,0 0 1 0 0,0 0-1 0 0,0 0 0 0 0,-1 0 1 0 0,1 0-1 0 0,0 0 0 0 0,0 0 0 0 0,0 1 1 0 0,0-1-1 0 0,0 1 0 0 0,-1-1 0 0 0,1 1 1 0 0,0-1-1 0 0,-1 2 0 0 0,-2 2 122 0 0,1-1 0 0 0,-1 0 0 0 0,0 0-1 0 0,-7 5 1 0 0,8-6-110 0 0,-1 1 0 0 0,1-1-1 0 0,0 1 1 0 0,0-1 0 0 0,0 1 0 0 0,0 0-1 0 0,0 0 1 0 0,-3 5 0 0 0,-2 5 68 0 0,5-9-72 0 0,0 1 1 0 0,0 0 0 0 0,0 0 0 0 0,1 0-1 0 0,0 0 1 0 0,0 0 0 0 0,0 0 0 0 0,0 1 0 0 0,0 5-1 0 0,2-10 89 0 0,5 10-2 0 0,-4-10-121 0 0,0 1 0 0 0,0-1 0 0 0,0 1 0 0 0,1-1 0 0 0,-1 0 0 0 0,0 0 0 0 0,1 1-1 0 0,-1-1 1 0 0,1 0 0 0 0,0 0 0 0 0,-1-1 0 0 0,3 2 0 0 0,15 7 237 0 0,9 3 70 0 0,-26-12-295 0 0,1 1 0 0 0,0 0 0 0 0,-1 0 0 0 0,0 0 0 0 0,1 1 0 0 0,-1-1 0 0 0,0 0 0 0 0,1 1 1 0 0,-1 0-1 0 0,0-1 0 0 0,0 1 0 0 0,0 0 0 0 0,0 0 0 0 0,-1 0 0 0 0,1 0 0 0 0,-1 0 0 0 0,1 1 0 0 0,1 2 0 0 0,-1-2 5 0 0,0-1-1 0 0,-1 1 1 0 0,1 0-1 0 0,-1-1 1 0 0,1 1 0 0 0,-1 0-1 0 0,0 0 1 0 0,0 0-1 0 0,0 0 1 0 0,-1 0-1 0 0,1 0 1 0 0,-1 0 0 0 0,1 6-1 0 0,-2 0 11 0 0,-1 1 1 0 0,1-1-1 0 0,-2 0 0 0 0,1 0 0 0 0,-1 0 1 0 0,-8 16-1 0 0,7-19-28 0 0,1 1 0 0 0,-2 0 0 0 0,1-1 0 0 0,-1 0 0 0 0,0 0 0 0 0,-7 6 0 0 0,8-8-104 0 0,1-1 0 0 0,-1 0 0 0 0,0 0 0 0 0,0 0 0 0 0,-1 0 0 0 0,1-1-1 0 0,-1 1 1 0 0,1-1 0 0 0,-1 0 0 0 0,-6 1 0 0 0,11-3-4 0 0,0 0 1 0 0,0 0-1 0 0,0-1 0 0 0,1 1 1 0 0,-1 0-1 0 0,0 0 0 0 0,0 0 1 0 0,0-1-1 0 0,0 1 0 0 0,0 0 0 0 0,0 0 1 0 0,0 0-1 0 0,0-1 0 0 0,0 1 1 0 0,0 0-1 0 0,0 0 0 0 0,0 0 0 0 0,0-1 1 0 0,0 1-1 0 0,0 0 0 0 0,0 0 1 0 0,0 0-1 0 0,0-1 0 0 0,0 1 0 0 0,0 0 1 0 0,0 0-1 0 0,0 0 0 0 0,0-1 1 0 0,0 1-1 0 0,0 0 0 0 0,-1 0 0 0 0,1 0 1 0 0,0 0-1 0 0,0-1 0 0 0,0 1 1 0 0,0 0-1 0 0,0 0 0 0 0,-1 0 0 0 0,1 0 1 0 0,0 0-1 0 0,0-1 0 0 0,0 1 1 0 0,0 0-1 0 0,-1 0 0 0 0,1 0 0 0 0,0 0 1 0 0,0 0-1 0 0,0 0 0 0 0,-1 0 1 0 0,1 0-1 0 0,0 0 0 0 0,0 0 0 0 0,0 0 1 0 0,-1 0-1 0 0,1 0 0 0 0,0 0 1 0 0,0 0-1 0 0,0 0 0 0 0,-1 0 0 0 0,1 0 1 0 0,0 0-1 0 0,0 0 0 0 0,0 0 1 0 0,-1 0-1 0 0,1 0 0 0 0,0 1 0 0 0,0-1 1 0 0,-1 0-1 0 0,5-5-2046 0 0</inkml:trace>
+</inkml:ink>
+</file>
+
+<file path=ppt/ink/ink19.xml><?xml version="1.0" encoding="utf-8"?>
+<inkml:ink xmlns:inkml="http://www.w3.org/2003/InkML">
+  <inkml:definitions>
+    <inkml:context xml:id="ctx0">
+      <inkml:inkSource xml:id="inkSrc0">
+        <inkml:traceFormat>
+          <inkml:channel name="X" type="integer" min="-2.14748E9" max="2.14748E9" units="cm"/>
+          <inkml:channel name="Y" type="integer" min="-2.14748E9" max="2.14748E9" units="cm"/>
+          <inkml:channel name="F" type="integer" max="32767" units="dev"/>
+          <inkml:channel name="OA" type="integer" max="360" units="deg"/>
+          <inkml:channel name="OE" type="integer" max="90" units="deg"/>
+        </inkml:traceFormat>
+        <inkml:channelProperties>
+          <inkml:channelProperty channel="X" name="resolution" value="1000" units="1/cm"/>
+          <inkml:channelProperty channel="Y" name="resolution" value="1000" units="1/cm"/>
+          <inkml:channelProperty channel="F" name="resolution" value="0" units="1/dev"/>
+          <inkml:channelProperty channel="OA" name="resolution" value="1000" units="1/deg"/>
+          <inkml:channelProperty channel="OE" name="resolution" value="1000" units="1/deg"/>
+        </inkml:channelProperties>
+      </inkml:inkSource>
+      <inkml:timestamp xml:id="ts0" timeString="2020-11-03T16:21:38.671"/>
+    </inkml:context>
+    <inkml:brush xml:id="br0">
+      <inkml:brushProperty name="width" value="0.05" units="cm"/>
+      <inkml:brushProperty name="height" value="0.05" units="cm"/>
+      <inkml:brushProperty name="color" value="#E71224"/>
+    </inkml:brush>
+  </inkml:definitions>
+  <inkml:trace contextRef="#ctx0" brushRef="#br0">94 17 3224 0 0,'0'0'8416'0'0,"5"-9"-3808"0"0,-5 9-4507 0 0,-1-1 0 0 0,1 1 1 0 0,0-1-1 0 0,-1 1 1 0 0,1-1-1 0 0,-1 1 1 0 0,1-1-1 0 0,-1 1 1 0 0,1-1-1 0 0,-1 1 1 0 0,1 0-1 0 0,-1-1 1 0 0,1 1-1 0 0,-1 0 0 0 0,0-1 1 0 0,1 1-1 0 0,-1 0 1 0 0,1 0-1 0 0,-1 0 1 0 0,0 0-1 0 0,1-1 1 0 0,-1 1-1 0 0,0 0 1 0 0,0 0-1 0 0,-1 1 80 0 0,0-1 0 0 0,1 0 0 0 0,-1 1 1 0 0,0-1-1 0 0,1 1 0 0 0,-1-1 0 0 0,0 1 0 0 0,1 0 0 0 0,-3 1 0 0 0,-2 3 370 0 0,-1 0-1 0 0,1 0 0 0 0,-6 7 1 0 0,11-11-445 0 0,-3 3-109 0 0,1 1 1 0 0,-1 0-1 0 0,1 0 0 0 0,0 0 0 0 0,1 0 0 0 0,-1 1 0 0 0,1-1 0 0 0,0 1 1 0 0,1-1-1 0 0,-1 1 0 0 0,1 0 0 0 0,0 0 0 0 0,0 9 0 0 0,1-11 16 0 0,-1-2 6 0 0,1-1-1 0 0,0 1 1 0 0,0-1 0 0 0,0 1 0 0 0,0-1 0 0 0,0 1 0 0 0,0-1 0 0 0,0 1 0 0 0,1-1 0 0 0,-1 1 0 0 0,1-1 0 0 0,-1 1-1 0 0,1-1 1 0 0,-1 0 0 0 0,1 1 0 0 0,0-1 0 0 0,-1 0 0 0 0,1 1 0 0 0,0-1 0 0 0,0 0 0 0 0,0 0 0 0 0,0 0 0 0 0,0 0-1 0 0,0 0 1 0 0,2 1 0 0 0,-2-1-7 0 0,1-1-1 0 0,-1 1 0 0 0,0-1 0 0 0,0 0 1 0 0,0 1-1 0 0,1-1 0 0 0,-1 0 1 0 0,0 0-1 0 0,0 0 0 0 0,1 0 1 0 0,-1 0-1 0 0,0 0 0 0 0,1 0 0 0 0,-1 0 1 0 0,0 0-1 0 0,0-1 0 0 0,0 1 1 0 0,1-1-1 0 0,-1 1 0 0 0,0-1 0 0 0,0 1 1 0 0,0-1-1 0 0,0 1 0 0 0,0-1 1 0 0,2-1-1 0 0,0 0-24 0 0,0-1-1 0 0,0 1 1 0 0,0-1-1 0 0,0 1 1 0 0,-1-1 0 0 0,5-5-1 0 0,-4 2 17 0 0,0 0-1 0 0,-1 0 0 0 0,0 0 1 0 0,0 0-1 0 0,1-7 0 0 0,-1 7-35 0 0,-1-1-1 0 0,1 1 1 0 0,0 0-1 0 0,6-10 1 0 0,-5 5-2044 0 0</inkml:trace>
+</inkml:ink>
+</file>
+
+<file path=ppt/ink/ink2.xml><?xml version="1.0" encoding="utf-8"?>
+<inkml:ink xmlns:inkml="http://www.w3.org/2003/InkML">
+  <inkml:definitions>
+    <inkml:context xml:id="ctx0">
+      <inkml:inkSource xml:id="inkSrc0">
+        <inkml:traceFormat>
+          <inkml:channel name="X" type="integer" min="-2.14748E9" max="2.14748E9" units="cm"/>
+          <inkml:channel name="Y" type="integer" min="-2.14748E9" max="2.14748E9" units="cm"/>
+          <inkml:channel name="F" type="integer" max="32767" units="dev"/>
+          <inkml:channel name="OA" type="integer" max="360" units="deg"/>
+          <inkml:channel name="OE" type="integer" max="90" units="deg"/>
+        </inkml:traceFormat>
+        <inkml:channelProperties>
+          <inkml:channelProperty channel="X" name="resolution" value="1000" units="1/cm"/>
+          <inkml:channelProperty channel="Y" name="resolution" value="1000" units="1/cm"/>
+          <inkml:channelProperty channel="F" name="resolution" value="0" units="1/dev"/>
+          <inkml:channelProperty channel="OA" name="resolution" value="1000" units="1/deg"/>
+          <inkml:channelProperty channel="OE" name="resolution" value="1000" units="1/deg"/>
+        </inkml:channelProperties>
+      </inkml:inkSource>
+      <inkml:timestamp xml:id="ts0" timeString="2020-11-04T17:00:43.551"/>
+    </inkml:context>
+    <inkml:brush xml:id="br0">
+      <inkml:brushProperty name="width" value="0.05" units="cm"/>
+      <inkml:brushProperty name="height" value="0.05" units="cm"/>
+      <inkml:brushProperty name="color" value="#004F8B"/>
+    </inkml:brush>
+  </inkml:definitions>
+  <inkml:trace contextRef="#ctx0" brushRef="#br0">63 191 6912 0 0,'-45'0'842'0'0,"27"0"11743"0"0,44 7-10533 0 0,152 4 2632 0 0,89-11-3701 0 0,-128 0 401 0 0,-51 2-1723 0 0,-1 3 661 0 0,13 0 212 0 0,-100-6-511 0 0,0 0-1 0 0,-1-1 1 0 0,1 1 0 0 0,0 0-1 0 0,0 0 1 0 0,-1 0 0 0 0,1 0-1 0 0,-1-1 1 0 0,1 1 0 0 0,-1 0-1 0 0,0-1 1 0 0,-10-11 225 0 0,-1 1-1 0 0,0 0 1 0 0,0 1-1 0 0,-1 0 1 0 0,-18-11-1 0 0,-12-10-244 0 0,-23-16-544 0 0,38 29 147 0 0,23 16 389 0 0,0 0-1 0 0,1 0 0 0 0,-1 0 0 0 0,-1 1 1 0 0,1-1-1 0 0,0 1 0 0 0,-1 1 0 0 0,1-1 0 0 0,-1 1 1 0 0,1 0-1 0 0,-8-1 0 0 0,12 2 682 0 0,7 10-572 0 0,-3-6-131 0 0,0-1-1 0 0,1 1 1 0 0,0-1 0 0 0,0 0-1 0 0,0-1 1 0 0,0 1-1 0 0,0 0 1 0 0,0-1 0 0 0,1 0-1 0 0,-1 0 1 0 0,1-1-1 0 0,7 3 1 0 0,8 0 162 0 0,33 4 0 0 0,-48-8-276 0 0,86 7-103 0 0,-51-5 244 0 0,73 12 0 0 0,-108-13 3 0 0,0 0 0 0 0,-1 1 0 0 0,1-1 0 0 0,-1 1 0 0 0,0 0 0 0 0,1 0 0 0 0,-1 1 0 0 0,0-1 0 0 0,0 1 0 0 0,4 3 0 0 0,-7-4 4 0 0,1-1 1 0 0,-1 1-1 0 0,0-1 0 0 0,1 1 1 0 0,-1-1-1 0 0,0 1 1 0 0,0 0-1 0 0,0 0 1 0 0,0 0-1 0 0,-1 0 0 0 0,1 0 1 0 0,0 0-1 0 0,-1 0 1 0 0,1 0-1 0 0,-1 0 1 0 0,0 0-1 0 0,0 0 0 0 0,1 0 1 0 0,-1 0-1 0 0,-1 0 1 0 0,1 0-1 0 0,0 0 0 0 0,0 0 1 0 0,-1 0-1 0 0,-1 3 1 0 0,-1 4 14 0 0,0 0 0 0 0,-1 0 0 0 0,-1-1 0 0 0,1 0 0 0 0,-1 0 0 0 0,-1 0 0 0 0,0 0 0 0 0,0-1 0 0 0,0 0 0 0 0,-1 0 0 0 0,-14 10 0 0 0,-1 1 7 0 0,-1-1 0 0 0,-1-2 1 0 0,-1 0-1 0 0,0-2 0 0 0,-1 0 1 0 0,-44 14-1 0 0,48-22-1033 0 0,20-5-149 0 0</inkml:trace>
+</inkml:ink>
+</file>
+
+<file path=ppt/ink/ink20.xml><?xml version="1.0" encoding="utf-8"?>
+<inkml:ink xmlns:inkml="http://www.w3.org/2003/InkML">
+  <inkml:definitions>
+    <inkml:context xml:id="ctx0">
+      <inkml:inkSource xml:id="inkSrc0">
+        <inkml:traceFormat>
+          <inkml:channel name="X" type="integer" min="-2.14748E9" max="2.14748E9" units="cm"/>
+          <inkml:channel name="Y" type="integer" min="-2.14748E9" max="2.14748E9" units="cm"/>
+          <inkml:channel name="F" type="integer" max="32767" units="dev"/>
+          <inkml:channel name="OA" type="integer" max="360" units="deg"/>
+          <inkml:channel name="OE" type="integer" max="90" units="deg"/>
+        </inkml:traceFormat>
+        <inkml:channelProperties>
+          <inkml:channelProperty channel="X" name="resolution" value="1000" units="1/cm"/>
+          <inkml:channelProperty channel="Y" name="resolution" value="1000" units="1/cm"/>
+          <inkml:channelProperty channel="F" name="resolution" value="0" units="1/dev"/>
+          <inkml:channelProperty channel="OA" name="resolution" value="1000" units="1/deg"/>
+          <inkml:channelProperty channel="OE" name="resolution" value="1000" units="1/deg"/>
+        </inkml:channelProperties>
+      </inkml:inkSource>
+      <inkml:timestamp xml:id="ts0" timeString="2020-11-03T16:21:39.054"/>
+    </inkml:context>
+    <inkml:brush xml:id="br0">
+      <inkml:brushProperty name="width" value="0.05" units="cm"/>
+      <inkml:brushProperty name="height" value="0.05" units="cm"/>
+      <inkml:brushProperty name="color" value="#E71224"/>
+    </inkml:brush>
+  </inkml:definitions>
+  <inkml:trace contextRef="#ctx0" brushRef="#br0">0 0 9528 0 0,'1'1'196'0'0,"0"-1"1"0"0,-1 0-1 0 0,1 0 0 0 0,0 0 1 0 0,-1 1-1 0 0,1-1 1 0 0,0 0-1 0 0,0 0 0 0 0,-1 0 1 0 0,1 0-1 0 0,0 0 1 0 0,0-1-1 0 0,-1 1 0 0 0,2 0 1 0 0,4-1 1411 0 0,-4 1-1411 0 0,1 0 0 0 0,-1 1-1 0 0,0-1 1 0 0,0 0 0 0 0,0 1-1 0 0,0-1 1 0 0,0 1 0 0 0,0 0-1 0 0,0 0 1 0 0,0 0 0 0 0,0 0 0 0 0,0 0-1 0 0,-1 0 1 0 0,1 0 0 0 0,2 3-1 0 0,-1-1-12 0 0,0 0-1 0 0,-1 0 1 0 0,1 0 0 0 0,-1 0-1 0 0,0 1 1 0 0,0-1-1 0 0,3 7 1 0 0,-1 4 149 0 0,0 0 0 0 0,0-1 0 0 0,2 26 0 0 0,-3-6 851 0 0,-5-27 384 0 0,-2-22-707 0 0,4 13-760 0 0,0-1 1 0 0,0 0-1 0 0,0 0 0 0 0,0 1 0 0 0,0-1 0 0 0,1 0 0 0 0,0 0 0 0 0,1-3 1 0 0,11-31 670 0 0,-10 29-605 0 0,2-3 59 0 0,-5 9-184 0 0,1 0 0 0 0,0-1 1 0 0,0 1-1 0 0,0 0 0 0 0,1 0 1 0 0,-1 0-1 0 0,1 0 0 0 0,0 0 1 0 0,-1 0-1 0 0,1 0 0 0 0,1 1 1 0 0,-1-1-1 0 0,0 1 1 0 0,5-4-1 0 0,-6 5-46 0 0,-1 1 0 0 0,1 0 1 0 0,-1 0-1 0 0,1 0 0 0 0,-1 0 0 0 0,0 0 0 0 0,1 0 1 0 0,-1 0-1 0 0,1 0 0 0 0,-1 0 0 0 0,1 0 0 0 0,-1 0 1 0 0,1 0-1 0 0,-1 0 0 0 0,1 0 0 0 0,-1 0 1 0 0,1 0-1 0 0,-1 1 0 0 0,1-1 0 0 0,-1 0 0 0 0,0 0 1 0 0,1 0-1 0 0,-1 1 0 0 0,1-1 0 0 0,-1 0 0 0 0,0 1 1 0 0,1-1-1 0 0,-1 0 0 0 0,1 1 0 0 0,5 9-397 0 0,3 15-3213 0 0,-7-20 1924 0 0</inkml:trace>
+</inkml:ink>
+</file>
+
+<file path=ppt/ink/ink21.xml><?xml version="1.0" encoding="utf-8"?>
+<inkml:ink xmlns:inkml="http://www.w3.org/2003/InkML">
+  <inkml:definitions>
+    <inkml:context xml:id="ctx0">
+      <inkml:inkSource xml:id="inkSrc0">
+        <inkml:traceFormat>
+          <inkml:channel name="X" type="integer" min="-2.14748E9" max="2.14748E9" units="cm"/>
+          <inkml:channel name="Y" type="integer" min="-2.14748E9" max="2.14748E9" units="cm"/>
+          <inkml:channel name="F" type="integer" max="32767" units="dev"/>
+          <inkml:channel name="OA" type="integer" max="360" units="deg"/>
+          <inkml:channel name="OE" type="integer" max="90" units="deg"/>
+        </inkml:traceFormat>
+        <inkml:channelProperties>
+          <inkml:channelProperty channel="X" name="resolution" value="1000" units="1/cm"/>
+          <inkml:channelProperty channel="Y" name="resolution" value="1000" units="1/cm"/>
+          <inkml:channelProperty channel="F" name="resolution" value="0" units="1/dev"/>
+          <inkml:channelProperty channel="OA" name="resolution" value="1000" units="1/deg"/>
+          <inkml:channelProperty channel="OE" name="resolution" value="1000" units="1/deg"/>
+        </inkml:channelProperties>
+      </inkml:inkSource>
+      <inkml:timestamp xml:id="ts0" timeString="2020-11-03T16:21:39.369"/>
+    </inkml:context>
+    <inkml:brush xml:id="br0">
+      <inkml:brushProperty name="width" value="0.05" units="cm"/>
+      <inkml:brushProperty name="height" value="0.05" units="cm"/>
+      <inkml:brushProperty name="color" value="#E71224"/>
+    </inkml:brush>
+  </inkml:definitions>
+  <inkml:trace contextRef="#ctx0" brushRef="#br0">1 1 2760 0 0,'0'0'125'0'0,"3"3"434"0"0,9 12 7965 0 0,-4 3-3745 0 0,2 24-1764 0 0,-1-1-1026 0 0,-6-28-1416 0 0,0 0 0 0 0,2 24 0 0 0,-2-9-524 0 0,6 77-49 0 0,-5-14 150 0 0,-4-52-8910 0 0</inkml:trace>
+</inkml:ink>
+</file>
+
+<file path=ppt/ink/ink22.xml><?xml version="1.0" encoding="utf-8"?>
+<inkml:ink xmlns:inkml="http://www.w3.org/2003/InkML">
+  <inkml:definitions>
+    <inkml:context xml:id="ctx0">
+      <inkml:inkSource xml:id="inkSrc0">
+        <inkml:traceFormat>
+          <inkml:channel name="X" type="integer" min="-2.14748E9" max="2.14748E9" units="cm"/>
+          <inkml:channel name="Y" type="integer" min="-2.14748E9" max="2.14748E9" units="cm"/>
+          <inkml:channel name="F" type="integer" max="32767" units="dev"/>
+          <inkml:channel name="OA" type="integer" max="360" units="deg"/>
+          <inkml:channel name="OE" type="integer" max="90" units="deg"/>
+        </inkml:traceFormat>
+        <inkml:channelProperties>
+          <inkml:channelProperty channel="X" name="resolution" value="1000" units="1/cm"/>
+          <inkml:channelProperty channel="Y" name="resolution" value="1000" units="1/cm"/>
+          <inkml:channelProperty channel="F" name="resolution" value="0" units="1/dev"/>
+          <inkml:channelProperty channel="OA" name="resolution" value="1000" units="1/deg"/>
+          <inkml:channelProperty channel="OE" name="resolution" value="1000" units="1/deg"/>
+        </inkml:channelProperties>
+      </inkml:inkSource>
+      <inkml:timestamp xml:id="ts0" timeString="2020-11-03T16:21:39.707"/>
+    </inkml:context>
+    <inkml:brush xml:id="br0">
+      <inkml:brushProperty name="width" value="0.05" units="cm"/>
+      <inkml:brushProperty name="height" value="0.05" units="cm"/>
+      <inkml:brushProperty name="color" value="#E71224"/>
+    </inkml:brush>
+  </inkml:definitions>
+  <inkml:trace contextRef="#ctx0" brushRef="#br0">1 53 6912 0 0,'0'0'11327'0'0,"6"-3"-8496"0"0,92-21 1273 0 0,-44 13-3703 0 0,15-1-401 0 0,-69 12-10 0 0,1-1-1 0 0,-1 1 1 0 0,1 0 0 0 0,-1-1-1 0 0,1 1 1 0 0,0 0-1 0 0,-1 0 1 0 0,1 0 0 0 0,0 0-1 0 0,-1-1 1 0 0,1 1-1 0 0,0 0 1 0 0,-1 0-1 0 0,1 0 1 0 0,-1 0 0 0 0,1 1-1 0 0,0-1 1 0 0,-1 0-1 0 0,1 0 1 0 0,0 0 0 0 0</inkml:trace>
+</inkml:ink>
+</file>
+
+<file path=ppt/ink/ink23.xml><?xml version="1.0" encoding="utf-8"?>
+<inkml:ink xmlns:inkml="http://www.w3.org/2003/InkML">
+  <inkml:definitions>
+    <inkml:context xml:id="ctx0">
+      <inkml:inkSource xml:id="inkSrc0">
+        <inkml:traceFormat>
+          <inkml:channel name="X" type="integer" min="-2.14748E9" max="2.14748E9" units="cm"/>
+          <inkml:channel name="Y" type="integer" min="-2.14748E9" max="2.14748E9" units="cm"/>
+          <inkml:channel name="F" type="integer" max="32767" units="dev"/>
+          <inkml:channel name="OA" type="integer" max="360" units="deg"/>
+          <inkml:channel name="OE" type="integer" max="90" units="deg"/>
+        </inkml:traceFormat>
+        <inkml:channelProperties>
+          <inkml:channelProperty channel="X" name="resolution" value="1000" units="1/cm"/>
+          <inkml:channelProperty channel="Y" name="resolution" value="1000" units="1/cm"/>
+          <inkml:channelProperty channel="F" name="resolution" value="0" units="1/dev"/>
+          <inkml:channelProperty channel="OA" name="resolution" value="1000" units="1/deg"/>
+          <inkml:channelProperty channel="OE" name="resolution" value="1000" units="1/deg"/>
+        </inkml:channelProperties>
+      </inkml:inkSource>
+      <inkml:timestamp xml:id="ts0" timeString="2020-11-03T16:21:40.039"/>
+    </inkml:context>
+    <inkml:brush xml:id="br0">
+      <inkml:brushProperty name="width" value="0.05" units="cm"/>
+      <inkml:brushProperty name="height" value="0.05" units="cm"/>
+      <inkml:brushProperty name="color" value="#E71224"/>
+    </inkml:brush>
+  </inkml:definitions>
+  <inkml:trace contextRef="#ctx0" brushRef="#br0">0 89 8288 0 0,'0'0'6720'0'0,"1"0"-5971"0"0,2 2-556 0 0,-1 0 0 0 0,0-1-1 0 0,0 0 1 0 0,1 1 0 0 0,-1-1 0 0 0,0 0 0 0 0,1 0 0 0 0,-1 0-1 0 0,1-1 1 0 0,0 1 0 0 0,-1 0 0 0 0,1-1 0 0 0,0 0 0 0 0,-1 0-1 0 0,1 0 1 0 0,0 0 0 0 0,-1 0 0 0 0,1 0 0 0 0,0-1 0 0 0,-1 1 0 0 0,4-2-1 0 0,2-1 43 0 0,-4 2-138 0 0,-1 0 1 0 0,1 0 0 0 0,-1 0 0 0 0,0-1 0 0 0,1 1-1 0 0,-1-1 1 0 0,0 0 0 0 0,0 0 0 0 0,0 0 0 0 0,0-1 0 0 0,3-3-1 0 0,-3 2 41 0 0,0 1-1 0 0,-1-1 1 0 0,1 0 0 0 0,-1-1-1 0 0,0 1 1 0 0,0 0-1 0 0,0-1 1 0 0,0 1-1 0 0,-1-1 1 0 0,1-6 0 0 0,-2 10-120 0 0,0 0 0 0 0,0 0 1 0 0,0 0-1 0 0,0 0 0 0 0,-1 0 1 0 0,1 1-1 0 0,0-1 0 0 0,-1 0 1 0 0,1 0-1 0 0,-1 1 1 0 0,1-1-1 0 0,-1 0 0 0 0,1 0 1 0 0,-1 1-1 0 0,1-1 0 0 0,-1 0 1 0 0,0 1-1 0 0,1-1 0 0 0,-1 1 1 0 0,0-1-1 0 0,1 1 0 0 0,-1-1 1 0 0,0 1-1 0 0,0 0 0 0 0,0-1 1 0 0,1 1-1 0 0,-1 0 1 0 0,0-1-1 0 0,0 1 0 0 0,0 0 1 0 0,0 0-1 0 0,0 0 0 0 0,1 0 1 0 0,-1 0-1 0 0,0 0 0 0 0,0 0 1 0 0,0 0-1 0 0,0 0 0 0 0,0 0 1 0 0,1 1-1 0 0,-1-1 0 0 0,0 0 1 0 0,0 1-1 0 0,0-1 1 0 0,0 0-1 0 0,1 1 0 0 0,-1-1 1 0 0,0 1-1 0 0,1-1 0 0 0,-2 2 1 0 0,-4 4 197 0 0,-1 0 0 0 0,2 0 0 0 0,-1 0 1 0 0,1 1-1 0 0,0 0 0 0 0,0 0 1 0 0,-6 14-1 0 0,9-16-105 0 0,0 0 0 0 0,0 1 0 0 0,0-1 1 0 0,1 0-1 0 0,0 0 0 0 0,0 1 0 0 0,0-1 0 0 0,1 1 0 0 0,-1-1 1 0 0,1 1-1 0 0,1-1 0 0 0,-1 1 0 0 0,2 6 0 0 0,-2-10-108 0 0,3 2-9 0 0,3 3-9 0 0,-5-6-4 0 0,-1-1 0 0 0,1 1 1 0 0,0 0-1 0 0,-1-1 1 0 0,1 1-1 0 0,0-1 0 0 0,0 1 1 0 0,0-1-1 0 0,0 0 1 0 0,0 1-1 0 0,-1-1 1 0 0,1 0-1 0 0,0 1 0 0 0,0-1 1 0 0,0 0-1 0 0,0 0 1 0 0,0 0-1 0 0,0 0 1 0 0,0 0-1 0 0,0 0 0 0 0,0 0 1 0 0,0 0-1 0 0,2-1 1 0 0,20-8-2807 0 0,-15 4 1274 0 0</inkml:trace>
+</inkml:ink>
+</file>
+
+<file path=ppt/ink/ink24.xml><?xml version="1.0" encoding="utf-8"?>
+<inkml:ink xmlns:inkml="http://www.w3.org/2003/InkML">
+  <inkml:definitions>
+    <inkml:context xml:id="ctx0">
+      <inkml:inkSource xml:id="inkSrc0">
+        <inkml:traceFormat>
+          <inkml:channel name="X" type="integer" min="-2.14748E9" max="2.14748E9" units="cm"/>
+          <inkml:channel name="Y" type="integer" min="-2.14748E9" max="2.14748E9" units="cm"/>
+          <inkml:channel name="F" type="integer" max="32767" units="dev"/>
+          <inkml:channel name="OA" type="integer" max="360" units="deg"/>
+          <inkml:channel name="OE" type="integer" max="90" units="deg"/>
+        </inkml:traceFormat>
+        <inkml:channelProperties>
+          <inkml:channelProperty channel="X" name="resolution" value="1000" units="1/cm"/>
+          <inkml:channelProperty channel="Y" name="resolution" value="1000" units="1/cm"/>
+          <inkml:channelProperty channel="F" name="resolution" value="0" units="1/dev"/>
+          <inkml:channelProperty channel="OA" name="resolution" value="1000" units="1/deg"/>
+          <inkml:channelProperty channel="OE" name="resolution" value="1000" units="1/deg"/>
+        </inkml:channelProperties>
+      </inkml:inkSource>
+      <inkml:timestamp xml:id="ts0" timeString="2020-11-03T16:21:40.391"/>
+    </inkml:context>
+    <inkml:brush xml:id="br0">
+      <inkml:brushProperty name="width" value="0.05" units="cm"/>
+      <inkml:brushProperty name="height" value="0.05" units="cm"/>
+      <inkml:brushProperty name="color" value="#E71224"/>
+    </inkml:brush>
+  </inkml:definitions>
+  <inkml:trace contextRef="#ctx0" brushRef="#br0">69 204 15056 0 0,'0'1'33'0'0,"0"-1"1"0"0,-1 0-1 0 0,1 1 1 0 0,0-1-1 0 0,0 0 1 0 0,0 0-1 0 0,-1 0 1 0 0,1 1-1 0 0,0-1 1 0 0,-1 0-1 0 0,1 0 1 0 0,0 0-1 0 0,0 0 1 0 0,-1 1 0 0 0,1-1-1 0 0,0 0 1 0 0,-1 0-1 0 0,1 0 1 0 0,0 0-1 0 0,-1 0 1 0 0,1 0-1 0 0,0 0 1 0 0,-1 0-1 0 0,0 0 1 0 0,1 0-13 0 0,0 0 1 0 0,0 0-1 0 0,-1 0 1 0 0,1 0-1 0 0,0 0 1 0 0,0 0-1 0 0,-1 0 1 0 0,1 0 0 0 0,0 0-1 0 0,0 0 1 0 0,0 0-1 0 0,-1 0 1 0 0,1 0-1 0 0,0 1 1 0 0,0-1-1 0 0,-1 0 1 0 0,1 0-1 0 0,0 0 1 0 0,0 0-1 0 0,0 0 1 0 0,-1 1-1 0 0,1-1 1 0 0,0 0-1 0 0,0 0 1 0 0,0 0-1 0 0,0 0 1 0 0,-1 1-1 0 0,1-1 1 0 0,0 0-1 0 0,0 0 1 0 0,0 1-1 0 0,0-1 1 0 0,0 0-1 0 0,0 0 1 0 0,0 1-1 0 0,0-1 1 0 0,0 0-1 0 0,-18 36 1869 0 0,6-7-608 0 0,6-18-894 0 0,1 1 0 0 0,-6 22 0 0 0,10-31-325 0 0,0 1 1 0 0,1-1 0 0 0,-1 0-1 0 0,1 1 1 0 0,0-1-1 0 0,0 1 1 0 0,0-1 0 0 0,1 1-1 0 0,-1-1 1 0 0,1 0 0 0 0,0 1-1 0 0,0-1 1 0 0,0 0-1 0 0,0 1 1 0 0,2 2 0 0 0,-1-4 17 0 0,-1 1 0 0 0,1-1 0 0 0,0 0 0 0 0,0 0 0 0 0,0 0 0 0 0,0 0 0 0 0,0 0 0 0 0,1 0 0 0 0,-1-1 1 0 0,0 1-1 0 0,1-1 0 0 0,-1 1 0 0 0,4 0 0 0 0,-4-1-68 0 0,-1-1 0 0 0,1 1-1 0 0,0 0 1 0 0,0-1 0 0 0,-1 0 0 0 0,1 1 0 0 0,0-1 0 0 0,0 0 0 0 0,0 0-1 0 0,-1 0 1 0 0,1 0 0 0 0,0 0 0 0 0,0-1 0 0 0,0 1 0 0 0,-1 0-1 0 0,1-1 1 0 0,0 0 0 0 0,-1 1 0 0 0,1-1 0 0 0,0 0 0 0 0,-1 0-1 0 0,3-1 1 0 0,2-3 70 0 0,1 0 1 0 0,-1-1-1 0 0,-1 0 0 0 0,1 0 0 0 0,-1 0 0 0 0,0 0 0 0 0,0-1 0 0 0,4-9 0 0 0,2-8 99 0 0,-2-1 1 0 0,-1 0-1 0 0,-1 0 0 0 0,6-41 0 0 0,3-8 413 0 0,-8 35-241 0 0,-5 23 25 0 0,0 1-1 0 0,9-25 1 0 0,-9 37 545 0 0,-2 8-729 0 0,-2 11-194 0 0,-5 20 64 0 0,4-20-33 0 0,-5 21-1 0 0,-21 80-64 0 0,2-6-23 0 0,15-64-937 0 0,8-32-1619 0 0,0 0-3475 0 0,0-5-1979 0 0</inkml:trace>
+</inkml:ink>
+</file>
+
+<file path=ppt/ink/ink25.xml><?xml version="1.0" encoding="utf-8"?>
+<inkml:ink xmlns:inkml="http://www.w3.org/2003/InkML">
+  <inkml:definitions>
+    <inkml:context xml:id="ctx0">
+      <inkml:inkSource xml:id="inkSrc0">
+        <inkml:traceFormat>
+          <inkml:channel name="X" type="integer" min="-2.14748E9" max="2.14748E9" units="cm"/>
+          <inkml:channel name="Y" type="integer" min="-2.14748E9" max="2.14748E9" units="cm"/>
+          <inkml:channel name="F" type="integer" max="32767" units="dev"/>
+          <inkml:channel name="OA" type="integer" max="360" units="deg"/>
+          <inkml:channel name="OE" type="integer" max="90" units="deg"/>
+        </inkml:traceFormat>
+        <inkml:channelProperties>
+          <inkml:channelProperty channel="X" name="resolution" value="1000" units="1/cm"/>
+          <inkml:channelProperty channel="Y" name="resolution" value="1000" units="1/cm"/>
+          <inkml:channelProperty channel="F" name="resolution" value="0" units="1/dev"/>
+          <inkml:channelProperty channel="OA" name="resolution" value="1000" units="1/deg"/>
+          <inkml:channelProperty channel="OE" name="resolution" value="1000" units="1/deg"/>
+        </inkml:channelProperties>
+      </inkml:inkSource>
+      <inkml:timestamp xml:id="ts0" timeString="2020-11-03T16:21:41.307"/>
+    </inkml:context>
+    <inkml:brush xml:id="br0">
+      <inkml:brushProperty name="width" value="0.05" units="cm"/>
+      <inkml:brushProperty name="height" value="0.05" units="cm"/>
+      <inkml:brushProperty name="color" value="#E71224"/>
+    </inkml:brush>
+  </inkml:definitions>
+  <inkml:trace contextRef="#ctx0" brushRef="#br0">7 354 1840 0 0,'-6'8'16167'0'0,"9"-9"-15956"0"0,0-1-1 0 0,1 1 1 0 0,-1 0-1 0 0,0-1 0 0 0,1 0 1 0 0,-1 0-1 0 0,0 0 0 0 0,-1 0 1 0 0,1 0-1 0 0,0-1 0 0 0,0 1 1 0 0,-1-1-1 0 0,0 0 1 0 0,1 1-1 0 0,2-6 0 0 0,4-7 557 0 0,15-32 0 0 0,-22 44-704 0 0,18-46 799 0 0,18-65 0 0 0,-30 88-605 0 0,-3 9-76 0 0,-2 5 68 0 0,1-1 0 0 0,7-14 0 0 0,-10 27-239 0 0,0 1-1 0 0,0-1 1 0 0,0 1-1 0 0,0-1 1 0 0,-1 1-1 0 0,1 0 1 0 0,0-1-1 0 0,0 1 1 0 0,-1 0-1 0 0,1 0 1 0 0,-1-1-1 0 0,1 1 1 0 0,-1 0-1 0 0,1 0 1 0 0,-1 0-1 0 0,1 0 1 0 0,-1 0-1 0 0,0-1 1 0 0,1 1-1 0 0,-1 0 1 0 0,0 0-1 0 0,0 0 1 0 0,0 0-1 0 0,0 1 1 0 0,5 30 56 0 0,-5-28-55 0 0,5 69 318 0 0,-3-35 25 0 0,10 56 0 0 0,-7-63-199 0 0,-4-22-106 0 0,0 0-1 0 0,4 16 0 0 0,5 12 47 0 0,-7-25-118 0 0,0-1 0 0 0,8 21-1 0 0,-10-31-39 0 0,-1 0 19 0 0,1 0 1 0 0,-1 0-1 0 0,1 0 0 0 0,-1 0 0 0 0,1-1 1 0 0,-1 1-1 0 0,0 0 0 0 0,1 0 0 0 0,-1 0 1 0 0,0 0-1 0 0,0 0 0 0 0,0 0 0 0 0,0 0 0 0 0,0 0 1 0 0,0 0-1 0 0,0 0 0 0 0,0 0 0 0 0,0 0 1 0 0,0 0-1 0 0,0 0 0 0 0,0 0 0 0 0,-1 0 1 0 0,1 0-1 0 0,-1 1 0 0 0,-20-7-16315 0 0</inkml:trace>
+</inkml:ink>
+</file>
+
+<file path=ppt/ink/ink26.xml><?xml version="1.0" encoding="utf-8"?>
 <inkml:ink xmlns:inkml="http://www.w3.org/2003/InkML">
   <inkml:definitions>
     <inkml:context xml:id="ctx0">
@@ -212,327 +2132,7 @@
 </inkml:ink>
 </file>
 
-<file path=ppt/ink/ink100.xml><?xml version="1.0" encoding="utf-8"?>
-<inkml:ink xmlns:inkml="http://www.w3.org/2003/InkML">
-  <inkml:definitions>
-    <inkml:context xml:id="ctx0">
-      <inkml:inkSource xml:id="inkSrc0">
-        <inkml:traceFormat>
-          <inkml:channel name="X" type="integer" min="-2.14748E9" max="2.14748E9" units="cm"/>
-          <inkml:channel name="Y" type="integer" min="-2.14748E9" max="2.14748E9" units="cm"/>
-          <inkml:channel name="F" type="integer" max="32767" units="dev"/>
-          <inkml:channel name="OA" type="integer" max="360" units="deg"/>
-          <inkml:channel name="OE" type="integer" max="90" units="deg"/>
-        </inkml:traceFormat>
-        <inkml:channelProperties>
-          <inkml:channelProperty channel="X" name="resolution" value="1000" units="1/cm"/>
-          <inkml:channelProperty channel="Y" name="resolution" value="1000" units="1/cm"/>
-          <inkml:channelProperty channel="F" name="resolution" value="0" units="1/dev"/>
-          <inkml:channelProperty channel="OA" name="resolution" value="1000" units="1/deg"/>
-          <inkml:channelProperty channel="OE" name="resolution" value="1000" units="1/deg"/>
-        </inkml:channelProperties>
-      </inkml:inkSource>
-      <inkml:timestamp xml:id="ts0" timeString="2020-11-03T16:23:06.867"/>
-    </inkml:context>
-    <inkml:brush xml:id="br0">
-      <inkml:brushProperty name="width" value="0.05" units="cm"/>
-      <inkml:brushProperty name="height" value="0.05" units="cm"/>
-      <inkml:brushProperty name="color" value="#E71224"/>
-    </inkml:brush>
-  </inkml:definitions>
-  <inkml:trace contextRef="#ctx0" brushRef="#br0">1 0 3224 0 0,'0'0'288'0'0</inkml:trace>
-</inkml:ink>
-</file>
-
-<file path=ppt/ink/ink101.xml><?xml version="1.0" encoding="utf-8"?>
-<inkml:ink xmlns:inkml="http://www.w3.org/2003/InkML">
-  <inkml:definitions>
-    <inkml:context xml:id="ctx0">
-      <inkml:inkSource xml:id="inkSrc0">
-        <inkml:traceFormat>
-          <inkml:channel name="X" type="integer" min="-2.14748E9" max="2.14748E9" units="cm"/>
-          <inkml:channel name="Y" type="integer" min="-2.14748E9" max="2.14748E9" units="cm"/>
-          <inkml:channel name="F" type="integer" max="32767" units="dev"/>
-          <inkml:channel name="OA" type="integer" max="360" units="deg"/>
-          <inkml:channel name="OE" type="integer" max="90" units="deg"/>
-        </inkml:traceFormat>
-        <inkml:channelProperties>
-          <inkml:channelProperty channel="X" name="resolution" value="1000" units="1/cm"/>
-          <inkml:channelProperty channel="Y" name="resolution" value="1000" units="1/cm"/>
-          <inkml:channelProperty channel="F" name="resolution" value="0" units="1/dev"/>
-          <inkml:channelProperty channel="OA" name="resolution" value="1000" units="1/deg"/>
-          <inkml:channelProperty channel="OE" name="resolution" value="1000" units="1/deg"/>
-        </inkml:channelProperties>
-      </inkml:inkSource>
-      <inkml:timestamp xml:id="ts0" timeString="2020-11-03T16:23:16.889"/>
-    </inkml:context>
-    <inkml:brush xml:id="br0">
-      <inkml:brushProperty name="width" value="0.05" units="cm"/>
-      <inkml:brushProperty name="height" value="0.05" units="cm"/>
-      <inkml:brushProperty name="color" value="#E71224"/>
-    </inkml:brush>
-  </inkml:definitions>
-  <inkml:trace contextRef="#ctx0" brushRef="#br0">360 206 10136 0 0,'0'0'918'0'0,"3"-11"-339"0"0,-3 6-95 0 0,0 1-1 0 0,-1-1 1 0 0,0 0 0 0 0,0 1 0 0 0,0-1-1 0 0,-3-5 1 0 0,3 6-243 0 0,0 0 28 0 0,1 1 0 0 0,0 0 0 0 0,0-1 0 0 0,0 1 0 0 0,0 0 1 0 0,0-1-1 0 0,0 1 0 0 0,1 0 0 0 0,1-6 0 0 0,-4-24 2162 0 0,1 32-2336 0 0,1-1 0 0 0,0 1 0 0 0,-1-1 0 0 0,1 1 0 0 0,-1-1 0 0 0,0 1 0 0 0,1-1-1 0 0,-1 1 1 0 0,0 0 0 0 0,0-1 0 0 0,0 1 0 0 0,0 0 0 0 0,0 0 0 0 0,0 0 0 0 0,0-1 0 0 0,-1 1 0 0 0,1 0 0 0 0,-2 0 0 0 0,-5-7 385 0 0,5 5-390 0 0,0 1 0 0 0,1-1 0 0 0,-1 1 1 0 0,-1 0-1 0 0,1 0 0 0 0,0 0 0 0 0,0 1 0 0 0,-1-1 0 0 0,1 1 1 0 0,-1 0-1 0 0,1 0 0 0 0,-1 0 0 0 0,0 0 0 0 0,1 1 0 0 0,-1-1 1 0 0,0 1-1 0 0,1 0 0 0 0,-1 0 0 0 0,0 0 0 0 0,1 1 0 0 0,-1-1 1 0 0,-5 2-1 0 0,1 0 16 0 0,0 0 1 0 0,0 1-1 0 0,1-1 1 0 0,-1 1-1 0 0,1 1 1 0 0,0 0-1 0 0,0 0 1 0 0,0 0-1 0 0,-9 8 1 0 0,7-3-80 0 0,0 0 1 0 0,1 0 0 0 0,0 1-1 0 0,1 0 1 0 0,0 1 0 0 0,-9 18 0 0 0,-26 73 15 0 0,32-74-46 0 0,1-3 51 0 0,0 0 0 0 0,2 1 0 0 0,1 0 0 0 0,1 0 0 0 0,1 0 0 0 0,2 1 0 0 0,0-1 0 0 0,2 1 0 0 0,1 0 0 0 0,6 39 0 0 0,-3-47 34 0 0,0-1-1 0 0,1 0 0 0 0,1 0 1 0 0,0-1-1 0 0,2 0 1 0 0,11 21-1 0 0,-13-29-40 0 0,0 0 0 0 0,0-1 1 0 0,1 0-1 0 0,0 0 0 0 0,1 0 0 0 0,-1-1 0 0 0,1 0 1 0 0,1-1-1 0 0,-1 0 0 0 0,1 0 0 0 0,0-1 0 0 0,16 7 0 0 0,-12-7-4 0 0,0-1-1 0 0,0 0 0 0 0,0-1 0 0 0,0 0 0 0 0,0-1 0 0 0,1-1 1 0 0,-1 0-1 0 0,1-1 0 0 0,-1-1 0 0 0,0 0 0 0 0,1 0 0 0 0,-1-1 0 0 0,0-1 1 0 0,0 0-1 0 0,24-10 0 0 0,-25 8 21 0 0,-1-1 0 0 0,0 0 0 0 0,0 0 0 0 0,-1-1 0 0 0,0 0 0 0 0,0-1 0 0 0,-1 0 0 0 0,0-1 0 0 0,0 0 0 0 0,-1 0 0 0 0,7-11 0 0 0,12-21 111 0 0,-2-1 0 0 0,-3-2 0 0 0,30-76 0 0 0,-43 92 74 0 0,-1-1 0 0 0,-1 0-1 0 0,5-38 1 0 0,-10 44-16 0 0,-1 1-1 0 0,0 0 1 0 0,-2-1-1 0 0,-7-43 1 0 0,6 55-210 0 0,0 0 1 0 0,-2 0-1 0 0,1 1 1 0 0,-1-1 0 0 0,-1 1-1 0 0,0 0 1 0 0,0 1-1 0 0,-1-1 1 0 0,-8-9-1 0 0,8 12-4 0 0,0 0 0 0 0,-1 1-1 0 0,1-1 1 0 0,-2 1 0 0 0,1 1-1 0 0,-1 0 1 0 0,1 0-1 0 0,-1 0 1 0 0,-1 1 0 0 0,1 0-1 0 0,-11-3 1 0 0,3 2-115 0 0,1 2 0 0 0,-1-1 1 0 0,0 2-1 0 0,1 0 0 0 0,-1 1 0 0 0,-26 2 0 0 0,20 1-92 0 0,-1 1-1 0 0,1 0 1 0 0,-1 2-1 0 0,-21 8 1 0 0,40-12-18 0 0,1 1 0 0 0,-1-1 0 0 0,1 1 0 0 0,-1 0 0 0 0,-3 2-1 0 0,-5 8-3592 0 0</inkml:trace>
-</inkml:ink>
-</file>
-
-<file path=ppt/ink/ink102.xml><?xml version="1.0" encoding="utf-8"?>
-<inkml:ink xmlns:inkml="http://www.w3.org/2003/InkML">
-  <inkml:definitions>
-    <inkml:context xml:id="ctx0">
-      <inkml:inkSource xml:id="inkSrc0">
-        <inkml:traceFormat>
-          <inkml:channel name="X" type="integer" min="-2.14748E9" max="2.14748E9" units="cm"/>
-          <inkml:channel name="Y" type="integer" min="-2.14748E9" max="2.14748E9" units="cm"/>
-          <inkml:channel name="F" type="integer" max="32767" units="dev"/>
-          <inkml:channel name="OA" type="integer" max="360" units="deg"/>
-          <inkml:channel name="OE" type="integer" max="90" units="deg"/>
-        </inkml:traceFormat>
-        <inkml:channelProperties>
-          <inkml:channelProperty channel="X" name="resolution" value="1000" units="1/cm"/>
-          <inkml:channelProperty channel="Y" name="resolution" value="1000" units="1/cm"/>
-          <inkml:channelProperty channel="F" name="resolution" value="0" units="1/dev"/>
-          <inkml:channelProperty channel="OA" name="resolution" value="1000" units="1/deg"/>
-          <inkml:channelProperty channel="OE" name="resolution" value="1000" units="1/deg"/>
-        </inkml:channelProperties>
-      </inkml:inkSource>
-      <inkml:timestamp xml:id="ts0" timeString="2020-11-03T16:23:17.624"/>
-    </inkml:context>
-    <inkml:brush xml:id="br0">
-      <inkml:brushProperty name="width" value="0.05" units="cm"/>
-      <inkml:brushProperty name="height" value="0.05" units="cm"/>
-      <inkml:brushProperty name="color" value="#E71224"/>
-    </inkml:brush>
-  </inkml:definitions>
-  <inkml:trace contextRef="#ctx0" brushRef="#br0">1 111 6448 0 0,'0'0'6418'0'0,"6"-11"-2307"0"0,-2 5-3548 0 0,0 0 0 0 0,1 1 0 0 0,0-1-1 0 0,0 1 1 0 0,0 0 0 0 0,1 0 0 0 0,7-5 0 0 0,7-6 220 0 0,-16 12-614 0 0,1 0-1 0 0,0 1 1 0 0,0-1-1 0 0,1 1 1 0 0,-1 0-1 0 0,1 1 1 0 0,-1-1-1 0 0,1 1 1 0 0,0 0-1 0 0,0 0 1 0 0,0 1-1 0 0,0 0 0 0 0,8-1 1 0 0,-11 2-133 0 0,0 1-1 0 0,0-1 1 0 0,0 1 0 0 0,0-1 0 0 0,0 1-1 0 0,0 0 1 0 0,0 0 0 0 0,0 0-1 0 0,-1 1 1 0 0,1-1 0 0 0,0 1 0 0 0,-1-1-1 0 0,1 1 1 0 0,-1 0 0 0 0,0 0-1 0 0,1 0 1 0 0,-1 0 0 0 0,0 0 0 0 0,0 0-1 0 0,-1 1 1 0 0,1-1 0 0 0,1 4 0 0 0,3 5 72 0 0,0 0 1 0 0,-1 0 0 0 0,6 23 0 0 0,-9-30-111 0 0,-1 0 0 0 0,0 0 0 0 0,1 0 0 0 0,0 0 0 0 0,0-1 0 0 0,4 7 0 0 0,-5-9 3 0 0,0 0 1 0 0,0 0-1 0 0,0-1 1 0 0,-1 1-1 0 0,1 0 0 0 0,0 0 1 0 0,0-1-1 0 0,0 1 0 0 0,0-1 1 0 0,0 1-1 0 0,0-1 0 0 0,0 0 1 0 0,0 1-1 0 0,1-1 0 0 0,-1 0 1 0 0,0 1-1 0 0,0-1 1 0 0,0 0-1 0 0,0 0 0 0 0,0 0 1 0 0,0 0-1 0 0,1 0 0 0 0,-1-1 1 0 0,0 1-1 0 0,0 0 0 0 0,0 0 1 0 0,0-1-1 0 0,0 1 0 0 0,2-1 1 0 0,9-5 78 0 0,0-1 0 0 0,-1 0 0 0 0,0-1 1 0 0,11-9-1 0 0,14-9-758 0 0,-21 15-961 0 0,-1 0-4138 0 0,0-1-2060 0 0</inkml:trace>
-</inkml:ink>
-</file>
-
-<file path=ppt/ink/ink103.xml><?xml version="1.0" encoding="utf-8"?>
-<inkml:ink xmlns:inkml="http://www.w3.org/2003/InkML">
-  <inkml:definitions>
-    <inkml:context xml:id="ctx0">
-      <inkml:inkSource xml:id="inkSrc0">
-        <inkml:traceFormat>
-          <inkml:channel name="X" type="integer" min="-2.14748E9" max="2.14748E9" units="cm"/>
-          <inkml:channel name="Y" type="integer" min="-2.14748E9" max="2.14748E9" units="cm"/>
-          <inkml:channel name="F" type="integer" max="32767" units="dev"/>
-          <inkml:channel name="OA" type="integer" max="360" units="deg"/>
-          <inkml:channel name="OE" type="integer" max="90" units="deg"/>
-        </inkml:traceFormat>
-        <inkml:channelProperties>
-          <inkml:channelProperty channel="X" name="resolution" value="1000" units="1/cm"/>
-          <inkml:channelProperty channel="Y" name="resolution" value="1000" units="1/cm"/>
-          <inkml:channelProperty channel="F" name="resolution" value="0" units="1/dev"/>
-          <inkml:channelProperty channel="OA" name="resolution" value="1000" units="1/deg"/>
-          <inkml:channelProperty channel="OE" name="resolution" value="1000" units="1/deg"/>
-        </inkml:channelProperties>
-      </inkml:inkSource>
-      <inkml:timestamp xml:id="ts0" timeString="2020-11-03T16:23:18.391"/>
-    </inkml:context>
-    <inkml:brush xml:id="br0">
-      <inkml:brushProperty name="width" value="0.05" units="cm"/>
-      <inkml:brushProperty name="height" value="0.05" units="cm"/>
-      <inkml:brushProperty name="color" value="#E71224"/>
-    </inkml:brush>
-  </inkml:definitions>
-  <inkml:trace contextRef="#ctx0" brushRef="#br0">216 9 7832 0 0,'0'0'7813'0'0,"-1"-6"-5363"0"0,-1 6-2280 0 0,0-1-1 0 0,-1 1 1 0 0,1-1-1 0 0,0 1 1 0 0,-1 0-1 0 0,1 0 1 0 0,-1 0-1 0 0,1 0 0 0 0,0 1 1 0 0,-1-1-1 0 0,1 0 1 0 0,0 1-1 0 0,-1 0 1 0 0,1-1-1 0 0,0 1 0 0 0,0 0 1 0 0,0 0-1 0 0,-1 1 1 0 0,1-1-1 0 0,0 0 1 0 0,0 1-1 0 0,1-1 0 0 0,-3 3 1 0 0,-1 0-1 0 0,1 1 1 0 0,0-1-1 0 0,0 1 0 0 0,0 0 1 0 0,0 0-1 0 0,1 0 0 0 0,0 0 1 0 0,-4 10-1 0 0,-53 167 915 0 0,50-149-919 0 0,-2 5 80 0 0,1 1 0 0 0,2 0 0 0 0,2 0-1 0 0,-3 51 1 0 0,8-35-95 0 0,2 81 532 0 0,1-122-629 0 0,1 1 0 0 0,0-1 0 0 0,1 0 0 0 0,0 0 0 0 0,1 0 0 0 0,1-1 0 0 0,8 16 0 0 0,3-2-48 0 0,-15-25-7 0 0,0 0 0 0 0,1 0 0 0 0,-1-1 0 0 0,1 1-1 0 0,-1-1 1 0 0,1 1 0 0 0,0-1 0 0 0,-1 1 0 0 0,1-1-1 0 0,0 0 1 0 0,2 1 0 0 0,-3-2-36 0 0,0 0 0 0 0,-1 0 0 0 0,1 0 0 0 0,0 0 0 0 0,0 0 0 0 0,-1 0 0 0 0,1 0 0 0 0,0 0 0 0 0,-1 0 0 0 0,1-1 0 0 0,0 1-1 0 0,0 0 1 0 0,-1 0 0 0 0,1-1 0 0 0,-1 1 0 0 0,1-1 0 0 0,0 1 0 0 0,-1 0 0 0 0,1-1 0 0 0,-1 1 0 0 0,1-1 0 0 0,-1 1 0 0 0,1-1 0 0 0,-1 0 0 0 0,1 1 0 0 0,-1-1 0 0 0,0 1 0 0 0,1-1 0 0 0,-1 0 0 0 0,9-20-4102 0 0,-4 7-4013 0 0</inkml:trace>
-</inkml:ink>
-</file>
-
-<file path=ppt/ink/ink104.xml><?xml version="1.0" encoding="utf-8"?>
-<inkml:ink xmlns:inkml="http://www.w3.org/2003/InkML">
-  <inkml:definitions>
-    <inkml:context xml:id="ctx0">
-      <inkml:inkSource xml:id="inkSrc0">
-        <inkml:traceFormat>
-          <inkml:channel name="X" type="integer" min="-2.14748E9" max="2.14748E9" units="cm"/>
-          <inkml:channel name="Y" type="integer" min="-2.14748E9" max="2.14748E9" units="cm"/>
-          <inkml:channel name="F" type="integer" max="32767" units="dev"/>
-          <inkml:channel name="OA" type="integer" max="360" units="deg"/>
-          <inkml:channel name="OE" type="integer" max="90" units="deg"/>
-        </inkml:traceFormat>
-        <inkml:channelProperties>
-          <inkml:channelProperty channel="X" name="resolution" value="1000" units="1/cm"/>
-          <inkml:channelProperty channel="Y" name="resolution" value="1000" units="1/cm"/>
-          <inkml:channelProperty channel="F" name="resolution" value="0" units="1/dev"/>
-          <inkml:channelProperty channel="OA" name="resolution" value="1000" units="1/deg"/>
-          <inkml:channelProperty channel="OE" name="resolution" value="1000" units="1/deg"/>
-        </inkml:channelProperties>
-      </inkml:inkSource>
-      <inkml:timestamp xml:id="ts0" timeString="2020-11-03T16:23:19.121"/>
-    </inkml:context>
-    <inkml:brush xml:id="br0">
-      <inkml:brushProperty name="width" value="0.05" units="cm"/>
-      <inkml:brushProperty name="height" value="0.05" units="cm"/>
-      <inkml:brushProperty name="color" value="#E71224"/>
-    </inkml:brush>
-  </inkml:definitions>
-  <inkml:trace contextRef="#ctx0" brushRef="#br0">11 247 7168 0 0,'0'0'652'0'0,"-1"0"-540"0"0,-2 1-23 0 0,2 0 311 0 0,0 0-10 0 0,0 0-1 0 0,1 0 1 0 0,-1 0-1 0 0,1 0 1 0 0,-1 1-1 0 0,1-1 1 0 0,-1 0-1 0 0,1 0 1 0 0,0 1 0 0 0,-1-1-1 0 0,1 0 1 0 0,0 0-1 0 0,0 1 1 0 0,0-1-1 0 0,0 0 1 0 0,0 1-1 0 0,1 1 1 0 0,-1-2-186 0 0,0 0 0 0 0,0 0 0 0 0,0-1 0 0 0,1 1 0 0 0,-1 0 1 0 0,0-1-1 0 0,0 1 0 0 0,1 0 0 0 0,-1-1 0 0 0,1 1 0 0 0,-1 0 0 0 0,0-1 0 0 0,1 1 0 0 0,-1-1 1 0 0,1 1-1 0 0,0-1 0 0 0,-1 1 0 0 0,4 1 3279 0 0,9-10-2692 0 0,-10 4-643 0 0,0 0 0 0 0,0 0 0 0 0,-1 0 0 0 0,1 0 1 0 0,-1-1-1 0 0,0 1 0 0 0,0-1 0 0 0,0 1 0 0 0,-1-1 1 0 0,2-7-1 0 0,7-20 424 0 0,1 3-572 0 0,4-8 0 0 0,1 8 316 0 0,31-54 1304 0 0,-47 82-1620 0 0,0 1 1 0 0,1 0-1 0 0,-1 0 0 0 0,0-1 0 0 0,0 1 0 0 0,0 0 1 0 0,0 0-1 0 0,0-1 0 0 0,0 1 0 0 0,1 0 0 0 0,-1 0 0 0 0,0 0 1 0 0,0 0-1 0 0,0-1 0 0 0,1 1 0 0 0,-1 0 0 0 0,0 0 1 0 0,0 0-1 0 0,0 0 0 0 0,1 0 0 0 0,-1-1 0 0 0,0 1 1 0 0,0 0-1 0 0,1 0 0 0 0,-1 0 0 0 0,0 0 0 0 0,0 0 1 0 0,1 0-1 0 0,-1 0 0 0 0,0 0 0 0 0,1 0 0 0 0,-1 0 0 0 0,0 0 1 0 0,5 9 14 0 0,-1 20 16 0 0,-4-22-28 0 0,6 34-3 0 0,14 56 0 0 0,-14-78 0 0 0,0-1 0 0 0,0 0 0 0 0,2-1 0 0 0,0 1 0 0 0,15 21 0 0 0,-20-35-1 0 0,0 1 0 0 0,1 0 0 0 0,0-1 0 0 0,0 0 0 0 0,0 0 0 0 0,0 0 0 0 0,1-1 0 0 0,7 6-1 0 0,-11-9 6 0 0,1 1 0 0 0,-1 0 0 0 0,1 0 0 0 0,0-1 0 0 0,-1 1 0 0 0,1-1 0 0 0,0 1 0 0 0,0-1 0 0 0,-1 0 0 0 0,1 0 0 0 0,0 1 0 0 0,0-1 0 0 0,0 0-1 0 0,-1-1 1 0 0,1 1 0 0 0,0 0 0 0 0,0-1 0 0 0,-1 1 0 0 0,1-1 0 0 0,0 1 0 0 0,-1-1 0 0 0,1 0 0 0 0,0 1 0 0 0,-1-1 0 0 0,1 0 0 0 0,-1 0-1 0 0,1 0 1 0 0,-1-1 0 0 0,0 1 0 0 0,3-3 0 0 0,1-1 23 0 0,-1-1 0 0 0,0 1 0 0 0,0-1 0 0 0,0 0 0 0 0,-1-1 0 0 0,0 1-1 0 0,0 0 1 0 0,3-14 0 0 0,0-4 67 0 0,3-30-1 0 0,-4 18-94 0 0,0 10 31 0 0,0-50 0 0 0,-6 69-224 0 0,0 0 0 0 0,0 0 0 0 0,0 1 0 0 0,-5-12 0 0 0,0-4-2164 0 0,5 20 744 0 0</inkml:trace>
-</inkml:ink>
-</file>
-
-<file path=ppt/ink/ink105.xml><?xml version="1.0" encoding="utf-8"?>
-<inkml:ink xmlns:inkml="http://www.w3.org/2003/InkML">
-  <inkml:definitions>
-    <inkml:context xml:id="ctx0">
-      <inkml:inkSource xml:id="inkSrc0">
-        <inkml:traceFormat>
-          <inkml:channel name="X" type="integer" min="-2.14748E9" max="2.14748E9" units="cm"/>
-          <inkml:channel name="Y" type="integer" min="-2.14748E9" max="2.14748E9" units="cm"/>
-          <inkml:channel name="F" type="integer" max="32767" units="dev"/>
-          <inkml:channel name="OA" type="integer" max="360" units="deg"/>
-          <inkml:channel name="OE" type="integer" max="90" units="deg"/>
-        </inkml:traceFormat>
-        <inkml:channelProperties>
-          <inkml:channelProperty channel="X" name="resolution" value="1000" units="1/cm"/>
-          <inkml:channelProperty channel="Y" name="resolution" value="1000" units="1/cm"/>
-          <inkml:channelProperty channel="F" name="resolution" value="0" units="1/dev"/>
-          <inkml:channelProperty channel="OA" name="resolution" value="1000" units="1/deg"/>
-          <inkml:channelProperty channel="OE" name="resolution" value="1000" units="1/deg"/>
-        </inkml:channelProperties>
-      </inkml:inkSource>
-      <inkml:timestamp xml:id="ts0" timeString="2020-11-03T16:23:19.637"/>
-    </inkml:context>
-    <inkml:brush xml:id="br0">
-      <inkml:brushProperty name="width" value="0.05" units="cm"/>
-      <inkml:brushProperty name="height" value="0.05" units="cm"/>
-      <inkml:brushProperty name="color" value="#E71224"/>
-    </inkml:brush>
-  </inkml:definitions>
-  <inkml:trace contextRef="#ctx0" brushRef="#br0">4 56 2760 0 0,'-3'-15'604'0'0,"3"-1"11723"0"0,0 9-10668 0 0,22-6 1629 0 0,-20 13-3170 0 0,-1-1 0 0 0,1 0 0 0 0,-1 1 0 0 0,1-1 0 0 0,0 1 0 0 0,-1-1 0 0 0,1 1-1 0 0,0 0 1 0 0,0 0 0 0 0,-1 0 0 0 0,1 0 0 0 0,0 0 0 0 0,-1 0 0 0 0,1 0 0 0 0,0 0 0 0 0,0 1 0 0 0,-1-1 0 0 0,1 1 0 0 0,-1-1 0 0 0,4 2 0 0 0,-4 0-47 0 0,1-1 0 0 0,-1 0 0 0 0,1 1 1 0 0,-1 0-1 0 0,0-1 0 0 0,1 1 1 0 0,-1 0-1 0 0,0-1 0 0 0,0 1 0 0 0,0 0 1 0 0,0 0-1 0 0,-1 0 0 0 0,1 0 0 0 0,0 3 1 0 0,1 5 28 0 0,-1 1 0 0 0,0-1-1 0 0,0 0 1 0 0,-1 0 0 0 0,-2 14 0 0 0,1-17 39 0 0,1 0 0 0 0,0-1 0 0 0,0 1 0 0 0,0 0 0 0 0,1 0 0 0 0,1 7 0 0 0,-2-13-118 0 0,1 1 0 0 0,-1-1 1 0 0,1 1-1 0 0,-1-1 0 0 0,1 0 1 0 0,0 1-1 0 0,0-1 1 0 0,0 1-1 0 0,0-1 0 0 0,0 0 1 0 0,0 0-1 0 0,0 0 0 0 0,0 0 1 0 0,0 0-1 0 0,0 0 0 0 0,1 0 1 0 0,-1 0-1 0 0,0 0 1 0 0,1 0-1 0 0,-1-1 0 0 0,1 1 1 0 0,-1 0-1 0 0,1-1 0 0 0,-1 1 1 0 0,1-1-1 0 0,-1 0 0 0 0,1 0 1 0 0,0 1-1 0 0,-1-1 0 0 0,1 0 1 0 0,1-1-1 0 0,6 1 50 0 0,0 0 1 0 0,0-1-1 0 0,0 0 0 0 0,0-1 0 0 0,15-5 1 0 0,-19 6-215 0 0,-1-1 0 0 0,0 0 0 0 0,0 0 0 0 0,0-1 1 0 0,6-4-1 0 0,-7 5-358 0 0,-1 0 1 0 0,0 0 0 0 0,0 0-1 0 0,0-1 1 0 0,0 1-1 0 0,0-1 1 0 0,0 1 0 0 0,-1-1-1 0 0,2-4 1 0 0,0-1-1387 0 0</inkml:trace>
-</inkml:ink>
-</file>
-
-<file path=ppt/ink/ink106.xml><?xml version="1.0" encoding="utf-8"?>
-<inkml:ink xmlns:inkml="http://www.w3.org/2003/InkML">
-  <inkml:definitions>
-    <inkml:context xml:id="ctx0">
-      <inkml:inkSource xml:id="inkSrc0">
-        <inkml:traceFormat>
-          <inkml:channel name="X" type="integer" min="-2.14748E9" max="2.14748E9" units="cm"/>
-          <inkml:channel name="Y" type="integer" min="-2.14748E9" max="2.14748E9" units="cm"/>
-          <inkml:channel name="F" type="integer" max="32767" units="dev"/>
-          <inkml:channel name="OA" type="integer" max="360" units="deg"/>
-          <inkml:channel name="OE" type="integer" max="90" units="deg"/>
-        </inkml:traceFormat>
-        <inkml:channelProperties>
-          <inkml:channelProperty channel="X" name="resolution" value="1000" units="1/cm"/>
-          <inkml:channelProperty channel="Y" name="resolution" value="1000" units="1/cm"/>
-          <inkml:channelProperty channel="F" name="resolution" value="0" units="1/dev"/>
-          <inkml:channelProperty channel="OA" name="resolution" value="1000" units="1/deg"/>
-          <inkml:channelProperty channel="OE" name="resolution" value="1000" units="1/deg"/>
-        </inkml:channelProperties>
-      </inkml:inkSource>
-      <inkml:timestamp xml:id="ts0" timeString="2020-11-03T16:23:19.974"/>
-    </inkml:context>
-    <inkml:brush xml:id="br0">
-      <inkml:brushProperty name="width" value="0.05" units="cm"/>
-      <inkml:brushProperty name="height" value="0.05" units="cm"/>
-      <inkml:brushProperty name="color" value="#E71224"/>
-    </inkml:brush>
-  </inkml:definitions>
-  <inkml:trace contextRef="#ctx0" brushRef="#br0">1 0 15608 0 0,'0'0'1409'0'0,"11"9"-1032"0"0,-1-2 492 0 0,0 1 0 0 0,-1 0 0 0 0,0 0-1 0 0,0 1 1 0 0,9 13 0 0 0,-10-10-538 0 0,0 0-1 0 0,-1 0 0 0 0,0 1 1 0 0,7 19-1 0 0,-4-2-61 0 0,-1 0 0 0 0,-1 1 0 0 0,-2 0 0 0 0,0 0 0 0 0,0 44 0 0 0,-5-35-128 0 0,-3 0 1 0 0,0-1 0 0 0,-17 75-1 0 0,16-96-50 0 0,-2-1 1 0 0,0 1-1 0 0,-15 32 0 0 0,18-46-300 0 0,0 0-1 0 0,0 0 1 0 0,-1 0-1 0 0,0 0 0 0 0,0 0 1 0 0,0 0-1 0 0,0 0 1 0 0,0-1-1 0 0,-1 0 1 0 0,1 0-1 0 0,-1 0 0 0 0,0 0 1 0 0,0 0-1 0 0,0-1 1 0 0,-1 0-1 0 0,1 0 1 0 0,0 0-1 0 0,-1 0 0 0 0,1-1 1 0 0,-7 2-1 0 0,-9-1-7977 0 0</inkml:trace>
-</inkml:ink>
-</file>
-
-<file path=ppt/ink/ink107.xml><?xml version="1.0" encoding="utf-8"?>
-<inkml:ink xmlns:inkml="http://www.w3.org/2003/InkML">
-  <inkml:definitions>
-    <inkml:context xml:id="ctx0">
-      <inkml:inkSource xml:id="inkSrc0">
-        <inkml:traceFormat>
-          <inkml:channel name="X" type="integer" min="-2.14748E9" max="2.14748E9" units="cm"/>
-          <inkml:channel name="Y" type="integer" min="-2.14748E9" max="2.14748E9" units="cm"/>
-          <inkml:channel name="F" type="integer" max="32767" units="dev"/>
-          <inkml:channel name="OA" type="integer" max="360" units="deg"/>
-          <inkml:channel name="OE" type="integer" max="90" units="deg"/>
-        </inkml:traceFormat>
-        <inkml:channelProperties>
-          <inkml:channelProperty channel="X" name="resolution" value="1000" units="1/cm"/>
-          <inkml:channelProperty channel="Y" name="resolution" value="1000" units="1/cm"/>
-          <inkml:channelProperty channel="F" name="resolution" value="0" units="1/dev"/>
-          <inkml:channelProperty channel="OA" name="resolution" value="1000" units="1/deg"/>
-          <inkml:channelProperty channel="OE" name="resolution" value="1000" units="1/deg"/>
-        </inkml:channelProperties>
-      </inkml:inkSource>
-      <inkml:timestamp xml:id="ts0" timeString="2020-11-03T16:23:21.210"/>
-    </inkml:context>
-    <inkml:brush xml:id="br0">
-      <inkml:brushProperty name="width" value="0.05" units="cm"/>
-      <inkml:brushProperty name="height" value="0.05" units="cm"/>
-      <inkml:brushProperty name="color" value="#E71224"/>
-    </inkml:brush>
-  </inkml:definitions>
-  <inkml:trace contextRef="#ctx0" brushRef="#br0">12 23 13072 0 0,'0'0'297'0'0,"0"-3"506"0"0,0 1-1 0 0,0-1 1 0 0,1 0-1 0 0,-1 1 1 0 0,1-1 0 0 0,0-3-1 0 0,1 6-698 0 0,-1 0 0 0 0,1 0-1 0 0,-1 1 1 0 0,0-1 0 0 0,1 0-1 0 0,-1 1 1 0 0,0-1-1 0 0,1 1 1 0 0,-1 0 0 0 0,0-1-1 0 0,0 1 1 0 0,0 0 0 0 0,0 0-1 0 0,0 0 1 0 0,0 0-1 0 0,0 0 1 0 0,0 0 0 0 0,1 1-1 0 0,16 25 222 0 0,-11-14-127 0 0,-1-3 2 0 0,-1 0 0 0 0,-1 1 1 0 0,1-1-1 0 0,-2 1 0 0 0,5 20 0 0 0,6 19 225 0 0,-5-11-19 0 0,-8-39-406 0 0,-1 0 0 0 0,0 0 0 0 0,0 0 0 0 0,0 0 0 0 0,0 1 0 0 0,0-1 0 0 0,0 0 0 0 0,1 0 0 0 0,-1 0 0 0 0,0 1 0 0 0,0-1 0 0 0,0 0 0 0 0,0 0 0 0 0,0 0 0 0 0,0 1 0 0 0,0-1 0 0 0,0 0 0 0 0,0 0 0 0 0,0 1 0 0 0,0-1 0 0 0,0 0 0 0 0,0 0 0 0 0,0 0 0 0 0,0 1 0 0 0,0-1 0 0 0,0 0 0 0 0,0 0 0 0 0,-1 0 0 0 0,1 1 0 0 0,0-1 0 0 0,0 0 0 0 0,0 0 0 0 0,0 0 0 0 0,0 0 0 0 0,0 1 0 0 0,-1-1 0 0 0,1 0 0 0 0,0 0 0 0 0,0 0 0 0 0,0 0 0 0 0,0 0 0 0 0,-1 1 0 0 0,1-1 0 0 0,0 0 0 0 0,0 0 0 0 0,0 0 0 0 0,-1 0 0 0 0,1 0 0 0 0,0 0 0 0 0,0 0 0 0 0,0 0 0 0 0,-1 0 0 0 0,1 0 0 0 0,0 0 0 0 0,0 0 0 0 0,0 0 0 0 0,-1 0 0 0 0,1 0 0 0 0,0 0 0 0 0,0 0 0 0 0,0 0 0 0 0,-1 0 0 0 0,-8-3 0 0 0,5 1 0 0 0,0-1 0 0 0,1 1 0 0 0,-1-1 0 0 0,0 0 0 0 0,1 0 0 0 0,0 0 0 0 0,-4-6 0 0 0,-1 1 0 0 0,-24-30 0 0 0,29 35 0 0 0,3 2 2 0 0,0 0 0 0 0,0 0 0 0 0,0 1 0 0 0,0-1 1 0 0,0 0-1 0 0,1 1 0 0 0,-1-1 0 0 0,0 0 0 0 0,0 1 0 0 0,0-1 0 0 0,1 0 0 0 0,-1 1 0 0 0,0-1 0 0 0,0 1 0 0 0,1-1 0 0 0,-1 0 0 0 0,1 1 0 0 0,-1-1 0 0 0,0 1 0 0 0,1-1 0 0 0,-1 1 0 0 0,1-1 0 0 0,-1 1 0 0 0,1-1 0 0 0,0 1 0 0 0,-1 0 0 0 0,1-1 1 0 0,-1 1-1 0 0,2 0 0 0 0,1-2 151 0 0,0 1 0 0 0,0 0 0 0 0,1 0 0 0 0,-1 0 0 0 0,1 0 0 0 0,-1 0 1 0 0,0 1-1 0 0,1 0 0 0 0,-1 0 0 0 0,1 0 0 0 0,3 0 0 0 0,-2 1-129 0 0,0-1-1 0 0,1 1 1 0 0,-1 0-1 0 0,0 0 1 0 0,0 1 0 0 0,7 2-1 0 0,-11-3-23 0 0,0-1 0 0 0,0 1 0 0 0,0-1 0 0 0,0 1 0 0 0,0 0 0 0 0,0-1 0 0 0,0 1 0 0 0,0 0 0 0 0,0 0 0 0 0,0-1 0 0 0,0 1 0 0 0,0 0 0 0 0,0 0 0 0 0,-1 0 0 0 0,1 0 0 0 0,0 0 0 0 0,-1 0 0 0 0,1 1 0 0 0,-1-1 0 0 0,1 0 0 0 0,-1 0 0 0 0,1 0 0 0 0,-1 1 0 0 0,0 1 0 0 0,0-1 0 0 0,0 0 0 0 0,-1 0 0 0 0,1 0 0 0 0,-1 0 0 0 0,0 0 0 0 0,0 0 0 0 0,1 0 0 0 0,-1 0 0 0 0,-1 0 0 0 0,1 0 0 0 0,0 0 0 0 0,-3 2 0 0 0,0 1 0 0 0,0-1 0 0 0,0 0 1 0 0,-1 0-1 0 0,0 0 0 0 0,1 0 0 0 0,-2-1 0 0 0,1 0 0 0 0,-11 5 0 0 0,7-4-2 0 0,-1-1-1 0 0,1 0 0 0 0,-1 0 1 0 0,-17 2-1 0 0,12-5-57 0 0,39-11 60 0 0,2 2-231 0 0,42-10 0 0 0,-28 14-7347 0 0,-25 3 59 0 0</inkml:trace>
-</inkml:ink>
-</file>
-
-<file path=ppt/ink/ink108.xml><?xml version="1.0" encoding="utf-8"?>
-<inkml:ink xmlns:inkml="http://www.w3.org/2003/InkML">
-  <inkml:definitions>
-    <inkml:context xml:id="ctx0">
-      <inkml:inkSource xml:id="inkSrc0">
-        <inkml:traceFormat>
-          <inkml:channel name="X" type="integer" min="-2.14748E9" max="2.14748E9" units="cm"/>
-          <inkml:channel name="Y" type="integer" min="-2.14748E9" max="2.14748E9" units="cm"/>
-          <inkml:channel name="F" type="integer" max="32767" units="dev"/>
-          <inkml:channel name="OA" type="integer" max="360" units="deg"/>
-          <inkml:channel name="OE" type="integer" max="90" units="deg"/>
-        </inkml:traceFormat>
-        <inkml:channelProperties>
-          <inkml:channelProperty channel="X" name="resolution" value="1000" units="1/cm"/>
-          <inkml:channelProperty channel="Y" name="resolution" value="1000" units="1/cm"/>
-          <inkml:channelProperty channel="F" name="resolution" value="0" units="1/dev"/>
-          <inkml:channelProperty channel="OA" name="resolution" value="1000" units="1/deg"/>
-          <inkml:channelProperty channel="OE" name="resolution" value="1000" units="1/deg"/>
-        </inkml:channelProperties>
-      </inkml:inkSource>
-      <inkml:timestamp xml:id="ts0" timeString="2020-11-03T16:23:21.874"/>
-    </inkml:context>
-    <inkml:brush xml:id="br0">
-      <inkml:brushProperty name="width" value="0.05" units="cm"/>
-      <inkml:brushProperty name="height" value="0.05" units="cm"/>
-      <inkml:brushProperty name="color" value="#E71224"/>
-    </inkml:brush>
-  </inkml:definitions>
-  <inkml:trace contextRef="#ctx0" brushRef="#br0">168 21 3680 0 0,'0'0'11'0'0,"0"0"1"0"0,0 0-1 0 0,0 0 0 0 0,0 0 1 0 0,0 0-1 0 0,1 0 0 0 0,-1 0 1 0 0,0 0-1 0 0,0 0 0 0 0,0 0 1 0 0,0 0-1 0 0,0 0 1 0 0,0 0-1 0 0,0 0 0 0 0,0 0 1 0 0,0-1-1 0 0,1 1 0 0 0,-1 0 1 0 0,0 0-1 0 0,0 0 0 0 0,0 0 1 0 0,0 0-1 0 0,0 0 0 0 0,0 0 1 0 0,0 0-1 0 0,0 0 1 0 0,0 0-1 0 0,0 0 0 0 0,0 0 1 0 0,0-1-1 0 0,0 1 0 0 0,0 0 1 0 0,0 0-1 0 0,0 0 0 0 0,1 0 1 0 0,-1 0-1 0 0,0 0 0 0 0,0 0 1 0 0,0 0-1 0 0,0 0 0 0 0,0-1 1 0 0,0 1-1 0 0,0 0 1 0 0,0 0-1 0 0,-1 0 0 0 0,-1-7 2847 0 0,-7-3 5218 0 0,-2 12-6892 0 0,6 0-1048 0 0,1 0 0 0 0,0 0 1 0 0,0 0-1 0 0,0 0 1 0 0,0 1-1 0 0,0-1 1 0 0,1 1-1 0 0,-1 0 1 0 0,1 0-1 0 0,0 1 1 0 0,-4 3-1 0 0,-3 7 191 0 0,-14 25 0 0 0,9-14-135 0 0,5-11-67 0 0,1 2 0 0 0,-8 20 0 0 0,14-30-66 0 0,1 0 0 0 0,0 0 0 0 0,0 1 0 0 0,1-1 0 0 0,-1 1 0 0 0,1 0 0 0 0,1-1 1 0 0,0 1-1 0 0,0 7 0 0 0,0-12 2 0 0,1 0 0 0 0,-1 0 0 0 0,1 0 0 0 0,0-1 1 0 0,-1 1-1 0 0,1 0 0 0 0,0 0 0 0 0,0-1 0 0 0,0 1 1 0 0,0 0-1 0 0,0-1 0 0 0,1 1 0 0 0,-1-1 0 0 0,0 0 1 0 0,1 1-1 0 0,-1-1 0 0 0,1 0 0 0 0,-1 0 0 0 0,1 0 0 0 0,0 0 1 0 0,0 0-1 0 0,-1 0 0 0 0,1-1 0 0 0,2 2 0 0 0,-2-2 25 0 0,0 1 0 0 0,1 0-1 0 0,-1-1 1 0 0,0 1-1 0 0,1-1 1 0 0,-1 0-1 0 0,0 0 1 0 0,1 0 0 0 0,-1 0-1 0 0,0 0 1 0 0,1 0-1 0 0,-1-1 1 0 0,0 1 0 0 0,1-1-1 0 0,-1 1 1 0 0,0-1-1 0 0,0 0 1 0 0,0 0-1 0 0,4-2 1 0 0,2-3 96 0 0,-1-1-1 0 0,1 0 1 0 0,-1 0-1 0 0,0-1 1 0 0,-1 0-1 0 0,10-15 1 0 0,-1-2 71 0 0,10-28 0 0 0,-13 26 7 0 0,-7 19 27 0 0,-1-1 0 0 0,1 1 0 0 0,0 0 0 0 0,1 1-1 0 0,0-1 1 0 0,9-8 0 0 0,-15 16-277 0 0,0 0 0 0 0,0 0 1 0 0,1 0-1 0 0,-1 0 0 0 0,0 0 0 0 0,0 0 0 0 0,0 0 0 0 0,1 0 0 0 0,-1 0 0 0 0,0 0 0 0 0,0 0 0 0 0,0 0 1 0 0,1 0-1 0 0,-1 0 0 0 0,0 0 0 0 0,0 1 0 0 0,0-1 0 0 0,0 0 0 0 0,1 0 0 0 0,-1 0 0 0 0,0 0 1 0 0,0 0-1 0 0,0 1 0 0 0,0-1 0 0 0,0 0 0 0 0,0 0 0 0 0,1 0 0 0 0,-1 0 0 0 0,0 1 0 0 0,0-1 1 0 0,0 0-1 0 0,0 0 0 0 0,0 0 0 0 0,0 0 0 0 0,0 1 0 0 0,0-1 0 0 0,0 0 0 0 0,0 0 0 0 0,0 0 1 0 0,0 1-1 0 0,0-1 0 0 0,0 0 0 0 0,2 9 91 0 0,5 51-637 0 0,-3 86-1 0 0,-4-144-186 0 0</inkml:trace>
-</inkml:ink>
-</file>
-
-<file path=ppt/ink/ink109.xml><?xml version="1.0" encoding="utf-8"?>
-<inkml:ink xmlns:inkml="http://www.w3.org/2003/InkML">
-  <inkml:definitions>
-    <inkml:context xml:id="ctx0">
-      <inkml:inkSource xml:id="inkSrc0">
-        <inkml:traceFormat>
-          <inkml:channel name="X" type="integer" min="-2.14748E9" max="2.14748E9" units="cm"/>
-          <inkml:channel name="Y" type="integer" min="-2.14748E9" max="2.14748E9" units="cm"/>
-          <inkml:channel name="F" type="integer" max="32767" units="dev"/>
-          <inkml:channel name="OA" type="integer" max="360" units="deg"/>
-          <inkml:channel name="OE" type="integer" max="90" units="deg"/>
-        </inkml:traceFormat>
-        <inkml:channelProperties>
-          <inkml:channelProperty channel="X" name="resolution" value="1000" units="1/cm"/>
-          <inkml:channelProperty channel="Y" name="resolution" value="1000" units="1/cm"/>
-          <inkml:channelProperty channel="F" name="resolution" value="0" units="1/dev"/>
-          <inkml:channelProperty channel="OA" name="resolution" value="1000" units="1/deg"/>
-          <inkml:channelProperty channel="OE" name="resolution" value="1000" units="1/deg"/>
-        </inkml:channelProperties>
-      </inkml:inkSource>
-      <inkml:timestamp xml:id="ts0" timeString="2020-11-03T16:23:22.211"/>
-    </inkml:context>
-    <inkml:brush xml:id="br0">
-      <inkml:brushProperty name="width" value="0.05" units="cm"/>
-      <inkml:brushProperty name="height" value="0.05" units="cm"/>
-      <inkml:brushProperty name="color" value="#E71224"/>
-    </inkml:brush>
-  </inkml:definitions>
-  <inkml:trace contextRef="#ctx0" brushRef="#br0">7 63 15752 0 0,'-3'16'719'0'0,"1"1"0"0"0,1 0 0 0 0,1-1 0 0 0,0 1 0 0 0,1 0 0 0 0,0-1 0 0 0,2 1 0 0 0,0-1 0 0 0,8 26 0 0 0,-10-39-580 0 0,1 0 0 0 0,-1-1 0 0 0,0 1 0 0 0,0-1 0 0 0,1 1 0 0 0,0-1 0 0 0,-1 0 0 0 0,1 1-1 0 0,0-1 1 0 0,4 3 0 0 0,-5-4-94 0 0,0-1-1 0 0,0 1 1 0 0,0 0 0 0 0,0-1-1 0 0,0 1 1 0 0,0-1-1 0 0,0 1 1 0 0,0-1-1 0 0,0 0 1 0 0,0 1-1 0 0,0-1 1 0 0,1 0 0 0 0,-1 0-1 0 0,0 0 1 0 0,0 0-1 0 0,0 0 1 0 0,0 0-1 0 0,1 0 1 0 0,-1 0-1 0 0,0 0 1 0 0,0-1 0 0 0,0 1-1 0 0,0 0 1 0 0,0-1-1 0 0,0 1 1 0 0,0-1-1 0 0,2 0 1 0 0,0-1 18 0 0,-1 0 1 0 0,1 0 0 0 0,-1 0-1 0 0,0 0 1 0 0,1 0-1 0 0,-1-1 1 0 0,0 1 0 0 0,0-1-1 0 0,-1 1 1 0 0,1-1-1 0 0,0 0 1 0 0,1-6-1 0 0,0 0 64 0 0,0 0-1 0 0,3-19 0 0 0,2-12-58 0 0,1 12-90 0 0,14-39 182 0 0,-19 58-480 0 0,0 0 0 0 0,0 0 0 0 0,1 1 1 0 0,12-17-1 0 0,-16 25 115 0 0,-1-1 0 0 0,1 0 0 0 0,0 1 1 0 0,0-1-1 0 0,-1 0 0 0 0,1 1 0 0 0,0-1 0 0 0,0 1 0 0 0,0 0 0 0 0,0-1 1 0 0,-1 1-1 0 0,1 0 0 0 0,0-1 0 0 0,0 1 0 0 0,0 0 0 0 0,0 0 1 0 0,0 0-1 0 0,0 0 0 0 0,0 0 0 0 0,0 0 0 0 0,2 0 0 0 0,-1 0-703 0 0</inkml:trace>
-</inkml:ink>
-</file>
-
-<file path=ppt/ink/ink11.xml><?xml version="1.0" encoding="utf-8"?>
+<file path=ppt/ink/ink27.xml><?xml version="1.0" encoding="utf-8"?>
 <inkml:ink xmlns:inkml="http://www.w3.org/2003/InkML">
   <inkml:definitions>
     <inkml:context xml:id="ctx0">
@@ -564,327 +2164,7 @@
 </inkml:ink>
 </file>
 
-<file path=ppt/ink/ink110.xml><?xml version="1.0" encoding="utf-8"?>
-<inkml:ink xmlns:inkml="http://www.w3.org/2003/InkML">
-  <inkml:definitions>
-    <inkml:context xml:id="ctx0">
-      <inkml:inkSource xml:id="inkSrc0">
-        <inkml:traceFormat>
-          <inkml:channel name="X" type="integer" min="-2.14748E9" max="2.14748E9" units="cm"/>
-          <inkml:channel name="Y" type="integer" min="-2.14748E9" max="2.14748E9" units="cm"/>
-          <inkml:channel name="F" type="integer" max="32767" units="dev"/>
-          <inkml:channel name="OA" type="integer" max="360" units="deg"/>
-          <inkml:channel name="OE" type="integer" max="90" units="deg"/>
-        </inkml:traceFormat>
-        <inkml:channelProperties>
-          <inkml:channelProperty channel="X" name="resolution" value="1000" units="1/cm"/>
-          <inkml:channelProperty channel="Y" name="resolution" value="1000" units="1/cm"/>
-          <inkml:channelProperty channel="F" name="resolution" value="0" units="1/dev"/>
-          <inkml:channelProperty channel="OA" name="resolution" value="1000" units="1/deg"/>
-          <inkml:channelProperty channel="OE" name="resolution" value="1000" units="1/deg"/>
-        </inkml:channelProperties>
-      </inkml:inkSource>
-      <inkml:timestamp xml:id="ts0" timeString="2020-11-03T16:23:22.544"/>
-    </inkml:context>
-    <inkml:brush xml:id="br0">
-      <inkml:brushProperty name="width" value="0.05" units="cm"/>
-      <inkml:brushProperty name="height" value="0.05" units="cm"/>
-      <inkml:brushProperty name="color" value="#E71224"/>
-    </inkml:brush>
-  </inkml:definitions>
-  <inkml:trace contextRef="#ctx0" brushRef="#br0">107 15 9216 0 0,'0'0'706'0'0,"-13"-14"6726"0"0,12 14-7237 0 0,-1-1 0 0 0,1 1 0 0 0,0 0 0 0 0,0 0 0 0 0,-1 1 0 0 0,1-1 0 0 0,0 0 0 0 0,0 0 0 0 0,-1 1 0 0 0,1-1 0 0 0,0 0 0 0 0,0 1 0 0 0,0-1 0 0 0,-2 2 0 0 0,-4 1 515 0 0,5-2-605 0 0,-1 0 0 0 0,1 1 0 0 0,-1-1 0 0 0,1 1 0 0 0,0-1 0 0 0,-1 1 0 0 0,1 0 0 0 0,0 0 0 0 0,0 0 0 0 0,1 0 0 0 0,-1 0 0 0 0,0 0 0 0 0,1 1 0 0 0,-1-1 0 0 0,1 0 0 0 0,0 1 0 0 0,-2 4 0 0 0,-3 7 118 0 0,-6 30 0 0 0,8-32-101 0 0,2-1 1 0 0,-1 0-1 0 0,2 1 1 0 0,-1-1 0 0 0,1 0-1 0 0,1 14 1 0 0,1-20-58 0 0,-1 0 1 0 0,0-1-1 0 0,1 1 1 0 0,0-1-1 0 0,0 1 0 0 0,1-1 1 0 0,-1 1-1 0 0,1-1 1 0 0,0 0-1 0 0,0 1 1 0 0,0-1-1 0 0,1 0 1 0 0,-1 0-1 0 0,1-1 0 0 0,4 6 1 0 0,-6-8-52 0 0,1 0 0 0 0,-1 0 0 0 0,0 0 0 0 0,1 0 0 0 0,-1 0 1 0 0,1 0-1 0 0,-1-1 0 0 0,1 1 0 0 0,-1 0 0 0 0,1-1 0 0 0,0 1 0 0 0,-1-1 0 0 0,1 0 0 0 0,0 1 1 0 0,-1-1-1 0 0,1 0 0 0 0,0 0 0 0 0,0 0 0 0 0,-1 0 0 0 0,1 0 0 0 0,0-1 0 0 0,-1 1 0 0 0,1 0 0 0 0,0-1 1 0 0,-1 1-1 0 0,1-1 0 0 0,-1 0 0 0 0,1 0 0 0 0,-1 1 0 0 0,1-1 0 0 0,-1 0 0 0 0,1 0 0 0 0,-1 0 1 0 0,0 0-1 0 0,0-1 0 0 0,1 1 0 0 0,-1 0 0 0 0,0 0 0 0 0,0-1 0 0 0,0 1 0 0 0,0-1 0 0 0,-1 1 1 0 0,1-1-1 0 0,0 1 0 0 0,-1-1 0 0 0,1 0 0 0 0,-1 1 0 0 0,1-1 0 0 0,-1-2 0 0 0,14-84 484 0 0,1-5-76 0 0,-14 90-379 0 0,0 0-1 0 0,0 0 0 0 0,0-1 1 0 0,1 1-1 0 0,-1 1 0 0 0,1-1 1 0 0,2-3-1 0 0,-4 5-33 0 0,1 1 0 0 0,-1-1 0 0 0,0 1 1 0 0,0-1-1 0 0,1 1 0 0 0,-1 0 0 0 0,1-1 0 0 0,-1 1 0 0 0,0-1 0 0 0,1 1 0 0 0,-1 0 0 0 0,1-1 0 0 0,-1 1 0 0 0,1 0 0 0 0,-1 0 0 0 0,0 0 1 0 0,1-1-1 0 0,0 1 0 0 0,-1 0 0 0 0,1 0 0 0 0,-1 0 0 0 0,1 0 0 0 0,-1 0 0 0 0,1 0 0 0 0,-1 0 0 0 0,1 0 0 0 0,-1 0 0 0 0,1 0 0 0 0,-1 0 0 0 0,1 0 1 0 0,-1 0-1 0 0,1 0 0 0 0,-1 0 0 0 0,1 1 0 0 0,-1-1 0 0 0,1 0 0 0 0,-1 0 0 0 0,1 1 0 0 0,-1-1 0 0 0,1 0 0 0 0,-1 1 0 0 0,0-1 0 0 0,1 0 1 0 0,-1 1-1 0 0,0-1 0 0 0,1 0 0 0 0,0 2 0 0 0,11 12 122 0 0,-9-10-107 0 0,1 0 1 0 0,-1 0 0 0 0,0 0 0 0 0,0 0 0 0 0,0 1-1 0 0,-1-1 1 0 0,3 7 0 0 0,5 13 51 0 0,-6-17-60 0 0,-1 0 0 0 0,0 1 0 0 0,4 15 0 0 0,-5-12-2 0 0,-1 0 1 0 0,0 0-1 0 0,-1 0 0 0 0,0 1 0 0 0,-4 21 1 0 0,0-12 5 0 0,-1 0 1 0 0,-9 25 0 0 0,10-36-13 0 0,0 0 0 0 0,-1-1 0 0 0,0 1 1 0 0,0-1-1 0 0,-1 0 0 0 0,0 0 0 0 0,-1-1 0 0 0,-13 13 0 0 0,15-16-242 0 0,0-1 0 0 0,0 1 0 0 0,-1-1 0 0 0,1-1 0 0 0,-1 1 0 0 0,0-1 0 0 0,0 0 0 0 0,0-1 0 0 0,0 1 0 0 0,0-1 0 0 0,-1 0 0 0 0,1-1 1 0 0,-1 1-1 0 0,1-1 0 0 0,-10 0 0 0 0,-1-3-1256 0 0</inkml:trace>
-</inkml:ink>
-</file>
-
-<file path=ppt/ink/ink111.xml><?xml version="1.0" encoding="utf-8"?>
-<inkml:ink xmlns:inkml="http://www.w3.org/2003/InkML">
-  <inkml:definitions>
-    <inkml:context xml:id="ctx0">
-      <inkml:inkSource xml:id="inkSrc0">
-        <inkml:traceFormat>
-          <inkml:channel name="X" type="integer" min="-2.14748E9" max="2.14748E9" units="cm"/>
-          <inkml:channel name="Y" type="integer" min="-2.14748E9" max="2.14748E9" units="cm"/>
-          <inkml:channel name="F" type="integer" max="32767" units="dev"/>
-          <inkml:channel name="OA" type="integer" max="360" units="deg"/>
-          <inkml:channel name="OE" type="integer" max="90" units="deg"/>
-        </inkml:traceFormat>
-        <inkml:channelProperties>
-          <inkml:channelProperty channel="X" name="resolution" value="1000" units="1/cm"/>
-          <inkml:channelProperty channel="Y" name="resolution" value="1000" units="1/cm"/>
-          <inkml:channelProperty channel="F" name="resolution" value="0" units="1/dev"/>
-          <inkml:channelProperty channel="OA" name="resolution" value="1000" units="1/deg"/>
-          <inkml:channelProperty channel="OE" name="resolution" value="1000" units="1/deg"/>
-        </inkml:channelProperties>
-      </inkml:inkSource>
-      <inkml:timestamp xml:id="ts0" timeString="2020-11-03T16:23:23.190"/>
-    </inkml:context>
-    <inkml:brush xml:id="br0">
-      <inkml:brushProperty name="width" value="0.05" units="cm"/>
-      <inkml:brushProperty name="height" value="0.05" units="cm"/>
-      <inkml:brushProperty name="color" value="#E71224"/>
-    </inkml:brush>
-  </inkml:definitions>
-  <inkml:trace contextRef="#ctx0" brushRef="#br0">0 0 6448 0 0,'0'0'2148'0'0,"12"13"4698"0"0,7 10-4927 0 0,-1 1 0 0 0,23 40 0 0 0,11 15 196 0 0,-38-54-2228 0 0,-14-25 31 0 0,-8 6-1898 0 0,2-1 256 0 0</inkml:trace>
-</inkml:ink>
-</file>
-
-<file path=ppt/ink/ink112.xml><?xml version="1.0" encoding="utf-8"?>
-<inkml:ink xmlns:inkml="http://www.w3.org/2003/InkML">
-  <inkml:definitions>
-    <inkml:context xml:id="ctx0">
-      <inkml:inkSource xml:id="inkSrc0">
-        <inkml:traceFormat>
-          <inkml:channel name="X" type="integer" min="-2.14748E9" max="2.14748E9" units="cm"/>
-          <inkml:channel name="Y" type="integer" min="-2.14748E9" max="2.14748E9" units="cm"/>
-          <inkml:channel name="F" type="integer" max="32767" units="dev"/>
-          <inkml:channel name="OA" type="integer" max="360" units="deg"/>
-          <inkml:channel name="OE" type="integer" max="90" units="deg"/>
-        </inkml:traceFormat>
-        <inkml:channelProperties>
-          <inkml:channelProperty channel="X" name="resolution" value="1000" units="1/cm"/>
-          <inkml:channelProperty channel="Y" name="resolution" value="1000" units="1/cm"/>
-          <inkml:channelProperty channel="F" name="resolution" value="0" units="1/dev"/>
-          <inkml:channelProperty channel="OA" name="resolution" value="1000" units="1/deg"/>
-          <inkml:channelProperty channel="OE" name="resolution" value="1000" units="1/deg"/>
-        </inkml:channelProperties>
-      </inkml:inkSource>
-      <inkml:timestamp xml:id="ts0" timeString="2020-11-03T16:23:23.518"/>
-    </inkml:context>
-    <inkml:brush xml:id="br0">
-      <inkml:brushProperty name="width" value="0.05" units="cm"/>
-      <inkml:brushProperty name="height" value="0.05" units="cm"/>
-      <inkml:brushProperty name="color" value="#E71224"/>
-    </inkml:brush>
-  </inkml:definitions>
-  <inkml:trace contextRef="#ctx0" brushRef="#br0">1 272 8288 0 0,'0'0'638'0'0,"6"-10"3261"0"0,35-50 3720 0 0,16-26-4846 0 0,-45 70-2663 0 0,1 0 0 0 0,1 0 0 0 0,31-26 0 0 0,-26 25-48 0 0,-14 12-99 0 0,-4 4-156 0 0,6-1-491 0 0</inkml:trace>
-</inkml:ink>
-</file>
-
-<file path=ppt/ink/ink113.xml><?xml version="1.0" encoding="utf-8"?>
-<inkml:ink xmlns:inkml="http://www.w3.org/2003/InkML">
-  <inkml:definitions>
-    <inkml:context xml:id="ctx0">
-      <inkml:inkSource xml:id="inkSrc0">
-        <inkml:traceFormat>
-          <inkml:channel name="X" type="integer" min="-2.14748E9" max="2.14748E9" units="cm"/>
-          <inkml:channel name="Y" type="integer" min="-2.14748E9" max="2.14748E9" units="cm"/>
-          <inkml:channel name="F" type="integer" max="32767" units="dev"/>
-          <inkml:channel name="OA" type="integer" max="360" units="deg"/>
-          <inkml:channel name="OE" type="integer" max="90" units="deg"/>
-        </inkml:traceFormat>
-        <inkml:channelProperties>
-          <inkml:channelProperty channel="X" name="resolution" value="1000" units="1/cm"/>
-          <inkml:channelProperty channel="Y" name="resolution" value="1000" units="1/cm"/>
-          <inkml:channelProperty channel="F" name="resolution" value="0" units="1/dev"/>
-          <inkml:channelProperty channel="OA" name="resolution" value="1000" units="1/deg"/>
-          <inkml:channelProperty channel="OE" name="resolution" value="1000" units="1/deg"/>
-        </inkml:channelProperties>
-      </inkml:inkSource>
-      <inkml:timestamp xml:id="ts0" timeString="2020-11-03T16:23:23.875"/>
-    </inkml:context>
-    <inkml:brush xml:id="br0">
-      <inkml:brushProperty name="width" value="0.05" units="cm"/>
-      <inkml:brushProperty name="height" value="0.05" units="cm"/>
-      <inkml:brushProperty name="color" value="#E71224"/>
-    </inkml:brush>
-  </inkml:definitions>
-  <inkml:trace contextRef="#ctx0" brushRef="#br0">3 1 11520 0 0,'0'0'886'0'0,"-2"18"2677"0"0,3-16-3273 0 0,0 0-1 0 0,0 0 1 0 0,0 0 0 0 0,0 0 0 0 0,0 0 0 0 0,0 0-1 0 0,1-1 1 0 0,-1 1 0 0 0,1 0 0 0 0,-1-1 0 0 0,1 1-1 0 0,3 2 1 0 0,24 14 1029 0 0,-11-11-1246 0 0,0 0-1 0 0,1-1 1 0 0,-1-1-1 0 0,1-1 1 0 0,27 3-1 0 0,-29-3-1765 0 0,-8-1-289 0 0</inkml:trace>
-</inkml:ink>
-</file>
-
-<file path=ppt/ink/ink114.xml><?xml version="1.0" encoding="utf-8"?>
-<inkml:ink xmlns:inkml="http://www.w3.org/2003/InkML">
-  <inkml:definitions>
-    <inkml:context xml:id="ctx0">
-      <inkml:inkSource xml:id="inkSrc0">
-        <inkml:traceFormat>
-          <inkml:channel name="X" type="integer" min="-2.14748E9" max="2.14748E9" units="cm"/>
-          <inkml:channel name="Y" type="integer" min="-2.14748E9" max="2.14748E9" units="cm"/>
-          <inkml:channel name="F" type="integer" max="32767" units="dev"/>
-          <inkml:channel name="OA" type="integer" max="360" units="deg"/>
-          <inkml:channel name="OE" type="integer" max="90" units="deg"/>
-        </inkml:traceFormat>
-        <inkml:channelProperties>
-          <inkml:channelProperty channel="X" name="resolution" value="1000" units="1/cm"/>
-          <inkml:channelProperty channel="Y" name="resolution" value="1000" units="1/cm"/>
-          <inkml:channelProperty channel="F" name="resolution" value="0" units="1/dev"/>
-          <inkml:channelProperty channel="OA" name="resolution" value="1000" units="1/deg"/>
-          <inkml:channelProperty channel="OE" name="resolution" value="1000" units="1/deg"/>
-        </inkml:channelProperties>
-      </inkml:inkSource>
-      <inkml:timestamp xml:id="ts0" timeString="2020-11-03T16:23:24.411"/>
-    </inkml:context>
-    <inkml:brush xml:id="br0">
-      <inkml:brushProperty name="width" value="0.05" units="cm"/>
-      <inkml:brushProperty name="height" value="0.05" units="cm"/>
-      <inkml:brushProperty name="color" value="#E71224"/>
-    </inkml:brush>
-  </inkml:definitions>
-  <inkml:trace contextRef="#ctx0" brushRef="#br0">77 16 10136 0 0,'-3'-13'464'0'0,"3"11"610"0"0,-8 12 461 0 0,4-2-937 0 0,0 0 0 0 0,1 1 0 0 0,0-1 0 0 0,-2 11 0 0 0,3-15-536 0 0,-2 30 452 0 0,3-28-431 0 0,1 1 0 0 0,-1 0 0 0 0,-4 11 0 0 0,-2 7-14 0 0,0-1 0 0 0,1 1 0 0 0,-3 44 0 0 0,7-53-233 0 0,0 11 64 0 0,3-8-4417 0 0,-1-4-893 0 0</inkml:trace>
-</inkml:ink>
-</file>
-
-<file path=ppt/ink/ink115.xml><?xml version="1.0" encoding="utf-8"?>
-<inkml:ink xmlns:inkml="http://www.w3.org/2003/InkML">
-  <inkml:definitions>
-    <inkml:context xml:id="ctx0">
-      <inkml:inkSource xml:id="inkSrc0">
-        <inkml:traceFormat>
-          <inkml:channel name="X" type="integer" min="-2.14748E9" max="2.14748E9" units="cm"/>
-          <inkml:channel name="Y" type="integer" min="-2.14748E9" max="2.14748E9" units="cm"/>
-          <inkml:channel name="F" type="integer" max="32767" units="dev"/>
-          <inkml:channel name="OA" type="integer" max="360" units="deg"/>
-          <inkml:channel name="OE" type="integer" max="90" units="deg"/>
-        </inkml:traceFormat>
-        <inkml:channelProperties>
-          <inkml:channelProperty channel="X" name="resolution" value="1000" units="1/cm"/>
-          <inkml:channelProperty channel="Y" name="resolution" value="1000" units="1/cm"/>
-          <inkml:channelProperty channel="F" name="resolution" value="0" units="1/dev"/>
-          <inkml:channelProperty channel="OA" name="resolution" value="1000" units="1/deg"/>
-          <inkml:channelProperty channel="OE" name="resolution" value="1000" units="1/deg"/>
-        </inkml:channelProperties>
-      </inkml:inkSource>
-      <inkml:timestamp xml:id="ts0" timeString="2020-11-03T16:23:26.529"/>
-    </inkml:context>
-    <inkml:brush xml:id="br0">
-      <inkml:brushProperty name="width" value="0.05" units="cm"/>
-      <inkml:brushProperty name="height" value="0.05" units="cm"/>
-      <inkml:brushProperty name="color" value="#E71224"/>
-    </inkml:brush>
-  </inkml:definitions>
-  <inkml:trace contextRef="#ctx0" brushRef="#br0">362 86 6624 0 0,'0'0'593'0'0,"5"-16"5686"0"0,-6 13-5894 0 0,0 0 1 0 0,1 0-1 0 0,-1 1 1 0 0,-1-1-1 0 0,1 0 1 0 0,0 0 0 0 0,-1 1-1 0 0,1-1 1 0 0,-1 1-1 0 0,0-1 1 0 0,-3-2-1 0 0,3 1-102 0 0,-1 1-1 0 0,0 0 0 0 0,0 0 1 0 0,-1 0-1 0 0,1 1 0 0 0,-1-1 1 0 0,1 1-1 0 0,-5-3 0 0 0,3 4-136 0 0,0-1 0 0 0,-1 1-1 0 0,1 0 1 0 0,-1 0 0 0 0,1 1 0 0 0,-1-1-1 0 0,1 1 1 0 0,-1 1 0 0 0,1-1-1 0 0,0 1 1 0 0,-1 0 0 0 0,1 0-1 0 0,-1 0 1 0 0,1 1 0 0 0,-7 2 0 0 0,4 0-86 0 0,0 0 0 0 0,0 0 0 0 0,0 1 0 0 0,1 0 0 0 0,-1 0 0 0 0,1 1 0 0 0,1 0 0 0 0,-11 11 0 0 0,-1 6-23 0 0,1 1 1 0 0,1 1-1 0 0,2 1 0 0 0,0 0 0 0 0,1 1 0 0 0,2 0 0 0 0,-12 43 1 0 0,17-47 71 0 0,2 1 0 0 0,0-1 1 0 0,1 1-1 0 0,2-1 1 0 0,0 1-1 0 0,2 0 1 0 0,0-1-1 0 0,2 1 0 0 0,0-1 1 0 0,2 0-1 0 0,0 0 1 0 0,15 38-1 0 0,-15-51-19 0 0,-1 0-1 0 0,2-1 0 0 0,-1 1 1 0 0,1-1-1 0 0,0-1 0 0 0,1 1 1 0 0,0-1-1 0 0,0 0 1 0 0,15 12-1 0 0,-15-15-32 0 0,0 1 1 0 0,1-2-1 0 0,-1 1 1 0 0,1-1-1 0 0,-1 0 0 0 0,1-1 1 0 0,0 0-1 0 0,1 0 1 0 0,-1-1-1 0 0,0 0 0 0 0,1 0 1 0 0,14 0-1 0 0,-14-2-14 0 0,1 0 1 0 0,0-1-1 0 0,-1 0 0 0 0,1 0 1 0 0,-1-1-1 0 0,1 0 0 0 0,-1-1 0 0 0,0 0 1 0 0,15-8-1 0 0,-12 5-11 0 0,-2-1 0 0 0,1 0 0 0 0,-1 0 0 0 0,0-1-1 0 0,-1-1 1 0 0,15-16 0 0 0,-8 6-18 0 0,-2-1 0 0 0,0-1-1 0 0,-2 0 1 0 0,0-1 0 0 0,-1-1-1 0 0,-1 1 1 0 0,7-28-1 0 0,-7 16 188 0 0,-1 0-1 0 0,-2-1 1 0 0,-1 1-1 0 0,-2-2 0 0 0,-2 1 1 0 0,-3-66-1 0 0,0 89-160 0 0,0 1-1 0 0,-1-1 1 0 0,-1 1-1 0 0,0-1 1 0 0,0 1 0 0 0,-9-16-1 0 0,10 23-34 0 0,0 0 0 0 0,0 0 0 0 0,-1 0 1 0 0,1 1-1 0 0,-1-1 0 0 0,0 1 0 0 0,0 0 0 0 0,-7-6 0 0 0,8 8-12 0 0,0-1 0 0 0,-1 1-1 0 0,1 0 1 0 0,0 0 0 0 0,-1 0-1 0 0,1 0 1 0 0,-1 0 0 0 0,0 0 0 0 0,1 1-1 0 0,-1-1 1 0 0,0 1 0 0 0,1 0 0 0 0,-1 0-1 0 0,0 0 1 0 0,-4 1 0 0 0,2 0-92 0 0,0 0 1 0 0,0 1-1 0 0,0 0 1 0 0,0 0 0 0 0,0 0-1 0 0,0 1 1 0 0,1-1-1 0 0,-1 1 1 0 0,1 0-1 0 0,-1 1 1 0 0,1-1-1 0 0,-6 8 1 0 0,-5 6-1281 0 0,-21 30-1 0 0,32-43 1180 0 0,-14 22-1454 0 0,3-1-212 0 0</inkml:trace>
-</inkml:ink>
-</file>
-
-<file path=ppt/ink/ink116.xml><?xml version="1.0" encoding="utf-8"?>
-<inkml:ink xmlns:inkml="http://www.w3.org/2003/InkML">
-  <inkml:definitions>
-    <inkml:context xml:id="ctx0">
-      <inkml:inkSource xml:id="inkSrc0">
-        <inkml:traceFormat>
-          <inkml:channel name="X" type="integer" min="-2.14748E9" max="2.14748E9" units="cm"/>
-          <inkml:channel name="Y" type="integer" min="-2.14748E9" max="2.14748E9" units="cm"/>
-          <inkml:channel name="F" type="integer" max="32767" units="dev"/>
-          <inkml:channel name="OA" type="integer" max="360" units="deg"/>
-          <inkml:channel name="OE" type="integer" max="90" units="deg"/>
-        </inkml:traceFormat>
-        <inkml:channelProperties>
-          <inkml:channelProperty channel="X" name="resolution" value="1000" units="1/cm"/>
-          <inkml:channelProperty channel="Y" name="resolution" value="1000" units="1/cm"/>
-          <inkml:channelProperty channel="F" name="resolution" value="0" units="1/dev"/>
-          <inkml:channelProperty channel="OA" name="resolution" value="1000" units="1/deg"/>
-          <inkml:channelProperty channel="OE" name="resolution" value="1000" units="1/deg"/>
-        </inkml:channelProperties>
-      </inkml:inkSource>
-      <inkml:timestamp xml:id="ts0" timeString="2020-11-03T16:23:27.128"/>
-    </inkml:context>
-    <inkml:brush xml:id="br0">
-      <inkml:brushProperty name="width" value="0.05" units="cm"/>
-      <inkml:brushProperty name="height" value="0.05" units="cm"/>
-      <inkml:brushProperty name="color" value="#E71224"/>
-    </inkml:brush>
-  </inkml:definitions>
-  <inkml:trace contextRef="#ctx0" brushRef="#br0">0 74 9960 0 0,'4'6'8542'0'0,"-1"-7"-8207"0"0,0 1 0 0 0,-1 0 0 0 0,1-1 0 0 0,0 0 0 0 0,0 0 0 0 0,0 0 0 0 0,0 0 0 0 0,0 0 0 0 0,-1 0 0 0 0,4-3 0 0 0,27-20 1855 0 0,-15 10-1172 0 0,-12 10-914 0 0,2-2 148 0 0,0 1 0 0 0,16-9 0 0 0,-23 14-41 0 0,11 8-106 0 0,-7-2-95 0 0,-1 0-1 0 0,0 0 0 0 0,0 0 1 0 0,0 1-1 0 0,-1 0 1 0 0,1 0-1 0 0,-2 0 1 0 0,5 14-1 0 0,-4-11 1 0 0,0 0 0 0 0,2 0-1 0 0,6 14 1 0 0,-9-21-7 0 0,0 1 1 0 0,1-1-1 0 0,-1 1 0 0 0,1-1 0 0 0,-1 0 0 0 0,1 0 0 0 0,0 0 1 0 0,0-1-1 0 0,1 1 0 0 0,-1-1 0 0 0,1 0 0 0 0,-1 1 0 0 0,1-2 1 0 0,-1 1-1 0 0,6 2 0 0 0,-6-4 0 0 0,0 1 1 0 0,0-1-1 0 0,1 0 0 0 0,-1 0 1 0 0,0 0-1 0 0,0 0 0 0 0,0 0 1 0 0,0-1-1 0 0,1 1 0 0 0,-1-1 1 0 0,0 0-1 0 0,0 0 0 0 0,0 0 1 0 0,0 0-1 0 0,0-1 0 0 0,0 1 1 0 0,-1-1-1 0 0,1 1 0 0 0,4-5 1 0 0,21-22 154 0 0,-24 23-821 0 0,1 0 1 0 0,-1 0-1 0 0,1 1 1 0 0,9-7-1 0 0</inkml:trace>
-</inkml:ink>
-</file>
-
-<file path=ppt/ink/ink117.xml><?xml version="1.0" encoding="utf-8"?>
-<inkml:ink xmlns:inkml="http://www.w3.org/2003/InkML">
-  <inkml:definitions>
-    <inkml:context xml:id="ctx0">
-      <inkml:inkSource xml:id="inkSrc0">
-        <inkml:traceFormat>
-          <inkml:channel name="X" type="integer" min="-2.14748E9" max="2.14748E9" units="cm"/>
-          <inkml:channel name="Y" type="integer" min="-2.14748E9" max="2.14748E9" units="cm"/>
-          <inkml:channel name="F" type="integer" max="32767" units="dev"/>
-          <inkml:channel name="OA" type="integer" max="360" units="deg"/>
-          <inkml:channel name="OE" type="integer" max="90" units="deg"/>
-        </inkml:traceFormat>
-        <inkml:channelProperties>
-          <inkml:channelProperty channel="X" name="resolution" value="1000" units="1/cm"/>
-          <inkml:channelProperty channel="Y" name="resolution" value="1000" units="1/cm"/>
-          <inkml:channelProperty channel="F" name="resolution" value="0" units="1/dev"/>
-          <inkml:channelProperty channel="OA" name="resolution" value="1000" units="1/deg"/>
-          <inkml:channelProperty channel="OE" name="resolution" value="1000" units="1/deg"/>
-        </inkml:channelProperties>
-      </inkml:inkSource>
-      <inkml:timestamp xml:id="ts0" timeString="2020-11-03T16:23:27.813"/>
-    </inkml:context>
-    <inkml:brush xml:id="br0">
-      <inkml:brushProperty name="width" value="0.05" units="cm"/>
-      <inkml:brushProperty name="height" value="0.05" units="cm"/>
-      <inkml:brushProperty name="color" value="#E71224"/>
-    </inkml:brush>
-  </inkml:definitions>
-  <inkml:trace contextRef="#ctx0" brushRef="#br0">205 1 11000 0 0,'0'0'1292'0'0,"-9"1"1890"0"0,4 1-2875 0 0,0-1 0 0 0,0 1 0 0 0,0 0 0 0 0,0 0 0 0 0,0 0 0 0 0,1 1 0 0 0,-1 0 0 0 0,1-1 0 0 0,-1 2 0 0 0,1-1 0 0 0,0 0 0 0 0,0 1 0 0 0,1 0 0 0 0,-1 0 0 0 0,1 0 0 0 0,0 0 0 0 0,0 1 0 0 0,0-1 0 0 0,-2 6 0 0 0,-5 12-151 0 0,1-1-1 0 0,1 1 0 0 0,-6 26 0 0 0,3-9 441 0 0,-3 11 193 0 0,-16 103 1 0 0,15 55 493 0 0,19-50-327 0 0,-1-127-781 0 0,1 0 0 0 0,2-1 0 0 0,11 32-1 0 0,-16-58-155 0 0,0 1 0 0 0,1-1 0 0 0,-1 0 0 0 0,1 0 0 0 0,0 0 0 0 0,1 0 0 0 0,-1 0 0 0 0,1 0 0 0 0,-1-1 0 0 0,5 5-1 0 0,-3-7 46 0 0,-3 0 3 0 0,-1-8-339 0 0,-4 0-847 0 0,0-1 0 0 0,0 1 0 0 0,-1 0 1 0 0,-6-8-1 0 0,-1 2-751 0 0</inkml:trace>
-</inkml:ink>
-</file>
-
-<file path=ppt/ink/ink118.xml><?xml version="1.0" encoding="utf-8"?>
-<inkml:ink xmlns:inkml="http://www.w3.org/2003/InkML">
-  <inkml:definitions>
-    <inkml:context xml:id="ctx0">
-      <inkml:inkSource xml:id="inkSrc0">
-        <inkml:traceFormat>
-          <inkml:channel name="X" type="integer" min="-2.14748E9" max="2.14748E9" units="cm"/>
-          <inkml:channel name="Y" type="integer" min="-2.14748E9" max="2.14748E9" units="cm"/>
-          <inkml:channel name="F" type="integer" max="32767" units="dev"/>
-          <inkml:channel name="OA" type="integer" max="360" units="deg"/>
-          <inkml:channel name="OE" type="integer" max="90" units="deg"/>
-        </inkml:traceFormat>
-        <inkml:channelProperties>
-          <inkml:channelProperty channel="X" name="resolution" value="1000" units="1/cm"/>
-          <inkml:channelProperty channel="Y" name="resolution" value="1000" units="1/cm"/>
-          <inkml:channelProperty channel="F" name="resolution" value="0" units="1/dev"/>
-          <inkml:channelProperty channel="OA" name="resolution" value="1000" units="1/deg"/>
-          <inkml:channelProperty channel="OE" name="resolution" value="1000" units="1/deg"/>
-        </inkml:channelProperties>
-      </inkml:inkSource>
-      <inkml:timestamp xml:id="ts0" timeString="2020-11-03T16:23:28.525"/>
-    </inkml:context>
-    <inkml:brush xml:id="br0">
-      <inkml:brushProperty name="width" value="0.05" units="cm"/>
-      <inkml:brushProperty name="height" value="0.05" units="cm"/>
-      <inkml:brushProperty name="color" value="#E71224"/>
-    </inkml:brush>
-  </inkml:definitions>
-  <inkml:trace contextRef="#ctx0" brushRef="#br0">0 275 9872 0 0,'0'0'3744'0'0,"9"-20"-167"0"0,-1 6-2652 0 0,-1 0-1 0 0,0 0 1 0 0,-1-1 0 0 0,-1 0-1 0 0,5-21 1 0 0,0 4-337 0 0,-7 20-257 0 0,-1 0 0 0 0,2-16 0 0 0,-3 18-72 0 0,0 0-1 0 0,1 0 1 0 0,0 0 0 0 0,4-11-1 0 0,-5 20-10 0 0,-1 19 0 0 0,-1 13-246 0 0,1-4 10 0 0,0 0 0 0 0,7 47 0 0 0,-5-66-11 0 0,-1-1 1 0 0,1 1 0 0 0,1-1 0 0 0,-1 0-1 0 0,1 0 1 0 0,0 0 0 0 0,1 0 0 0 0,0-1 0 0 0,0 1-1 0 0,0-1 1 0 0,1 0 0 0 0,-1 0 0 0 0,2 0-1 0 0,8 7 1 0 0,-10-9 32 0 0,1-1 0 0 0,0-1-1 0 0,-1 1 1 0 0,1-1 0 0 0,0 1 0 0 0,0-1-1 0 0,0-1 1 0 0,0 1 0 0 0,0-1 0 0 0,1 0-1 0 0,-1 0 1 0 0,0 0 0 0 0,1-1-1 0 0,9 0 1 0 0,-12-1-11 0 0,0 1 0 0 0,0 0-1 0 0,1-1 1 0 0,-1 0 0 0 0,0 0-1 0 0,0 0 1 0 0,0 0 0 0 0,0 0-1 0 0,0-1 1 0 0,0 1 0 0 0,0-1-1 0 0,-1 0 1 0 0,1 0 0 0 0,-1 0 0 0 0,1 0-1 0 0,-1 0 1 0 0,0 0 0 0 0,1-1-1 0 0,-1 1 1 0 0,0-1 0 0 0,-1 0-1 0 0,1 0 1 0 0,0 1 0 0 0,-1-1-1 0 0,2-5 1 0 0,7-26 151 0 0,-3 0 0 0 0,0 0 0 0 0,3-65 0 0 0,-9 90-216 0 0,-1 5-49 0 0,1-1 0 0 0,-1 1 0 0 0,0-1 1 0 0,0 1-1 0 0,0-1 0 0 0,-1 1 0 0 0,0-1 0 0 0,-1-3 0 0 0,2 7-418 0 0,-5 3-1942 0 0</inkml:trace>
-</inkml:ink>
-</file>
-
-<file path=ppt/ink/ink119.xml><?xml version="1.0" encoding="utf-8"?>
-<inkml:ink xmlns:inkml="http://www.w3.org/2003/InkML">
-  <inkml:definitions>
-    <inkml:context xml:id="ctx0">
-      <inkml:inkSource xml:id="inkSrc0">
-        <inkml:traceFormat>
-          <inkml:channel name="X" type="integer" min="-2.14748E9" max="2.14748E9" units="cm"/>
-          <inkml:channel name="Y" type="integer" min="-2.14748E9" max="2.14748E9" units="cm"/>
-          <inkml:channel name="F" type="integer" max="32767" units="dev"/>
-          <inkml:channel name="OA" type="integer" max="360" units="deg"/>
-          <inkml:channel name="OE" type="integer" max="90" units="deg"/>
-        </inkml:traceFormat>
-        <inkml:channelProperties>
-          <inkml:channelProperty channel="X" name="resolution" value="1000" units="1/cm"/>
-          <inkml:channelProperty channel="Y" name="resolution" value="1000" units="1/cm"/>
-          <inkml:channelProperty channel="F" name="resolution" value="0" units="1/dev"/>
-          <inkml:channelProperty channel="OA" name="resolution" value="1000" units="1/deg"/>
-          <inkml:channelProperty channel="OE" name="resolution" value="1000" units="1/deg"/>
-        </inkml:channelProperties>
-      </inkml:inkSource>
-      <inkml:timestamp xml:id="ts0" timeString="2020-11-03T16:23:30.583"/>
-    </inkml:context>
-    <inkml:brush xml:id="br0">
-      <inkml:brushProperty name="width" value="0.05" units="cm"/>
-      <inkml:brushProperty name="height" value="0.05" units="cm"/>
-      <inkml:brushProperty name="color" value="#E71224"/>
-    </inkml:brush>
-  </inkml:definitions>
-  <inkml:trace contextRef="#ctx0" brushRef="#br0">6 21 2304 0 0,'0'0'101'0'0,"0"-1"1"0"0,0 0 742 0 0,0 0 1 0 0,0 0 0 0 0,-1 0 0 0 0,2 0 0 0 0,2-10 8449 0 0,-2 9-8449 0 0,-1 2-663 0 0,1 0 1 0 0,-1-1 0 0 0,0 1 0 0 0,1 0 0 0 0,-1 0 0 0 0,0 0 0 0 0,1 0 0 0 0,-1 0-1 0 0,1 0 1 0 0,-1 0 0 0 0,0 0 0 0 0,1 0 0 0 0,-1 0 0 0 0,0 0 0 0 0,1 0-1 0 0,-1 0 1 0 0,0 0 0 0 0,1 1 0 0 0,-1-1 0 0 0,0 0 0 0 0,1 0 0 0 0,-1 0 0 0 0,0 0-1 0 0,1 1 1 0 0,-1-1 0 0 0,0 0 0 0 0,0 0 0 0 0,1 1 0 0 0,1 1-53 0 0,1 1 0 0 0,-1-1 1 0 0,0 0-1 0 0,0 1 0 0 0,0 0 1 0 0,0 0-1 0 0,1 3 0 0 0,45 130 1182 0 0,-13-32-1000 0 0,-12-55-45 0 0,-23-48-86 0 0,-1-14-39 0 0,-15-23-72 0 0,-2 0 0 0 0,-24-35 0 0 0,31 48-54 0 0,10 20-12 0 0,1 0 1 0 0,-2 0-1 0 0,1 1 1 0 0,0-1-1 0 0,0 1 0 0 0,-1-1 1 0 0,0 1-1 0 0,1-1 1 0 0,-3-1-1 0 0,3 4 13 0 0,1-1-1 0 0,0 1 1 0 0,0 0-1 0 0,0 0 1 0 0,0 0-1 0 0,-1 0 1 0 0,1 0-1 0 0,0 0 1 0 0,0 0-1 0 0,0 0 1 0 0,0 0-1 0 0,-1 0 1 0 0,1-1-1 0 0,0 1 1 0 0,0 0-1 0 0,0 0 1 0 0,0 0-1 0 0,0 0 1 0 0,0 0-1 0 0,0-1 1 0 0,-1 1-1 0 0,1 0 1 0 0,0 0-1 0 0,0 0 1 0 0,0-1-1 0 0,0 1 1 0 0,0 0-1 0 0,0 0 1 0 0,0 0-1 0 0,0 0 1 0 0,0-1-1 0 0,0 1 1 0 0,0 0-1 0 0,0 0 1 0 0,0 0-1 0 0,0-1 1 0 0,0 1-1 0 0,0 0 1 0 0,0 0-1 0 0,0 0 1 0 0,0 0-1 0 0,0-1 1 0 0,1 1-1 0 0,-1 0 1 0 0,0 0-1 0 0,11-1 95 0 0,15 6-110 0 0,1 2 135 0 0,-16-5-97 0 0,1 1 0 0 0,-1 1 0 0 0,0 0-1 0 0,12 6 1 0 0,-21-9-34 0 0,0 0 0 0 0,0 1-1 0 0,1-1 1 0 0,-1 1-1 0 0,0-1 1 0 0,0 1 0 0 0,0 0-1 0 0,-1 0 1 0 0,1 0 0 0 0,0 0-1 0 0,-1 0 1 0 0,1 0-1 0 0,-1 0 1 0 0,0 1 0 0 0,0-1-1 0 0,0 0 1 0 0,0 1-1 0 0,0-1 1 0 0,0 1 0 0 0,0-1-1 0 0,-1 1 1 0 0,1-1 0 0 0,-1 6-1 0 0,0-6 3 0 0,-1 1 1 0 0,1 0-1 0 0,-1 0 0 0 0,1-1 1 0 0,-1 1-1 0 0,0-1 0 0 0,0 1 1 0 0,0-1-1 0 0,-1 1 0 0 0,1-1 1 0 0,-1 0-1 0 0,1 1 0 0 0,-1-1 0 0 0,0 0 1 0 0,1 0-1 0 0,-1 0 0 0 0,0 0 1 0 0,0-1-1 0 0,-1 1 0 0 0,1 0 1 0 0,0-1-1 0 0,-1 0 0 0 0,-4 3 1 0 0,2-2 6 0 0,0 0 0 0 0,0 0 0 0 0,-1 0 0 0 0,1-1 0 0 0,0 1 0 0 0,-1-1 0 0 0,1-1 0 0 0,-1 1 0 0 0,1-1 0 0 0,-11 0 0 0 0,5-2 7 0 0,-1 0 0 0 0,-16-5 1 0 0,23 5-4 0 0,1 0 1 0 0,-1 0-1 0 0,1 0 0 0 0,0 0 1 0 0,0-1-1 0 0,0 1 0 0 0,0-1 0 0 0,-5-6 1 0 0,9 9-13 0 0,0-1-1 0 0,0 1 1 0 0,0-1 0 0 0,0 1 0 0 0,0 0-1 0 0,0-1 1 0 0,0 1 0 0 0,0-1 0 0 0,0 1-1 0 0,0-1 1 0 0,0 1 0 0 0,0 0 0 0 0,0-1-1 0 0,1 1 1 0 0,-1-1 0 0 0,0 1 0 0 0,0 0-1 0 0,1-1 1 0 0,-1 1 0 0 0,0 0 0 0 0,0-1-1 0 0,1 1 1 0 0,-1 0 0 0 0,0-1 0 0 0,1 1-1 0 0,8-8 112 0 0,0 5-108 0 0,-1 0 0 0 0,0 1 0 0 0,1 0-1 0 0,0 1 1 0 0,-1-1 0 0 0,1 2 0 0 0,0-1-1 0 0,11 2 1 0 0,15-2-69 0 0,-12 1-806 0 0,28 2-1 0 0,-41-1 96 0 0,4-1-549 0 0</inkml:trace>
-</inkml:ink>
-</file>
-
-<file path=ppt/ink/ink12.xml><?xml version="1.0" encoding="utf-8"?>
+<file path=ppt/ink/ink28.xml><?xml version="1.0" encoding="utf-8"?>
 <inkml:ink xmlns:inkml="http://www.w3.org/2003/InkML">
   <inkml:definitions>
     <inkml:context xml:id="ctx0">
@@ -916,231 +2196,7 @@
 </inkml:ink>
 </file>
 
-<file path=ppt/ink/ink120.xml><?xml version="1.0" encoding="utf-8"?>
-<inkml:ink xmlns:inkml="http://www.w3.org/2003/InkML">
-  <inkml:definitions>
-    <inkml:context xml:id="ctx0">
-      <inkml:inkSource xml:id="inkSrc0">
-        <inkml:traceFormat>
-          <inkml:channel name="X" type="integer" min="-2.14748E9" max="2.14748E9" units="cm"/>
-          <inkml:channel name="Y" type="integer" min="-2.14748E9" max="2.14748E9" units="cm"/>
-          <inkml:channel name="F" type="integer" max="32767" units="dev"/>
-          <inkml:channel name="OA" type="integer" max="360" units="deg"/>
-          <inkml:channel name="OE" type="integer" max="90" units="deg"/>
-        </inkml:traceFormat>
-        <inkml:channelProperties>
-          <inkml:channelProperty channel="X" name="resolution" value="1000" units="1/cm"/>
-          <inkml:channelProperty channel="Y" name="resolution" value="1000" units="1/cm"/>
-          <inkml:channelProperty channel="F" name="resolution" value="0" units="1/dev"/>
-          <inkml:channelProperty channel="OA" name="resolution" value="1000" units="1/deg"/>
-          <inkml:channelProperty channel="OE" name="resolution" value="1000" units="1/deg"/>
-        </inkml:channelProperties>
-      </inkml:inkSource>
-      <inkml:timestamp xml:id="ts0" timeString="2020-11-03T16:23:31.293"/>
-    </inkml:context>
-    <inkml:brush xml:id="br0">
-      <inkml:brushProperty name="width" value="0.05" units="cm"/>
-      <inkml:brushProperty name="height" value="0.05" units="cm"/>
-      <inkml:brushProperty name="color" value="#E71224"/>
-    </inkml:brush>
-  </inkml:definitions>
-  <inkml:trace contextRef="#ctx0" brushRef="#br0">43 29 4144 0 0,'4'-29'18594'0'0,"-1"33"-17665"0"0,-1 1-683 0 0,0 0 0 0 0,0 1 0 0 0,-1-1 0 0 0,1 1 0 0 0,-1-1 0 0 0,0 10 0 0 0,1 36 600 0 0,-2-49-818 0 0,-3 46 412 0 0,-2 0 0 0 0,-17 74 0 0 0,10-59-316 0 0,3-22 391 0 0,1-7-1884 0 0,4-11-7799 0 0</inkml:trace>
-</inkml:ink>
-</file>
-
-<file path=ppt/ink/ink121.xml><?xml version="1.0" encoding="utf-8"?>
-<inkml:ink xmlns:inkml="http://www.w3.org/2003/InkML">
-  <inkml:definitions>
-    <inkml:context xml:id="ctx0">
-      <inkml:inkSource xml:id="inkSrc0">
-        <inkml:traceFormat>
-          <inkml:channel name="X" type="integer" min="-2.14748E9" max="2.14748E9" units="cm"/>
-          <inkml:channel name="Y" type="integer" min="-2.14748E9" max="2.14748E9" units="cm"/>
-          <inkml:channel name="F" type="integer" max="32767" units="dev"/>
-          <inkml:channel name="OA" type="integer" max="360" units="deg"/>
-          <inkml:channel name="OE" type="integer" max="90" units="deg"/>
-        </inkml:traceFormat>
-        <inkml:channelProperties>
-          <inkml:channelProperty channel="X" name="resolution" value="1000" units="1/cm"/>
-          <inkml:channelProperty channel="Y" name="resolution" value="1000" units="1/cm"/>
-          <inkml:channelProperty channel="F" name="resolution" value="0" units="1/dev"/>
-          <inkml:channelProperty channel="OA" name="resolution" value="1000" units="1/deg"/>
-          <inkml:channelProperty channel="OE" name="resolution" value="1000" units="1/deg"/>
-        </inkml:channelProperties>
-      </inkml:inkSource>
-      <inkml:timestamp xml:id="ts0" timeString="2020-11-03T16:23:31.633"/>
-    </inkml:context>
-    <inkml:brush xml:id="br0">
-      <inkml:brushProperty name="width" value="0.05" units="cm"/>
-      <inkml:brushProperty name="height" value="0.05" units="cm"/>
-      <inkml:brushProperty name="color" value="#E71224"/>
-    </inkml:brush>
-  </inkml:definitions>
-  <inkml:trace contextRef="#ctx0" brushRef="#br0">138 18 10592 0 0,'-11'-11'1152'0'0,"9"10"-918"0"0,0 0-1 0 0,0 0 1 0 0,0 1 0 0 0,0-1 0 0 0,0 0 0 0 0,0 1 0 0 0,0 0 0 0 0,0-1-1 0 0,0 1 1 0 0,0 0 0 0 0,-1 0 0 0 0,1 0 0 0 0,0 0 0 0 0,0 0 0 0 0,0 1 0 0 0,0-1-1 0 0,0 1 1 0 0,-3 1 0 0 0,-1 0 548 0 0,0 0 1 0 0,1 0-1 0 0,0 1 0 0 0,-1 0 0 0 0,-5 5 1 0 0,7-5-604 0 0,0 0 0 0 0,1 1 0 0 0,-1 0 0 0 0,1-1 1 0 0,0 1-1 0 0,0 0 0 0 0,1 1 0 0 0,-1-1 0 0 0,1 0 0 0 0,0 1 1 0 0,0-1-1 0 0,0 1 0 0 0,-1 8 0 0 0,1-4-18 0 0,1-1 1 0 0,0 0-1 0 0,0 0 0 0 0,1 1 0 0 0,0-1 1 0 0,0 1-1 0 0,3 11 0 0 0,-2-16-83 0 0,0 0-1 0 0,1-1 0 0 0,-1 1 1 0 0,1 0-1 0 0,0 0 0 0 0,0-1 1 0 0,0 1-1 0 0,1-1 0 0 0,-1 0 1 0 0,1 0-1 0 0,0 0 0 0 0,0 0 1 0 0,0 0-1 0 0,0 0 0 0 0,0-1 1 0 0,1 1-1 0 0,-1-1 0 0 0,1 0 1 0 0,0 0-1 0 0,-1-1 0 0 0,1 1 1 0 0,0-1-1 0 0,0 1 0 0 0,0-1 1 0 0,0 0-1 0 0,0-1 0 0 0,0 1 0 0 0,0-1 1 0 0,6 0-1 0 0,-8 0-57 0 0,0-1 0 0 0,-1 1 0 0 0,1-1 0 0 0,0 1 1 0 0,-1-1-1 0 0,1 0 0 0 0,-1 0 0 0 0,1 0 0 0 0,-1 0 0 0 0,1 0 0 0 0,-1 0 0 0 0,1 0 0 0 0,-1 0 0 0 0,0 0 0 0 0,0-1 0 0 0,0 1 0 0 0,0-1 0 0 0,0 1 1 0 0,0-1-1 0 0,0 1 0 0 0,0-1 0 0 0,0 1 0 0 0,0-4 0 0 0,2-3 135 0 0,-1-1 1 0 0,0 1-1 0 0,1-15 0 0 0,-1 12-98 0 0,0-5-534 0 0,-1 0 0 0 0,-1 0 0 0 0,-2-18 0 0 0,1-7-768 0 0,3 36-3019 0 0</inkml:trace>
-</inkml:ink>
-</file>
-
-<file path=ppt/ink/ink122.xml><?xml version="1.0" encoding="utf-8"?>
-<inkml:ink xmlns:inkml="http://www.w3.org/2003/InkML">
-  <inkml:definitions>
-    <inkml:context xml:id="ctx0">
-      <inkml:inkSource xml:id="inkSrc0">
-        <inkml:traceFormat>
-          <inkml:channel name="X" type="integer" min="-2.14748E9" max="2.14748E9" units="cm"/>
-          <inkml:channel name="Y" type="integer" min="-2.14748E9" max="2.14748E9" units="cm"/>
-          <inkml:channel name="F" type="integer" max="32767" units="dev"/>
-          <inkml:channel name="OA" type="integer" max="360" units="deg"/>
-          <inkml:channel name="OE" type="integer" max="90" units="deg"/>
-        </inkml:traceFormat>
-        <inkml:channelProperties>
-          <inkml:channelProperty channel="X" name="resolution" value="1000" units="1/cm"/>
-          <inkml:channelProperty channel="Y" name="resolution" value="1000" units="1/cm"/>
-          <inkml:channelProperty channel="F" name="resolution" value="0" units="1/dev"/>
-          <inkml:channelProperty channel="OA" name="resolution" value="1000" units="1/deg"/>
-          <inkml:channelProperty channel="OE" name="resolution" value="1000" units="1/deg"/>
-        </inkml:channelProperties>
-      </inkml:inkSource>
-      <inkml:timestamp xml:id="ts0" timeString="2020-11-03T16:23:32.278"/>
-    </inkml:context>
-    <inkml:brush xml:id="br0">
-      <inkml:brushProperty name="width" value="0.05" units="cm"/>
-      <inkml:brushProperty name="height" value="0.05" units="cm"/>
-      <inkml:brushProperty name="color" value="#E71224"/>
-    </inkml:brush>
-  </inkml:definitions>
-  <inkml:trace contextRef="#ctx0" brushRef="#br0">176 11 10856 0 0,'3'-3'7122'0'0,"-3"0"-7463"0"0,-2 2 453 0 0,1 0 1 0 0,0 1 0 0 0,0-1-1 0 0,0 1 1 0 0,0 0 0 0 0,-1-1-1 0 0,1 1 1 0 0,0 0 0 0 0,0-1 0 0 0,-1 1-1 0 0,1 0 1 0 0,0 0 0 0 0,-1 0-1 0 0,1 0 1 0 0,0 0 0 0 0,0 1-1 0 0,-1-1 1 0 0,1 0 0 0 0,0 0-1 0 0,-2 2 1 0 0,0-2 81 0 0,0 1 1 0 0,0 0-1 0 0,0 0 0 0 0,0 1 1 0 0,0-1-1 0 0,1 1 1 0 0,-5 2-1 0 0,2 2 62 0 0,-1 0-1 0 0,1 0 1 0 0,0 0-1 0 0,0 1 1 0 0,1 0 0 0 0,0 0-1 0 0,0 0 1 0 0,0 0-1 0 0,-3 12 1 0 0,3-7-159 0 0,1 1 0 0 0,1-1 0 0 0,0 1 0 0 0,0-1-1 0 0,1 19 1 0 0,1-29-88 0 0,0 0-1 0 0,0 0 0 0 0,1 0 1 0 0,-1 0-1 0 0,0 0 1 0 0,1-1-1 0 0,0 1 0 0 0,-1 0 1 0 0,1 0-1 0 0,0 0 0 0 0,0 0 1 0 0,0-1-1 0 0,0 1 1 0 0,0 0-1 0 0,1-1 0 0 0,-1 1 1 0 0,0-1-1 0 0,1 1 0 0 0,-1-1 1 0 0,1 0-1 0 0,0 0 1 0 0,-1 1-1 0 0,1-1 0 0 0,0 0 1 0 0,0-1-1 0 0,-1 1 1 0 0,1 0-1 0 0,0 0 0 0 0,0-1 1 0 0,0 1-1 0 0,0-1 0 0 0,0 0 1 0 0,0 1-1 0 0,0-1 1 0 0,0 0-1 0 0,0 0 0 0 0,0 0 1 0 0,0-1-1 0 0,0 1 0 0 0,0 0 1 0 0,3-2-1 0 0,-1 1 18 0 0,0-1 0 0 0,0 0 0 0 0,0 0 0 0 0,0 0 0 0 0,0 0 0 0 0,0-1 1 0 0,-1 0-1 0 0,1 0 0 0 0,-1 0 0 0 0,0 0 0 0 0,0 0 0 0 0,0 0 0 0 0,0-1 0 0 0,-1 0 0 0 0,1 1 0 0 0,2-7 0 0 0,-3 5-9 0 0,-1 3 29 0 0,1 0-1 0 0,-2 0 1 0 0,1 0-1 0 0,0 0 0 0 0,0 0 1 0 0,-1-1-1 0 0,1 1 1 0 0,-1 0-1 0 0,0 0 1 0 0,1-3-1 0 0,-1 3-13 0 0,0 0 0 0 0,1 0-1 0 0,-1 0 1 0 0,1 0 0 0 0,-1 0 0 0 0,1 0-1 0 0,1-3 1 0 0,3-10 114 0 0,-5 13-84 0 0,1 1-1 0 0,0 0 1 0 0,-1-1-1 0 0,1 1 1 0 0,0 0-1 0 0,0 0 1 0 0,0-1-1 0 0,0 1 1 0 0,0 0-1 0 0,1 0 1 0 0,0-1-1 0 0,1 0 225 0 0,-2 1-278 0 0,0 0 0 0 0,0 1 1 0 0,-1-1-1 0 0,1 1 0 0 0,0 0 0 0 0,0-1 0 0 0,0 1 0 0 0,0 0 0 0 0,0-1 0 0 0,0 1 1 0 0,-1 0-1 0 0,1 0 0 0 0,0 0 0 0 0,0 0 0 0 0,0 0 0 0 0,0 0 0 0 0,0 0 1 0 0,0 0-1 0 0,0 0 0 0 0,0 0 0 0 0,0 0 0 0 0,0 1 0 0 0,-1-1 0 0 0,1 0 0 0 0,0 1 1 0 0,0-1-1 0 0,0 1 0 0 0,0-1 0 0 0,-1 1 0 0 0,1-1 0 0 0,1 2 0 0 0,-1-2 36 0 0,4 5-34 0 0,1-1 0 0 0,-1 1 0 0 0,0 0 0 0 0,0 0 0 0 0,-1 0 0 0 0,1 1 0 0 0,-1-1 0 0 0,0 1 0 0 0,-1 0 0 0 0,0 1 0 0 0,0-1 0 0 0,0 0 0 0 0,0 1 0 0 0,-1 0 0 0 0,3 13 0 0 0,-3-8 28 0 0,0 1 0 0 0,-1-1 0 0 0,0 1 0 0 0,-1-1 0 0 0,0 1 0 0 0,-1-1 1 0 0,0 1-1 0 0,-4 14 0 0 0,3-19-30 0 0,0 0 0 0 0,-1-1 0 0 0,0 1 0 0 0,0-1 0 0 0,-1 0 0 0 0,0 0 0 0 0,0 0 0 0 0,-1 0 0 0 0,1-1 0 0 0,-1 1 0 0 0,-1-2 0 0 0,1 1 0 0 0,-1 0 1 0 0,0-1-1 0 0,-1 0 0 0 0,1 0 0 0 0,-1-1 0 0 0,0 0 0 0 0,0 0 0 0 0,0-1 0 0 0,-1 1 0 0 0,1-2 0 0 0,-1 1 0 0 0,-12 2 0 0 0,-9 0-107 0 0,-32 2 1 0 0,47-5-230 0 0,-18 0-269 0 0,30-3 228 0 0,0 1-1 0 0,-1 0 1 0 0,1 0 0 0 0,0-1-1 0 0,0 1 1 0 0,0-1 0 0 0,0 1-1 0 0,0-1 1 0 0,0 0-1 0 0,0 0 1 0 0,-3-2 0 0 0</inkml:trace>
-</inkml:ink>
-</file>
-
-<file path=ppt/ink/ink123.xml><?xml version="1.0" encoding="utf-8"?>
-<inkml:ink xmlns:inkml="http://www.w3.org/2003/InkML">
-  <inkml:definitions>
-    <inkml:context xml:id="ctx0">
-      <inkml:inkSource xml:id="inkSrc0">
-        <inkml:traceFormat>
-          <inkml:channel name="X" type="integer" min="-2.14748E9" max="2.14748E9" units="cm"/>
-          <inkml:channel name="Y" type="integer" min="-2.14748E9" max="2.14748E9" units="cm"/>
-          <inkml:channel name="F" type="integer" max="32767" units="dev"/>
-          <inkml:channel name="OA" type="integer" max="360" units="deg"/>
-          <inkml:channel name="OE" type="integer" max="90" units="deg"/>
-        </inkml:traceFormat>
-        <inkml:channelProperties>
-          <inkml:channelProperty channel="X" name="resolution" value="1000" units="1/cm"/>
-          <inkml:channelProperty channel="Y" name="resolution" value="1000" units="1/cm"/>
-          <inkml:channelProperty channel="F" name="resolution" value="0" units="1/dev"/>
-          <inkml:channelProperty channel="OA" name="resolution" value="1000" units="1/deg"/>
-          <inkml:channelProperty channel="OE" name="resolution" value="1000" units="1/deg"/>
-        </inkml:channelProperties>
-      </inkml:inkSource>
-      <inkml:timestamp xml:id="ts0" timeString="2020-11-03T16:23:33.952"/>
-    </inkml:context>
-    <inkml:brush xml:id="br0">
-      <inkml:brushProperty name="width" value="0.05" units="cm"/>
-      <inkml:brushProperty name="height" value="0.05" units="cm"/>
-      <inkml:brushProperty name="color" value="#E71224"/>
-    </inkml:brush>
-  </inkml:definitions>
-  <inkml:trace contextRef="#ctx0" brushRef="#br0">207 30 4144 0 0,'0'0'191'0'0,"4"-7"1527"0"0,-4 6-1481 0 0,1 0-1 0 0,-1 0 1 0 0,1 0-1 0 0,-1 0 0 0 0,0 0 1 0 0,1 0-1 0 0,-1 0 1 0 0,0 0-1 0 0,0-1 1 0 0,0 1-1 0 0,0 0 1 0 0,0 0-1 0 0,0-2 0 0 0,0 2-79 0 0,0 1-1 0 0,-1 0 0 0 0,1 0 0 0 0,0-1 0 0 0,0 1 0 0 0,0 0 0 0 0,-1-1 0 0 0,1 1 0 0 0,0 0 0 0 0,-1 0 0 0 0,1-1 0 0 0,0 1 0 0 0,0 0 0 0 0,-1 0 0 0 0,1 0 0 0 0,0-1 0 0 0,-1 1 0 0 0,1 0 0 0 0,0 0 0 0 0,-1 0 0 0 0,1 0 0 0 0,0 0 0 0 0,-1 0 0 0 0,1 0 0 0 0,-1 0 0 0 0,1 0 0 0 0,-1 0 0 0 0,-2 0 321 0 0,-1 1-1 0 0,1 0 0 0 0,0 0 1 0 0,-1 0-1 0 0,1 0 1 0 0,0 0-1 0 0,-6 4 0 0 0,-3 2-181 0 0,1 0-1 0 0,0 1 0 0 0,0 0 0 0 0,1 1 0 0 0,0 0 0 0 0,0 0 1 0 0,1 1-1 0 0,1 1 0 0 0,-1 0 0 0 0,2 0 0 0 0,-9 15 0 0 0,8-11-115 0 0,1 1-1 0 0,1 0 0 0 0,0 0 0 0 0,1 1 0 0 0,1 0 0 0 0,0 0 0 0 0,2 0 1 0 0,-2 23-1 0 0,4-32-157 0 0,-2 16 286 0 0,2 0 0 0 0,5 48 0 0 0,-4-66-264 0 0,0 1 0 0 0,1-1 0 0 0,-1 0 0 0 0,1 0 0 0 0,0 0 0 0 0,1 0 1 0 0,0 0-1 0 0,0 0 0 0 0,0-1 0 0 0,1 1 0 0 0,-1-1 0 0 0,1 0 0 0 0,0 0 0 0 0,1-1 0 0 0,-1 1 0 0 0,8 5 0 0 0,-8-7-190 0 0,0 0 0 0 0,-1-1-1 0 0,1 1 1 0 0,0-1 0 0 0,0 0 0 0 0,0 0-1 0 0,1-1 1 0 0,-1 1 0 0 0,0-1-1 0 0,1 0 1 0 0,-1 0 0 0 0,1 0-1 0 0,-1 0 1 0 0,1-1 0 0 0,-1 0 0 0 0,1 0-1 0 0,0 0 1 0 0,5-2 0 0 0,1 0-1351 0 0</inkml:trace>
-</inkml:ink>
-</file>
-
-<file path=ppt/ink/ink124.xml><?xml version="1.0" encoding="utf-8"?>
-<inkml:ink xmlns:inkml="http://www.w3.org/2003/InkML">
-  <inkml:definitions>
-    <inkml:context xml:id="ctx0">
-      <inkml:inkSource xml:id="inkSrc0">
-        <inkml:traceFormat>
-          <inkml:channel name="X" type="integer" min="-2.14748E9" max="2.14748E9" units="cm"/>
-          <inkml:channel name="Y" type="integer" min="-2.14748E9" max="2.14748E9" units="cm"/>
-          <inkml:channel name="F" type="integer" max="32767" units="dev"/>
-          <inkml:channel name="OA" type="integer" max="360" units="deg"/>
-          <inkml:channel name="OE" type="integer" max="90" units="deg"/>
-        </inkml:traceFormat>
-        <inkml:channelProperties>
-          <inkml:channelProperty channel="X" name="resolution" value="1000" units="1/cm"/>
-          <inkml:channelProperty channel="Y" name="resolution" value="1000" units="1/cm"/>
-          <inkml:channelProperty channel="F" name="resolution" value="0" units="1/dev"/>
-          <inkml:channelProperty channel="OA" name="resolution" value="1000" units="1/deg"/>
-          <inkml:channelProperty channel="OE" name="resolution" value="1000" units="1/deg"/>
-        </inkml:channelProperties>
-      </inkml:inkSource>
-      <inkml:timestamp xml:id="ts0" timeString="2020-11-03T16:23:34.562"/>
-    </inkml:context>
-    <inkml:brush xml:id="br0">
-      <inkml:brushProperty name="width" value="0.05" units="cm"/>
-      <inkml:brushProperty name="height" value="0.05" units="cm"/>
-      <inkml:brushProperty name="color" value="#E71224"/>
-    </inkml:brush>
-  </inkml:definitions>
-  <inkml:trace contextRef="#ctx0" brushRef="#br0">25 130 7368 0 0,'0'0'333'0'0,"-25"14"10916"0"0,42-57-8947 0 0,-6 11-1107 0 0,-4 19-583 0 0,-1 1 0 0 0,17-22 0 0 0,-19 29-433 0 0,-4 5-165 0 0,0-1 0 0 0,1 1 0 0 0,-1 0 0 0 0,0-1 0 0 0,0 1 0 0 0,1 0 0 0 0,-1 0 0 0 0,0-1 0 0 0,0 1 0 0 0,1 0 0 0 0,-1 0 0 0 0,0 0 0 0 0,0-1 0 0 0,1 1 0 0 0,-1 0 0 0 0,0 0 0 0 0,1 0 0 0 0,-1 0 0 0 0,0 0 0 0 0,1 0 0 0 0,-1-1 0 0 0,0 1 0 0 0,1 0 0 0 0,-1 0 0 0 0,1 0 0 0 0,-1 0 0 0 0,0 0 0 0 0,1 0 0 0 0,-1 1 0 0 0,9 7 75 0 0,4 18-160 0 0,-11-23 109 0 0,1 8-41 0 0,0 1 1 0 0,0-1-1 0 0,-1 1 0 0 0,1 14 1 0 0,-1-4-4 0 0,-1-19 9 0 0,-1 0 0 0 0,1 0 0 0 0,0-1 0 0 0,0 1 0 0 0,0 0 0 0 0,0 0-1 0 0,0-1 1 0 0,1 1 0 0 0,-1-1 0 0 0,1 1 0 0 0,-1-1 0 0 0,1 0 0 0 0,0 1 0 0 0,0-1 0 0 0,0 0-1 0 0,0 0 1 0 0,3 2 0 0 0,-3-5-2 0 0,0 1-1 0 0,-1 0 1 0 0,1-1-1 0 0,-1 0 0 0 0,1 1 1 0 0,0-1-1 0 0,-1 0 1 0 0,1 0-1 0 0,-1 0 1 0 0,1 1-1 0 0,-1-2 1 0 0,0 1-1 0 0,2-1 0 0 0,-1 0-2 0 0,3-2 5 0 0,0-1 0 0 0,0-1-1 0 0,0 1 1 0 0,0-1 0 0 0,-1 1 0 0 0,0-1-1 0 0,3-7 1 0 0,23-49-240 0 0,-28 57 176 0 0,2-9-1570 0 0,-3 6-5501 0 0</inkml:trace>
-</inkml:ink>
-</file>
-
-<file path=ppt/ink/ink125.xml><?xml version="1.0" encoding="utf-8"?>
-<inkml:ink xmlns:inkml="http://www.w3.org/2003/InkML">
-  <inkml:definitions>
-    <inkml:context xml:id="ctx0">
-      <inkml:inkSource xml:id="inkSrc0">
-        <inkml:traceFormat>
-          <inkml:channel name="X" type="integer" min="-2.14748E9" max="2.14748E9" units="cm"/>
-          <inkml:channel name="Y" type="integer" min="-2.14748E9" max="2.14748E9" units="cm"/>
-          <inkml:channel name="F" type="integer" max="32767" units="dev"/>
-          <inkml:channel name="OA" type="integer" max="360" units="deg"/>
-          <inkml:channel name="OE" type="integer" max="90" units="deg"/>
-        </inkml:traceFormat>
-        <inkml:channelProperties>
-          <inkml:channelProperty channel="X" name="resolution" value="1000" units="1/cm"/>
-          <inkml:channelProperty channel="Y" name="resolution" value="1000" units="1/cm"/>
-          <inkml:channelProperty channel="F" name="resolution" value="0" units="1/dev"/>
-          <inkml:channelProperty channel="OA" name="resolution" value="1000" units="1/deg"/>
-          <inkml:channelProperty channel="OE" name="resolution" value="1000" units="1/deg"/>
-        </inkml:channelProperties>
-      </inkml:inkSource>
-      <inkml:timestamp xml:id="ts0" timeString="2020-11-03T16:23:35.184"/>
-    </inkml:context>
-    <inkml:brush xml:id="br0">
-      <inkml:brushProperty name="width" value="0.05" units="cm"/>
-      <inkml:brushProperty name="height" value="0.05" units="cm"/>
-      <inkml:brushProperty name="color" value="#E71224"/>
-    </inkml:brush>
-  </inkml:definitions>
-  <inkml:trace contextRef="#ctx0" brushRef="#br0">3 3 9760 0 0,'-2'-3'8790'0'0,"5"8"-8129"0"0,4 5-144 0 0,0-1 0 0 0,10 8 0 0 0,9 12 352 0 0,-18-19-760 0 0,0 1 1 0 0,0 1-1 0 0,-2-1 0 0 0,1 1 0 0 0,-1 0 0 0 0,-1 1 0 0 0,0-1 0 0 0,-1 1 0 0 0,-1 0 0 0 0,3 14 0 0 0,-3-1-60 0 0,-1 0 1 0 0,-1 0-1 0 0,-1 0 0 0 0,-1 0 0 0 0,-2 0 0 0 0,-5 27 0 0 0,6-47-33 0 0,1 1-1 0 0,-2-1 0 0 0,1 1 1 0 0,-1-1-1 0 0,-3 7 1 0 0,4-11-12 0 0,1 1 1 0 0,0-1-1 0 0,-1 0 1 0 0,1 0 0 0 0,-1 0-1 0 0,1 0 1 0 0,-1-1-1 0 0,0 1 1 0 0,0 0 0 0 0,0-1-1 0 0,0 1 1 0 0,0-1 0 0 0,0 0-1 0 0,0 1 1 0 0,-1-1-1 0 0,-2 1 1 0 0,4-2-50 0 0,0 0 0 0 0,0 0 0 0 0,0 0-1 0 0,0 0 1 0 0,0-1 0 0 0,0 1 0 0 0,0 0 0 0 0,0 0 0 0 0,0-1 0 0 0,0 1-1 0 0,0-1 1 0 0,0 1 0 0 0,0-1 0 0 0,-1 0 0 0 0,-5-4-2713 0 0</inkml:trace>
-</inkml:ink>
-</file>
-
-<file path=ppt/ink/ink126.xml><?xml version="1.0" encoding="utf-8"?>
-<inkml:ink xmlns:inkml="http://www.w3.org/2003/InkML">
-  <inkml:definitions>
-    <inkml:context xml:id="ctx0">
-      <inkml:inkSource xml:id="inkSrc0">
-        <inkml:traceFormat>
-          <inkml:channel name="X" type="integer" min="-2.14748E9" max="2.14748E9" units="cm"/>
-          <inkml:channel name="Y" type="integer" min="-2.14748E9" max="2.14748E9" units="cm"/>
-          <inkml:channel name="F" type="integer" max="32767" units="dev"/>
-          <inkml:channel name="OA" type="integer" max="360" units="deg"/>
-          <inkml:channel name="OE" type="integer" max="90" units="deg"/>
-        </inkml:traceFormat>
-        <inkml:channelProperties>
-          <inkml:channelProperty channel="X" name="resolution" value="1000" units="1/cm"/>
-          <inkml:channelProperty channel="Y" name="resolution" value="1000" units="1/cm"/>
-          <inkml:channelProperty channel="F" name="resolution" value="0" units="1/dev"/>
-          <inkml:channelProperty channel="OA" name="resolution" value="1000" units="1/deg"/>
-          <inkml:channelProperty channel="OE" name="resolution" value="1000" units="1/deg"/>
-        </inkml:channelProperties>
-      </inkml:inkSource>
-      <inkml:timestamp xml:id="ts0" timeString="2020-11-03T16:23:36.318"/>
-    </inkml:context>
-    <inkml:brush xml:id="br0">
-      <inkml:brushProperty name="width" value="0.05" units="cm"/>
-      <inkml:brushProperty name="height" value="0.05" units="cm"/>
-      <inkml:brushProperty name="color" value="#E71224"/>
-    </inkml:brush>
-  </inkml:definitions>
-  <inkml:trace contextRef="#ctx0" brushRef="#br0">122 66 2304 0 0,'0'0'380'0'0,"-4"-17"6013"0"0,1-16-2233 0 0,3 18 5692 0 0,0 16-9776 0 0,0 1-1 0 0,0-1 1 0 0,0 1 0 0 0,0-1 0 0 0,0 0 0 0 0,1 1 0 0 0,-1-1 0 0 0,0 1-1 0 0,1-1 1 0 0,-1 0 0 0 0,1 1 0 0 0,-1-1 0 0 0,1 0 0 0 0,0 0 0 0 0,0 2 0 0 0,2 1-69 0 0,41 54 2049 0 0,-36-47-1887 0 0,1 0-1 0 0,12 12 1 0 0,-11-13 99 0 0,17 24 0 0 0,-13-14-69 0 0,-2 1 0 0 0,0 0 0 0 0,-1 1 0 0 0,-1 0 0 0 0,-2 0 0 0 0,0 1 0 0 0,-1 1 0 0 0,6 39 0 0 0,-9-35-145 0 0,-1 1-1 0 0,-2 0 1 0 0,-1 0 0 0 0,-5 36-1 0 0,4-52-35 0 0,-2 0-1 0 0,0 0 1 0 0,0 0 0 0 0,-1 0-1 0 0,-1 0 1 0 0,0-1 0 0 0,-1 0-1 0 0,0 0 1 0 0,0 0 0 0 0,-2-1-1 0 0,-12 16 1 0 0,9-16 4 0 0,0 0 0 0 0,-18 12 1 0 0,-7 6 27 0 0,23-18-24 0 0,0-1 1 0 0,-24 13-1 0 0,11-8 23 0 0,18-9-45 0 0,0 0 0 0 0,0 1 0 0 0,-11 12 0 0 0,-6 5-62 0 0,-1 1-17 0 0,25-24 11 0 0,10-1-5392 0 0</inkml:trace>
-</inkml:ink>
-</file>
-
-<file path=ppt/ink/ink13.xml><?xml version="1.0" encoding="utf-8"?>
+<file path=ppt/ink/ink29.xml><?xml version="1.0" encoding="utf-8"?>
 <inkml:ink xmlns:inkml="http://www.w3.org/2003/InkML">
   <inkml:definitions>
     <inkml:context xml:id="ctx0">
@@ -1172,7 +2228,39 @@
 </inkml:ink>
 </file>
 
-<file path=ppt/ink/ink14.xml><?xml version="1.0" encoding="utf-8"?>
+<file path=ppt/ink/ink3.xml><?xml version="1.0" encoding="utf-8"?>
+<inkml:ink xmlns:inkml="http://www.w3.org/2003/InkML">
+  <inkml:definitions>
+    <inkml:context xml:id="ctx0">
+      <inkml:inkSource xml:id="inkSrc0">
+        <inkml:traceFormat>
+          <inkml:channel name="X" type="integer" min="-2.14748E9" max="2.14748E9" units="cm"/>
+          <inkml:channel name="Y" type="integer" min="-2.14748E9" max="2.14748E9" units="cm"/>
+          <inkml:channel name="F" type="integer" max="32767" units="dev"/>
+          <inkml:channel name="OA" type="integer" max="360" units="deg"/>
+          <inkml:channel name="OE" type="integer" max="90" units="deg"/>
+        </inkml:traceFormat>
+        <inkml:channelProperties>
+          <inkml:channelProperty channel="X" name="resolution" value="1000" units="1/cm"/>
+          <inkml:channelProperty channel="Y" name="resolution" value="1000" units="1/cm"/>
+          <inkml:channelProperty channel="F" name="resolution" value="0" units="1/dev"/>
+          <inkml:channelProperty channel="OA" name="resolution" value="1000" units="1/deg"/>
+          <inkml:channelProperty channel="OE" name="resolution" value="1000" units="1/deg"/>
+        </inkml:channelProperties>
+      </inkml:inkSource>
+      <inkml:timestamp xml:id="ts0" timeString="2020-11-04T17:00:44.906"/>
+    </inkml:context>
+    <inkml:brush xml:id="br0">
+      <inkml:brushProperty name="width" value="0.05" units="cm"/>
+      <inkml:brushProperty name="height" value="0.05" units="cm"/>
+      <inkml:brushProperty name="color" value="#004F8B"/>
+    </inkml:brush>
+  </inkml:definitions>
+  <inkml:trace contextRef="#ctx0" brushRef="#br0">171 42 6648 0 0,'0'0'300'0'0,"12"-5"200"0"0,8-15 3704 0 0,-5 13-2504 0 0,0-2 4903 0 0,-27 10-5903 0 0,5 2-574 0 0,0-1-1 0 0,1 1 1 0 0,-1 0-1 0 0,1 0 0 0 0,-7 6 1 0 0,-10 3 380 0 0,10-5-183 0 0,0 0 0 0 0,1 0 0 0 0,0 1 0 0 0,0 1 0 0 0,1 0 0 0 0,0 1-1 0 0,0 0 1 0 0,1 1 0 0 0,-9 12 0 0 0,16-18-221 0 0,-1 1 0 0 0,1-1 0 0 0,0 1 0 0 0,0 0-1 0 0,1 0 1 0 0,0 1 0 0 0,0-1 0 0 0,0 0 0 0 0,1 1 0 0 0,0-1 0 0 0,0 1-1 0 0,1-1 1 0 0,0 8 0 0 0,0-9-63 0 0,0-1 0 0 0,1 0-1 0 0,0 1 1 0 0,0-1 0 0 0,0 0 0 0 0,0 0-1 0 0,1 0 1 0 0,0 0 0 0 0,-1 0 0 0 0,2 0 0 0 0,-1 0-1 0 0,0 0 1 0 0,1-1 0 0 0,-1 1 0 0 0,1-1-1 0 0,0 0 1 0 0,0 0 0 0 0,1 0 0 0 0,-1 0-1 0 0,6 3 1 0 0,1 0-10 0 0,0-1 0 0 0,0 0 0 0 0,0-1-1 0 0,1 0 1 0 0,0-1 0 0 0,0 0 0 0 0,0-1 0 0 0,0 0 0 0 0,0-1-1 0 0,1 0 1 0 0,-1 0 0 0 0,22-3 0 0 0,-8 0-189 0 0,24-2-552 0 0,-44 3 183 0 0,-1 0-1 0 0,1-1 0 0 0,-1 1 1 0 0,1-1-1 0 0,-1 0 0 0 0,0 0 1 0 0,0 0-1 0 0,6-4 0 0 0,2-4-7637 0 0</inkml:trace>
+</inkml:ink>
+</file>
+
+<file path=ppt/ink/ink30.xml><?xml version="1.0" encoding="utf-8"?>
 <inkml:ink xmlns:inkml="http://www.w3.org/2003/InkML">
   <inkml:definitions>
     <inkml:context xml:id="ctx0">
@@ -1205,7 +2293,7 @@
 </inkml:ink>
 </file>
 
-<file path=ppt/ink/ink15.xml><?xml version="1.0" encoding="utf-8"?>
+<file path=ppt/ink/ink31.xml><?xml version="1.0" encoding="utf-8"?>
 <inkml:ink xmlns:inkml="http://www.w3.org/2003/InkML">
   <inkml:definitions>
     <inkml:context xml:id="ctx0">
@@ -1237,7 +2325,7 @@
 </inkml:ink>
 </file>
 
-<file path=ppt/ink/ink16.xml><?xml version="1.0" encoding="utf-8"?>
+<file path=ppt/ink/ink32.xml><?xml version="1.0" encoding="utf-8"?>
 <inkml:ink xmlns:inkml="http://www.w3.org/2003/InkML">
   <inkml:definitions>
     <inkml:context xml:id="ctx0">
@@ -1269,7 +2357,7 @@
 </inkml:ink>
 </file>
 
-<file path=ppt/ink/ink17.xml><?xml version="1.0" encoding="utf-8"?>
+<file path=ppt/ink/ink33.xml><?xml version="1.0" encoding="utf-8"?>
 <inkml:ink xmlns:inkml="http://www.w3.org/2003/InkML">
   <inkml:definitions>
     <inkml:context xml:id="ctx0">
@@ -1301,7 +2389,7 @@
 </inkml:ink>
 </file>
 
-<file path=ppt/ink/ink18.xml><?xml version="1.0" encoding="utf-8"?>
+<file path=ppt/ink/ink34.xml><?xml version="1.0" encoding="utf-8"?>
 <inkml:ink xmlns:inkml="http://www.w3.org/2003/InkML">
   <inkml:definitions>
     <inkml:context xml:id="ctx0">
@@ -1333,7 +2421,7 @@
 </inkml:ink>
 </file>
 
-<file path=ppt/ink/ink19.xml><?xml version="1.0" encoding="utf-8"?>
+<file path=ppt/ink/ink35.xml><?xml version="1.0" encoding="utf-8"?>
 <inkml:ink xmlns:inkml="http://www.w3.org/2003/InkML">
   <inkml:definitions>
     <inkml:context xml:id="ctx0">
@@ -1365,39 +2453,7 @@
 </inkml:ink>
 </file>
 
-<file path=ppt/ink/ink2.xml><?xml version="1.0" encoding="utf-8"?>
-<inkml:ink xmlns:inkml="http://www.w3.org/2003/InkML">
-  <inkml:definitions>
-    <inkml:context xml:id="ctx0">
-      <inkml:inkSource xml:id="inkSrc0">
-        <inkml:traceFormat>
-          <inkml:channel name="X" type="integer" min="-2.14748E9" max="2.14748E9" units="cm"/>
-          <inkml:channel name="Y" type="integer" min="-2.14748E9" max="2.14748E9" units="cm"/>
-          <inkml:channel name="F" type="integer" max="32767" units="dev"/>
-          <inkml:channel name="OA" type="integer" max="360" units="deg"/>
-          <inkml:channel name="OE" type="integer" max="90" units="deg"/>
-        </inkml:traceFormat>
-        <inkml:channelProperties>
-          <inkml:channelProperty channel="X" name="resolution" value="1000" units="1/cm"/>
-          <inkml:channelProperty channel="Y" name="resolution" value="1000" units="1/cm"/>
-          <inkml:channelProperty channel="F" name="resolution" value="0" units="1/dev"/>
-          <inkml:channelProperty channel="OA" name="resolution" value="1000" units="1/deg"/>
-          <inkml:channelProperty channel="OE" name="resolution" value="1000" units="1/deg"/>
-        </inkml:channelProperties>
-      </inkml:inkSource>
-      <inkml:timestamp xml:id="ts0" timeString="2020-11-03T16:21:38.252"/>
-    </inkml:context>
-    <inkml:brush xml:id="br0">
-      <inkml:brushProperty name="width" value="0.05" units="cm"/>
-      <inkml:brushProperty name="height" value="0.05" units="cm"/>
-      <inkml:brushProperty name="color" value="#E71224"/>
-    </inkml:brush>
-  </inkml:definitions>
-  <inkml:trace contextRef="#ctx0" brushRef="#br0">119 9 6160 0 0,'0'0'904'0'0,"8"2"1276"0"0,3-1 8050 0 0,-12-2-10056 0 0,-1 0 0 0 0,0-1-1 0 0,0 1 1 0 0,0 0 0 0 0,0 1 0 0 0,0-1-1 0 0,0 0 1 0 0,0 0 0 0 0,-4 0-1 0 0,5 1-126 0 0,0-1-1 0 0,0 1 0 0 0,0 0 1 0 0,-1 0-1 0 0,1 0 0 0 0,0 0 0 0 0,0 0 1 0 0,0 0-1 0 0,0 0 0 0 0,-1 0 1 0 0,1 0-1 0 0,0 0 0 0 0,0 0 0 0 0,0 1 1 0 0,0-1-1 0 0,0 1 0 0 0,-1-1 0 0 0,1 1 1 0 0,0-1-1 0 0,-1 2 0 0 0,-2 2 122 0 0,1-1 0 0 0,-1 0 0 0 0,0 0-1 0 0,-7 5 1 0 0,8-6-110 0 0,-1 1 0 0 0,1-1-1 0 0,0 1 1 0 0,0-1 0 0 0,0 1 0 0 0,0 0-1 0 0,0 0 1 0 0,-3 5 0 0 0,-2 5 68 0 0,5-9-72 0 0,0 1 1 0 0,0 0 0 0 0,0 0 0 0 0,1 0-1 0 0,0 0 1 0 0,0 0 0 0 0,0 0 0 0 0,0 1 0 0 0,0 5-1 0 0,2-10 89 0 0,5 10-2 0 0,-4-10-121 0 0,0 1 0 0 0,0-1 0 0 0,0 1 0 0 0,1-1 0 0 0,-1 0 0 0 0,0 0 0 0 0,1 1-1 0 0,-1-1 1 0 0,1 0 0 0 0,0 0 0 0 0,-1-1 0 0 0,3 2 0 0 0,15 7 237 0 0,9 3 70 0 0,-26-12-295 0 0,1 1 0 0 0,0 0 0 0 0,-1 0 0 0 0,0 0 0 0 0,1 1 0 0 0,-1-1 0 0 0,0 0 0 0 0,1 1 1 0 0,-1 0-1 0 0,0-1 0 0 0,0 1 0 0 0,0 0 0 0 0,0 0 0 0 0,-1 0 0 0 0,1 0 0 0 0,-1 0 0 0 0,1 1 0 0 0,1 2 0 0 0,-1-2 5 0 0,0-1-1 0 0,-1 1 1 0 0,1 0-1 0 0,-1-1 1 0 0,1 1 0 0 0,-1 0-1 0 0,0 0 1 0 0,0 0-1 0 0,0 0 1 0 0,-1 0-1 0 0,1 0 1 0 0,-1 0 0 0 0,1 6-1 0 0,-2 0 11 0 0,-1 1 1 0 0,1-1-1 0 0,-2 0 0 0 0,1 0 0 0 0,-1 0 1 0 0,-8 16-1 0 0,7-19-28 0 0,1 1 0 0 0,-2 0 0 0 0,1-1 0 0 0,-1 0 0 0 0,0 0 0 0 0,-7 6 0 0 0,8-8-104 0 0,1-1 0 0 0,-1 0 0 0 0,0 0 0 0 0,0 0 0 0 0,-1 0 0 0 0,1-1-1 0 0,-1 1 1 0 0,1-1 0 0 0,-1 0 0 0 0,-6 1 0 0 0,11-3-4 0 0,0 0 1 0 0,0 0-1 0 0,0-1 0 0 0,1 1 1 0 0,-1 0-1 0 0,0 0 0 0 0,0 0 1 0 0,0-1-1 0 0,0 1 0 0 0,0 0 0 0 0,0 0 1 0 0,0 0-1 0 0,0-1 0 0 0,0 1 1 0 0,0 0-1 0 0,0 0 0 0 0,0 0 0 0 0,0-1 1 0 0,0 1-1 0 0,0 0 0 0 0,0 0 1 0 0,0 0-1 0 0,0-1 0 0 0,0 1 0 0 0,0 0 1 0 0,0 0-1 0 0,0 0 0 0 0,0-1 1 0 0,0 1-1 0 0,0 0 0 0 0,-1 0 0 0 0,1 0 1 0 0,0 0-1 0 0,0-1 0 0 0,0 1 1 0 0,0 0-1 0 0,0 0 0 0 0,-1 0 0 0 0,1 0 1 0 0,0 0-1 0 0,0-1 0 0 0,0 1 1 0 0,0 0-1 0 0,-1 0 0 0 0,1 0 0 0 0,0 0 1 0 0,0 0-1 0 0,0 0 0 0 0,-1 0 1 0 0,1 0-1 0 0,0 0 0 0 0,0 0 0 0 0,0 0 1 0 0,-1 0-1 0 0,1 0 0 0 0,0 0 1 0 0,0 0-1 0 0,0 0 0 0 0,-1 0 0 0 0,1 0 1 0 0,0 0-1 0 0,0 0 0 0 0,0 0 1 0 0,-1 0-1 0 0,1 0 0 0 0,0 1 0 0 0,0-1 1 0 0,-1 0-1 0 0,5-5-2046 0 0</inkml:trace>
-</inkml:ink>
-</file>
-
-<file path=ppt/ink/ink20.xml><?xml version="1.0" encoding="utf-8"?>
+<file path=ppt/ink/ink36.xml><?xml version="1.0" encoding="utf-8"?>
 <inkml:ink xmlns:inkml="http://www.w3.org/2003/InkML">
   <inkml:definitions>
     <inkml:context xml:id="ctx0">
@@ -1429,7 +2485,7 @@
 </inkml:ink>
 </file>
 
-<file path=ppt/ink/ink21.xml><?xml version="1.0" encoding="utf-8"?>
+<file path=ppt/ink/ink37.xml><?xml version="1.0" encoding="utf-8"?>
 <inkml:ink xmlns:inkml="http://www.w3.org/2003/InkML">
   <inkml:definitions>
     <inkml:context xml:id="ctx0">
@@ -1461,7 +2517,7 @@
 </inkml:ink>
 </file>
 
-<file path=ppt/ink/ink22.xml><?xml version="1.0" encoding="utf-8"?>
+<file path=ppt/ink/ink38.xml><?xml version="1.0" encoding="utf-8"?>
 <inkml:ink xmlns:inkml="http://www.w3.org/2003/InkML">
   <inkml:definitions>
     <inkml:context xml:id="ctx0">
@@ -1493,7 +2549,7 @@
 </inkml:ink>
 </file>
 
-<file path=ppt/ink/ink23.xml><?xml version="1.0" encoding="utf-8"?>
+<file path=ppt/ink/ink39.xml><?xml version="1.0" encoding="utf-8"?>
 <inkml:ink xmlns:inkml="http://www.w3.org/2003/InkML">
   <inkml:definitions>
     <inkml:context xml:id="ctx0">
@@ -1525,7 +2581,39 @@
 </inkml:ink>
 </file>
 
-<file path=ppt/ink/ink24.xml><?xml version="1.0" encoding="utf-8"?>
+<file path=ppt/ink/ink4.xml><?xml version="1.0" encoding="utf-8"?>
+<inkml:ink xmlns:inkml="http://www.w3.org/2003/InkML">
+  <inkml:definitions>
+    <inkml:context xml:id="ctx0">
+      <inkml:inkSource xml:id="inkSrc0">
+        <inkml:traceFormat>
+          <inkml:channel name="X" type="integer" min="-2.14748E9" max="2.14748E9" units="cm"/>
+          <inkml:channel name="Y" type="integer" min="-2.14748E9" max="2.14748E9" units="cm"/>
+          <inkml:channel name="F" type="integer" max="32767" units="dev"/>
+          <inkml:channel name="OA" type="integer" max="360" units="deg"/>
+          <inkml:channel name="OE" type="integer" max="90" units="deg"/>
+        </inkml:traceFormat>
+        <inkml:channelProperties>
+          <inkml:channelProperty channel="X" name="resolution" value="1000" units="1/cm"/>
+          <inkml:channelProperty channel="Y" name="resolution" value="1000" units="1/cm"/>
+          <inkml:channelProperty channel="F" name="resolution" value="0" units="1/dev"/>
+          <inkml:channelProperty channel="OA" name="resolution" value="1000" units="1/deg"/>
+          <inkml:channelProperty channel="OE" name="resolution" value="1000" units="1/deg"/>
+        </inkml:channelProperties>
+      </inkml:inkSource>
+      <inkml:timestamp xml:id="ts0" timeString="2020-11-04T17:00:45.254"/>
+    </inkml:context>
+    <inkml:brush xml:id="br0">
+      <inkml:brushProperty name="width" value="0.05" units="cm"/>
+      <inkml:brushProperty name="height" value="0.05" units="cm"/>
+      <inkml:brushProperty name="color" value="#004F8B"/>
+    </inkml:brush>
+  </inkml:definitions>
+  <inkml:trace contextRef="#ctx0" brushRef="#br0">28 0 9672 0 0,'-2'1'9057'0'0,"1"2"-8244"0"0,-6 133 4820 0 0,0-4-4570 0 0,0 6-384 0 0,3-90-525 0 0,4-36-264 0 0,0 0 1 0 0,1 0-1 0 0,0 0 0 0 0,1 0 0 0 0,6 22 1 0 0,-7-33-39 0 0,-1 0 1 0 0,1 0 0 0 0,-1-1 0 0 0,1 1 0 0 0,-1 0 0 0 0,1 0 0 0 0,0-1 0 0 0,-1 1 0 0 0,1 0-1 0 0,0-1 1 0 0,0 1 0 0 0,-1-1 0 0 0,1 1 0 0 0,0-1 0 0 0,0 1 0 0 0,0-1 0 0 0,0 0 0 0 0,0 1-1 0 0,0-1 1 0 0,0 0 0 0 0,-1 0 0 0 0,1 0 0 0 0,0 1 0 0 0,0-1 0 0 0,0 0 0 0 0,0 0 0 0 0,0-1 0 0 0,0 1-1 0 0,0 0 1 0 0,0 0 0 0 0,0 0 0 0 0,1-1 0 0 0,9-2-2236 0 0</inkml:trace>
+</inkml:ink>
+</file>
+
+<file path=ppt/ink/ink40.xml><?xml version="1.0" encoding="utf-8"?>
 <inkml:ink xmlns:inkml="http://www.w3.org/2003/InkML">
   <inkml:definitions>
     <inkml:context xml:id="ctx0">
@@ -1557,7 +2645,7 @@
 </inkml:ink>
 </file>
 
-<file path=ppt/ink/ink25.xml><?xml version="1.0" encoding="utf-8"?>
+<file path=ppt/ink/ink41.xml><?xml version="1.0" encoding="utf-8"?>
 <inkml:ink xmlns:inkml="http://www.w3.org/2003/InkML">
   <inkml:definitions>
     <inkml:context xml:id="ctx0">
@@ -1589,7 +2677,7 @@
 </inkml:ink>
 </file>
 
-<file path=ppt/ink/ink26.xml><?xml version="1.0" encoding="utf-8"?>
+<file path=ppt/ink/ink42.xml><?xml version="1.0" encoding="utf-8"?>
 <inkml:ink xmlns:inkml="http://www.w3.org/2003/InkML">
   <inkml:definitions>
     <inkml:context xml:id="ctx0">
@@ -1621,7 +2709,7 @@
 </inkml:ink>
 </file>
 
-<file path=ppt/ink/ink27.xml><?xml version="1.0" encoding="utf-8"?>
+<file path=ppt/ink/ink43.xml><?xml version="1.0" encoding="utf-8"?>
 <inkml:ink xmlns:inkml="http://www.w3.org/2003/InkML">
   <inkml:definitions>
     <inkml:context xml:id="ctx0">
@@ -1653,7 +2741,7 @@
 </inkml:ink>
 </file>
 
-<file path=ppt/ink/ink28.xml><?xml version="1.0" encoding="utf-8"?>
+<file path=ppt/ink/ink44.xml><?xml version="1.0" encoding="utf-8"?>
 <inkml:ink xmlns:inkml="http://www.w3.org/2003/InkML">
   <inkml:definitions>
     <inkml:context xml:id="ctx0">
@@ -1685,7 +2773,7 @@
 </inkml:ink>
 </file>
 
-<file path=ppt/ink/ink29.xml><?xml version="1.0" encoding="utf-8"?>
+<file path=ppt/ink/ink45.xml><?xml version="1.0" encoding="utf-8"?>
 <inkml:ink xmlns:inkml="http://www.w3.org/2003/InkML">
   <inkml:definitions>
     <inkml:context xml:id="ctx0">
@@ -1717,39 +2805,7 @@
 </inkml:ink>
 </file>
 
-<file path=ppt/ink/ink3.xml><?xml version="1.0" encoding="utf-8"?>
-<inkml:ink xmlns:inkml="http://www.w3.org/2003/InkML">
-  <inkml:definitions>
-    <inkml:context xml:id="ctx0">
-      <inkml:inkSource xml:id="inkSrc0">
-        <inkml:traceFormat>
-          <inkml:channel name="X" type="integer" min="-2.14748E9" max="2.14748E9" units="cm"/>
-          <inkml:channel name="Y" type="integer" min="-2.14748E9" max="2.14748E9" units="cm"/>
-          <inkml:channel name="F" type="integer" max="32767" units="dev"/>
-          <inkml:channel name="OA" type="integer" max="360" units="deg"/>
-          <inkml:channel name="OE" type="integer" max="90" units="deg"/>
-        </inkml:traceFormat>
-        <inkml:channelProperties>
-          <inkml:channelProperty channel="X" name="resolution" value="1000" units="1/cm"/>
-          <inkml:channelProperty channel="Y" name="resolution" value="1000" units="1/cm"/>
-          <inkml:channelProperty channel="F" name="resolution" value="0" units="1/dev"/>
-          <inkml:channelProperty channel="OA" name="resolution" value="1000" units="1/deg"/>
-          <inkml:channelProperty channel="OE" name="resolution" value="1000" units="1/deg"/>
-        </inkml:channelProperties>
-      </inkml:inkSource>
-      <inkml:timestamp xml:id="ts0" timeString="2020-11-03T16:21:38.671"/>
-    </inkml:context>
-    <inkml:brush xml:id="br0">
-      <inkml:brushProperty name="width" value="0.05" units="cm"/>
-      <inkml:brushProperty name="height" value="0.05" units="cm"/>
-      <inkml:brushProperty name="color" value="#E71224"/>
-    </inkml:brush>
-  </inkml:definitions>
-  <inkml:trace contextRef="#ctx0" brushRef="#br0">94 17 3224 0 0,'0'0'8416'0'0,"5"-9"-3808"0"0,-5 9-4507 0 0,-1-1 0 0 0,1 1 1 0 0,0-1-1 0 0,-1 1 1 0 0,1-1-1 0 0,-1 1 1 0 0,1-1-1 0 0,-1 1 1 0 0,1-1-1 0 0,-1 1 1 0 0,1 0-1 0 0,-1-1 1 0 0,1 1-1 0 0,-1 0 0 0 0,0-1 1 0 0,1 1-1 0 0,-1 0 1 0 0,1 0-1 0 0,-1 0 1 0 0,0 0-1 0 0,1-1 1 0 0,-1 1-1 0 0,0 0 1 0 0,0 0-1 0 0,-1 1 80 0 0,0-1 0 0 0,1 0 0 0 0,-1 1 1 0 0,0-1-1 0 0,1 1 0 0 0,-1-1 0 0 0,0 1 0 0 0,1 0 0 0 0,-3 1 0 0 0,-2 3 370 0 0,-1 0-1 0 0,1 0 0 0 0,-6 7 1 0 0,11-11-445 0 0,-3 3-109 0 0,1 1 1 0 0,-1 0-1 0 0,1 0 0 0 0,0 0 0 0 0,1 0 0 0 0,-1 1 0 0 0,1-1 0 0 0,0 1 1 0 0,1-1-1 0 0,-1 1 0 0 0,1 0 0 0 0,0 0 0 0 0,0 9 0 0 0,1-11 16 0 0,-1-2 6 0 0,1-1-1 0 0,0 1 1 0 0,0-1 0 0 0,0 1 0 0 0,0-1 0 0 0,0 1 0 0 0,0-1 0 0 0,0 1 0 0 0,1-1 0 0 0,-1 1 0 0 0,1-1 0 0 0,-1 1-1 0 0,1-1 1 0 0,-1 0 0 0 0,1 1 0 0 0,0-1 0 0 0,-1 0 0 0 0,1 1 0 0 0,0-1 0 0 0,0 0 0 0 0,0 0 0 0 0,0 0 0 0 0,0 0-1 0 0,0 0 1 0 0,2 1 0 0 0,-2-1-7 0 0,1-1-1 0 0,-1 1 0 0 0,0-1 0 0 0,0 0 1 0 0,0 1-1 0 0,1-1 0 0 0,-1 0 1 0 0,0 0-1 0 0,0 0 0 0 0,1 0 1 0 0,-1 0-1 0 0,0 0 0 0 0,1 0 0 0 0,-1 0 1 0 0,0 0-1 0 0,0-1 0 0 0,0 1 1 0 0,1-1-1 0 0,-1 1 0 0 0,0-1 0 0 0,0 1 1 0 0,0-1-1 0 0,0 1 0 0 0,0-1 1 0 0,2-1-1 0 0,0 0-24 0 0,0-1-1 0 0,0 1 1 0 0,0-1-1 0 0,0 1 1 0 0,-1-1 0 0 0,5-5-1 0 0,-4 2 17 0 0,0 0-1 0 0,-1 0 0 0 0,0 0 1 0 0,0 0-1 0 0,1-7 0 0 0,-1 7-35 0 0,-1-1-1 0 0,1 1 1 0 0,0 0-1 0 0,6-10 1 0 0,-5 5-2044 0 0</inkml:trace>
-</inkml:ink>
-</file>
-
-<file path=ppt/ink/ink30.xml><?xml version="1.0" encoding="utf-8"?>
+<file path=ppt/ink/ink46.xml><?xml version="1.0" encoding="utf-8"?>
 <inkml:ink xmlns:inkml="http://www.w3.org/2003/InkML">
   <inkml:definitions>
     <inkml:context xml:id="ctx0">
@@ -1781,7 +2837,7 @@
 </inkml:ink>
 </file>
 
-<file path=ppt/ink/ink31.xml><?xml version="1.0" encoding="utf-8"?>
+<file path=ppt/ink/ink47.xml><?xml version="1.0" encoding="utf-8"?>
 <inkml:ink xmlns:inkml="http://www.w3.org/2003/InkML">
   <inkml:definitions>
     <inkml:context xml:id="ctx0">
@@ -1814,7 +2870,7 @@
 </inkml:ink>
 </file>
 
-<file path=ppt/ink/ink32.xml><?xml version="1.0" encoding="utf-8"?>
+<file path=ppt/ink/ink48.xml><?xml version="1.0" encoding="utf-8"?>
 <inkml:ink xmlns:inkml="http://www.w3.org/2003/InkML">
   <inkml:definitions>
     <inkml:context xml:id="ctx0">
@@ -1846,7 +2902,7 @@
 </inkml:ink>
 </file>
 
-<file path=ppt/ink/ink33.xml><?xml version="1.0" encoding="utf-8"?>
+<file path=ppt/ink/ink49.xml><?xml version="1.0" encoding="utf-8"?>
 <inkml:ink xmlns:inkml="http://www.w3.org/2003/InkML">
   <inkml:definitions>
     <inkml:context xml:id="ctx0">
@@ -1878,7 +2934,39 @@
 </inkml:ink>
 </file>
 
-<file path=ppt/ink/ink34.xml><?xml version="1.0" encoding="utf-8"?>
+<file path=ppt/ink/ink5.xml><?xml version="1.0" encoding="utf-8"?>
+<inkml:ink xmlns:inkml="http://www.w3.org/2003/InkML">
+  <inkml:definitions>
+    <inkml:context xml:id="ctx0">
+      <inkml:inkSource xml:id="inkSrc0">
+        <inkml:traceFormat>
+          <inkml:channel name="X" type="integer" min="-2.14748E9" max="2.14748E9" units="cm"/>
+          <inkml:channel name="Y" type="integer" min="-2.14748E9" max="2.14748E9" units="cm"/>
+          <inkml:channel name="F" type="integer" max="32767" units="dev"/>
+          <inkml:channel name="OA" type="integer" max="360" units="deg"/>
+          <inkml:channel name="OE" type="integer" max="90" units="deg"/>
+        </inkml:traceFormat>
+        <inkml:channelProperties>
+          <inkml:channelProperty channel="X" name="resolution" value="1000" units="1/cm"/>
+          <inkml:channelProperty channel="Y" name="resolution" value="1000" units="1/cm"/>
+          <inkml:channelProperty channel="F" name="resolution" value="0" units="1/dev"/>
+          <inkml:channelProperty channel="OA" name="resolution" value="1000" units="1/deg"/>
+          <inkml:channelProperty channel="OE" name="resolution" value="1000" units="1/deg"/>
+        </inkml:channelProperties>
+      </inkml:inkSource>
+      <inkml:timestamp xml:id="ts0" timeString="2020-11-04T17:00:45.607"/>
+    </inkml:context>
+    <inkml:brush xml:id="br0">
+      <inkml:brushProperty name="width" value="0.05" units="cm"/>
+      <inkml:brushProperty name="height" value="0.05" units="cm"/>
+      <inkml:brushProperty name="color" value="#004F8B"/>
+    </inkml:brush>
+  </inkml:definitions>
+  <inkml:trace contextRef="#ctx0" brushRef="#br0">208 11 11976 0 0,'-2'-1'219'0'0,"0"0"1"0"0,1-1-1 0 0,-1 1 1 0 0,0 0 0 0 0,0 0-1 0 0,0 0 1 0 0,0 1-1 0 0,0-1 1 0 0,0 1-1 0 0,0-1 1 0 0,0 1 0 0 0,-1-1-1 0 0,1 1 1 0 0,0 0-1 0 0,0 0 1 0 0,0 0-1 0 0,0 0 1 0 0,0 1 0 0 0,-1-1-1 0 0,1 0 1 0 0,0 1-1 0 0,0-1 1 0 0,0 1-1 0 0,0 0 1 0 0,0 0 0 0 0,-2 1-1 0 0,-5 3 616 0 0,-1 0 0 0 0,1 0-1 0 0,0 1 1 0 0,-8 7 0 0 0,8-5-601 0 0,0 1 1 0 0,1-1-1 0 0,0 2 1 0 0,1-1-1 0 0,0 1 1 0 0,0 0-1 0 0,-9 19 1 0 0,12-20-77 0 0,0 0 0 0 0,0 0 0 0 0,1 1 0 0 0,0-1 0 0 0,0 1 1 0 0,1 0-1 0 0,1 0 0 0 0,0 0 0 0 0,0 18 0 0 0,1-25-74 0 0,1 0-1 0 0,-1 0 1 0 0,1 0-1 0 0,0 0 1 0 0,-1-1-1 0 0,1 1 1 0 0,1 0-1 0 0,-1 0 0 0 0,0-1 1 0 0,1 1-1 0 0,-1-1 1 0 0,1 1-1 0 0,3 3 1 0 0,-4-5-40 0 0,0 0 1 0 0,0 0 0 0 0,0 0-1 0 0,1 0 1 0 0,-1-1-1 0 0,0 1 1 0 0,0 0-1 0 0,1 0 1 0 0,-1-1 0 0 0,1 1-1 0 0,-1-1 1 0 0,0 0-1 0 0,1 1 1 0 0,-1-1-1 0 0,1 0 1 0 0,-1 0 0 0 0,1 0-1 0 0,-1 0 1 0 0,1 0-1 0 0,-1 0 1 0 0,0 0-1 0 0,1 0 1 0 0,-1 0 0 0 0,1-1-1 0 0,-1 1 1 0 0,1-1-1 0 0,-1 1 1 0 0,2-2-1 0 0,4-2 59 0 0,-1 0-1 0 0,0-1 0 0 0,0 1 0 0 0,0-1 0 0 0,-1 0 0 0 0,0-1 1 0 0,0 1-1 0 0,0-1 0 0 0,-1 0 0 0 0,7-11 0 0 0,-3 2-10 0 0,0 0 0 0 0,-1 0-1 0 0,8-27 1 0 0,18-55-2998 0 0,-29 90 860 0 0</inkml:trace>
+</inkml:ink>
+</file>
+
+<file path=ppt/ink/ink50.xml><?xml version="1.0" encoding="utf-8"?>
 <inkml:ink xmlns:inkml="http://www.w3.org/2003/InkML">
   <inkml:definitions>
     <inkml:context xml:id="ctx0">
@@ -1910,7 +2998,7 @@
 </inkml:ink>
 </file>
 
-<file path=ppt/ink/ink35.xml><?xml version="1.0" encoding="utf-8"?>
+<file path=ppt/ink/ink51.xml><?xml version="1.0" encoding="utf-8"?>
 <inkml:ink xmlns:inkml="http://www.w3.org/2003/InkML">
   <inkml:definitions>
     <inkml:context xml:id="ctx0">
@@ -1942,7 +3030,7 @@
 </inkml:ink>
 </file>
 
-<file path=ppt/ink/ink36.xml><?xml version="1.0" encoding="utf-8"?>
+<file path=ppt/ink/ink52.xml><?xml version="1.0" encoding="utf-8"?>
 <inkml:ink xmlns:inkml="http://www.w3.org/2003/InkML">
   <inkml:definitions>
     <inkml:context xml:id="ctx0">
@@ -1974,7 +3062,7 @@
 </inkml:ink>
 </file>
 
-<file path=ppt/ink/ink37.xml><?xml version="1.0" encoding="utf-8"?>
+<file path=ppt/ink/ink53.xml><?xml version="1.0" encoding="utf-8"?>
 <inkml:ink xmlns:inkml="http://www.w3.org/2003/InkML">
   <inkml:definitions>
     <inkml:context xml:id="ctx0">
@@ -2006,7 +3094,7 @@
 </inkml:ink>
 </file>
 
-<file path=ppt/ink/ink38.xml><?xml version="1.0" encoding="utf-8"?>
+<file path=ppt/ink/ink54.xml><?xml version="1.0" encoding="utf-8"?>
 <inkml:ink xmlns:inkml="http://www.w3.org/2003/InkML">
   <inkml:definitions>
     <inkml:context xml:id="ctx0">
@@ -2039,7 +3127,7 @@
 </inkml:ink>
 </file>
 
-<file path=ppt/ink/ink39.xml><?xml version="1.0" encoding="utf-8"?>
+<file path=ppt/ink/ink55.xml><?xml version="1.0" encoding="utf-8"?>
 <inkml:ink xmlns:inkml="http://www.w3.org/2003/InkML">
   <inkml:definitions>
     <inkml:context xml:id="ctx0">
@@ -2071,39 +3159,7 @@
 </inkml:ink>
 </file>
 
-<file path=ppt/ink/ink4.xml><?xml version="1.0" encoding="utf-8"?>
-<inkml:ink xmlns:inkml="http://www.w3.org/2003/InkML">
-  <inkml:definitions>
-    <inkml:context xml:id="ctx0">
-      <inkml:inkSource xml:id="inkSrc0">
-        <inkml:traceFormat>
-          <inkml:channel name="X" type="integer" min="-2.14748E9" max="2.14748E9" units="cm"/>
-          <inkml:channel name="Y" type="integer" min="-2.14748E9" max="2.14748E9" units="cm"/>
-          <inkml:channel name="F" type="integer" max="32767" units="dev"/>
-          <inkml:channel name="OA" type="integer" max="360" units="deg"/>
-          <inkml:channel name="OE" type="integer" max="90" units="deg"/>
-        </inkml:traceFormat>
-        <inkml:channelProperties>
-          <inkml:channelProperty channel="X" name="resolution" value="1000" units="1/cm"/>
-          <inkml:channelProperty channel="Y" name="resolution" value="1000" units="1/cm"/>
-          <inkml:channelProperty channel="F" name="resolution" value="0" units="1/dev"/>
-          <inkml:channelProperty channel="OA" name="resolution" value="1000" units="1/deg"/>
-          <inkml:channelProperty channel="OE" name="resolution" value="1000" units="1/deg"/>
-        </inkml:channelProperties>
-      </inkml:inkSource>
-      <inkml:timestamp xml:id="ts0" timeString="2020-11-03T16:21:39.054"/>
-    </inkml:context>
-    <inkml:brush xml:id="br0">
-      <inkml:brushProperty name="width" value="0.05" units="cm"/>
-      <inkml:brushProperty name="height" value="0.05" units="cm"/>
-      <inkml:brushProperty name="color" value="#E71224"/>
-    </inkml:brush>
-  </inkml:definitions>
-  <inkml:trace contextRef="#ctx0" brushRef="#br0">0 0 9528 0 0,'1'1'196'0'0,"0"-1"1"0"0,-1 0-1 0 0,1 0 0 0 0,0 0 1 0 0,-1 1-1 0 0,1-1 1 0 0,0 0-1 0 0,0 0 0 0 0,-1 0 1 0 0,1 0-1 0 0,0 0 1 0 0,0-1-1 0 0,-1 1 0 0 0,2 0 1 0 0,4-1 1411 0 0,-4 1-1411 0 0,1 0 0 0 0,-1 1-1 0 0,0-1 1 0 0,0 0 0 0 0,0 1-1 0 0,0-1 1 0 0,0 1 0 0 0,0 0-1 0 0,0 0 1 0 0,0 0 0 0 0,0 0 0 0 0,0 0-1 0 0,-1 0 1 0 0,1 0 0 0 0,2 3-1 0 0,-1-1-12 0 0,0 0-1 0 0,-1 0 1 0 0,1 0 0 0 0,-1 0-1 0 0,0 1 1 0 0,0-1-1 0 0,3 7 1 0 0,-1 4 149 0 0,0 0 0 0 0,0-1 0 0 0,2 26 0 0 0,-3-6 851 0 0,-5-27 384 0 0,-2-22-707 0 0,4 13-760 0 0,0-1 1 0 0,0 0-1 0 0,0 0 0 0 0,0 1 0 0 0,0-1 0 0 0,1 0 0 0 0,0 0 0 0 0,1-3 1 0 0,11-31 670 0 0,-10 29-605 0 0,2-3 59 0 0,-5 9-184 0 0,1 0 0 0 0,0-1 1 0 0,0 1-1 0 0,0 0 0 0 0,1 0 1 0 0,-1 0-1 0 0,1 0 0 0 0,0 0 1 0 0,-1 0-1 0 0,1 0 0 0 0,1 1 1 0 0,-1-1-1 0 0,0 1 1 0 0,5-4-1 0 0,-6 5-46 0 0,-1 1 0 0 0,1 0 1 0 0,-1 0-1 0 0,1 0 0 0 0,-1 0 0 0 0,0 0 0 0 0,1 0 1 0 0,-1 0-1 0 0,1 0 0 0 0,-1 0 0 0 0,1 0 0 0 0,-1 0 1 0 0,1 0-1 0 0,-1 0 0 0 0,1 0 0 0 0,-1 0 1 0 0,1 0-1 0 0,-1 1 0 0 0,1-1 0 0 0,-1 0 0 0 0,0 0 1 0 0,1 0-1 0 0,-1 1 0 0 0,1-1 0 0 0,-1 0 0 0 0,0 1 1 0 0,1-1-1 0 0,-1 0 0 0 0,1 1 0 0 0,5 9-397 0 0,3 15-3213 0 0,-7-20 1924 0 0</inkml:trace>
-</inkml:ink>
-</file>
-
-<file path=ppt/ink/ink40.xml><?xml version="1.0" encoding="utf-8"?>
+<file path=ppt/ink/ink56.xml><?xml version="1.0" encoding="utf-8"?>
 <inkml:ink xmlns:inkml="http://www.w3.org/2003/InkML">
   <inkml:definitions>
     <inkml:context xml:id="ctx0">
@@ -2135,7 +3191,7 @@
 </inkml:ink>
 </file>
 
-<file path=ppt/ink/ink41.xml><?xml version="1.0" encoding="utf-8"?>
+<file path=ppt/ink/ink57.xml><?xml version="1.0" encoding="utf-8"?>
 <inkml:ink xmlns:inkml="http://www.w3.org/2003/InkML">
   <inkml:definitions>
     <inkml:context xml:id="ctx0">
@@ -2167,7 +3223,7 @@
 </inkml:ink>
 </file>
 
-<file path=ppt/ink/ink42.xml><?xml version="1.0" encoding="utf-8"?>
+<file path=ppt/ink/ink58.xml><?xml version="1.0" encoding="utf-8"?>
 <inkml:ink xmlns:inkml="http://www.w3.org/2003/InkML">
   <inkml:definitions>
     <inkml:context xml:id="ctx0">
@@ -2199,7 +3255,7 @@
 </inkml:ink>
 </file>
 
-<file path=ppt/ink/ink43.xml><?xml version="1.0" encoding="utf-8"?>
+<file path=ppt/ink/ink59.xml><?xml version="1.0" encoding="utf-8"?>
 <inkml:ink xmlns:inkml="http://www.w3.org/2003/InkML">
   <inkml:definitions>
     <inkml:context xml:id="ctx0">
@@ -2231,7 +3287,39 @@
 </inkml:ink>
 </file>
 
-<file path=ppt/ink/ink44.xml><?xml version="1.0" encoding="utf-8"?>
+<file path=ppt/ink/ink6.xml><?xml version="1.0" encoding="utf-8"?>
+<inkml:ink xmlns:inkml="http://www.w3.org/2003/InkML">
+  <inkml:definitions>
+    <inkml:context xml:id="ctx0">
+      <inkml:inkSource xml:id="inkSrc0">
+        <inkml:traceFormat>
+          <inkml:channel name="X" type="integer" min="-2.14748E9" max="2.14748E9" units="cm"/>
+          <inkml:channel name="Y" type="integer" min="-2.14748E9" max="2.14748E9" units="cm"/>
+          <inkml:channel name="F" type="integer" max="32767" units="dev"/>
+          <inkml:channel name="OA" type="integer" max="360" units="deg"/>
+          <inkml:channel name="OE" type="integer" max="90" units="deg"/>
+        </inkml:traceFormat>
+        <inkml:channelProperties>
+          <inkml:channelProperty channel="X" name="resolution" value="1000" units="1/cm"/>
+          <inkml:channelProperty channel="Y" name="resolution" value="1000" units="1/cm"/>
+          <inkml:channelProperty channel="F" name="resolution" value="0" units="1/dev"/>
+          <inkml:channelProperty channel="OA" name="resolution" value="1000" units="1/deg"/>
+          <inkml:channelProperty channel="OE" name="resolution" value="1000" units="1/deg"/>
+        </inkml:channelProperties>
+      </inkml:inkSource>
+      <inkml:timestamp xml:id="ts0" timeString="2020-11-04T17:00:46.033"/>
+    </inkml:context>
+    <inkml:brush xml:id="br0">
+      <inkml:brushProperty name="width" value="0.05" units="cm"/>
+      <inkml:brushProperty name="height" value="0.05" units="cm"/>
+      <inkml:brushProperty name="color" value="#004F8B"/>
+    </inkml:brush>
+  </inkml:definitions>
+  <inkml:trace contextRef="#ctx0" brushRef="#br0">248 0 11488 0 0,'0'0'1040'0'0,"-15"3"948"0"0,7-3-677 0 0,1 1 1 0 0,0 0 0 0 0,-13 2-1 0 0,15-1-958 0 0,0-1-1 0 0,-1 1 1 0 0,1 0-1 0 0,0 0 1 0 0,0 1-1 0 0,1-1 1 0 0,-1 1-1 0 0,0 0 1 0 0,1 0-1 0 0,0 1 0 0 0,0-1 1 0 0,0 1-1 0 0,0 0 1 0 0,0 0-1 0 0,-5 9 1 0 0,20-3-116 0 0,-8-8-89 0 0,0 0-1 0 0,-1 0 1 0 0,1-1-1 0 0,0 1 1 0 0,0-1-1 0 0,0 0 0 0 0,0 1 1 0 0,0-1-1 0 0,6 0 1 0 0,31 4 406 0 0,-8-2-575 0 0,-27-3 72 0 0,3 1 82 0 0,0 1 0 0 0,-1-1-1 0 0,1 1 1 0 0,-1 1-1 0 0,12 4 1 0 0,-18-6-112 0 0,1 0 1 0 0,-1 0-1 0 0,1 0 0 0 0,-1 0 1 0 0,0 0-1 0 0,0 0 1 0 0,1 0-1 0 0,-1 0 0 0 0,0 0 1 0 0,0 1-1 0 0,0-1 0 0 0,0 0 1 0 0,0 1-1 0 0,-1-1 0 0 0,1 1 1 0 0,0-1-1 0 0,-1 1 1 0 0,1 0-1 0 0,-1-1 0 0 0,1 1 1 0 0,-1-1-1 0 0,0 1 0 0 0,0 0 1 0 0,1-1-1 0 0,-1 1 1 0 0,0 0-1 0 0,-1-1 0 0 0,1 1 1 0 0,0 0-1 0 0,0-1 0 0 0,-1 1 1 0 0,0 2-1 0 0,-2 4 27 0 0,0 1 1 0 0,-1 0-1 0 0,0-1 0 0 0,-1 1 0 0 0,0-1 1 0 0,0 0-1 0 0,-12 14 0 0 0,2-7-4 0 0,0 1 0 0 0,-24 17-1 0 0,24-22-248 0 0,-1 0 0 0 0,0-1-1 0 0,0-1 1 0 0,-1-1 0 0 0,0 0-1 0 0,-1-1 1 0 0,0-1 0 0 0,-23 5-1 0 0,40-10 28 0 0,-1-1 0 0 0,1 0 0 0 0,0 0-1 0 0,0 0 1 0 0,0 0 0 0 0,0 0-1 0 0,0 0 1 0 0,0 0 0 0 0,0 0-1 0 0,0 0 1 0 0,0 0 0 0 0,0 0-1 0 0,0-1 1 0 0,0 1 0 0 0,-1-1-1 0 0,1 1 1 0 0,1-1 0 0 0,-1 1-1 0 0,-1-1 1 0 0,5-7-3086 0 0,4 1 1609 0 0</inkml:trace>
+</inkml:ink>
+</file>
+
+<file path=ppt/ink/ink60.xml><?xml version="1.0" encoding="utf-8"?>
 <inkml:ink xmlns:inkml="http://www.w3.org/2003/InkML">
   <inkml:definitions>
     <inkml:context xml:id="ctx0">
@@ -2263,7 +3351,7 @@
 </inkml:ink>
 </file>
 
-<file path=ppt/ink/ink45.xml><?xml version="1.0" encoding="utf-8"?>
+<file path=ppt/ink/ink61.xml><?xml version="1.0" encoding="utf-8"?>
 <inkml:ink xmlns:inkml="http://www.w3.org/2003/InkML">
   <inkml:definitions>
     <inkml:context xml:id="ctx0">
@@ -2295,7 +3383,7 @@
 </inkml:ink>
 </file>
 
-<file path=ppt/ink/ink46.xml><?xml version="1.0" encoding="utf-8"?>
+<file path=ppt/ink/ink62.xml><?xml version="1.0" encoding="utf-8"?>
 <inkml:ink xmlns:inkml="http://www.w3.org/2003/InkML">
   <inkml:definitions>
     <inkml:context xml:id="ctx0">
@@ -2327,7 +3415,7 @@
 </inkml:ink>
 </file>
 
-<file path=ppt/ink/ink47.xml><?xml version="1.0" encoding="utf-8"?>
+<file path=ppt/ink/ink63.xml><?xml version="1.0" encoding="utf-8"?>
 <inkml:ink xmlns:inkml="http://www.w3.org/2003/InkML">
   <inkml:definitions>
     <inkml:context xml:id="ctx0">
@@ -2359,7 +3447,7 @@
 </inkml:ink>
 </file>
 
-<file path=ppt/ink/ink48.xml><?xml version="1.0" encoding="utf-8"?>
+<file path=ppt/ink/ink64.xml><?xml version="1.0" encoding="utf-8"?>
 <inkml:ink xmlns:inkml="http://www.w3.org/2003/InkML">
   <inkml:definitions>
     <inkml:context xml:id="ctx0">
@@ -2391,7 +3479,7 @@
 </inkml:ink>
 </file>
 
-<file path=ppt/ink/ink49.xml><?xml version="1.0" encoding="utf-8"?>
+<file path=ppt/ink/ink65.xml><?xml version="1.0" encoding="utf-8"?>
 <inkml:ink xmlns:inkml="http://www.w3.org/2003/InkML">
   <inkml:definitions>
     <inkml:context xml:id="ctx0">
@@ -2423,39 +3511,7 @@
 </inkml:ink>
 </file>
 
-<file path=ppt/ink/ink5.xml><?xml version="1.0" encoding="utf-8"?>
-<inkml:ink xmlns:inkml="http://www.w3.org/2003/InkML">
-  <inkml:definitions>
-    <inkml:context xml:id="ctx0">
-      <inkml:inkSource xml:id="inkSrc0">
-        <inkml:traceFormat>
-          <inkml:channel name="X" type="integer" min="-2.14748E9" max="2.14748E9" units="cm"/>
-          <inkml:channel name="Y" type="integer" min="-2.14748E9" max="2.14748E9" units="cm"/>
-          <inkml:channel name="F" type="integer" max="32767" units="dev"/>
-          <inkml:channel name="OA" type="integer" max="360" units="deg"/>
-          <inkml:channel name="OE" type="integer" max="90" units="deg"/>
-        </inkml:traceFormat>
-        <inkml:channelProperties>
-          <inkml:channelProperty channel="X" name="resolution" value="1000" units="1/cm"/>
-          <inkml:channelProperty channel="Y" name="resolution" value="1000" units="1/cm"/>
-          <inkml:channelProperty channel="F" name="resolution" value="0" units="1/dev"/>
-          <inkml:channelProperty channel="OA" name="resolution" value="1000" units="1/deg"/>
-          <inkml:channelProperty channel="OE" name="resolution" value="1000" units="1/deg"/>
-        </inkml:channelProperties>
-      </inkml:inkSource>
-      <inkml:timestamp xml:id="ts0" timeString="2020-11-03T16:21:39.369"/>
-    </inkml:context>
-    <inkml:brush xml:id="br0">
-      <inkml:brushProperty name="width" value="0.05" units="cm"/>
-      <inkml:brushProperty name="height" value="0.05" units="cm"/>
-      <inkml:brushProperty name="color" value="#E71224"/>
-    </inkml:brush>
-  </inkml:definitions>
-  <inkml:trace contextRef="#ctx0" brushRef="#br0">1 1 2760 0 0,'0'0'125'0'0,"3"3"434"0"0,9 12 7965 0 0,-4 3-3745 0 0,2 24-1764 0 0,-1-1-1026 0 0,-6-28-1416 0 0,0 0 0 0 0,2 24 0 0 0,-2-9-524 0 0,6 77-49 0 0,-5-14 150 0 0,-4-52-8910 0 0</inkml:trace>
-</inkml:ink>
-</file>
-
-<file path=ppt/ink/ink50.xml><?xml version="1.0" encoding="utf-8"?>
+<file path=ppt/ink/ink66.xml><?xml version="1.0" encoding="utf-8"?>
 <inkml:ink xmlns:inkml="http://www.w3.org/2003/InkML">
   <inkml:definitions>
     <inkml:context xml:id="ctx0">
@@ -2487,7 +3543,7 @@
 </inkml:ink>
 </file>
 
-<file path=ppt/ink/ink51.xml><?xml version="1.0" encoding="utf-8"?>
+<file path=ppt/ink/ink67.xml><?xml version="1.0" encoding="utf-8"?>
 <inkml:ink xmlns:inkml="http://www.w3.org/2003/InkML">
   <inkml:definitions>
     <inkml:context xml:id="ctx0">
@@ -2519,7 +3575,7 @@
 </inkml:ink>
 </file>
 
-<file path=ppt/ink/ink52.xml><?xml version="1.0" encoding="utf-8"?>
+<file path=ppt/ink/ink68.xml><?xml version="1.0" encoding="utf-8"?>
 <inkml:ink xmlns:inkml="http://www.w3.org/2003/InkML">
   <inkml:definitions>
     <inkml:context xml:id="ctx0">
@@ -2551,7 +3607,7 @@
 </inkml:ink>
 </file>
 
-<file path=ppt/ink/ink53.xml><?xml version="1.0" encoding="utf-8"?>
+<file path=ppt/ink/ink69.xml><?xml version="1.0" encoding="utf-8"?>
 <inkml:ink xmlns:inkml="http://www.w3.org/2003/InkML">
   <inkml:definitions>
     <inkml:context xml:id="ctx0">
@@ -2583,7 +3639,39 @@
 </inkml:ink>
 </file>
 
-<file path=ppt/ink/ink54.xml><?xml version="1.0" encoding="utf-8"?>
+<file path=ppt/ink/ink7.xml><?xml version="1.0" encoding="utf-8"?>
+<inkml:ink xmlns:inkml="http://www.w3.org/2003/InkML">
+  <inkml:definitions>
+    <inkml:context xml:id="ctx0">
+      <inkml:inkSource xml:id="inkSrc0">
+        <inkml:traceFormat>
+          <inkml:channel name="X" type="integer" min="-2.14748E9" max="2.14748E9" units="cm"/>
+          <inkml:channel name="Y" type="integer" min="-2.14748E9" max="2.14748E9" units="cm"/>
+          <inkml:channel name="F" type="integer" max="32767" units="dev"/>
+          <inkml:channel name="OA" type="integer" max="360" units="deg"/>
+          <inkml:channel name="OE" type="integer" max="90" units="deg"/>
+        </inkml:traceFormat>
+        <inkml:channelProperties>
+          <inkml:channelProperty channel="X" name="resolution" value="1000" units="1/cm"/>
+          <inkml:channelProperty channel="Y" name="resolution" value="1000" units="1/cm"/>
+          <inkml:channelProperty channel="F" name="resolution" value="0" units="1/dev"/>
+          <inkml:channelProperty channel="OA" name="resolution" value="1000" units="1/deg"/>
+          <inkml:channelProperty channel="OE" name="resolution" value="1000" units="1/deg"/>
+        </inkml:channelProperties>
+      </inkml:inkSource>
+      <inkml:timestamp xml:id="ts0" timeString="2020-11-04T17:00:46.392"/>
+    </inkml:context>
+    <inkml:brush xml:id="br0">
+      <inkml:brushProperty name="width" value="0.05" units="cm"/>
+      <inkml:brushProperty name="height" value="0.05" units="cm"/>
+      <inkml:brushProperty name="color" value="#004F8B"/>
+    </inkml:brush>
+  </inkml:definitions>
+  <inkml:trace contextRef="#ctx0" brushRef="#br0">21 175 14912 0 0,'0'0'1357'0'0,"15"5"467"0"0,-10-6-1362 0 0,1 0 0 0 0,0 0 1 0 0,-1 0-1 0 0,1-1 0 0 0,-1 0 0 0 0,1 0 0 0 0,-1-1 1 0 0,0 0-1 0 0,0 1 0 0 0,0-2 0 0 0,-1 1 1 0 0,8-7-1 0 0,11-8 694 0 0,-11 9-989 0 0,20-20-1 0 0,-29 26-162 0 0,-1 0-1 0 0,1-1 1 0 0,-1 1-1 0 0,1-1 1 0 0,-1 1-1 0 0,0-1 0 0 0,0 0 1 0 0,-1 0-1 0 0,1 0 1 0 0,-1 0-1 0 0,1-5 1 0 0,-1 8 60 0 0,-1 0 0 0 0,0 0 1 0 0,0-1-1 0 0,0 1 1 0 0,0 0-1 0 0,0-1 0 0 0,-1 1 1 0 0,1 0-1 0 0,0 0 1 0 0,-1-1-1 0 0,1 1 0 0 0,0 0 1 0 0,-1 0-1 0 0,1 0 1 0 0,-1 0-1 0 0,0-1 0 0 0,0 1 1 0 0,1 0-1 0 0,-1 0 1 0 0,0 0-1 0 0,0 0 0 0 0,0 1 1 0 0,0-1-1 0 0,0 0 1 0 0,0 0-1 0 0,0 0 0 0 0,-2 0 1 0 0,1 0-46 0 0,-1-1-1 0 0,1 1 1 0 0,-1 0 0 0 0,0 0-1 0 0,1 1 1 0 0,-1-1 0 0 0,0 0 0 0 0,0 1-1 0 0,1 0 1 0 0,-1 0 0 0 0,-4 0-1 0 0,1 1 82 0 0,0 0-1 0 0,0 1 0 0 0,0 0 1 0 0,0 0-1 0 0,1 0 0 0 0,-1 1 1 0 0,1-1-1 0 0,-1 1 0 0 0,1 1 1 0 0,0-1-1 0 0,0 1 0 0 0,1 0 1 0 0,-1 0-1 0 0,1 0 0 0 0,-7 9 1 0 0,3-3-59 0 0,0 1-1 0 0,1 0 1 0 0,0 1 0 0 0,1 0 0 0 0,0 0-1 0 0,-5 15 1 0 0,10-23-41 0 0,-1 1 0 0 0,1-1 0 0 0,0 1 0 0 0,0 0 0 0 0,1-1 0 0 0,0 1 0 0 0,-1 0 0 0 0,2-1 0 0 0,-1 1 0 0 0,0 0 0 0 0,2 7 0 0 0,-1-9 0 0 0,0-1 0 0 0,0 1 0 0 0,0 0 0 0 0,1-1 0 0 0,-1 1 0 0 0,0-1 0 0 0,1 1 0 0 0,0-1 0 0 0,0 0 0 0 0,-1 0 0 0 0,1 0 0 0 0,0 0 0 0 0,1 0 0 0 0,-1 0 0 0 0,0 0 0 0 0,1 0 0 0 0,-1-1 0 0 0,1 0 0 0 0,4 3 0 0 0,-2-2-78 0 0,1-1 1 0 0,-1 1-1 0 0,1-1 0 0 0,0 0 1 0 0,-1 0-1 0 0,1-1 0 0 0,0 1 1 0 0,0-1-1 0 0,-1-1 0 0 0,1 1 1 0 0,8-2-1 0 0,-4-1-620 0 0,0 0 0 0 0,-1 0 0 0 0,1-1 0 0 0,-1 0 0 0 0,16-10 0 0 0,-3 1-1118 0 0</inkml:trace>
+</inkml:ink>
+</file>
+
+<file path=ppt/ink/ink70.xml><?xml version="1.0" encoding="utf-8"?>
 <inkml:ink xmlns:inkml="http://www.w3.org/2003/InkML">
   <inkml:definitions>
     <inkml:context xml:id="ctx0">
@@ -2615,7 +3703,7 @@
 </inkml:ink>
 </file>
 
-<file path=ppt/ink/ink55.xml><?xml version="1.0" encoding="utf-8"?>
+<file path=ppt/ink/ink71.xml><?xml version="1.0" encoding="utf-8"?>
 <inkml:ink xmlns:inkml="http://www.w3.org/2003/InkML">
   <inkml:definitions>
     <inkml:context xml:id="ctx0">
@@ -2647,7 +3735,7 @@
 </inkml:ink>
 </file>
 
-<file path=ppt/ink/ink56.xml><?xml version="1.0" encoding="utf-8"?>
+<file path=ppt/ink/ink72.xml><?xml version="1.0" encoding="utf-8"?>
 <inkml:ink xmlns:inkml="http://www.w3.org/2003/InkML">
   <inkml:definitions>
     <inkml:context xml:id="ctx0">
@@ -2679,7 +3767,7 @@
 </inkml:ink>
 </file>
 
-<file path=ppt/ink/ink57.xml><?xml version="1.0" encoding="utf-8"?>
+<file path=ppt/ink/ink73.xml><?xml version="1.0" encoding="utf-8"?>
 <inkml:ink xmlns:inkml="http://www.w3.org/2003/InkML">
   <inkml:definitions>
     <inkml:context xml:id="ctx0">
@@ -2711,7 +3799,7 @@
 </inkml:ink>
 </file>
 
-<file path=ppt/ink/ink58.xml><?xml version="1.0" encoding="utf-8"?>
+<file path=ppt/ink/ink74.xml><?xml version="1.0" encoding="utf-8"?>
 <inkml:ink xmlns:inkml="http://www.w3.org/2003/InkML">
   <inkml:definitions>
     <inkml:context xml:id="ctx0">
@@ -2743,7 +3831,7 @@
 </inkml:ink>
 </file>
 
-<file path=ppt/ink/ink59.xml><?xml version="1.0" encoding="utf-8"?>
+<file path=ppt/ink/ink75.xml><?xml version="1.0" encoding="utf-8"?>
 <inkml:ink xmlns:inkml="http://www.w3.org/2003/InkML">
   <inkml:definitions>
     <inkml:context xml:id="ctx0">
@@ -2775,39 +3863,7 @@
 </inkml:ink>
 </file>
 
-<file path=ppt/ink/ink6.xml><?xml version="1.0" encoding="utf-8"?>
-<inkml:ink xmlns:inkml="http://www.w3.org/2003/InkML">
-  <inkml:definitions>
-    <inkml:context xml:id="ctx0">
-      <inkml:inkSource xml:id="inkSrc0">
-        <inkml:traceFormat>
-          <inkml:channel name="X" type="integer" min="-2.14748E9" max="2.14748E9" units="cm"/>
-          <inkml:channel name="Y" type="integer" min="-2.14748E9" max="2.14748E9" units="cm"/>
-          <inkml:channel name="F" type="integer" max="32767" units="dev"/>
-          <inkml:channel name="OA" type="integer" max="360" units="deg"/>
-          <inkml:channel name="OE" type="integer" max="90" units="deg"/>
-        </inkml:traceFormat>
-        <inkml:channelProperties>
-          <inkml:channelProperty channel="X" name="resolution" value="1000" units="1/cm"/>
-          <inkml:channelProperty channel="Y" name="resolution" value="1000" units="1/cm"/>
-          <inkml:channelProperty channel="F" name="resolution" value="0" units="1/dev"/>
-          <inkml:channelProperty channel="OA" name="resolution" value="1000" units="1/deg"/>
-          <inkml:channelProperty channel="OE" name="resolution" value="1000" units="1/deg"/>
-        </inkml:channelProperties>
-      </inkml:inkSource>
-      <inkml:timestamp xml:id="ts0" timeString="2020-11-03T16:21:39.707"/>
-    </inkml:context>
-    <inkml:brush xml:id="br0">
-      <inkml:brushProperty name="width" value="0.05" units="cm"/>
-      <inkml:brushProperty name="height" value="0.05" units="cm"/>
-      <inkml:brushProperty name="color" value="#E71224"/>
-    </inkml:brush>
-  </inkml:definitions>
-  <inkml:trace contextRef="#ctx0" brushRef="#br0">1 53 6912 0 0,'0'0'11327'0'0,"6"-3"-8496"0"0,92-21 1273 0 0,-44 13-3703 0 0,15-1-401 0 0,-69 12-10 0 0,1-1-1 0 0,-1 1 1 0 0,1 0 0 0 0,-1-1-1 0 0,1 1 1 0 0,0 0-1 0 0,-1 0 1 0 0,1 0 0 0 0,0 0-1 0 0,-1-1 1 0 0,1 1-1 0 0,0 0 1 0 0,-1 0-1 0 0,1 0 1 0 0,-1 0 0 0 0,1 1-1 0 0,0-1 1 0 0,-1 0-1 0 0,1 0 1 0 0,0 0 0 0 0</inkml:trace>
-</inkml:ink>
-</file>
-
-<file path=ppt/ink/ink60.xml><?xml version="1.0" encoding="utf-8"?>
+<file path=ppt/ink/ink76.xml><?xml version="1.0" encoding="utf-8"?>
 <inkml:ink xmlns:inkml="http://www.w3.org/2003/InkML">
   <inkml:definitions>
     <inkml:context xml:id="ctx0">
@@ -2839,7 +3895,7 @@
 </inkml:ink>
 </file>
 
-<file path=ppt/ink/ink61.xml><?xml version="1.0" encoding="utf-8"?>
+<file path=ppt/ink/ink77.xml><?xml version="1.0" encoding="utf-8"?>
 <inkml:ink xmlns:inkml="http://www.w3.org/2003/InkML">
   <inkml:definitions>
     <inkml:context xml:id="ctx0">
@@ -2871,7 +3927,7 @@
 </inkml:ink>
 </file>
 
-<file path=ppt/ink/ink62.xml><?xml version="1.0" encoding="utf-8"?>
+<file path=ppt/ink/ink78.xml><?xml version="1.0" encoding="utf-8"?>
 <inkml:ink xmlns:inkml="http://www.w3.org/2003/InkML">
   <inkml:definitions>
     <inkml:context xml:id="ctx0">
@@ -2903,7 +3959,7 @@
 </inkml:ink>
 </file>
 
-<file path=ppt/ink/ink63.xml><?xml version="1.0" encoding="utf-8"?>
+<file path=ppt/ink/ink79.xml><?xml version="1.0" encoding="utf-8"?>
 <inkml:ink xmlns:inkml="http://www.w3.org/2003/InkML">
   <inkml:definitions>
     <inkml:context xml:id="ctx0">
@@ -2935,7 +3991,39 @@
 </inkml:ink>
 </file>
 
-<file path=ppt/ink/ink64.xml><?xml version="1.0" encoding="utf-8"?>
+<file path=ppt/ink/ink8.xml><?xml version="1.0" encoding="utf-8"?>
+<inkml:ink xmlns:inkml="http://www.w3.org/2003/InkML">
+  <inkml:definitions>
+    <inkml:context xml:id="ctx0">
+      <inkml:inkSource xml:id="inkSrc0">
+        <inkml:traceFormat>
+          <inkml:channel name="X" type="integer" min="-2.14748E9" max="2.14748E9" units="cm"/>
+          <inkml:channel name="Y" type="integer" min="-2.14748E9" max="2.14748E9" units="cm"/>
+          <inkml:channel name="F" type="integer" max="32767" units="dev"/>
+          <inkml:channel name="OA" type="integer" max="360" units="deg"/>
+          <inkml:channel name="OE" type="integer" max="90" units="deg"/>
+        </inkml:traceFormat>
+        <inkml:channelProperties>
+          <inkml:channelProperty channel="X" name="resolution" value="1000" units="1/cm"/>
+          <inkml:channelProperty channel="Y" name="resolution" value="1000" units="1/cm"/>
+          <inkml:channelProperty channel="F" name="resolution" value="0" units="1/dev"/>
+          <inkml:channelProperty channel="OA" name="resolution" value="1000" units="1/deg"/>
+          <inkml:channelProperty channel="OE" name="resolution" value="1000" units="1/deg"/>
+        </inkml:channelProperties>
+      </inkml:inkSource>
+      <inkml:timestamp xml:id="ts0" timeString="2020-11-04T17:00:46.814"/>
+    </inkml:context>
+    <inkml:brush xml:id="br0">
+      <inkml:brushProperty name="width" value="0.05" units="cm"/>
+      <inkml:brushProperty name="height" value="0.05" units="cm"/>
+      <inkml:brushProperty name="color" value="#004F8B"/>
+    </inkml:brush>
+  </inkml:definitions>
+  <inkml:trace contextRef="#ctx0" brushRef="#br0">164 197 8288 0 0,'0'0'638'0'0,"-6"0"1756"0"0,1 1-1355 0 0,1-1 1 0 0,-1 0 0 0 0,1 1-1 0 0,0 0 1 0 0,-1 0 0 0 0,1 0 0 0 0,-8 4-1 0 0,6-2-555 0 0,0 0 0 0 0,1 1 0 0 0,0-1 0 0 0,-1 1 0 0 0,-4 5 0 0 0,3-2-297 0 0,0 1 1 0 0,0 0 0 0 0,0 0-1 0 0,1 1 1 0 0,1 0-1 0 0,-9 16 1 0 0,10-14-141 0 0,-1 1 1 0 0,2-1-1 0 0,0 1 0 0 0,0 0 1 0 0,1 0-1 0 0,0 0 1 0 0,1 0-1 0 0,1 0 0 0 0,1 18 1 0 0,-1-21 27 0 0,1 0 1 0 0,1-1-1 0 0,-1 1 1 0 0,2-1-1 0 0,-1 0 1 0 0,1 1-1 0 0,0-1 1 0 0,1 0-1 0 0,-1-1 1 0 0,2 1-1 0 0,-1-1 1 0 0,1 0-1 0 0,11 13 1 0 0,-14-18-33 0 0,0 0 0 0 0,0 0 1 0 0,0-1-1 0 0,1 1 1 0 0,-1 0-1 0 0,1-1 1 0 0,-1 0-1 0 0,1 1 0 0 0,-1-1 1 0 0,1 0-1 0 0,0 0 1 0 0,-1-1-1 0 0,1 1 0 0 0,0-1 1 0 0,5 1-1 0 0,-4-1 22 0 0,0 0 0 0 0,1-1 0 0 0,-1 1-1 0 0,0-1 1 0 0,1 0 0 0 0,-1 0-1 0 0,0-1 1 0 0,0 1 0 0 0,6-4 0 0 0,-2 0 12 0 0,1 0 0 0 0,-1-1 1 0 0,0 1-1 0 0,0-2 1 0 0,-1 1-1 0 0,0-1 0 0 0,0-1 1 0 0,8-10-1 0 0,-1-4 116 0 0,0 0 0 0 0,-1-2 0 0 0,-2 1-1 0 0,0-2 1 0 0,-2 1 0 0 0,12-45 0 0 0,16-157 1833 0 0,-32 185-1546 0 0,-8 8 120 0 0,-8 38-480 0 0,8-2-120 0 0,0 1 0 0 0,1-1 0 0 0,-1 1 0 0 0,1-1 0 0 0,0 1 0 0 0,0 0 0 0 0,-2 7 0 0 0,-8 32 0 0 0,8-30 0 0 0,-29 146-70 0 0,19-80 31 0 0,-13 88-1648 0 0,26-150 87 0 0,1 0-1 0 0,2 30 1 0 0,3-19-7698 0 0</inkml:trace>
+</inkml:ink>
+</file>
+
+<file path=ppt/ink/ink80.xml><?xml version="1.0" encoding="utf-8"?>
 <inkml:ink xmlns:inkml="http://www.w3.org/2003/InkML">
   <inkml:definitions>
     <inkml:context xml:id="ctx0">
@@ -2967,7 +4055,7 @@
 </inkml:ink>
 </file>
 
-<file path=ppt/ink/ink65.xml><?xml version="1.0" encoding="utf-8"?>
+<file path=ppt/ink/ink81.xml><?xml version="1.0" encoding="utf-8"?>
 <inkml:ink xmlns:inkml="http://www.w3.org/2003/InkML">
   <inkml:definitions>
     <inkml:context xml:id="ctx0">
@@ -2999,7 +4087,7 @@
 </inkml:ink>
 </file>
 
-<file path=ppt/ink/ink66.xml><?xml version="1.0" encoding="utf-8"?>
+<file path=ppt/ink/ink82.xml><?xml version="1.0" encoding="utf-8"?>
 <inkml:ink xmlns:inkml="http://www.w3.org/2003/InkML">
   <inkml:definitions>
     <inkml:context xml:id="ctx0">
@@ -3031,7 +4119,7 @@
 </inkml:ink>
 </file>
 
-<file path=ppt/ink/ink67.xml><?xml version="1.0" encoding="utf-8"?>
+<file path=ppt/ink/ink83.xml><?xml version="1.0" encoding="utf-8"?>
 <inkml:ink xmlns:inkml="http://www.w3.org/2003/InkML">
   <inkml:definitions>
     <inkml:context xml:id="ctx0">
@@ -3063,7 +4151,7 @@
 </inkml:ink>
 </file>
 
-<file path=ppt/ink/ink68.xml><?xml version="1.0" encoding="utf-8"?>
+<file path=ppt/ink/ink84.xml><?xml version="1.0" encoding="utf-8"?>
 <inkml:ink xmlns:inkml="http://www.w3.org/2003/InkML">
   <inkml:definitions>
     <inkml:context xml:id="ctx0">
@@ -3095,7 +4183,7 @@
 </inkml:ink>
 </file>
 
-<file path=ppt/ink/ink69.xml><?xml version="1.0" encoding="utf-8"?>
+<file path=ppt/ink/ink85.xml><?xml version="1.0" encoding="utf-8"?>
 <inkml:ink xmlns:inkml="http://www.w3.org/2003/InkML">
   <inkml:definitions>
     <inkml:context xml:id="ctx0">
@@ -3127,39 +4215,7 @@
 </inkml:ink>
 </file>
 
-<file path=ppt/ink/ink7.xml><?xml version="1.0" encoding="utf-8"?>
-<inkml:ink xmlns:inkml="http://www.w3.org/2003/InkML">
-  <inkml:definitions>
-    <inkml:context xml:id="ctx0">
-      <inkml:inkSource xml:id="inkSrc0">
-        <inkml:traceFormat>
-          <inkml:channel name="X" type="integer" min="-2.14748E9" max="2.14748E9" units="cm"/>
-          <inkml:channel name="Y" type="integer" min="-2.14748E9" max="2.14748E9" units="cm"/>
-          <inkml:channel name="F" type="integer" max="32767" units="dev"/>
-          <inkml:channel name="OA" type="integer" max="360" units="deg"/>
-          <inkml:channel name="OE" type="integer" max="90" units="deg"/>
-        </inkml:traceFormat>
-        <inkml:channelProperties>
-          <inkml:channelProperty channel="X" name="resolution" value="1000" units="1/cm"/>
-          <inkml:channelProperty channel="Y" name="resolution" value="1000" units="1/cm"/>
-          <inkml:channelProperty channel="F" name="resolution" value="0" units="1/dev"/>
-          <inkml:channelProperty channel="OA" name="resolution" value="1000" units="1/deg"/>
-          <inkml:channelProperty channel="OE" name="resolution" value="1000" units="1/deg"/>
-        </inkml:channelProperties>
-      </inkml:inkSource>
-      <inkml:timestamp xml:id="ts0" timeString="2020-11-03T16:21:40.039"/>
-    </inkml:context>
-    <inkml:brush xml:id="br0">
-      <inkml:brushProperty name="width" value="0.05" units="cm"/>
-      <inkml:brushProperty name="height" value="0.05" units="cm"/>
-      <inkml:brushProperty name="color" value="#E71224"/>
-    </inkml:brush>
-  </inkml:definitions>
-  <inkml:trace contextRef="#ctx0" brushRef="#br0">0 89 8288 0 0,'0'0'6720'0'0,"1"0"-5971"0"0,2 2-556 0 0,-1 0 0 0 0,0-1-1 0 0,0 0 1 0 0,1 1 0 0 0,-1-1 0 0 0,0 0 0 0 0,1 0 0 0 0,-1 0-1 0 0,1-1 1 0 0,0 1 0 0 0,-1 0 0 0 0,1-1 0 0 0,0 0 0 0 0,-1 0-1 0 0,1 0 1 0 0,0 0 0 0 0,-1 0 0 0 0,1 0 0 0 0,0-1 0 0 0,-1 1 0 0 0,4-2-1 0 0,2-1 43 0 0,-4 2-138 0 0,-1 0 1 0 0,1 0 0 0 0,-1 0 0 0 0,0-1 0 0 0,1 1-1 0 0,-1-1 1 0 0,0 0 0 0 0,0 0 0 0 0,0 0 0 0 0,0-1 0 0 0,3-3-1 0 0,-3 2 41 0 0,0 1-1 0 0,-1-1 1 0 0,1 0 0 0 0,-1-1-1 0 0,0 1 1 0 0,0 0-1 0 0,0-1 1 0 0,0 1-1 0 0,-1-1 1 0 0,1-6 0 0 0,-2 10-120 0 0,0 0 0 0 0,0 0 1 0 0,0 0-1 0 0,0 0 0 0 0,-1 0 1 0 0,1 1-1 0 0,0-1 0 0 0,-1 0 1 0 0,1 0-1 0 0,-1 1 1 0 0,1-1-1 0 0,-1 0 0 0 0,1 0 1 0 0,-1 1-1 0 0,1-1 0 0 0,-1 0 1 0 0,0 1-1 0 0,1-1 0 0 0,-1 1 1 0 0,0-1-1 0 0,1 1 0 0 0,-1-1 1 0 0,0 1-1 0 0,0 0 0 0 0,0-1 1 0 0,1 1-1 0 0,-1 0 1 0 0,0-1-1 0 0,0 1 0 0 0,0 0 1 0 0,0 0-1 0 0,0 0 0 0 0,1 0 1 0 0,-1 0-1 0 0,0 0 0 0 0,0 0 1 0 0,0 0-1 0 0,0 0 0 0 0,0 0 1 0 0,1 1-1 0 0,-1-1 0 0 0,0 0 1 0 0,0 1-1 0 0,0-1 1 0 0,0 0-1 0 0,1 1 0 0 0,-1-1 1 0 0,0 1-1 0 0,1-1 0 0 0,-2 2 1 0 0,-4 4 197 0 0,-1 0 0 0 0,2 0 0 0 0,-1 0 1 0 0,1 1-1 0 0,0 0 0 0 0,0 0 1 0 0,-6 14-1 0 0,9-16-105 0 0,0 0 0 0 0,0 1 0 0 0,0-1 1 0 0,1 0-1 0 0,0 0 0 0 0,0 1 0 0 0,0-1 0 0 0,1 1 0 0 0,-1-1 1 0 0,1 1-1 0 0,1-1 0 0 0,-1 1 0 0 0,2 6 0 0 0,-2-10-108 0 0,3 2-9 0 0,3 3-9 0 0,-5-6-4 0 0,-1-1 0 0 0,1 1 1 0 0,0 0-1 0 0,-1-1 1 0 0,1 1-1 0 0,0-1 0 0 0,0 1 1 0 0,0-1-1 0 0,0 0 1 0 0,0 1-1 0 0,-1-1 1 0 0,1 0-1 0 0,0 1 0 0 0,0-1 1 0 0,0 0-1 0 0,0 0 1 0 0,0 0-1 0 0,0 0 1 0 0,0 0-1 0 0,0 0 0 0 0,0 0 1 0 0,0 0-1 0 0,2-1 1 0 0,20-8-2807 0 0,-15 4 1274 0 0</inkml:trace>
-</inkml:ink>
-</file>
-
-<file path=ppt/ink/ink70.xml><?xml version="1.0" encoding="utf-8"?>
+<file path=ppt/ink/ink86.xml><?xml version="1.0" encoding="utf-8"?>
 <inkml:ink xmlns:inkml="http://www.w3.org/2003/InkML">
   <inkml:definitions>
     <inkml:context xml:id="ctx0">
@@ -3191,7 +4247,7 @@
 </inkml:ink>
 </file>
 
-<file path=ppt/ink/ink71.xml><?xml version="1.0" encoding="utf-8"?>
+<file path=ppt/ink/ink87.xml><?xml version="1.0" encoding="utf-8"?>
 <inkml:ink xmlns:inkml="http://www.w3.org/2003/InkML">
   <inkml:definitions>
     <inkml:context xml:id="ctx0">
@@ -3223,7 +4279,7 @@
 </inkml:ink>
 </file>
 
-<file path=ppt/ink/ink72.xml><?xml version="1.0" encoding="utf-8"?>
+<file path=ppt/ink/ink88.xml><?xml version="1.0" encoding="utf-8"?>
 <inkml:ink xmlns:inkml="http://www.w3.org/2003/InkML">
   <inkml:definitions>
     <inkml:context xml:id="ctx0">
@@ -3255,7 +4311,7 @@
 </inkml:ink>
 </file>
 
-<file path=ppt/ink/ink73.xml><?xml version="1.0" encoding="utf-8"?>
+<file path=ppt/ink/ink89.xml><?xml version="1.0" encoding="utf-8"?>
 <inkml:ink xmlns:inkml="http://www.w3.org/2003/InkML">
   <inkml:definitions>
     <inkml:context xml:id="ctx0">
@@ -3287,7 +4343,39 @@
 </inkml:ink>
 </file>
 
-<file path=ppt/ink/ink74.xml><?xml version="1.0" encoding="utf-8"?>
+<file path=ppt/ink/ink9.xml><?xml version="1.0" encoding="utf-8"?>
+<inkml:ink xmlns:inkml="http://www.w3.org/2003/InkML">
+  <inkml:definitions>
+    <inkml:context xml:id="ctx0">
+      <inkml:inkSource xml:id="inkSrc0">
+        <inkml:traceFormat>
+          <inkml:channel name="X" type="integer" min="-2.14748E9" max="2.14748E9" units="cm"/>
+          <inkml:channel name="Y" type="integer" min="-2.14748E9" max="2.14748E9" units="cm"/>
+          <inkml:channel name="F" type="integer" max="32767" units="dev"/>
+          <inkml:channel name="OA" type="integer" max="360" units="deg"/>
+          <inkml:channel name="OE" type="integer" max="90" units="deg"/>
+        </inkml:traceFormat>
+        <inkml:channelProperties>
+          <inkml:channelProperty channel="X" name="resolution" value="1000" units="1/cm"/>
+          <inkml:channelProperty channel="Y" name="resolution" value="1000" units="1/cm"/>
+          <inkml:channelProperty channel="F" name="resolution" value="0" units="1/dev"/>
+          <inkml:channelProperty channel="OA" name="resolution" value="1000" units="1/deg"/>
+          <inkml:channelProperty channel="OE" name="resolution" value="1000" units="1/deg"/>
+        </inkml:channelProperties>
+      </inkml:inkSource>
+      <inkml:timestamp xml:id="ts0" timeString="2020-11-04T17:00:47.738"/>
+    </inkml:context>
+    <inkml:brush xml:id="br0">
+      <inkml:brushProperty name="width" value="0.05" units="cm"/>
+      <inkml:brushProperty name="height" value="0.05" units="cm"/>
+      <inkml:brushProperty name="color" value="#004F8B"/>
+    </inkml:brush>
+  </inkml:definitions>
+  <inkml:trace contextRef="#ctx0" brushRef="#br0">110 72 7832 0 0,'-4'4'8646'0'0,"2"6"-5838"0"0,-1 14-4075 0 0,3-16 2186 0 0,-8 67 44 0 0,-21 87-1 0 0,28-158-877 0 0,-22 79 1964 0 0,19-71-1247 0 0,-1-1-1 0 0,-10 17 1 0 0,15-27-653 0 0,-1-1-98 0 0,0-1-1 0 0,0 1 1 0 0,1-1 0 0 0,-1 1-1 0 0,0-1 1 0 0,1 0-1 0 0,-1 1 1 0 0,1-1-1 0 0,-1 0 1 0 0,1 1 0 0 0,-1-1-1 0 0,1 0 1 0 0,0 0-1 0 0,-1 0 1 0 0,1 1-1 0 0,0-1 1 0 0,-1 0 0 0 0,1 0-1 0 0,0 0 1 0 0,0 0-1 0 0,0 0 1 0 0,0 1-1 0 0,0-3 1 0 0,-1-1 191 0 0,-1-9-146 0 0,1-1 0 0 0,0 0 0 0 0,0 0 1 0 0,1 0-1 0 0,3-16 0 0 0,14-70-507 0 0,-12 77 461 0 0,-1 8 15 0 0,0-1 0 0 0,1 1 0 0 0,1 0 0 0 0,0 0 0 0 0,1 0 0 0 0,1 1 0 0 0,0 0 0 0 0,1 1 0 0 0,0-1 0 0 0,1 2 0 0 0,0-1 0 0 0,1 2 0 0 0,1-1 0 0 0,0 2 0 0 0,13-10 0 0 0,-20 16-18 0 0,1 1-1 0 0,-1 0 1 0 0,0 1-1 0 0,0-1 1 0 0,1 1-1 0 0,0 0 0 0 0,-1 1 1 0 0,1-1-1 0 0,8 0 1 0 0,-11 2-39 0 0,0 0 1 0 0,0-1-1 0 0,0 2 1 0 0,0-1-1 0 0,0 0 1 0 0,0 0-1 0 0,0 1 1 0 0,-1 0-1 0 0,1-1 0 0 0,0 1 1 0 0,0 0-1 0 0,-1 1 1 0 0,1-1-1 0 0,0 0 1 0 0,-1 1-1 0 0,0-1 1 0 0,1 1-1 0 0,-1 0 0 0 0,0 0 1 0 0,0 0-1 0 0,2 2 1 0 0,0 0 12 0 0,-1 0 0 0 0,0 1 1 0 0,0-1-1 0 0,-1 1 1 0 0,1 0-1 0 0,-1-1 0 0 0,0 1 1 0 0,0 0-1 0 0,-1 0 0 0 0,2 8 1 0 0,-2-3 29 0 0,0 0 1 0 0,-1 0 0 0 0,0 0-1 0 0,-3 16 1 0 0,1-18-20 0 0,0 0 0 0 0,0 0 1 0 0,0-1-1 0 0,-1 1 0 0 0,0-1 0 0 0,-1 1 0 0 0,0-1 0 0 0,0 0 1 0 0,0 0-1 0 0,-1-1 0 0 0,0 1 0 0 0,0-1 0 0 0,-1 0 0 0 0,0-1 1 0 0,-11 10-1 0 0,13-13-13 0 0,0 0 0 0 0,0 0 1 0 0,0-1-1 0 0,0 1 0 0 0,0-1 0 0 0,0 0 1 0 0,-1 0-1 0 0,1 0 0 0 0,0-1 1 0 0,-1 0-1 0 0,1 1 0 0 0,0-2 0 0 0,-1 1 1 0 0,1 0-1 0 0,0-1 0 0 0,-7-1 1 0 0,3 0-279 0 0,0-1 0 0 0,1 1 1 0 0,-1-1-1 0 0,1 0 0 0 0,0-1 1 0 0,-1 1-1 0 0,2-2 0 0 0,-9-5 1 0 0,15 10 188 0 0,0 0 1 0 0,-1 0-1 0 0,1 0 1 0 0,0 0-1 0 0,0 0 1 0 0,-1 0 0 0 0,1-1-1 0 0,0 1 1 0 0,0 0-1 0 0,-1 0 1 0 0,1 0-1 0 0,0 0 1 0 0,0-1-1 0 0,0 1 1 0 0,0 0-1 0 0,-1 0 1 0 0,1-1-1 0 0,0 1 1 0 0,0 0-1 0 0,0 0 1 0 0,0-1 0 0 0,0 1-1 0 0,0 0 1 0 0,0 0-1 0 0,-1-1 1 0 0,1 1-1 0 0,0 0 1 0 0,0-1-1 0 0,0 1 1 0 0,0 0-1 0 0,0 0 1 0 0,0-1-1 0 0,0 1 1 0 0,0 0-1 0 0,1 0 1 0 0,-1-1 0 0 0,0 1-1 0 0,0 0 1 0 0,0-1-1 0 0,0 1 1 0 0,0 0-1 0 0,0 0 1 0 0,0-1-1 0 0,1 1 1 0 0,-1 0-1 0 0,0 0 1 0 0,0 0-1 0 0,0-1 1 0 0,1 1-1 0 0,-1 0 1 0 0,0 0 0 0 0,0 0-1 0 0,1 0 1 0 0,-1-1-1 0 0,0 1 1 0 0,0 0-1 0 0,1 0 1 0 0,-1 0-1 0 0,6-3-2090 0 0</inkml:trace>
+</inkml:ink>
+</file>
+
+<file path=ppt/ink/ink90.xml><?xml version="1.0" encoding="utf-8"?>
 <inkml:ink xmlns:inkml="http://www.w3.org/2003/InkML">
   <inkml:definitions>
     <inkml:context xml:id="ctx0">
@@ -3319,7 +4407,7 @@
 </inkml:ink>
 </file>
 
-<file path=ppt/ink/ink75.xml><?xml version="1.0" encoding="utf-8"?>
+<file path=ppt/ink/ink91.xml><?xml version="1.0" encoding="utf-8"?>
 <inkml:ink xmlns:inkml="http://www.w3.org/2003/InkML">
   <inkml:definitions>
     <inkml:context xml:id="ctx0">
@@ -3351,7 +4439,7 @@
 </inkml:ink>
 </file>
 
-<file path=ppt/ink/ink76.xml><?xml version="1.0" encoding="utf-8"?>
+<file path=ppt/ink/ink92.xml><?xml version="1.0" encoding="utf-8"?>
 <inkml:ink xmlns:inkml="http://www.w3.org/2003/InkML">
   <inkml:definitions>
     <inkml:context xml:id="ctx0">
@@ -3383,7 +4471,7 @@
 </inkml:ink>
 </file>
 
-<file path=ppt/ink/ink77.xml><?xml version="1.0" encoding="utf-8"?>
+<file path=ppt/ink/ink93.xml><?xml version="1.0" encoding="utf-8"?>
 <inkml:ink xmlns:inkml="http://www.w3.org/2003/InkML">
   <inkml:definitions>
     <inkml:context xml:id="ctx0">
@@ -3415,7 +4503,7 @@
 </inkml:ink>
 </file>
 
-<file path=ppt/ink/ink78.xml><?xml version="1.0" encoding="utf-8"?>
+<file path=ppt/ink/ink94.xml><?xml version="1.0" encoding="utf-8"?>
 <inkml:ink xmlns:inkml="http://www.w3.org/2003/InkML">
   <inkml:definitions>
     <inkml:context xml:id="ctx0">
@@ -3447,7 +4535,7 @@
 </inkml:ink>
 </file>
 
-<file path=ppt/ink/ink79.xml><?xml version="1.0" encoding="utf-8"?>
+<file path=ppt/ink/ink95.xml><?xml version="1.0" encoding="utf-8"?>
 <inkml:ink xmlns:inkml="http://www.w3.org/2003/InkML">
   <inkml:definitions>
     <inkml:context xml:id="ctx0">
@@ -3479,39 +4567,7 @@
 </inkml:ink>
 </file>
 
-<file path=ppt/ink/ink8.xml><?xml version="1.0" encoding="utf-8"?>
-<inkml:ink xmlns:inkml="http://www.w3.org/2003/InkML">
-  <inkml:definitions>
-    <inkml:context xml:id="ctx0">
-      <inkml:inkSource xml:id="inkSrc0">
-        <inkml:traceFormat>
-          <inkml:channel name="X" type="integer" min="-2.14748E9" max="2.14748E9" units="cm"/>
-          <inkml:channel name="Y" type="integer" min="-2.14748E9" max="2.14748E9" units="cm"/>
-          <inkml:channel name="F" type="integer" max="32767" units="dev"/>
-          <inkml:channel name="OA" type="integer" max="360" units="deg"/>
-          <inkml:channel name="OE" type="integer" max="90" units="deg"/>
-        </inkml:traceFormat>
-        <inkml:channelProperties>
-          <inkml:channelProperty channel="X" name="resolution" value="1000" units="1/cm"/>
-          <inkml:channelProperty channel="Y" name="resolution" value="1000" units="1/cm"/>
-          <inkml:channelProperty channel="F" name="resolution" value="0" units="1/dev"/>
-          <inkml:channelProperty channel="OA" name="resolution" value="1000" units="1/deg"/>
-          <inkml:channelProperty channel="OE" name="resolution" value="1000" units="1/deg"/>
-        </inkml:channelProperties>
-      </inkml:inkSource>
-      <inkml:timestamp xml:id="ts0" timeString="2020-11-03T16:21:40.391"/>
-    </inkml:context>
-    <inkml:brush xml:id="br0">
-      <inkml:brushProperty name="width" value="0.05" units="cm"/>
-      <inkml:brushProperty name="height" value="0.05" units="cm"/>
-      <inkml:brushProperty name="color" value="#E71224"/>
-    </inkml:brush>
-  </inkml:definitions>
-  <inkml:trace contextRef="#ctx0" brushRef="#br0">69 204 15056 0 0,'0'1'33'0'0,"0"-1"1"0"0,-1 0-1 0 0,1 1 1 0 0,0-1-1 0 0,0 0 1 0 0,0 0-1 0 0,-1 0 1 0 0,1 1-1 0 0,0-1 1 0 0,-1 0-1 0 0,1 0 1 0 0,0 0-1 0 0,0 0 1 0 0,-1 1 0 0 0,1-1-1 0 0,0 0 1 0 0,-1 0-1 0 0,1 0 1 0 0,0 0-1 0 0,-1 0 1 0 0,1 0-1 0 0,0 0 1 0 0,-1 0-1 0 0,0 0 1 0 0,1 0-13 0 0,0 0 1 0 0,0 0-1 0 0,-1 0 1 0 0,1 0-1 0 0,0 0 1 0 0,0 0-1 0 0,-1 0 1 0 0,1 0 0 0 0,0 0-1 0 0,0 0 1 0 0,0 0-1 0 0,-1 0 1 0 0,1 0-1 0 0,0 1 1 0 0,0-1-1 0 0,-1 0 1 0 0,1 0-1 0 0,0 0 1 0 0,0 0-1 0 0,0 0 1 0 0,-1 1-1 0 0,1-1 1 0 0,0 0-1 0 0,0 0 1 0 0,0 0-1 0 0,0 0 1 0 0,-1 1-1 0 0,1-1 1 0 0,0 0-1 0 0,0 0 1 0 0,0 1-1 0 0,0-1 1 0 0,0 0-1 0 0,0 0 1 0 0,0 1-1 0 0,0-1 1 0 0,0 0-1 0 0,-18 36 1869 0 0,6-7-608 0 0,6-18-894 0 0,1 1 0 0 0,-6 22 0 0 0,10-31-325 0 0,0 1 1 0 0,1-1 0 0 0,-1 0-1 0 0,1 1 1 0 0,0-1-1 0 0,0 1 1 0 0,0-1 0 0 0,1 1-1 0 0,-1-1 1 0 0,1 0 0 0 0,0 1-1 0 0,0-1 1 0 0,0 0-1 0 0,0 1 1 0 0,2 2 0 0 0,-1-4 17 0 0,-1 1 0 0 0,1-1 0 0 0,0 0 0 0 0,0 0 0 0 0,0 0 0 0 0,0 0 0 0 0,0 0 0 0 0,1 0 0 0 0,-1-1 1 0 0,0 1-1 0 0,1-1 0 0 0,-1 1 0 0 0,4 0 0 0 0,-4-1-68 0 0,-1-1 0 0 0,1 1-1 0 0,0 0 1 0 0,0-1 0 0 0,-1 0 0 0 0,1 1 0 0 0,0-1 0 0 0,0 0 0 0 0,0 0-1 0 0,-1 0 1 0 0,1 0 0 0 0,0 0 0 0 0,0-1 0 0 0,0 1 0 0 0,-1 0-1 0 0,1-1 1 0 0,0 0 0 0 0,-1 1 0 0 0,1-1 0 0 0,0 0 0 0 0,-1 0-1 0 0,3-1 1 0 0,2-3 70 0 0,1 0 1 0 0,-1-1-1 0 0,-1 0 0 0 0,1 0 0 0 0,-1 0 0 0 0,0 0 0 0 0,0-1 0 0 0,4-9 0 0 0,2-8 99 0 0,-2-1 1 0 0,-1 0-1 0 0,-1 0 0 0 0,6-41 0 0 0,3-8 413 0 0,-8 35-241 0 0,-5 23 25 0 0,0 1-1 0 0,9-25 1 0 0,-9 37 545 0 0,-2 8-729 0 0,-2 11-194 0 0,-5 20 64 0 0,4-20-33 0 0,-5 21-1 0 0,-21 80-64 0 0,2-6-23 0 0,15-64-937 0 0,8-32-1619 0 0,0 0-3475 0 0,0-5-1979 0 0</inkml:trace>
-</inkml:ink>
-</file>
-
-<file path=ppt/ink/ink80.xml><?xml version="1.0" encoding="utf-8"?>
+<file path=ppt/ink/ink96.xml><?xml version="1.0" encoding="utf-8"?>
 <inkml:ink xmlns:inkml="http://www.w3.org/2003/InkML">
   <inkml:definitions>
     <inkml:context xml:id="ctx0">
@@ -3543,7 +4599,7 @@
 </inkml:ink>
 </file>
 
-<file path=ppt/ink/ink81.xml><?xml version="1.0" encoding="utf-8"?>
+<file path=ppt/ink/ink97.xml><?xml version="1.0" encoding="utf-8"?>
 <inkml:ink xmlns:inkml="http://www.w3.org/2003/InkML">
   <inkml:definitions>
     <inkml:context xml:id="ctx0">
@@ -3575,7 +4631,7 @@
 </inkml:ink>
 </file>
 
-<file path=ppt/ink/ink82.xml><?xml version="1.0" encoding="utf-8"?>
+<file path=ppt/ink/ink98.xml><?xml version="1.0" encoding="utf-8"?>
 <inkml:ink xmlns:inkml="http://www.w3.org/2003/InkML">
   <inkml:definitions>
     <inkml:context xml:id="ctx0">
@@ -3607,7 +4663,7 @@
 </inkml:ink>
 </file>
 
-<file path=ppt/ink/ink83.xml><?xml version="1.0" encoding="utf-8"?>
+<file path=ppt/ink/ink99.xml><?xml version="1.0" encoding="utf-8"?>
 <inkml:ink xmlns:inkml="http://www.w3.org/2003/InkML">
   <inkml:definitions>
     <inkml:context xml:id="ctx0">
@@ -3636,550 +4692,6 @@
     </inkml:brush>
   </inkml:definitions>
   <inkml:trace contextRef="#ctx0" brushRef="#br0">189 84 3224 0 0,'3'-13'312'0'0,"0"1"2681"0"0,-1 1 0 0 0,0-17 1 0 0,-2 27-2675 0 0,0 0 0 0 0,0 0 0 0 0,-1 0 0 0 0,1 0 0 0 0,0 0 0 0 0,-1 1 0 0 0,1-1 0 0 0,-1 0 0 0 0,1 0 0 0 0,-1 0 0 0 0,1 0 0 0 0,-1 1 0 0 0,1-1 0 0 0,-1 0 0 0 0,0 1 0 0 0,1-1 0 0 0,-1 0 0 0 0,0 1 0 0 0,0-1 0 0 0,-1 0 0 0 0,2 1-252 0 0,0 0 1 0 0,-1-1-1 0 0,1 1 1 0 0,0 0-1 0 0,-1 0 1 0 0,1 0-1 0 0,-1-1 1 0 0,1 1-1 0 0,0 0 1 0 0,-1 0-1 0 0,1 0 1 0 0,-1 0-1 0 0,1 0 1 0 0,0 0-1 0 0,-1 0 1 0 0,1 0-1 0 0,-1 0 1 0 0,1 0-1 0 0,0 0 1 0 0,-1 0-1 0 0,1 0 1 0 0,-1 0-1 0 0,1 1 1 0 0,0-1-1 0 0,-1 0 1 0 0,1 0-1 0 0,-1 0 1 0 0,1 1-1 0 0,0-1 1 0 0,-1 0-1 0 0,1 0 1 0 0,0 1-1 0 0,0-1 1 0 0,-1 0-1 0 0,1 1 1 0 0,0-1-1 0 0,0 0 1 0 0,-1 1-1 0 0,1-1 1 0 0,0 0-1 0 0,0 1 1 0 0,0-1-1 0 0,-1 0 1 0 0,1 1-1 0 0,0-1 1 0 0,0 1-1 0 0,-2 4 176 0 0,0 0-1 0 0,-1 0 1 0 0,1 0-1 0 0,-1 0 1 0 0,0-1-1 0 0,0 1 0 0 0,-1-1 1 0 0,1 0-1 0 0,-6 5 1 0 0,-10 12 340 0 0,5 1-343 0 0,0 0-1 0 0,1 0 1 0 0,1 2 0 0 0,2-1-1 0 0,0 1 1 0 0,1 1-1 0 0,2 0 1 0 0,0 0 0 0 0,-3 32-1 0 0,7-42-133 0 0,-1 8 200 0 0,-1 29-1 0 0,5-45-171 0 0,0 1-1 0 0,0 0 0 0 0,1 0 1 0 0,0-1-1 0 0,0 1 0 0 0,1-1 1 0 0,5 14-1 0 0,-6-19-163 0 0,0 0 0 0 0,0 1 1 0 0,1-1-1 0 0,-1 0 0 0 0,1 0 0 0 0,0 0 0 0 0,-1 0 0 0 0,1 0 0 0 0,0 0 1 0 0,0 0-1 0 0,0-1 0 0 0,0 1 0 0 0,0-1 0 0 0,1 0 0 0 0,-1 1 1 0 0,0-1-1 0 0,1 0 0 0 0,-1 0 0 0 0,1 0 0 0 0,-1-1 0 0 0,1 1 0 0 0,-1-1 1 0 0,1 1-1 0 0,0-1 0 0 0,-1 0 0 0 0,1 0 0 0 0,-1 0 0 0 0,1 0 1 0 0,0 0-1 0 0,-1-1 0 0 0,1 1 0 0 0,2-2 0 0 0,-1 2-190 0 0,-1-1 0 0 0,1 0-1 0 0,-1-1 1 0 0,0 1 0 0 0,1-1 0 0 0,-1 1-1 0 0,0-1 1 0 0,0 0 0 0 0,0 0 0 0 0,0 0 0 0 0,0-1-1 0 0,0 1 1 0 0,-1-1 0 0 0,1 1 0 0 0,-1-1-1 0 0,0 0 1 0 0,1 0 0 0 0,-1 0 0 0 0,-1 0-1 0 0,1 0 1 0 0,0-1 0 0 0,1-5 0 0 0,3-34-4076 0 0,0 21 2090 0 0</inkml:trace>
-</inkml:ink>
-</file>
-
-<file path=ppt/ink/ink84.xml><?xml version="1.0" encoding="utf-8"?>
-<inkml:ink xmlns:inkml="http://www.w3.org/2003/InkML">
-  <inkml:definitions>
-    <inkml:context xml:id="ctx0">
-      <inkml:inkSource xml:id="inkSrc0">
-        <inkml:traceFormat>
-          <inkml:channel name="X" type="integer" min="-2.14748E9" max="2.14748E9" units="cm"/>
-          <inkml:channel name="Y" type="integer" min="-2.14748E9" max="2.14748E9" units="cm"/>
-          <inkml:channel name="F" type="integer" max="32767" units="dev"/>
-          <inkml:channel name="OA" type="integer" max="360" units="deg"/>
-          <inkml:channel name="OE" type="integer" max="90" units="deg"/>
-        </inkml:traceFormat>
-        <inkml:channelProperties>
-          <inkml:channelProperty channel="X" name="resolution" value="1000" units="1/cm"/>
-          <inkml:channelProperty channel="Y" name="resolution" value="1000" units="1/cm"/>
-          <inkml:channelProperty channel="F" name="resolution" value="0" units="1/dev"/>
-          <inkml:channelProperty channel="OA" name="resolution" value="1000" units="1/deg"/>
-          <inkml:channelProperty channel="OE" name="resolution" value="1000" units="1/deg"/>
-        </inkml:channelProperties>
-      </inkml:inkSource>
-      <inkml:timestamp xml:id="ts0" timeString="2020-11-03T16:22:36.341"/>
-    </inkml:context>
-    <inkml:brush xml:id="br0">
-      <inkml:brushProperty name="width" value="0.05" units="cm"/>
-      <inkml:brushProperty name="height" value="0.05" units="cm"/>
-      <inkml:brushProperty name="color" value="#E71224"/>
-    </inkml:brush>
-  </inkml:definitions>
-  <inkml:trace contextRef="#ctx0" brushRef="#br0">1 158 6448 0 0,'0'0'8862'0'0,"7"-1"-7366"0"0,-3-1-1088 0 0,1 0 0 0 0,-1-1 0 0 0,1 1 0 0 0,-1-1 1 0 0,0 0-1 0 0,0 0 0 0 0,0-1 0 0 0,0 1 0 0 0,0-1 0 0 0,-1 0 0 0 0,0 0 0 0 0,5-6 0 0 0,1-6 811 0 0,0 1 0 0 0,8-21 0 0 0,-15 30-1013 0 0,10-30 1418 0 0,-12 43-1621 0 0,-1 0 1 0 0,1 0 0 0 0,0 0-1 0 0,1 1 1 0 0,2 7-1 0 0,9 45-7 0 0,-7-44 4 0 0,1-1 0 0 0,0 0 0 0 0,13 22 0 0 0,-19-36 18 0 0,1 1-1 0 0,0-1 0 0 0,0 0 1 0 0,0 0-1 0 0,-1 0 1 0 0,1 0-1 0 0,0 0 0 0 0,1 0 1 0 0,-1 0-1 0 0,0 0 1 0 0,0 0-1 0 0,0 0 0 0 0,1 0 1 0 0,-1-1-1 0 0,0 1 1 0 0,0-1-1 0 0,1 1 0 0 0,-1-1 1 0 0,3 1-1 0 0,-3-1-3 0 0,0 0 1 0 0,1 0-1 0 0,-1 0 0 0 0,0 0 1 0 0,0 0-1 0 0,0 0 0 0 0,0-1 1 0 0,0 1-1 0 0,0-1 0 0 0,0 1 1 0 0,0 0-1 0 0,0-1 0 0 0,0 1 0 0 0,0-1 1 0 0,-1 0-1 0 0,1 1 0 0 0,0-1 1 0 0,0 0-1 0 0,0 0 0 0 0,-1 1 1 0 0,1-1-1 0 0,0 0 0 0 0,-1 0 1 0 0,1 0-1 0 0,0-2 0 0 0,5-9 104 0 0,-1 0 1 0 0,0 0-1 0 0,-1 0 0 0 0,5-23 0 0 0,2-53-4278 0 0,-10 84 3561 0 0,1-5-5509 0 0,1-1-1687 0 0</inkml:trace>
-</inkml:ink>
-</file>
-
-<file path=ppt/ink/ink85.xml><?xml version="1.0" encoding="utf-8"?>
-<inkml:ink xmlns:inkml="http://www.w3.org/2003/InkML">
-  <inkml:definitions>
-    <inkml:context xml:id="ctx0">
-      <inkml:inkSource xml:id="inkSrc0">
-        <inkml:traceFormat>
-          <inkml:channel name="X" type="integer" min="-2.14748E9" max="2.14748E9" units="cm"/>
-          <inkml:channel name="Y" type="integer" min="-2.14748E9" max="2.14748E9" units="cm"/>
-          <inkml:channel name="F" type="integer" max="32767" units="dev"/>
-          <inkml:channel name="OA" type="integer" max="360" units="deg"/>
-          <inkml:channel name="OE" type="integer" max="90" units="deg"/>
-        </inkml:traceFormat>
-        <inkml:channelProperties>
-          <inkml:channelProperty channel="X" name="resolution" value="1000" units="1/cm"/>
-          <inkml:channelProperty channel="Y" name="resolution" value="1000" units="1/cm"/>
-          <inkml:channelProperty channel="F" name="resolution" value="0" units="1/dev"/>
-          <inkml:channelProperty channel="OA" name="resolution" value="1000" units="1/deg"/>
-          <inkml:channelProperty channel="OE" name="resolution" value="1000" units="1/deg"/>
-        </inkml:channelProperties>
-      </inkml:inkSource>
-      <inkml:timestamp xml:id="ts0" timeString="2020-11-03T16:22:36.672"/>
-    </inkml:context>
-    <inkml:brush xml:id="br0">
-      <inkml:brushProperty name="width" value="0.05" units="cm"/>
-      <inkml:brushProperty name="height" value="0.05" units="cm"/>
-      <inkml:brushProperty name="color" value="#E71224"/>
-    </inkml:brush>
-  </inkml:definitions>
-  <inkml:trace contextRef="#ctx0" brushRef="#br0">0 0 21191 0 0,'0'0'1606'0'0,"6"7"-904"0"0,3 4-529 0 0,0 1-1 0 0,-1 0 0 0 0,0 0 0 0 0,-1 0 1 0 0,0 1-1 0 0,-1 0 0 0 0,0 1 1 0 0,-1-1-1 0 0,-1 1 0 0 0,0 0 0 0 0,0 0 1 0 0,-2 0-1 0 0,2 27 0 0 0,-3-26 118 0 0,-2 1-1 0 0,1-1 0 0 0,-6 24 0 0 0,-13 46 188 0 0,16-72-427 0 0,1-5-110 0 0,0 0-1 0 0,0 0 1 0 0,0 0 0 0 0,-1-1-1 0 0,0 1 1 0 0,-1-1-1 0 0,0 0 1 0 0,0 0 0 0 0,-10 12-1 0 0,13-18-267 0 0</inkml:trace>
-</inkml:ink>
-</file>
-
-<file path=ppt/ink/ink86.xml><?xml version="1.0" encoding="utf-8"?>
-<inkml:ink xmlns:inkml="http://www.w3.org/2003/InkML">
-  <inkml:definitions>
-    <inkml:context xml:id="ctx0">
-      <inkml:inkSource xml:id="inkSrc0">
-        <inkml:traceFormat>
-          <inkml:channel name="X" type="integer" min="-2.14748E9" max="2.14748E9" units="cm"/>
-          <inkml:channel name="Y" type="integer" min="-2.14748E9" max="2.14748E9" units="cm"/>
-          <inkml:channel name="F" type="integer" max="32767" units="dev"/>
-          <inkml:channel name="OA" type="integer" max="360" units="deg"/>
-          <inkml:channel name="OE" type="integer" max="90" units="deg"/>
-        </inkml:traceFormat>
-        <inkml:channelProperties>
-          <inkml:channelProperty channel="X" name="resolution" value="1000" units="1/cm"/>
-          <inkml:channelProperty channel="Y" name="resolution" value="1000" units="1/cm"/>
-          <inkml:channelProperty channel="F" name="resolution" value="0" units="1/dev"/>
-          <inkml:channelProperty channel="OA" name="resolution" value="1000" units="1/deg"/>
-          <inkml:channelProperty channel="OE" name="resolution" value="1000" units="1/deg"/>
-        </inkml:channelProperties>
-      </inkml:inkSource>
-      <inkml:timestamp xml:id="ts0" timeString="2020-11-03T16:22:37.035"/>
-    </inkml:context>
-    <inkml:brush xml:id="br0">
-      <inkml:brushProperty name="width" value="0.05" units="cm"/>
-      <inkml:brushProperty name="height" value="0.05" units="cm"/>
-      <inkml:brushProperty name="color" value="#E71224"/>
-    </inkml:brush>
-  </inkml:definitions>
-  <inkml:trace contextRef="#ctx0" brushRef="#br0">1 5 17503 0 0,'0'0'1759'0'0,"1"0"-1614"0"0,0-1 87 0 0,1 0-1 0 0,-1 1 0 0 0,1-1 0 0 0,-1 1 0 0 0,1-1 0 0 0,-1 1 0 0 0,1 0 1 0 0,-1 0-1 0 0,4-1 0 0 0,-4 2-98 0 0,0-1 1 0 0,-1 1-1 0 0,1-1 1 0 0,0 0-1 0 0,0 1 0 0 0,0 0 1 0 0,-1-1-1 0 0,1 1 1 0 0,0-1-1 0 0,-1 1 0 0 0,1 0 1 0 0,1 1-1 0 0,0 0-408 0 0,3 6 510 0 0,1 0-1 0 0,-1 1 1 0 0,0 0 0 0 0,-1 0 0 0 0,0 0-1 0 0,-1 0 1 0 0,0 0 0 0 0,3 12 0 0 0,4 13 368 0 0,5 10 140 0 0,-2 0 1 0 0,12 80-1 0 0,-22-95-663 0 0,-1 0 0 0 0,-1 0 0 0 0,-1 0 0 0 0,-1 1-1 0 0,-8 40 1 0 0,3-42-76 0 0,-15 69 96 0 0,17-86-146 0 0,0 1-1 0 0,0-1 1 0 0,-1 0 0 0 0,0 0 0 0 0,-1-1-1 0 0,-8 11 1 0 0,1-5-1282 0 0,-3-3-5301 0 0,-1-3-2149 0 0</inkml:trace>
-</inkml:ink>
-</file>
-
-<file path=ppt/ink/ink87.xml><?xml version="1.0" encoding="utf-8"?>
-<inkml:ink xmlns:inkml="http://www.w3.org/2003/InkML">
-  <inkml:definitions>
-    <inkml:context xml:id="ctx0">
-      <inkml:inkSource xml:id="inkSrc0">
-        <inkml:traceFormat>
-          <inkml:channel name="X" type="integer" min="-2.14748E9" max="2.14748E9" units="cm"/>
-          <inkml:channel name="Y" type="integer" min="-2.14748E9" max="2.14748E9" units="cm"/>
-          <inkml:channel name="F" type="integer" max="32767" units="dev"/>
-          <inkml:channel name="OA" type="integer" max="360" units="deg"/>
-          <inkml:channel name="OE" type="integer" max="90" units="deg"/>
-        </inkml:traceFormat>
-        <inkml:channelProperties>
-          <inkml:channelProperty channel="X" name="resolution" value="1000" units="1/cm"/>
-          <inkml:channelProperty channel="Y" name="resolution" value="1000" units="1/cm"/>
-          <inkml:channelProperty channel="F" name="resolution" value="0" units="1/dev"/>
-          <inkml:channelProperty channel="OA" name="resolution" value="1000" units="1/deg"/>
-          <inkml:channelProperty channel="OE" name="resolution" value="1000" units="1/deg"/>
-        </inkml:channelProperties>
-      </inkml:inkSource>
-      <inkml:timestamp xml:id="ts0" timeString="2020-11-03T16:22:43.533"/>
-    </inkml:context>
-    <inkml:brush xml:id="br0">
-      <inkml:brushProperty name="width" value="0.05" units="cm"/>
-      <inkml:brushProperty name="height" value="0.05" units="cm"/>
-      <inkml:brushProperty name="color" value="#E71224"/>
-    </inkml:brush>
-  </inkml:definitions>
-  <inkml:trace contextRef="#ctx0" brushRef="#br0">337 65 6448 0 0,'0'0'585'0'0,"-5"-5"1975"0"0,-2-10-380 0 0,2 5-1041 0 0,4 8-961 0 0,0 0-1 0 0,1 0 1 0 0,-1 1 0 0 0,0-1 0 0 0,0 0 0 0 0,0 0 0 0 0,0 0 0 0 0,-1 1 0 0 0,1-1 0 0 0,0 1 0 0 0,-1-1 0 0 0,1 1-1 0 0,-1-1 1 0 0,1 1 0 0 0,-1 0 0 0 0,1 0 0 0 0,-1 0 0 0 0,0 0 0 0 0,0 0 0 0 0,0 0 0 0 0,0 0 0 0 0,0 1 0 0 0,0-1-1 0 0,1 1 1 0 0,-1-1 0 0 0,-1 1 0 0 0,1 0 0 0 0,0 0 0 0 0,0-1 0 0 0,0 2 0 0 0,-2-1 0 0 0,-3 0-22 0 0,1 1 0 0 0,-1 0 1 0 0,1 0-1 0 0,0 0 0 0 0,0 1 0 0 0,-1 0 0 0 0,1 0 1 0 0,0 0-1 0 0,0 1 0 0 0,1 0 0 0 0,-1 0 1 0 0,-9 8-1 0 0,7-6-114 0 0,1 1 0 0 0,1 1 0 0 0,-1 0 1 0 0,1 0-1 0 0,0 0 0 0 0,1 0 0 0 0,0 1 0 0 0,-6 12 0 0 0,-9 13 49 0 0,-4 10 58 0 0,10-11-64 0 0,2 1 0 0 0,0 0-1 0 0,3 1 1 0 0,0 0-1 0 0,3 0 1 0 0,0 1-1 0 0,3 0 1 0 0,0 67 0 0 0,6-71 115 0 0,1 0 1 0 0,1 0-1 0 0,2-1 1 0 0,0 0-1 0 0,3 0 1 0 0,13 32-1 0 0,-14-44-56 0 0,0 1 0 0 0,1-1-1 0 0,1-1 1 0 0,1 0-1 0 0,0 0 1 0 0,1-1-1 0 0,1-1 1 0 0,0 0-1 0 0,1-1 1 0 0,20 15-1 0 0,-29-25-90 0 0,-1-1 0 0 0,1 1 1 0 0,0-1-1 0 0,0 0 0 0 0,1-1 0 0 0,-1 1 0 0 0,1-1 0 0 0,-1-1 0 0 0,1 1 0 0 0,0-1 1 0 0,12 1-1 0 0,-10-2-29 0 0,0-1 1 0 0,0 0-1 0 0,-1 0 1 0 0,1-1 0 0 0,-1 0-1 0 0,1-1 1 0 0,-1 1-1 0 0,15-8 1 0 0,-1-2 85 0 0,1-1 0 0 0,-2-1 1 0 0,1-1-1 0 0,-2-1 0 0 0,0 0 1 0 0,-1-2-1 0 0,-1 0 0 0 0,-1-1 0 0 0,0-1 1 0 0,-2 0-1 0 0,0-2 0 0 0,-1 1 0 0 0,-1-2 1 0 0,-1 0-1 0 0,-1 0 0 0 0,8-27 0 0 0,-9 18-47 0 0,-1-1-1 0 0,-2 0 1 0 0,-1 0-1 0 0,2-41 1 0 0,-7 53-6 0 0,-1-1 0 0 0,-1 1 1 0 0,-1-1-1 0 0,-1 1 0 0 0,-1 0 1 0 0,-1 0-1 0 0,-12-34 0 0 0,7 31 14 0 0,0 0 0 0 0,-2 1-1 0 0,-15-24 1 0 0,22 39-45 0 0,0 1 0 0 0,-1 0 1 0 0,0 0-1 0 0,0 1 0 0 0,0 0 0 0 0,-1 0 1 0 0,0 0-1 0 0,0 1 0 0 0,0 0 0 0 0,-1 0 1 0 0,0 0-1 0 0,-13-5 0 0 0,12 7-11 0 0,0 1 1 0 0,-1 0-1 0 0,1 0 0 0 0,-1 1 0 0 0,1 0 1 0 0,-1 0-1 0 0,1 1 0 0 0,-1 0 0 0 0,0 1 1 0 0,1 0-1 0 0,-16 4 0 0 0,14-2-28 0 0,0 1-1 0 0,0 0 1 0 0,0 1 0 0 0,1 0-1 0 0,0 1 1 0 0,0 0 0 0 0,0 1-1 0 0,1 0 1 0 0,-11 9-1 0 0,12-9-327 0 0,0 1 0 0 0,0-1 0 0 0,0 1 0 0 0,1 1 0 0 0,0-1 0 0 0,1 1 0 0 0,0 1 0 0 0,-5 10 0 0 0,9-13-2207 0 0</inkml:trace>
-</inkml:ink>
-</file>
-
-<file path=ppt/ink/ink88.xml><?xml version="1.0" encoding="utf-8"?>
-<inkml:ink xmlns:inkml="http://www.w3.org/2003/InkML">
-  <inkml:definitions>
-    <inkml:context xml:id="ctx0">
-      <inkml:inkSource xml:id="inkSrc0">
-        <inkml:traceFormat>
-          <inkml:channel name="X" type="integer" min="-2.14748E9" max="2.14748E9" units="cm"/>
-          <inkml:channel name="Y" type="integer" min="-2.14748E9" max="2.14748E9" units="cm"/>
-          <inkml:channel name="F" type="integer" max="32767" units="dev"/>
-          <inkml:channel name="OA" type="integer" max="360" units="deg"/>
-          <inkml:channel name="OE" type="integer" max="90" units="deg"/>
-        </inkml:traceFormat>
-        <inkml:channelProperties>
-          <inkml:channelProperty channel="X" name="resolution" value="1000" units="1/cm"/>
-          <inkml:channelProperty channel="Y" name="resolution" value="1000" units="1/cm"/>
-          <inkml:channelProperty channel="F" name="resolution" value="0" units="1/dev"/>
-          <inkml:channelProperty channel="OA" name="resolution" value="1000" units="1/deg"/>
-          <inkml:channelProperty channel="OE" name="resolution" value="1000" units="1/deg"/>
-        </inkml:channelProperties>
-      </inkml:inkSource>
-      <inkml:timestamp xml:id="ts0" timeString="2020-11-03T16:22:44.250"/>
-    </inkml:context>
-    <inkml:brush xml:id="br0">
-      <inkml:brushProperty name="width" value="0.05" units="cm"/>
-      <inkml:brushProperty name="height" value="0.05" units="cm"/>
-      <inkml:brushProperty name="color" value="#E71224"/>
-    </inkml:brush>
-  </inkml:definitions>
-  <inkml:trace contextRef="#ctx0" brushRef="#br0">0 203 2304 0 0,'0'0'441'0'0,"5"-8"6409"0"0,-1 1-5563 0 0,8-10-91 0 0,1 0-1 0 0,1 1 1 0 0,0 0-1 0 0,2 1 1 0 0,29-22 0 0 0,-23 19-333 0 0,-13 11-458 0 0,1 0-1 0 0,1 0 0 0 0,11-4 0 0 0,-1-1 243 0 0,-20 11-602 0 0,1 1 0 0 0,-1-1-1 0 0,1 0 1 0 0,-1 0 0 0 0,1 0-1 0 0,-1 1 1 0 0,1-1 0 0 0,0 1-1 0 0,-1-1 1 0 0,1 1-1 0 0,0 0 1 0 0,-1 0 0 0 0,1 0-1 0 0,0 0 1 0 0,-1 0 0 0 0,1 0-1 0 0,0 0 1 0 0,0 0 0 0 0,-1 1-1 0 0,1-1 1 0 0,0 1 0 0 0,-1-1-1 0 0,1 1 1 0 0,-1-1 0 0 0,1 1-1 0 0,-1 0 1 0 0,1 0-1 0 0,-1 0 1 0 0,1 0 0 0 0,-1 0-1 0 0,0 0 1 0 0,0 0 0 0 0,1 1-1 0 0,-1-1 1 0 0,0 0 0 0 0,0 1-1 0 0,1 1 1 0 0,2 5 78 0 0,1 0 0 0 0,-2 1 0 0 0,1-1 0 0 0,-1 1-1 0 0,3 12 1 0 0,-4-15-85 0 0,3 14 336 0 0,0 0 65 0 0,1-1 0 0 0,14 31 0 0 0,-17-44-369 0 0,0-1 0 0 0,0 1 0 0 0,0-1 0 0 0,1 0 0 0 0,0-1 0 0 0,0 1 0 0 0,0-1 1 0 0,0 1-1 0 0,1-1 0 0 0,0 0 0 0 0,0-1 0 0 0,0 1 0 0 0,8 3 0 0 0,-10-6-24 0 0,0 0 0 0 0,0 0 1 0 0,0-1-1 0 0,0 1 0 0 0,0-1 0 0 0,0 0 0 0 0,0 1 0 0 0,0-1 0 0 0,0-1 0 0 0,1 1 1 0 0,4-1-1 0 0,36-12 273 0 0,-35 11-267 0 0,-2-1-24 0 0,0 0-1 0 0,-1 0 0 0 0,1 0 0 0 0,-1-1 0 0 0,0 0 0 0 0,0 0 0 0 0,10-8 0 0 0,0-4-25 0 0,17-20 0 0 0,-24 24-644 0 0,1 1-1 0 0,0 0 1 0 0,1 1 0 0 0,0 0 0 0 0,19-12-1 0 0,-11 12-1177 0 0</inkml:trace>
-</inkml:ink>
-</file>
-
-<file path=ppt/ink/ink89.xml><?xml version="1.0" encoding="utf-8"?>
-<inkml:ink xmlns:inkml="http://www.w3.org/2003/InkML">
-  <inkml:definitions>
-    <inkml:context xml:id="ctx0">
-      <inkml:inkSource xml:id="inkSrc0">
-        <inkml:traceFormat>
-          <inkml:channel name="X" type="integer" min="-2.14748E9" max="2.14748E9" units="cm"/>
-          <inkml:channel name="Y" type="integer" min="-2.14748E9" max="2.14748E9" units="cm"/>
-          <inkml:channel name="F" type="integer" max="32767" units="dev"/>
-          <inkml:channel name="OA" type="integer" max="360" units="deg"/>
-          <inkml:channel name="OE" type="integer" max="90" units="deg"/>
-        </inkml:traceFormat>
-        <inkml:channelProperties>
-          <inkml:channelProperty channel="X" name="resolution" value="1000" units="1/cm"/>
-          <inkml:channelProperty channel="Y" name="resolution" value="1000" units="1/cm"/>
-          <inkml:channelProperty channel="F" name="resolution" value="0" units="1/dev"/>
-          <inkml:channelProperty channel="OA" name="resolution" value="1000" units="1/deg"/>
-          <inkml:channelProperty channel="OE" name="resolution" value="1000" units="1/deg"/>
-        </inkml:channelProperties>
-      </inkml:inkSource>
-      <inkml:timestamp xml:id="ts0" timeString="2020-11-03T16:22:44.931"/>
-    </inkml:context>
-    <inkml:brush xml:id="br0">
-      <inkml:brushProperty name="width" value="0.05" units="cm"/>
-      <inkml:brushProperty name="height" value="0.05" units="cm"/>
-      <inkml:brushProperty name="color" value="#E71224"/>
-    </inkml:brush>
-  </inkml:definitions>
-  <inkml:trace contextRef="#ctx0" brushRef="#br0">205 1 8752 0 0,'0'0'673'0'0,"-13"3"1787"0"0,9-1-1987 0 0,-1 0 1 0 0,1 1-1 0 0,-1-1 0 0 0,1 1 1 0 0,0 0-1 0 0,0 1 0 0 0,0-1 1 0 0,1 1-1 0 0,-1 0 0 0 0,-5 8 1 0 0,-2 4-40 0 0,-13 27 0 0 0,17-31-211 0 0,-3 9 68 0 0,1 0 0 0 0,-13 44-1 0 0,-4 49 451 0 0,24-102-648 0 0,-10 58 642 0 0,3 0 1 0 0,3 1-1 0 0,3 0 0 0 0,3-1 1 0 0,3 1-1 0 0,16 90 1 0 0,-15-134-509 0 0,1 1 0 0 0,2-1 0 0 0,1 0 0 0 0,1-1 0 0 0,15 33 0 0 0,-21-54-223 0 0,0 0-1 0 0,0-1 0 0 0,0 1 1 0 0,1 0-1 0 0,-1-1 1 0 0,5 4-1 0 0,-6-6-16 0 0,0 0 1 0 0,0-1-1 0 0,0 1 0 0 0,0-1 0 0 0,0 0 0 0 0,1 0 1 0 0,-1 0-1 0 0,0 0 0 0 0,0 0 0 0 0,1 0 0 0 0,-1 0 1 0 0,1-1-1 0 0,-1 1 0 0 0,5-1 0 0 0,-6 0-143 0 0,0-1-1 0 0,0 1 0 0 0,0-1 1 0 0,0 1-1 0 0,0-1 1 0 0,0 1-1 0 0,-1-1 0 0 0,1 0 1 0 0,0 0-1 0 0,0 1 1 0 0,-1-1-1 0 0,1 0 1 0 0,0 0-1 0 0,-1 0 0 0 0,1 0 1 0 0,-1 0-1 0 0,1 0 1 0 0,-1 0-1 0 0,0 0 0 0 0,1 0 1 0 0,-1 0-1 0 0,0-1 1 0 0,1 1-345 0 0,2-13-7604 0 0</inkml:trace>
-</inkml:ink>
-</file>
-
-<file path=ppt/ink/ink9.xml><?xml version="1.0" encoding="utf-8"?>
-<inkml:ink xmlns:inkml="http://www.w3.org/2003/InkML">
-  <inkml:definitions>
-    <inkml:context xml:id="ctx0">
-      <inkml:inkSource xml:id="inkSrc0">
-        <inkml:traceFormat>
-          <inkml:channel name="X" type="integer" min="-2.14748E9" max="2.14748E9" units="cm"/>
-          <inkml:channel name="Y" type="integer" min="-2.14748E9" max="2.14748E9" units="cm"/>
-          <inkml:channel name="F" type="integer" max="32767" units="dev"/>
-          <inkml:channel name="OA" type="integer" max="360" units="deg"/>
-          <inkml:channel name="OE" type="integer" max="90" units="deg"/>
-        </inkml:traceFormat>
-        <inkml:channelProperties>
-          <inkml:channelProperty channel="X" name="resolution" value="1000" units="1/cm"/>
-          <inkml:channelProperty channel="Y" name="resolution" value="1000" units="1/cm"/>
-          <inkml:channelProperty channel="F" name="resolution" value="0" units="1/dev"/>
-          <inkml:channelProperty channel="OA" name="resolution" value="1000" units="1/deg"/>
-          <inkml:channelProperty channel="OE" name="resolution" value="1000" units="1/deg"/>
-        </inkml:channelProperties>
-      </inkml:inkSource>
-      <inkml:timestamp xml:id="ts0" timeString="2020-11-03T16:21:41.307"/>
-    </inkml:context>
-    <inkml:brush xml:id="br0">
-      <inkml:brushProperty name="width" value="0.05" units="cm"/>
-      <inkml:brushProperty name="height" value="0.05" units="cm"/>
-      <inkml:brushProperty name="color" value="#E71224"/>
-    </inkml:brush>
-  </inkml:definitions>
-  <inkml:trace contextRef="#ctx0" brushRef="#br0">7 354 1840 0 0,'-6'8'16167'0'0,"9"-9"-15956"0"0,0-1-1 0 0,1 1 1 0 0,-1 0-1 0 0,0-1 0 0 0,1 0 1 0 0,-1 0-1 0 0,0 0 0 0 0,-1 0 1 0 0,1 0-1 0 0,0-1 0 0 0,0 1 1 0 0,-1-1-1 0 0,0 0 1 0 0,1 1-1 0 0,2-6 0 0 0,4-7 557 0 0,15-32 0 0 0,-22 44-704 0 0,18-46 799 0 0,18-65 0 0 0,-30 88-605 0 0,-3 9-76 0 0,-2 5 68 0 0,1-1 0 0 0,7-14 0 0 0,-10 27-239 0 0,0 1-1 0 0,0-1 1 0 0,0 1-1 0 0,0-1 1 0 0,-1 1-1 0 0,1 0 1 0 0,0-1-1 0 0,0 1 1 0 0,-1 0-1 0 0,1 0 1 0 0,-1-1-1 0 0,1 1 1 0 0,-1 0-1 0 0,1 0 1 0 0,-1 0-1 0 0,1 0 1 0 0,-1 0-1 0 0,0-1 1 0 0,1 1-1 0 0,-1 0 1 0 0,0 0-1 0 0,0 0 1 0 0,0 0-1 0 0,0 1 1 0 0,5 30 56 0 0,-5-28-55 0 0,5 69 318 0 0,-3-35 25 0 0,10 56 0 0 0,-7-63-199 0 0,-4-22-106 0 0,0 0-1 0 0,4 16 0 0 0,5 12 47 0 0,-7-25-118 0 0,0-1 0 0 0,8 21-1 0 0,-10-31-39 0 0,-1 0 19 0 0,1 0 1 0 0,-1 0-1 0 0,1 0 0 0 0,-1 0 0 0 0,1-1 1 0 0,-1 1-1 0 0,0 0 0 0 0,1 0 0 0 0,-1 0 1 0 0,0 0-1 0 0,0 0 0 0 0,0 0 0 0 0,0 0 0 0 0,0 0 1 0 0,0 0-1 0 0,0 0 0 0 0,0 0 0 0 0,0 0 1 0 0,0 0-1 0 0,0 0 0 0 0,0 0 0 0 0,-1 0 1 0 0,1 0-1 0 0,-1 1 0 0 0,-20-7-16315 0 0</inkml:trace>
-</inkml:ink>
-</file>
-
-<file path=ppt/ink/ink90.xml><?xml version="1.0" encoding="utf-8"?>
-<inkml:ink xmlns:inkml="http://www.w3.org/2003/InkML">
-  <inkml:definitions>
-    <inkml:context xml:id="ctx0">
-      <inkml:inkSource xml:id="inkSrc0">
-        <inkml:traceFormat>
-          <inkml:channel name="X" type="integer" min="-2.14748E9" max="2.14748E9" units="cm"/>
-          <inkml:channel name="Y" type="integer" min="-2.14748E9" max="2.14748E9" units="cm"/>
-          <inkml:channel name="F" type="integer" max="32767" units="dev"/>
-          <inkml:channel name="OA" type="integer" max="360" units="deg"/>
-          <inkml:channel name="OE" type="integer" max="90" units="deg"/>
-        </inkml:traceFormat>
-        <inkml:channelProperties>
-          <inkml:channelProperty channel="X" name="resolution" value="1000" units="1/cm"/>
-          <inkml:channelProperty channel="Y" name="resolution" value="1000" units="1/cm"/>
-          <inkml:channelProperty channel="F" name="resolution" value="0" units="1/dev"/>
-          <inkml:channelProperty channel="OA" name="resolution" value="1000" units="1/deg"/>
-          <inkml:channelProperty channel="OE" name="resolution" value="1000" units="1/deg"/>
-        </inkml:channelProperties>
-      </inkml:inkSource>
-      <inkml:timestamp xml:id="ts0" timeString="2020-11-03T16:22:45.652"/>
-    </inkml:context>
-    <inkml:brush xml:id="br0">
-      <inkml:brushProperty name="width" value="0.05" units="cm"/>
-      <inkml:brushProperty name="height" value="0.05" units="cm"/>
-      <inkml:brushProperty name="color" value="#E71224"/>
-    </inkml:brush>
-  </inkml:definitions>
-  <inkml:trace contextRef="#ctx0" brushRef="#br0">1 395 2760 0 0,'0'0'12181'0'0,"6"-16"-9803"0"0,3-9-666 0 0,14-83 1239 0 0,-7 35-1582 0 0,-7 41-585 0 0,-6 25-421 0 0,-1 0-1 0 0,0-1 1 0 0,0 1 0 0 0,1-15 0 0 0,3 50-441 0 0,-7 70 25 0 0,2-75 100 0 0,1 0 1 0 0,1 0-1 0 0,1-1 1 0 0,9 32-1 0 0,-13-53-43 0 0,1 1-1 0 0,-1-1 1 0 0,1 0-1 0 0,-1 1 1 0 0,1-1-1 0 0,0 0 1 0 0,-1 0 0 0 0,1 1-1 0 0,0-1 1 0 0,0 0-1 0 0,0 0 1 0 0,0 0-1 0 0,0 0 1 0 0,0 0-1 0 0,0 0 1 0 0,0 0-1 0 0,1-1 1 0 0,-1 1 0 0 0,0 0-1 0 0,1 0 1 0 0,-1-1-1 0 0,0 1 1 0 0,1-1-1 0 0,-1 0 1 0 0,0 1-1 0 0,1-1 1 0 0,-1 0-1 0 0,3 0 1 0 0,-1 0-3 0 0,-1 0-1 0 0,1-1 1 0 0,-1 1 0 0 0,0-1-1 0 0,0 0 1 0 0,1 0 0 0 0,-1 0 0 0 0,0 0-1 0 0,0 0 1 0 0,0 0 0 0 0,0-1-1 0 0,0 1 1 0 0,0 0 0 0 0,0-1-1 0 0,-1 0 1 0 0,3-2 0 0 0,3-5 82 0 0,0-1 0 0 0,-1 0 0 0 0,0-1 0 0 0,0 0-1 0 0,-1 0 1 0 0,4-15 0 0 0,14-28 22 0 0,30-67 133 0 0,-28 58-328 0 0,-21 51-126 0 0,9-15-3860 0 0</inkml:trace>
-</inkml:ink>
-</file>
-
-<file path=ppt/ink/ink91.xml><?xml version="1.0" encoding="utf-8"?>
-<inkml:ink xmlns:inkml="http://www.w3.org/2003/InkML">
-  <inkml:definitions>
-    <inkml:context xml:id="ctx0">
-      <inkml:inkSource xml:id="inkSrc0">
-        <inkml:traceFormat>
-          <inkml:channel name="X" type="integer" min="-2.14748E9" max="2.14748E9" units="cm"/>
-          <inkml:channel name="Y" type="integer" min="-2.14748E9" max="2.14748E9" units="cm"/>
-          <inkml:channel name="F" type="integer" max="32767" units="dev"/>
-          <inkml:channel name="OA" type="integer" max="360" units="deg"/>
-          <inkml:channel name="OE" type="integer" max="90" units="deg"/>
-        </inkml:traceFormat>
-        <inkml:channelProperties>
-          <inkml:channelProperty channel="X" name="resolution" value="1000" units="1/cm"/>
-          <inkml:channelProperty channel="Y" name="resolution" value="1000" units="1/cm"/>
-          <inkml:channelProperty channel="F" name="resolution" value="0" units="1/dev"/>
-          <inkml:channelProperty channel="OA" name="resolution" value="1000" units="1/deg"/>
-          <inkml:channelProperty channel="OE" name="resolution" value="1000" units="1/deg"/>
-        </inkml:channelProperties>
-      </inkml:inkSource>
-      <inkml:timestamp xml:id="ts0" timeString="2020-11-03T16:22:47.015"/>
-    </inkml:context>
-    <inkml:brush xml:id="br0">
-      <inkml:brushProperty name="width" value="0.05" units="cm"/>
-      <inkml:brushProperty name="height" value="0.05" units="cm"/>
-      <inkml:brushProperty name="color" value="#E71224"/>
-    </inkml:brush>
-  </inkml:definitions>
-  <inkml:trace contextRef="#ctx0" brushRef="#br0">28 25 8432 0 0,'0'0'388'0'0,"6"-24"8998"0"0,-6 24-9213 0 0,7 5 1863 0 0,6 9-1660 0 0,-8-4-27 0 0,-1 0 0 0 0,0 0 0 0 0,0 0 0 0 0,-1 0-1 0 0,3 20 1 0 0,3 5 222 0 0,18 71 589 0 0,8 28-624 0 0,-20-96-296 0 0,-14-37-52 0 0,-2-3-334 0 0,1 0 0 0 0,-1-1 0 0 0,1 1 0 0 0,-1 0-1 0 0,0 0 1 0 0,0 0 0 0 0,0 0 0 0 0,0 0 0 0 0,0 0 0 0 0,0 0 0 0 0,-3-2-1 0 0,-15-19-2389 0 0,19 22 2493 0 0,-24-25-2478 0 0,12 12 1269 0 0,-22-20 0 0 0,18 19 1773 0 0,-28-31 0 0 0,44 45-428 0 0,-1 0 0 0 0,1 1 0 0 0,-1-1 0 0 0,1 1 0 0 0,0-1 0 0 0,-1 0 0 0 0,1 1 0 0 0,0-1 0 0 0,-1 0 0 0 0,1 1-1 0 0,0-1 1 0 0,0 0 0 0 0,0 0 0 0 0,0 1 0 0 0,-1-1 0 0 0,1 0 0 0 0,0 0 0 0 0,0 1 0 0 0,0-1 0 0 0,1 0 0 0 0,-1 1-1 0 0,0-1 1 0 0,0 0 0 0 0,0 0 0 0 0,0 1 0 0 0,1-1 0 0 0,-1 0 0 0 0,0 1 0 0 0,1-1 0 0 0,-1 0 0 0 0,1 1 0 0 0,-1-1-1 0 0,0 1 1 0 0,1-1 0 0 0,-1 0 0 0 0,1 1 0 0 0,0 0 0 0 0,-1-1 0 0 0,1 1 0 0 0,-1-1 0 0 0,1 1 0 0 0,1-1 0 0 0,4-3 321 0 0,0 1 0 0 0,1 0 1 0 0,12-4-1 0 0,-6 3-219 0 0,2-2 516 0 0,29-5-1 0 0,-39 10-556 0 0,5-2 13 0 0,-1 1 60 0 0,0 0 1 0 0,17-1-1 0 0,-25 3-131 0 0,7 10 54 0 0,-7-8-141 0 0,-1 1 0 0 0,0-1 0 0 0,0 0 0 0 0,0 0 0 0 0,0 1 0 0 0,-1-1 0 0 0,1 0 0 0 0,0 0 0 0 0,-1 0 1 0 0,0 0-1 0 0,0 0 0 0 0,1 1 0 0 0,-1-1 0 0 0,0 0 0 0 0,-1-1 0 0 0,1 1 0 0 0,0 0 0 0 0,0 0 0 0 0,-1 0 1 0 0,1-1-1 0 0,-1 1 0 0 0,-2 2 0 0 0,-3 1 30 0 0,1 0-1 0 0,-1 0 1 0 0,0-1 0 0 0,-13 7-1 0 0,15-8-38 0 0,-1 0 0 0 0,0-1 0 0 0,1 1 0 0 0,-1-1 0 0 0,0-1 0 0 0,0 1 0 0 0,0-1 0 0 0,0 0 0 0 0,0-1 0 0 0,-8 1 0 0 0,-17 4 11 0 0,30-5 133 0 0,2 0-139 0 0,-1 0 1 0 0,0 0-1 0 0,0-1 1 0 0,0 1-1 0 0,0 0 1 0 0,0 0 0 0 0,0 0-1 0 0,0 0 1 0 0,0 0-1 0 0,1 0 1 0 0,-1 0-1 0 0,0-1 1 0 0,0 1-1 0 0,0 0 1 0 0,0 0-1 0 0,0 0 1 0 0,0 0-1 0 0,0 0 1 0 0,0-1-1 0 0,0 1 1 0 0,0 0-1 0 0,0 0 1 0 0,0 0-1 0 0,0 0 1 0 0,0 0-1 0 0,0-1 1 0 0,0 1-1 0 0,0 0 1 0 0,0 0 0 0 0,0 0-1 0 0,0 0 1 0 0,0 0-1 0 0,0 0 1 0 0,-1-1-1 0 0,1 1 1 0 0,0 0-1 0 0,0 0 1 0 0,0 0-1 0 0,0 0 1 0 0,0 0-1 0 0,0 0 1 0 0,0 0-1 0 0,0 0 1 0 0,0-1-1 0 0,-1 1 1 0 0,1 0-1 0 0,0 0 1 0 0,0 0-1 0 0,0 0 1 0 0,0 0-1 0 0,0 0 1 0 0,-1 0-1 0 0,1 0 1 0 0,0 0 0 0 0,0 0-1 0 0,0 0 1 0 0,0 0-1 0 0,0 0 1 0 0,-1 0-1 0 0,14-9 107 0 0,-11 8-62 0 0,5-4 19 0 0,1 1 0 0 0,0 1 0 0 0,0-1 0 0 0,0 1 0 0 0,10-3 0 0 0,16-5 181 0 0,-25 8-324 0 0,-1 0-1 0 0,1 1 1 0 0,0 1-1 0 0,14-2 0 0 0,3 0-1468 0 0,14-2-1947 0 0,-28 4 1768 0 0</inkml:trace>
-</inkml:ink>
-</file>
-
-<file path=ppt/ink/ink92.xml><?xml version="1.0" encoding="utf-8"?>
-<inkml:ink xmlns:inkml="http://www.w3.org/2003/InkML">
-  <inkml:definitions>
-    <inkml:context xml:id="ctx0">
-      <inkml:inkSource xml:id="inkSrc0">
-        <inkml:traceFormat>
-          <inkml:channel name="X" type="integer" min="-2.14748E9" max="2.14748E9" units="cm"/>
-          <inkml:channel name="Y" type="integer" min="-2.14748E9" max="2.14748E9" units="cm"/>
-          <inkml:channel name="F" type="integer" max="32767" units="dev"/>
-          <inkml:channel name="OA" type="integer" max="360" units="deg"/>
-          <inkml:channel name="OE" type="integer" max="90" units="deg"/>
-        </inkml:traceFormat>
-        <inkml:channelProperties>
-          <inkml:channelProperty channel="X" name="resolution" value="1000" units="1/cm"/>
-          <inkml:channelProperty channel="Y" name="resolution" value="1000" units="1/cm"/>
-          <inkml:channelProperty channel="F" name="resolution" value="0" units="1/dev"/>
-          <inkml:channelProperty channel="OA" name="resolution" value="1000" units="1/deg"/>
-          <inkml:channelProperty channel="OE" name="resolution" value="1000" units="1/deg"/>
-        </inkml:channelProperties>
-      </inkml:inkSource>
-      <inkml:timestamp xml:id="ts0" timeString="2020-11-03T16:22:47.867"/>
-    </inkml:context>
-    <inkml:brush xml:id="br0">
-      <inkml:brushProperty name="width" value="0.05" units="cm"/>
-      <inkml:brushProperty name="height" value="0.05" units="cm"/>
-      <inkml:brushProperty name="color" value="#E71224"/>
-    </inkml:brush>
-  </inkml:definitions>
-  <inkml:trace contextRef="#ctx0" brushRef="#br0">14 0 7368 0 0,'0'0'7906'0'0,"-1"8"-6149"0"0,1 4-808 0 0,-1 1 0 0 0,4 23 0 0 0,-1 3-85 0 0,-14 241 1824 0 0,9-245-2605 0 0,1 1 0 0 0,5 56 0 0 0,-3-89-354 0 0,0 0 0 0 0,1-1 0 0 0,0 1 0 0 0,0 0 0 0 0,1 4 0 0 0,11-12-8016 0 0,-5 0 2329 0 0</inkml:trace>
-</inkml:ink>
-</file>
-
-<file path=ppt/ink/ink93.xml><?xml version="1.0" encoding="utf-8"?>
-<inkml:ink xmlns:inkml="http://www.w3.org/2003/InkML">
-  <inkml:definitions>
-    <inkml:context xml:id="ctx0">
-      <inkml:inkSource xml:id="inkSrc0">
-        <inkml:traceFormat>
-          <inkml:channel name="X" type="integer" min="-2.14748E9" max="2.14748E9" units="cm"/>
-          <inkml:channel name="Y" type="integer" min="-2.14748E9" max="2.14748E9" units="cm"/>
-          <inkml:channel name="F" type="integer" max="32767" units="dev"/>
-          <inkml:channel name="OA" type="integer" max="360" units="deg"/>
-          <inkml:channel name="OE" type="integer" max="90" units="deg"/>
-        </inkml:traceFormat>
-        <inkml:channelProperties>
-          <inkml:channelProperty channel="X" name="resolution" value="1000" units="1/cm"/>
-          <inkml:channelProperty channel="Y" name="resolution" value="1000" units="1/cm"/>
-          <inkml:channelProperty channel="F" name="resolution" value="0" units="1/dev"/>
-          <inkml:channelProperty channel="OA" name="resolution" value="1000" units="1/deg"/>
-          <inkml:channelProperty channel="OE" name="resolution" value="1000" units="1/deg"/>
-        </inkml:channelProperties>
-      </inkml:inkSource>
-      <inkml:timestamp xml:id="ts0" timeString="2020-11-03T16:22:48.203"/>
-    </inkml:context>
-    <inkml:brush xml:id="br0">
-      <inkml:brushProperty name="width" value="0.05" units="cm"/>
-      <inkml:brushProperty name="height" value="0.05" units="cm"/>
-      <inkml:brushProperty name="color" value="#E71224"/>
-    </inkml:brush>
-  </inkml:definitions>
-  <inkml:trace contextRef="#ctx0" brushRef="#br0">87 1 10912 0 0,'-4'1'189'0'0,"1"-1"0"0"0,-1 1 0 0 0,1 0 0 0 0,-1 0 0 0 0,1 0 0 0 0,0 0 0 0 0,-1 0 0 0 0,1 1 0 0 0,0 0 0 0 0,0-1 0 0 0,0 1 0 0 0,0 0 0 0 0,1 1 0 0 0,-1-1 0 0 0,0 0 0 0 0,-3 6 0 0 0,2-2 408 0 0,1 0 0 0 0,-1 0 1 0 0,2 0-1 0 0,-1 1 0 0 0,1-1 1 0 0,0 1-1 0 0,-2 12 0 0 0,2-11-101 0 0,0 0-1 0 0,1 0 0 0 0,1 0 0 0 0,0 9 0 0 0,0-13-289 0 0,0-1-1 0 0,1 1 1 0 0,-1-1-1 0 0,1 1 1 0 0,0-1-1 0 0,0 1 1 0 0,0-1 0 0 0,1 0-1 0 0,-1 1 1 0 0,1-1-1 0 0,4 5 1 0 0,-5-6-143 0 0,-1-1 1 0 0,1 1-1 0 0,1-1 1 0 0,-1 0-1 0 0,0 1 1 0 0,0-1-1 0 0,0 0 1 0 0,1 0-1 0 0,-1 0 1 0 0,0 0-1 0 0,1 0 1 0 0,-1 0-1 0 0,1 0 1 0 0,-1-1-1 0 0,1 1 1 0 0,-1 0-1 0 0,1-1 1 0 0,0 0-1 0 0,-1 1 1 0 0,1-1-1 0 0,0 0 1 0 0,-1 0-1 0 0,1 1 1 0 0,0-1-1 0 0,-1-1 1 0 0,1 1-1 0 0,0 0 1 0 0,-1 0-1 0 0,1-1 1 0 0,0 1-1 0 0,-1-1 1 0 0,1 1-1 0 0,0-1 1 0 0,-1 1-1 0 0,1-1 1 0 0,-1 0-1 0 0,0 0 1 0 0,1 0-1 0 0,1-1 1 0 0,4-4-15 0 0,-1-1-1 0 0,0 1 1 0 0,0-1 0 0 0,0 0 0 0 0,0 0-1 0 0,-1-1 1 0 0,-1 1 0 0 0,1-1-1 0 0,-1 0 1 0 0,4-11 0 0 0,3-13-91 0 0,10-43 0 0 0,-20 71-28 0 0</inkml:trace>
-</inkml:ink>
-</file>
-
-<file path=ppt/ink/ink94.xml><?xml version="1.0" encoding="utf-8"?>
-<inkml:ink xmlns:inkml="http://www.w3.org/2003/InkML">
-  <inkml:definitions>
-    <inkml:context xml:id="ctx0">
-      <inkml:inkSource xml:id="inkSrc0">
-        <inkml:traceFormat>
-          <inkml:channel name="X" type="integer" min="-2.14748E9" max="2.14748E9" units="cm"/>
-          <inkml:channel name="Y" type="integer" min="-2.14748E9" max="2.14748E9" units="cm"/>
-          <inkml:channel name="F" type="integer" max="32767" units="dev"/>
-          <inkml:channel name="OA" type="integer" max="360" units="deg"/>
-          <inkml:channel name="OE" type="integer" max="90" units="deg"/>
-        </inkml:traceFormat>
-        <inkml:channelProperties>
-          <inkml:channelProperty channel="X" name="resolution" value="1000" units="1/cm"/>
-          <inkml:channelProperty channel="Y" name="resolution" value="1000" units="1/cm"/>
-          <inkml:channelProperty channel="F" name="resolution" value="0" units="1/dev"/>
-          <inkml:channelProperty channel="OA" name="resolution" value="1000" units="1/deg"/>
-          <inkml:channelProperty channel="OE" name="resolution" value="1000" units="1/deg"/>
-        </inkml:channelProperties>
-      </inkml:inkSource>
-      <inkml:timestamp xml:id="ts0" timeString="2020-11-03T16:22:48.702"/>
-    </inkml:context>
-    <inkml:brush xml:id="br0">
-      <inkml:brushProperty name="width" value="0.05" units="cm"/>
-      <inkml:brushProperty name="height" value="0.05" units="cm"/>
-      <inkml:brushProperty name="color" value="#E71224"/>
-    </inkml:brush>
-  </inkml:definitions>
-  <inkml:trace contextRef="#ctx0" brushRef="#br0">163 18 1376 0 0,'0'0'8697'0'0,"0"-1"-8145"0"0,0 0-1 0 0,0 0 1 0 0,0 0-1 0 0,0 0 1 0 0,0 0-1 0 0,0 0 1 0 0,0 0 0 0 0,0 0-1 0 0,0 1 1 0 0,0-1-1 0 0,0 0 1 0 0,-1-1-1 0 0,-1 1-431 0 0,1 0-1 0 0,-1 1 1 0 0,0-1-1 0 0,0 1 1 0 0,1-1-1 0 0,-1 1 0 0 0,0 0 1 0 0,0 0-1 0 0,0 0 1 0 0,1 0-1 0 0,-1 0 0 0 0,0 0 1 0 0,0 0-1 0 0,0 1 1 0 0,1-1-1 0 0,-1 1 0 0 0,0-1 1 0 0,0 1-1 0 0,1 0 1 0 0,-1-1-1 0 0,1 1 0 0 0,-1 0 1 0 0,-1 2-1 0 0,-2 0 63 0 0,0 0 0 0 0,1 0-1 0 0,0 1 1 0 0,0 0-1 0 0,0 0 1 0 0,-5 6 0 0 0,5-6-105 0 0,1 1 1 0 0,0 0-1 0 0,0 0 1 0 0,0 0-1 0 0,0 1 1 0 0,1-1 0 0 0,0 1-1 0 0,0-1 1 0 0,0 1-1 0 0,1 0 1 0 0,-2 5-1 0 0,3-4 34 0 0,0 1 0 0 0,0-1-1 0 0,0 0 1 0 0,1 0-1 0 0,0 0 1 0 0,1 0-1 0 0,1 7 1 0 0,-2-12-56 0 0,0 1-1 0 0,0-1 1 0 0,0 1-1 0 0,1-1 1 0 0,-1 1-1 0 0,1-1 1 0 0,-1 1-1 0 0,1-1 1 0 0,2 3 0 0 0,-2-4-34 0 0,-1-1 1 0 0,0 1 0 0 0,0 0-1 0 0,0 0 1 0 0,0 0 0 0 0,1-1-1 0 0,-1 1 1 0 0,0-1 0 0 0,1 1-1 0 0,-1-1 1 0 0,0 1 0 0 0,1-1-1 0 0,-1 0 1 0 0,1 0 0 0 0,-1 0 0 0 0,0 0-1 0 0,1 0 1 0 0,-1 0 0 0 0,2 0-1 0 0,0-1 7 0 0,-1 1-1 0 0,1-1 1 0 0,-1 0 0 0 0,0 0-1 0 0,1 0 1 0 0,-1-1-1 0 0,0 1 1 0 0,0-1-1 0 0,0 1 1 0 0,0-1 0 0 0,0 1-1 0 0,0-1 1 0 0,-1 0-1 0 0,3-2 1 0 0,-2 1 22 0 0,1-1 0 0 0,-1 1 0 0 0,0-1 0 0 0,1 0 0 0 0,-2 1 0 0 0,1-1 0 0 0,1-5 0 0 0,0-1 89 0 0,1-1 1 0 0,-1 1 0 0 0,2 1-1 0 0,10-20 1 0 0,-15 28-118 0 0,1 0-1 0 0,-1 0 1 0 0,1 1-1 0 0,-1-1 1 0 0,1 0-1 0 0,0 0 1 0 0,-1 0-1 0 0,1 0 1 0 0,0 1-1 0 0,0-1 1 0 0,0 0-1 0 0,-1 1 1 0 0,1-1-1 0 0,0 0 1 0 0,0 1-1 0 0,0 0 1 0 0,0-1-1 0 0,0 1 1 0 0,0-1-1 0 0,0 1 1 0 0,0 0-1 0 0,0 0 1 0 0,0-1-1 0 0,0 1 1 0 0,0 0-1 0 0,0 0 1 0 0,1 0-1 0 0,-1 0 1 0 0,0 0-1 0 0,0 1 1 0 0,0-1 0 0 0,0 0-1 0 0,0 0 1 0 0,0 1-1 0 0,0-1 1 0 0,0 1-1 0 0,0-1 1 0 0,1 1-1 0 0,1 1 26 0 0,-1 1 1 0 0,1-1-1 0 0,-1 0 0 0 0,0 0 1 0 0,1 1-1 0 0,-1 0 0 0 0,-1-1 1 0 0,1 1-1 0 0,0 0 0 0 0,-1 0 1 0 0,2 3-1 0 0,-1 0-8 0 0,0 0 0 0 0,-1-1 0 0 0,1 1 0 0 0,-2 0 1 0 0,1 0-1 0 0,0-1 0 0 0,-1 1 0 0 0,0 0 0 0 0,-1 0 0 0 0,-1 10 1 0 0,-3 4 66 0 0,-11 33 0 0 0,11-38-76 0 0,1-4-19 0 0,0-1 0 0 0,-1 1 0 0 0,0-1 0 0 0,-1 0 1 0 0,0 0-1 0 0,0-1 0 0 0,-1 0 0 0 0,0 0 0 0 0,-1 0 0 0 0,0-1 0 0 0,0 0 0 0 0,-19 12 0 0 0,22-17-369 0 0,0-1-1 0 0,0 1 1 0 0,-1-1-1 0 0,1-1 0 0 0,-1 1 1 0 0,0-1-1 0 0,1 0 1 0 0,-1 0-1 0 0,0-1 1 0 0,0 0-1 0 0,-5 0 1 0 0,8 0 186 0 0,1 0 1 0 0,0 0 0 0 0,0-1-1 0 0,-1 1 1 0 0,1 0 0 0 0,0-1-1 0 0,0 0 1 0 0,0 1 0 0 0,-1-1 0 0 0,1 0-1 0 0,0 0 1 0 0,0 0 0 0 0,0 0-1 0 0,0-1 1 0 0,1 1 0 0 0,-1 0-1 0 0,0-1 1 0 0,0 1 0 0 0,1-1-1 0 0,-1 0 1 0 0,1 0 0 0 0,0 1 0 0 0,-1-1-1 0 0,1 0 1 0 0,0 0 0 0 0,0 0-1 0 0,0 0 1 0 0,0-1 0 0 0,1 1-1 0 0,-2-4 1 0 0,2-4-1887 0 0</inkml:trace>
-</inkml:ink>
-</file>
-
-<file path=ppt/ink/ink95.xml><?xml version="1.0" encoding="utf-8"?>
-<inkml:ink xmlns:inkml="http://www.w3.org/2003/InkML">
-  <inkml:definitions>
-    <inkml:context xml:id="ctx0">
-      <inkml:inkSource xml:id="inkSrc0">
-        <inkml:traceFormat>
-          <inkml:channel name="X" type="integer" min="-2.14748E9" max="2.14748E9" units="cm"/>
-          <inkml:channel name="Y" type="integer" min="-2.14748E9" max="2.14748E9" units="cm"/>
-          <inkml:channel name="F" type="integer" max="32767" units="dev"/>
-          <inkml:channel name="OA" type="integer" max="360" units="deg"/>
-          <inkml:channel name="OE" type="integer" max="90" units="deg"/>
-        </inkml:traceFormat>
-        <inkml:channelProperties>
-          <inkml:channelProperty channel="X" name="resolution" value="1000" units="1/cm"/>
-          <inkml:channelProperty channel="Y" name="resolution" value="1000" units="1/cm"/>
-          <inkml:channelProperty channel="F" name="resolution" value="0" units="1/dev"/>
-          <inkml:channelProperty channel="OA" name="resolution" value="1000" units="1/deg"/>
-          <inkml:channelProperty channel="OE" name="resolution" value="1000" units="1/deg"/>
-        </inkml:channelProperties>
-      </inkml:inkSource>
-      <inkml:timestamp xml:id="ts0" timeString="2020-11-03T16:22:49.399"/>
-    </inkml:context>
-    <inkml:brush xml:id="br0">
-      <inkml:brushProperty name="width" value="0.05" units="cm"/>
-      <inkml:brushProperty name="height" value="0.05" units="cm"/>
-      <inkml:brushProperty name="color" value="#E71224"/>
-    </inkml:brush>
-  </inkml:definitions>
-  <inkml:trace contextRef="#ctx0" brushRef="#br0">0 12 4608 0 0,'0'0'11285'0'0,"9"0"-9812"0"0,-4 1-943 0 0,0-1-1 0 0,0 0 1 0 0,0 0-1 0 0,1-1 0 0 0,-1 1 1 0 0,0-1-1 0 0,0 0 1 0 0,5-2-1 0 0,-4 1 54 0 0,1 0-1 0 0,-1 1 0 0 0,13-1 1 0 0,-18 2-562 0 0,0 0 0 0 0,0 1 1 0 0,1-1-1 0 0,-1 0 1 0 0,0 1-1 0 0,0-1 1 0 0,0 1-1 0 0,0-1 0 0 0,0 1 1 0 0,0-1-1 0 0,0 1 1 0 0,0 0-1 0 0,0-1 1 0 0,0 1-1 0 0,0 0 0 0 0,0 0 1 0 0,0 0-1 0 0,-1 0 1 0 0,1 0-1 0 0,0 0 1 0 0,-1 0-1 0 0,1 0 0 0 0,-1 0 1 0 0,1 0-1 0 0,-1 0 1 0 0,1 0-1 0 0,-1 0 1 0 0,0 1-1 0 0,1-1 1 0 0,-1 0-1 0 0,0 0 0 0 0,0 0 1 0 0,0 0-1 0 0,0 2 1 0 0,0 3-18 0 0,0-1 1 0 0,0 0-1 0 0,0 0 1 0 0,-1 1-1 0 0,0-1 0 0 0,-2 9 1 0 0,-2-1 15 0 0,-1-1 0 0 0,-10 18 0 0 0,-2 4-123 0 0,15-25 103 0 0,2 0 0 0 0,5-1 0 0 0,-2-7 5 0 0,0 0 1 0 0,-1 0-1 0 0,1 0 0 0 0,0-1 0 0 0,0 1 0 0 0,0 0 1 0 0,0-1-1 0 0,0 1 0 0 0,0-1 0 0 0,0 0 0 0 0,0 0 0 0 0,0 0 1 0 0,0 0-1 0 0,0 0 0 0 0,0 0 0 0 0,3-1 0 0 0,34-10-1065 0 0,-31 8 258 0 0,10-2-288 0 0</inkml:trace>
-</inkml:ink>
-</file>
-
-<file path=ppt/ink/ink96.xml><?xml version="1.0" encoding="utf-8"?>
-<inkml:ink xmlns:inkml="http://www.w3.org/2003/InkML">
-  <inkml:definitions>
-    <inkml:context xml:id="ctx0">
-      <inkml:inkSource xml:id="inkSrc0">
-        <inkml:traceFormat>
-          <inkml:channel name="X" type="integer" min="-2.14748E9" max="2.14748E9" units="cm"/>
-          <inkml:channel name="Y" type="integer" min="-2.14748E9" max="2.14748E9" units="cm"/>
-          <inkml:channel name="F" type="integer" max="32767" units="dev"/>
-          <inkml:channel name="OA" type="integer" max="360" units="deg"/>
-          <inkml:channel name="OE" type="integer" max="90" units="deg"/>
-        </inkml:traceFormat>
-        <inkml:channelProperties>
-          <inkml:channelProperty channel="X" name="resolution" value="1000" units="1/cm"/>
-          <inkml:channelProperty channel="Y" name="resolution" value="1000" units="1/cm"/>
-          <inkml:channelProperty channel="F" name="resolution" value="0" units="1/dev"/>
-          <inkml:channelProperty channel="OA" name="resolution" value="1000" units="1/deg"/>
-          <inkml:channelProperty channel="OE" name="resolution" value="1000" units="1/deg"/>
-        </inkml:channelProperties>
-      </inkml:inkSource>
-      <inkml:timestamp xml:id="ts0" timeString="2020-11-03T16:22:50.219"/>
-    </inkml:context>
-    <inkml:brush xml:id="br0">
-      <inkml:brushProperty name="width" value="0.05" units="cm"/>
-      <inkml:brushProperty name="height" value="0.05" units="cm"/>
-      <inkml:brushProperty name="color" value="#E71224"/>
-    </inkml:brush>
-  </inkml:definitions>
-  <inkml:trace contextRef="#ctx0" brushRef="#br0">198 0 1840 0 0,'0'0'11232'0'0,"-6"5"-9694"0"0,1-1-1175 0 0,-1 0 0 0 0,1 1 0 0 0,0 0 0 0 0,0 0 0 0 0,0 0 0 0 0,1 0 0 0 0,-8 12 0 0 0,-23 47 512 0 0,22-38-577 0 0,-8 15 174 0 0,-26 76 0 0 0,40-95-295 0 0,1 1-1 0 0,1 0 0 0 0,1 0 0 0 0,-2 41 0 0 0,6-53-45 0 0,0 1 0 0 0,0-1-1 0 0,1 0 1 0 0,1 0 0 0 0,0 0 0 0 0,0-1-1 0 0,1 1 1 0 0,1 0 0 0 0,0-1-1 0 0,0 0 1 0 0,1 0 0 0 0,7 11-1 0 0,-9-16-42 0 0,1 0 0 0 0,0-1 0 0 0,1 1 0 0 0,-1-1 0 0 0,1 0 0 0 0,-1 0-1 0 0,1 0 1 0 0,1-1 0 0 0,-1 0 0 0 0,0 0 0 0 0,9 4 0 0 0,-9-6-275 0 0,-1 1 0 0 0,1-1 1 0 0,0 0-1 0 0,-1 0 0 0 0,1 0 0 0 0,0-1 1 0 0,0 1-1 0 0,-1-1 0 0 0,1 0 0 0 0,0-1 1 0 0,-1 1-1 0 0,1-1 0 0 0,0 0 1 0 0,-1 0-1 0 0,8-3 0 0 0,0-4-4881 0 0,-3-1-1486 0 0</inkml:trace>
-</inkml:ink>
-</file>
-
-<file path=ppt/ink/ink97.xml><?xml version="1.0" encoding="utf-8"?>
-<inkml:ink xmlns:inkml="http://www.w3.org/2003/InkML">
-  <inkml:definitions>
-    <inkml:context xml:id="ctx0">
-      <inkml:inkSource xml:id="inkSrc0">
-        <inkml:traceFormat>
-          <inkml:channel name="X" type="integer" min="-2.14748E9" max="2.14748E9" units="cm"/>
-          <inkml:channel name="Y" type="integer" min="-2.14748E9" max="2.14748E9" units="cm"/>
-          <inkml:channel name="F" type="integer" max="32767" units="dev"/>
-          <inkml:channel name="OA" type="integer" max="360" units="deg"/>
-          <inkml:channel name="OE" type="integer" max="90" units="deg"/>
-        </inkml:traceFormat>
-        <inkml:channelProperties>
-          <inkml:channelProperty channel="X" name="resolution" value="1000" units="1/cm"/>
-          <inkml:channelProperty channel="Y" name="resolution" value="1000" units="1/cm"/>
-          <inkml:channelProperty channel="F" name="resolution" value="0" units="1/dev"/>
-          <inkml:channelProperty channel="OA" name="resolution" value="1000" units="1/deg"/>
-          <inkml:channelProperty channel="OE" name="resolution" value="1000" units="1/deg"/>
-        </inkml:channelProperties>
-      </inkml:inkSource>
-      <inkml:timestamp xml:id="ts0" timeString="2020-11-03T16:22:50.736"/>
-    </inkml:context>
-    <inkml:brush xml:id="br0">
-      <inkml:brushProperty name="width" value="0.05" units="cm"/>
-      <inkml:brushProperty name="height" value="0.05" units="cm"/>
-      <inkml:brushProperty name="color" value="#E71224"/>
-    </inkml:brush>
-  </inkml:definitions>
-  <inkml:trace contextRef="#ctx0" brushRef="#br0">1 208 1840 0 0,'0'0'13077'0'0,"4"-7"-11472"0"0,5-2-270 0 0,-4 5-910 0 0,-1 0 1 0 0,0 0-1 0 0,0 0 0 0 0,-1-1 1 0 0,1 1-1 0 0,-1-1 0 0 0,3-6 0 0 0,31-70 906 0 0,-23 55-996 0 0,-13 26-178 0 0,16 15 0 0 0,-13-10-146 0 0,-1 0-1 0 0,0 1 1 0 0,0-1-1 0 0,0 1 1 0 0,-1 0-1 0 0,4 10 0 0 0,5 14-11 0 0,11 31 76 0 0,-22-60 322 0 0,1-2-374 0 0,0 0-1 0 0,0 0 1 0 0,0 0-1 0 0,-1 0 0 0 0,1 0 1 0 0,0 0-1 0 0,-1 0 1 0 0,1 0-1 0 0,-1-1 0 0 0,1 1 1 0 0,-1 0-1 0 0,0 0 1 0 0,0-1-1 0 0,1-1 1 0 0,-1 1 6 0 0,8-38 16 0 0,4-61 0 0 0,-12 94-1127 0 0,1 1 0 0 0,0-1-1 0 0,3-10 1 0 0</inkml:trace>
-</inkml:ink>
-</file>
-
-<file path=ppt/ink/ink98.xml><?xml version="1.0" encoding="utf-8"?>
-<inkml:ink xmlns:inkml="http://www.w3.org/2003/InkML">
-  <inkml:definitions>
-    <inkml:context xml:id="ctx0">
-      <inkml:inkSource xml:id="inkSrc0">
-        <inkml:traceFormat>
-          <inkml:channel name="X" type="integer" min="-2.14748E9" max="2.14748E9" units="cm"/>
-          <inkml:channel name="Y" type="integer" min="-2.14748E9" max="2.14748E9" units="cm"/>
-          <inkml:channel name="F" type="integer" max="32767" units="dev"/>
-          <inkml:channel name="OA" type="integer" max="360" units="deg"/>
-          <inkml:channel name="OE" type="integer" max="90" units="deg"/>
-        </inkml:traceFormat>
-        <inkml:channelProperties>
-          <inkml:channelProperty channel="X" name="resolution" value="1000" units="1/cm"/>
-          <inkml:channelProperty channel="Y" name="resolution" value="1000" units="1/cm"/>
-          <inkml:channelProperty channel="F" name="resolution" value="0" units="1/dev"/>
-          <inkml:channelProperty channel="OA" name="resolution" value="1000" units="1/deg"/>
-          <inkml:channelProperty channel="OE" name="resolution" value="1000" units="1/deg"/>
-        </inkml:channelProperties>
-      </inkml:inkSource>
-      <inkml:timestamp xml:id="ts0" timeString="2020-11-03T16:22:51.120"/>
-    </inkml:context>
-    <inkml:brush xml:id="br0">
-      <inkml:brushProperty name="width" value="0.05" units="cm"/>
-      <inkml:brushProperty name="height" value="0.05" units="cm"/>
-      <inkml:brushProperty name="color" value="#E71224"/>
-    </inkml:brush>
-  </inkml:definitions>
-  <inkml:trace contextRef="#ctx0" brushRef="#br0">1 0 3224 0 0,'0'1'4383'0'0,"3"6"-1988"0"0,8 5 4934 0 0,10 4-4275 0 0,4 3-2052 0 0,-18-13-911 0 0,-1 0-1 0 0,1 1 1 0 0,-1 0-1 0 0,0 1 1 0 0,0-1-1 0 0,-1 1 1 0 0,0 0-1 0 0,-1 1 0 0 0,0-1 1 0 0,0 1-1 0 0,-1 0 1 0 0,3 12-1 0 0,-2-5-6 0 0,-2 1-1 0 0,0-1 1 0 0,-1 1-1 0 0,0 0 1 0 0,-2-1-1 0 0,0 1 1 0 0,-4 22-1 0 0,-6 51-160 0 0,11-89 63 0 0,-3 44-230 0 0,3-41-48 0 0,0-1 0 0 0,0 1 0 0 0,1 0 1 0 0,-1 0-1 0 0,1 0 0 0 0,0-1 0 0 0,0 1 1 0 0,0-1-1 0 0,2 5 0 0 0</inkml:trace>
-</inkml:ink>
-</file>
-
-<file path=ppt/ink/ink99.xml><?xml version="1.0" encoding="utf-8"?>
-<inkml:ink xmlns:inkml="http://www.w3.org/2003/InkML">
-  <inkml:definitions>
-    <inkml:context xml:id="ctx0">
-      <inkml:inkSource xml:id="inkSrc0">
-        <inkml:traceFormat>
-          <inkml:channel name="X" type="integer" min="-2.14748E9" max="2.14748E9" units="cm"/>
-          <inkml:channel name="Y" type="integer" min="-2.14748E9" max="2.14748E9" units="cm"/>
-          <inkml:channel name="F" type="integer" max="32767" units="dev"/>
-          <inkml:channel name="OA" type="integer" max="360" units="deg"/>
-          <inkml:channel name="OE" type="integer" max="90" units="deg"/>
-        </inkml:traceFormat>
-        <inkml:channelProperties>
-          <inkml:channelProperty channel="X" name="resolution" value="1000" units="1/cm"/>
-          <inkml:channelProperty channel="Y" name="resolution" value="1000" units="1/cm"/>
-          <inkml:channelProperty channel="F" name="resolution" value="0" units="1/dev"/>
-          <inkml:channelProperty channel="OA" name="resolution" value="1000" units="1/deg"/>
-          <inkml:channelProperty channel="OE" name="resolution" value="1000" units="1/deg"/>
-        </inkml:channelProperties>
-      </inkml:inkSource>
-      <inkml:timestamp xml:id="ts0" timeString="2020-11-03T16:22:51.485"/>
-    </inkml:context>
-    <inkml:brush xml:id="br0">
-      <inkml:brushProperty name="width" value="0.05" units="cm"/>
-      <inkml:brushProperty name="height" value="0.05" units="cm"/>
-      <inkml:brushProperty name="color" value="#E71224"/>
-    </inkml:brush>
-  </inkml:definitions>
-  <inkml:trace contextRef="#ctx0" brushRef="#br0">1 0 6912 0 0,'2'1'8751'0'0,"8"6"-6791"0"0,47 36 2176 0 0,-46-33-3952 0 0,0 1-1 0 0,0 0 1 0 0,-1 0-1 0 0,-1 1 1 0 0,0 0-1 0 0,0 1 1 0 0,-1-1-1 0 0,-1 2 1 0 0,0-1-1 0 0,-1 1 1 0 0,-1 0-1 0 0,0 1 1 0 0,-1-1-1 0 0,0 1 1 0 0,2 15-1 0 0,-4-6-89 0 0,-1 0 0 0 0,-3 45 0 0 0,-14 45-54 0 0,5-33-467 0 0,5-50-1401 0 0,-8 32 0 0 0,6-49-784 0 0,7-13 2344 0 0,-2 3-1203 0 0</inkml:trace>
 </inkml:ink>
 </file>
 
@@ -8835,7 +9347,7 @@
           <a:p>
             <a:r>
               <a:rPr lang="en-US" dirty="0"/>
-              <a:t>Quiz 13 due Wednesday @ </a:t>
+              <a:t>Quiz 14 due Friday @ </a:t>
             </a:r>
             <a:r>
               <a:rPr lang="en-US" dirty="0" err="1"/>
@@ -8887,6 +9399,906 @@
           </a:p>
         </p:txBody>
       </p:sp>
+      <mc:AlternateContent xmlns:mc="http://schemas.openxmlformats.org/markup-compatibility/2006">
+        <mc:Choice xmlns:p14="http://schemas.microsoft.com/office/powerpoint/2010/main" Requires="p14">
+          <p:contentPart p14:bwMode="auto" r:id="rId2">
+            <p14:nvContentPartPr>
+              <p14:cNvPr id="4" name="Ink 3">
+                <a:extLst>
+                  <a:ext uri="{FF2B5EF4-FFF2-40B4-BE49-F238E27FC236}">
+                    <a16:creationId xmlns:a16="http://schemas.microsoft.com/office/drawing/2014/main" id="{AEFAB934-06D2-4F33-9FD3-002A43A6425E}"/>
+                  </a:ext>
+                </a:extLst>
+              </p14:cNvPr>
+              <p14:cNvContentPartPr/>
+              <p14:nvPr/>
+            </p14:nvContentPartPr>
+            <p14:xfrm>
+              <a:off x="853489" y="2599459"/>
+              <a:ext cx="438120" cy="44280"/>
+            </p14:xfrm>
+          </p:contentPart>
+        </mc:Choice>
+        <mc:Fallback>
+          <p:pic>
+            <p:nvPicPr>
+              <p:cNvPr id="4" name="Ink 3">
+                <a:extLst>
+                  <a:ext uri="{FF2B5EF4-FFF2-40B4-BE49-F238E27FC236}">
+                    <a16:creationId xmlns:a16="http://schemas.microsoft.com/office/drawing/2014/main" id="{AEFAB934-06D2-4F33-9FD3-002A43A6425E}"/>
+                  </a:ext>
+                </a:extLst>
+              </p:cNvPr>
+              <p:cNvPicPr/>
+              <p:nvPr/>
+            </p:nvPicPr>
+            <p:blipFill>
+              <a:blip r:embed="rId3"/>
+              <a:stretch>
+                <a:fillRect/>
+              </a:stretch>
+            </p:blipFill>
+            <p:spPr>
+              <a:xfrm>
+                <a:off x="844849" y="2590459"/>
+                <a:ext cx="455760" cy="61920"/>
+              </a:xfrm>
+              <a:prstGeom prst="rect">
+                <a:avLst/>
+              </a:prstGeom>
+            </p:spPr>
+          </p:pic>
+        </mc:Fallback>
+      </mc:AlternateContent>
+      <p:grpSp>
+        <p:nvGrpSpPr>
+          <p:cNvPr id="16" name="Group 15">
+            <a:extLst>
+              <a:ext uri="{FF2B5EF4-FFF2-40B4-BE49-F238E27FC236}">
+                <a16:creationId xmlns:a16="http://schemas.microsoft.com/office/drawing/2014/main" id="{E9A446D4-1DFD-42AF-9F13-8783B1C789EA}"/>
+              </a:ext>
+            </a:extLst>
+          </p:cNvPr>
+          <p:cNvGrpSpPr/>
+          <p:nvPr/>
+        </p:nvGrpSpPr>
+        <p:grpSpPr>
+          <a:xfrm>
+            <a:off x="3533329" y="2681539"/>
+            <a:ext cx="1303200" cy="233640"/>
+            <a:chOff x="3533329" y="2681539"/>
+            <a:chExt cx="1303200" cy="233640"/>
+          </a:xfrm>
+        </p:grpSpPr>
+        <mc:AlternateContent xmlns:mc="http://schemas.openxmlformats.org/markup-compatibility/2006">
+          <mc:Choice xmlns:p14="http://schemas.microsoft.com/office/powerpoint/2010/main" Requires="p14">
+            <p:contentPart p14:bwMode="auto" r:id="rId4">
+              <p14:nvContentPartPr>
+                <p14:cNvPr id="5" name="Ink 4">
+                  <a:extLst>
+                    <a:ext uri="{FF2B5EF4-FFF2-40B4-BE49-F238E27FC236}">
+                      <a16:creationId xmlns:a16="http://schemas.microsoft.com/office/drawing/2014/main" id="{66BFBFA0-7C1D-4A0F-9A98-88F635E613A4}"/>
+                    </a:ext>
+                  </a:extLst>
+                </p14:cNvPr>
+                <p14:cNvContentPartPr/>
+                <p14:nvPr/>
+              </p14:nvContentPartPr>
+              <p14:xfrm>
+                <a:off x="3533329" y="2774059"/>
+                <a:ext cx="373320" cy="139320"/>
+              </p14:xfrm>
+            </p:contentPart>
+          </mc:Choice>
+          <mc:Fallback>
+            <p:pic>
+              <p:nvPicPr>
+                <p:cNvPr id="5" name="Ink 4">
+                  <a:extLst>
+                    <a:ext uri="{FF2B5EF4-FFF2-40B4-BE49-F238E27FC236}">
+                      <a16:creationId xmlns:a16="http://schemas.microsoft.com/office/drawing/2014/main" id="{66BFBFA0-7C1D-4A0F-9A98-88F635E613A4}"/>
+                    </a:ext>
+                  </a:extLst>
+                </p:cNvPr>
+                <p:cNvPicPr/>
+                <p:nvPr/>
+              </p:nvPicPr>
+              <p:blipFill>
+                <a:blip r:embed="rId5"/>
+                <a:stretch>
+                  <a:fillRect/>
+                </a:stretch>
+              </p:blipFill>
+              <p:spPr>
+                <a:xfrm>
+                  <a:off x="3524329" y="2765059"/>
+                  <a:ext cx="390960" cy="156960"/>
+                </a:xfrm>
+                <a:prstGeom prst="rect">
+                  <a:avLst/>
+                </a:prstGeom>
+              </p:spPr>
+            </p:pic>
+          </mc:Fallback>
+        </mc:AlternateContent>
+        <mc:AlternateContent xmlns:mc="http://schemas.openxmlformats.org/markup-compatibility/2006">
+          <mc:Choice xmlns:p14="http://schemas.microsoft.com/office/powerpoint/2010/main" Requires="p14">
+            <p:contentPart p14:bwMode="auto" r:id="rId6">
+              <p14:nvContentPartPr>
+                <p14:cNvPr id="6" name="Ink 5">
+                  <a:extLst>
+                    <a:ext uri="{FF2B5EF4-FFF2-40B4-BE49-F238E27FC236}">
+                      <a16:creationId xmlns:a16="http://schemas.microsoft.com/office/drawing/2014/main" id="{424EA9F1-205A-483F-B9BB-E6C53921601C}"/>
+                    </a:ext>
+                  </a:extLst>
+                </p14:cNvPr>
+                <p14:cNvContentPartPr/>
+                <p14:nvPr/>
+              </p14:nvContentPartPr>
+              <p14:xfrm>
+                <a:off x="4079089" y="2778019"/>
+                <a:ext cx="122760" cy="126000"/>
+              </p14:xfrm>
+            </p:contentPart>
+          </mc:Choice>
+          <mc:Fallback>
+            <p:pic>
+              <p:nvPicPr>
+                <p:cNvPr id="6" name="Ink 5">
+                  <a:extLst>
+                    <a:ext uri="{FF2B5EF4-FFF2-40B4-BE49-F238E27FC236}">
+                      <a16:creationId xmlns:a16="http://schemas.microsoft.com/office/drawing/2014/main" id="{424EA9F1-205A-483F-B9BB-E6C53921601C}"/>
+                    </a:ext>
+                  </a:extLst>
+                </p:cNvPr>
+                <p:cNvPicPr/>
+                <p:nvPr/>
+              </p:nvPicPr>
+              <p:blipFill>
+                <a:blip r:embed="rId7"/>
+                <a:stretch>
+                  <a:fillRect/>
+                </a:stretch>
+              </p:blipFill>
+              <p:spPr>
+                <a:xfrm>
+                  <a:off x="4070449" y="2769379"/>
+                  <a:ext cx="140400" cy="143640"/>
+                </a:xfrm>
+                <a:prstGeom prst="rect">
+                  <a:avLst/>
+                </a:prstGeom>
+              </p:spPr>
+            </p:pic>
+          </mc:Fallback>
+        </mc:AlternateContent>
+        <mc:AlternateContent xmlns:mc="http://schemas.openxmlformats.org/markup-compatibility/2006">
+          <mc:Choice xmlns:p14="http://schemas.microsoft.com/office/powerpoint/2010/main" Requires="p14">
+            <p:contentPart p14:bwMode="auto" r:id="rId8">
+              <p14:nvContentPartPr>
+                <p14:cNvPr id="7" name="Ink 6">
+                  <a:extLst>
+                    <a:ext uri="{FF2B5EF4-FFF2-40B4-BE49-F238E27FC236}">
+                      <a16:creationId xmlns:a16="http://schemas.microsoft.com/office/drawing/2014/main" id="{D8E342FC-D1EE-4F33-B4CE-C7C5412A8AE0}"/>
+                    </a:ext>
+                  </a:extLst>
+                </p14:cNvPr>
+                <p14:cNvContentPartPr/>
+                <p14:nvPr/>
+              </p14:nvContentPartPr>
+              <p14:xfrm>
+                <a:off x="4292929" y="2681539"/>
+                <a:ext cx="18720" cy="203400"/>
+              </p14:xfrm>
+            </p:contentPart>
+          </mc:Choice>
+          <mc:Fallback>
+            <p:pic>
+              <p:nvPicPr>
+                <p:cNvPr id="7" name="Ink 6">
+                  <a:extLst>
+                    <a:ext uri="{FF2B5EF4-FFF2-40B4-BE49-F238E27FC236}">
+                      <a16:creationId xmlns:a16="http://schemas.microsoft.com/office/drawing/2014/main" id="{D8E342FC-D1EE-4F33-B4CE-C7C5412A8AE0}"/>
+                    </a:ext>
+                  </a:extLst>
+                </p:cNvPr>
+                <p:cNvPicPr/>
+                <p:nvPr/>
+              </p:nvPicPr>
+              <p:blipFill>
+                <a:blip r:embed="rId9"/>
+                <a:stretch>
+                  <a:fillRect/>
+                </a:stretch>
+              </p:blipFill>
+              <p:spPr>
+                <a:xfrm>
+                  <a:off x="4283929" y="2672539"/>
+                  <a:ext cx="36360" cy="221040"/>
+                </a:xfrm>
+                <a:prstGeom prst="rect">
+                  <a:avLst/>
+                </a:prstGeom>
+              </p:spPr>
+            </p:pic>
+          </mc:Fallback>
+        </mc:AlternateContent>
+        <mc:AlternateContent xmlns:mc="http://schemas.openxmlformats.org/markup-compatibility/2006">
+          <mc:Choice xmlns:p14="http://schemas.microsoft.com/office/powerpoint/2010/main" Requires="p14">
+            <p:contentPart p14:bwMode="auto" r:id="rId10">
+              <p14:nvContentPartPr>
+                <p14:cNvPr id="8" name="Ink 7">
+                  <a:extLst>
+                    <a:ext uri="{FF2B5EF4-FFF2-40B4-BE49-F238E27FC236}">
+                      <a16:creationId xmlns:a16="http://schemas.microsoft.com/office/drawing/2014/main" id="{1566116F-CC76-4A43-8FB6-A0F2965CE86F}"/>
+                    </a:ext>
+                  </a:extLst>
+                </p14:cNvPr>
+                <p14:cNvContentPartPr/>
+                <p14:nvPr/>
+              </p14:nvContentPartPr>
+              <p14:xfrm>
+                <a:off x="4318489" y="2777659"/>
+                <a:ext cx="75240" cy="108360"/>
+              </p14:xfrm>
+            </p:contentPart>
+          </mc:Choice>
+          <mc:Fallback>
+            <p:pic>
+              <p:nvPicPr>
+                <p:cNvPr id="8" name="Ink 7">
+                  <a:extLst>
+                    <a:ext uri="{FF2B5EF4-FFF2-40B4-BE49-F238E27FC236}">
+                      <a16:creationId xmlns:a16="http://schemas.microsoft.com/office/drawing/2014/main" id="{1566116F-CC76-4A43-8FB6-A0F2965CE86F}"/>
+                    </a:ext>
+                  </a:extLst>
+                </p:cNvPr>
+                <p:cNvPicPr/>
+                <p:nvPr/>
+              </p:nvPicPr>
+              <p:blipFill>
+                <a:blip r:embed="rId11"/>
+                <a:stretch>
+                  <a:fillRect/>
+                </a:stretch>
+              </p:blipFill>
+              <p:spPr>
+                <a:xfrm>
+                  <a:off x="4309489" y="2768659"/>
+                  <a:ext cx="92880" cy="126000"/>
+                </a:xfrm>
+                <a:prstGeom prst="rect">
+                  <a:avLst/>
+                </a:prstGeom>
+              </p:spPr>
+            </p:pic>
+          </mc:Fallback>
+        </mc:AlternateContent>
+        <mc:AlternateContent xmlns:mc="http://schemas.openxmlformats.org/markup-compatibility/2006">
+          <mc:Choice xmlns:p14="http://schemas.microsoft.com/office/powerpoint/2010/main" Requires="p14">
+            <p:contentPart p14:bwMode="auto" r:id="rId12">
+              <p14:nvContentPartPr>
+                <p14:cNvPr id="9" name="Ink 8">
+                  <a:extLst>
+                    <a:ext uri="{FF2B5EF4-FFF2-40B4-BE49-F238E27FC236}">
+                      <a16:creationId xmlns:a16="http://schemas.microsoft.com/office/drawing/2014/main" id="{C5FCD9CC-9F2D-47F5-8003-31496681029B}"/>
+                    </a:ext>
+                  </a:extLst>
+                </p14:cNvPr>
+                <p14:cNvContentPartPr/>
+                <p14:nvPr/>
+              </p14:nvContentPartPr>
+              <p14:xfrm>
+                <a:off x="4431889" y="2772259"/>
+                <a:ext cx="113400" cy="140040"/>
+              </p14:xfrm>
+            </p:contentPart>
+          </mc:Choice>
+          <mc:Fallback>
+            <p:pic>
+              <p:nvPicPr>
+                <p:cNvPr id="9" name="Ink 8">
+                  <a:extLst>
+                    <a:ext uri="{FF2B5EF4-FFF2-40B4-BE49-F238E27FC236}">
+                      <a16:creationId xmlns:a16="http://schemas.microsoft.com/office/drawing/2014/main" id="{C5FCD9CC-9F2D-47F5-8003-31496681029B}"/>
+                    </a:ext>
+                  </a:extLst>
+                </p:cNvPr>
+                <p:cNvPicPr/>
+                <p:nvPr/>
+              </p:nvPicPr>
+              <p:blipFill>
+                <a:blip r:embed="rId13"/>
+                <a:stretch>
+                  <a:fillRect/>
+                </a:stretch>
+              </p:blipFill>
+              <p:spPr>
+                <a:xfrm>
+                  <a:off x="4423249" y="2763259"/>
+                  <a:ext cx="131040" cy="157680"/>
+                </a:xfrm>
+                <a:prstGeom prst="rect">
+                  <a:avLst/>
+                </a:prstGeom>
+              </p:spPr>
+            </p:pic>
+          </mc:Fallback>
+        </mc:AlternateContent>
+        <mc:AlternateContent xmlns:mc="http://schemas.openxmlformats.org/markup-compatibility/2006">
+          <mc:Choice xmlns:p14="http://schemas.microsoft.com/office/powerpoint/2010/main" Requires="p14">
+            <p:contentPart p14:bwMode="auto" r:id="rId14">
+              <p14:nvContentPartPr>
+                <p14:cNvPr id="10" name="Ink 9">
+                  <a:extLst>
+                    <a:ext uri="{FF2B5EF4-FFF2-40B4-BE49-F238E27FC236}">
+                      <a16:creationId xmlns:a16="http://schemas.microsoft.com/office/drawing/2014/main" id="{2ED75723-9EF1-4134-A3EA-5AD85DBFDA07}"/>
+                    </a:ext>
+                  </a:extLst>
+                </p14:cNvPr>
+                <p14:cNvContentPartPr/>
+                <p14:nvPr/>
+              </p14:nvContentPartPr>
+              <p14:xfrm>
+                <a:off x="4578409" y="2793139"/>
+                <a:ext cx="77760" cy="96120"/>
+              </p14:xfrm>
+            </p:contentPart>
+          </mc:Choice>
+          <mc:Fallback>
+            <p:pic>
+              <p:nvPicPr>
+                <p:cNvPr id="10" name="Ink 9">
+                  <a:extLst>
+                    <a:ext uri="{FF2B5EF4-FFF2-40B4-BE49-F238E27FC236}">
+                      <a16:creationId xmlns:a16="http://schemas.microsoft.com/office/drawing/2014/main" id="{2ED75723-9EF1-4134-A3EA-5AD85DBFDA07}"/>
+                    </a:ext>
+                  </a:extLst>
+                </p:cNvPr>
+                <p:cNvPicPr/>
+                <p:nvPr/>
+              </p:nvPicPr>
+              <p:blipFill>
+                <a:blip r:embed="rId15"/>
+                <a:stretch>
+                  <a:fillRect/>
+                </a:stretch>
+              </p:blipFill>
+              <p:spPr>
+                <a:xfrm>
+                  <a:off x="4569409" y="2784499"/>
+                  <a:ext cx="95400" cy="113760"/>
+                </a:xfrm>
+                <a:prstGeom prst="rect">
+                  <a:avLst/>
+                </a:prstGeom>
+              </p:spPr>
+            </p:pic>
+          </mc:Fallback>
+        </mc:AlternateContent>
+        <mc:AlternateContent xmlns:mc="http://schemas.openxmlformats.org/markup-compatibility/2006">
+          <mc:Choice xmlns:p14="http://schemas.microsoft.com/office/powerpoint/2010/main" Requires="p14">
+            <p:contentPart p14:bwMode="auto" r:id="rId16">
+              <p14:nvContentPartPr>
+                <p14:cNvPr id="11" name="Ink 10">
+                  <a:extLst>
+                    <a:ext uri="{FF2B5EF4-FFF2-40B4-BE49-F238E27FC236}">
+                      <a16:creationId xmlns:a16="http://schemas.microsoft.com/office/drawing/2014/main" id="{B0AE389C-8920-4887-9B37-5255E2013C31}"/>
+                    </a:ext>
+                  </a:extLst>
+                </p14:cNvPr>
+                <p14:cNvContentPartPr/>
+                <p14:nvPr/>
+              </p14:nvContentPartPr>
+              <p14:xfrm>
+                <a:off x="4707289" y="2695219"/>
+                <a:ext cx="129240" cy="219960"/>
+              </p14:xfrm>
+            </p:contentPart>
+          </mc:Choice>
+          <mc:Fallback>
+            <p:pic>
+              <p:nvPicPr>
+                <p:cNvPr id="11" name="Ink 10">
+                  <a:extLst>
+                    <a:ext uri="{FF2B5EF4-FFF2-40B4-BE49-F238E27FC236}">
+                      <a16:creationId xmlns:a16="http://schemas.microsoft.com/office/drawing/2014/main" id="{B0AE389C-8920-4887-9B37-5255E2013C31}"/>
+                    </a:ext>
+                  </a:extLst>
+                </p:cNvPr>
+                <p:cNvPicPr/>
+                <p:nvPr/>
+              </p:nvPicPr>
+              <p:blipFill>
+                <a:blip r:embed="rId17"/>
+                <a:stretch>
+                  <a:fillRect/>
+                </a:stretch>
+              </p:blipFill>
+              <p:spPr>
+                <a:xfrm>
+                  <a:off x="4698649" y="2686219"/>
+                  <a:ext cx="146880" cy="237600"/>
+                </a:xfrm>
+                <a:prstGeom prst="rect">
+                  <a:avLst/>
+                </a:prstGeom>
+              </p:spPr>
+            </p:pic>
+          </mc:Fallback>
+        </mc:AlternateContent>
+      </p:grpSp>
+      <p:grpSp>
+        <p:nvGrpSpPr>
+          <p:cNvPr id="15" name="Group 14">
+            <a:extLst>
+              <a:ext uri="{FF2B5EF4-FFF2-40B4-BE49-F238E27FC236}">
+                <a16:creationId xmlns:a16="http://schemas.microsoft.com/office/drawing/2014/main" id="{B2863BF3-0EB2-48ED-ACA3-81E980E7CC1E}"/>
+              </a:ext>
+            </a:extLst>
+          </p:cNvPr>
+          <p:cNvGrpSpPr/>
+          <p:nvPr/>
+        </p:nvGrpSpPr>
+        <p:grpSpPr>
+          <a:xfrm>
+            <a:off x="5058649" y="2713939"/>
+            <a:ext cx="255240" cy="191880"/>
+            <a:chOff x="5058649" y="2713939"/>
+            <a:chExt cx="255240" cy="191880"/>
+          </a:xfrm>
+        </p:grpSpPr>
+        <mc:AlternateContent xmlns:mc="http://schemas.openxmlformats.org/markup-compatibility/2006">
+          <mc:Choice xmlns:p14="http://schemas.microsoft.com/office/powerpoint/2010/main" Requires="p14">
+            <p:contentPart p14:bwMode="auto" r:id="rId18">
+              <p14:nvContentPartPr>
+                <p14:cNvPr id="12" name="Ink 11">
+                  <a:extLst>
+                    <a:ext uri="{FF2B5EF4-FFF2-40B4-BE49-F238E27FC236}">
+                      <a16:creationId xmlns:a16="http://schemas.microsoft.com/office/drawing/2014/main" id="{FA3E2467-49EB-4AFD-BD81-4E90434B2230}"/>
+                    </a:ext>
+                  </a:extLst>
+                </p14:cNvPr>
+                <p14:cNvContentPartPr/>
+                <p14:nvPr/>
+              </p14:nvContentPartPr>
+              <p14:xfrm>
+                <a:off x="5058649" y="2716099"/>
+                <a:ext cx="117000" cy="178200"/>
+              </p14:xfrm>
+            </p:contentPart>
+          </mc:Choice>
+          <mc:Fallback>
+            <p:pic>
+              <p:nvPicPr>
+                <p:cNvPr id="12" name="Ink 11">
+                  <a:extLst>
+                    <a:ext uri="{FF2B5EF4-FFF2-40B4-BE49-F238E27FC236}">
+                      <a16:creationId xmlns:a16="http://schemas.microsoft.com/office/drawing/2014/main" id="{FA3E2467-49EB-4AFD-BD81-4E90434B2230}"/>
+                    </a:ext>
+                  </a:extLst>
+                </p:cNvPr>
+                <p:cNvPicPr/>
+                <p:nvPr/>
+              </p:nvPicPr>
+              <p:blipFill>
+                <a:blip r:embed="rId19"/>
+                <a:stretch>
+                  <a:fillRect/>
+                </a:stretch>
+              </p:blipFill>
+              <p:spPr>
+                <a:xfrm>
+                  <a:off x="5049649" y="2707099"/>
+                  <a:ext cx="134640" cy="195840"/>
+                </a:xfrm>
+                <a:prstGeom prst="rect">
+                  <a:avLst/>
+                </a:prstGeom>
+              </p:spPr>
+            </p:pic>
+          </mc:Fallback>
+        </mc:AlternateContent>
+        <mc:AlternateContent xmlns:mc="http://schemas.openxmlformats.org/markup-compatibility/2006">
+          <mc:Choice xmlns:p14="http://schemas.microsoft.com/office/powerpoint/2010/main" Requires="p14">
+            <p:contentPart p14:bwMode="auto" r:id="rId20">
+              <p14:nvContentPartPr>
+                <p14:cNvPr id="13" name="Ink 12">
+                  <a:extLst>
+                    <a:ext uri="{FF2B5EF4-FFF2-40B4-BE49-F238E27FC236}">
+                      <a16:creationId xmlns:a16="http://schemas.microsoft.com/office/drawing/2014/main" id="{E910F53A-82AD-4F9E-94BC-619B77144B04}"/>
+                    </a:ext>
+                  </a:extLst>
+                </p14:cNvPr>
+                <p14:cNvContentPartPr/>
+                <p14:nvPr/>
+              </p14:nvContentPartPr>
+              <p14:xfrm>
+                <a:off x="5183929" y="2713939"/>
+                <a:ext cx="129960" cy="191880"/>
+              </p14:xfrm>
+            </p:contentPart>
+          </mc:Choice>
+          <mc:Fallback>
+            <p:pic>
+              <p:nvPicPr>
+                <p:cNvPr id="13" name="Ink 12">
+                  <a:extLst>
+                    <a:ext uri="{FF2B5EF4-FFF2-40B4-BE49-F238E27FC236}">
+                      <a16:creationId xmlns:a16="http://schemas.microsoft.com/office/drawing/2014/main" id="{E910F53A-82AD-4F9E-94BC-619B77144B04}"/>
+                    </a:ext>
+                  </a:extLst>
+                </p:cNvPr>
+                <p:cNvPicPr/>
+                <p:nvPr/>
+              </p:nvPicPr>
+              <p:blipFill>
+                <a:blip r:embed="rId21"/>
+                <a:stretch>
+                  <a:fillRect/>
+                </a:stretch>
+              </p:blipFill>
+              <p:spPr>
+                <a:xfrm>
+                  <a:off x="5175289" y="2704939"/>
+                  <a:ext cx="147600" cy="209520"/>
+                </a:xfrm>
+                <a:prstGeom prst="rect">
+                  <a:avLst/>
+                </a:prstGeom>
+              </p:spPr>
+            </p:pic>
+          </mc:Fallback>
+        </mc:AlternateContent>
+        <mc:AlternateContent xmlns:mc="http://schemas.openxmlformats.org/markup-compatibility/2006">
+          <mc:Choice xmlns:p14="http://schemas.microsoft.com/office/powerpoint/2010/main" Requires="p14">
+            <p:contentPart p14:bwMode="auto" r:id="rId22">
+              <p14:nvContentPartPr>
+                <p14:cNvPr id="14" name="Ink 13">
+                  <a:extLst>
+                    <a:ext uri="{FF2B5EF4-FFF2-40B4-BE49-F238E27FC236}">
+                      <a16:creationId xmlns:a16="http://schemas.microsoft.com/office/drawing/2014/main" id="{861193EB-2110-466B-83FC-73FF111337CF}"/>
+                    </a:ext>
+                  </a:extLst>
+                </p14:cNvPr>
+                <p14:cNvContentPartPr/>
+                <p14:nvPr/>
+              </p14:nvContentPartPr>
+              <p14:xfrm>
+                <a:off x="5222809" y="2818339"/>
+                <a:ext cx="69480" cy="8640"/>
+              </p14:xfrm>
+            </p:contentPart>
+          </mc:Choice>
+          <mc:Fallback>
+            <p:pic>
+              <p:nvPicPr>
+                <p:cNvPr id="14" name="Ink 13">
+                  <a:extLst>
+                    <a:ext uri="{FF2B5EF4-FFF2-40B4-BE49-F238E27FC236}">
+                      <a16:creationId xmlns:a16="http://schemas.microsoft.com/office/drawing/2014/main" id="{861193EB-2110-466B-83FC-73FF111337CF}"/>
+                    </a:ext>
+                  </a:extLst>
+                </p:cNvPr>
+                <p:cNvPicPr/>
+                <p:nvPr/>
+              </p:nvPicPr>
+              <p:blipFill>
+                <a:blip r:embed="rId23"/>
+                <a:stretch>
+                  <a:fillRect/>
+                </a:stretch>
+              </p:blipFill>
+              <p:spPr>
+                <a:xfrm>
+                  <a:off x="5213809" y="2809339"/>
+                  <a:ext cx="87120" cy="26280"/>
+                </a:xfrm>
+                <a:prstGeom prst="rect">
+                  <a:avLst/>
+                </a:prstGeom>
+              </p:spPr>
+            </p:pic>
+          </mc:Fallback>
+        </mc:AlternateContent>
+      </p:grpSp>
+      <mc:AlternateContent xmlns:mc="http://schemas.openxmlformats.org/markup-compatibility/2006">
+        <mc:Choice xmlns:p14="http://schemas.microsoft.com/office/powerpoint/2010/main" Requires="p14">
+          <p:contentPart p14:bwMode="auto" r:id="rId24">
+            <p14:nvContentPartPr>
+              <p14:cNvPr id="17" name="Ink 16">
+                <a:extLst>
+                  <a:ext uri="{FF2B5EF4-FFF2-40B4-BE49-F238E27FC236}">
+                    <a16:creationId xmlns:a16="http://schemas.microsoft.com/office/drawing/2014/main" id="{2AF11653-DC49-46BB-BF46-4AE3F70AB53A}"/>
+                  </a:ext>
+                </a:extLst>
+              </p14:cNvPr>
+              <p14:cNvContentPartPr/>
+              <p14:nvPr/>
+            </p14:nvContentPartPr>
+            <p14:xfrm>
+              <a:off x="1119169" y="3442579"/>
+              <a:ext cx="1275120" cy="86400"/>
+            </p14:xfrm>
+          </p:contentPart>
+        </mc:Choice>
+        <mc:Fallback>
+          <p:pic>
+            <p:nvPicPr>
+              <p:cNvPr id="17" name="Ink 16">
+                <a:extLst>
+                  <a:ext uri="{FF2B5EF4-FFF2-40B4-BE49-F238E27FC236}">
+                    <a16:creationId xmlns:a16="http://schemas.microsoft.com/office/drawing/2014/main" id="{2AF11653-DC49-46BB-BF46-4AE3F70AB53A}"/>
+                  </a:ext>
+                </a:extLst>
+              </p:cNvPr>
+              <p:cNvPicPr/>
+              <p:nvPr/>
+            </p:nvPicPr>
+            <p:blipFill>
+              <a:blip r:embed="rId25"/>
+              <a:stretch>
+                <a:fillRect/>
+              </a:stretch>
+            </p:blipFill>
+            <p:spPr>
+              <a:xfrm>
+                <a:off x="1110169" y="3433939"/>
+                <a:ext cx="1292760" cy="104040"/>
+              </a:xfrm>
+              <a:prstGeom prst="rect">
+                <a:avLst/>
+              </a:prstGeom>
+            </p:spPr>
+          </p:pic>
+        </mc:Fallback>
+      </mc:AlternateContent>
+      <p:grpSp>
+        <p:nvGrpSpPr>
+          <p:cNvPr id="20" name="Group 19">
+            <a:extLst>
+              <a:ext uri="{FF2B5EF4-FFF2-40B4-BE49-F238E27FC236}">
+                <a16:creationId xmlns:a16="http://schemas.microsoft.com/office/drawing/2014/main" id="{56642521-6269-445B-9806-182D0AD4D658}"/>
+              </a:ext>
+            </a:extLst>
+          </p:cNvPr>
+          <p:cNvGrpSpPr/>
+          <p:nvPr/>
+        </p:nvGrpSpPr>
+        <p:grpSpPr>
+          <a:xfrm>
+            <a:off x="2736289" y="3483259"/>
+            <a:ext cx="154800" cy="284400"/>
+            <a:chOff x="2736289" y="3483259"/>
+            <a:chExt cx="154800" cy="284400"/>
+          </a:xfrm>
+        </p:grpSpPr>
+        <mc:AlternateContent xmlns:mc="http://schemas.openxmlformats.org/markup-compatibility/2006">
+          <mc:Choice xmlns:p14="http://schemas.microsoft.com/office/powerpoint/2010/main" Requires="p14">
+            <p:contentPart p14:bwMode="auto" r:id="rId26">
+              <p14:nvContentPartPr>
+                <p14:cNvPr id="18" name="Ink 17">
+                  <a:extLst>
+                    <a:ext uri="{FF2B5EF4-FFF2-40B4-BE49-F238E27FC236}">
+                      <a16:creationId xmlns:a16="http://schemas.microsoft.com/office/drawing/2014/main" id="{AA89C688-2B75-4872-9D3F-0CA019A38CEF}"/>
+                    </a:ext>
+                  </a:extLst>
+                </p14:cNvPr>
+                <p14:cNvContentPartPr/>
+                <p14:nvPr/>
+              </p14:nvContentPartPr>
+              <p14:xfrm>
+                <a:off x="2805409" y="3510619"/>
+                <a:ext cx="31680" cy="257040"/>
+              </p14:xfrm>
+            </p:contentPart>
+          </mc:Choice>
+          <mc:Fallback>
+            <p:pic>
+              <p:nvPicPr>
+                <p:cNvPr id="18" name="Ink 17">
+                  <a:extLst>
+                    <a:ext uri="{FF2B5EF4-FFF2-40B4-BE49-F238E27FC236}">
+                      <a16:creationId xmlns:a16="http://schemas.microsoft.com/office/drawing/2014/main" id="{AA89C688-2B75-4872-9D3F-0CA019A38CEF}"/>
+                    </a:ext>
+                  </a:extLst>
+                </p:cNvPr>
+                <p:cNvPicPr/>
+                <p:nvPr/>
+              </p:nvPicPr>
+              <p:blipFill>
+                <a:blip r:embed="rId27"/>
+                <a:stretch>
+                  <a:fillRect/>
+                </a:stretch>
+              </p:blipFill>
+              <p:spPr>
+                <a:xfrm>
+                  <a:off x="2796409" y="3501979"/>
+                  <a:ext cx="49320" cy="274680"/>
+                </a:xfrm>
+                <a:prstGeom prst="rect">
+                  <a:avLst/>
+                </a:prstGeom>
+              </p:spPr>
+            </p:pic>
+          </mc:Fallback>
+        </mc:AlternateContent>
+        <mc:AlternateContent xmlns:mc="http://schemas.openxmlformats.org/markup-compatibility/2006">
+          <mc:Choice xmlns:p14="http://schemas.microsoft.com/office/powerpoint/2010/main" Requires="p14">
+            <p:contentPart p14:bwMode="auto" r:id="rId28">
+              <p14:nvContentPartPr>
+                <p14:cNvPr id="19" name="Ink 18">
+                  <a:extLst>
+                    <a:ext uri="{FF2B5EF4-FFF2-40B4-BE49-F238E27FC236}">
+                      <a16:creationId xmlns:a16="http://schemas.microsoft.com/office/drawing/2014/main" id="{B750C568-23F9-4F0B-801C-89CFA0153DC7}"/>
+                    </a:ext>
+                  </a:extLst>
+                </p14:cNvPr>
+                <p14:cNvContentPartPr/>
+                <p14:nvPr/>
+              </p14:nvContentPartPr>
+              <p14:xfrm>
+                <a:off x="2736289" y="3483259"/>
+                <a:ext cx="154800" cy="109440"/>
+              </p14:xfrm>
+            </p:contentPart>
+          </mc:Choice>
+          <mc:Fallback>
+            <p:pic>
+              <p:nvPicPr>
+                <p:cNvPr id="19" name="Ink 18">
+                  <a:extLst>
+                    <a:ext uri="{FF2B5EF4-FFF2-40B4-BE49-F238E27FC236}">
+                      <a16:creationId xmlns:a16="http://schemas.microsoft.com/office/drawing/2014/main" id="{B750C568-23F9-4F0B-801C-89CFA0153DC7}"/>
+                    </a:ext>
+                  </a:extLst>
+                </p:cNvPr>
+                <p:cNvPicPr/>
+                <p:nvPr/>
+              </p:nvPicPr>
+              <p:blipFill>
+                <a:blip r:embed="rId29"/>
+                <a:stretch>
+                  <a:fillRect/>
+                </a:stretch>
+              </p:blipFill>
+              <p:spPr>
+                <a:xfrm>
+                  <a:off x="2727649" y="3474619"/>
+                  <a:ext cx="172440" cy="127080"/>
+                </a:xfrm>
+                <a:prstGeom prst="rect">
+                  <a:avLst/>
+                </a:prstGeom>
+              </p:spPr>
+            </p:pic>
+          </mc:Fallback>
+        </mc:AlternateContent>
+      </p:grpSp>
+      <p:grpSp>
+        <p:nvGrpSpPr>
+          <p:cNvPr id="23" name="Group 22">
+            <a:extLst>
+              <a:ext uri="{FF2B5EF4-FFF2-40B4-BE49-F238E27FC236}">
+                <a16:creationId xmlns:a16="http://schemas.microsoft.com/office/drawing/2014/main" id="{C46EC6DA-C551-42DF-9DD2-D974FD148095}"/>
+              </a:ext>
+            </a:extLst>
+          </p:cNvPr>
+          <p:cNvGrpSpPr/>
+          <p:nvPr/>
+        </p:nvGrpSpPr>
+        <p:grpSpPr>
+          <a:xfrm>
+            <a:off x="3135529" y="3447259"/>
+            <a:ext cx="133920" cy="240120"/>
+            <a:chOff x="3135529" y="3447259"/>
+            <a:chExt cx="133920" cy="240120"/>
+          </a:xfrm>
+        </p:grpSpPr>
+        <mc:AlternateContent xmlns:mc="http://schemas.openxmlformats.org/markup-compatibility/2006">
+          <mc:Choice xmlns:p14="http://schemas.microsoft.com/office/powerpoint/2010/main" Requires="p14">
+            <p:contentPart p14:bwMode="auto" r:id="rId30">
+              <p14:nvContentPartPr>
+                <p14:cNvPr id="21" name="Ink 20">
+                  <a:extLst>
+                    <a:ext uri="{FF2B5EF4-FFF2-40B4-BE49-F238E27FC236}">
+                      <a16:creationId xmlns:a16="http://schemas.microsoft.com/office/drawing/2014/main" id="{AED9D2EA-4721-49CC-929A-AF414EA4C4E4}"/>
+                    </a:ext>
+                  </a:extLst>
+                </p14:cNvPr>
+                <p14:cNvContentPartPr/>
+                <p14:nvPr/>
+              </p14:nvContentPartPr>
+              <p14:xfrm>
+                <a:off x="3185569" y="3476059"/>
+                <a:ext cx="38160" cy="211320"/>
+              </p14:xfrm>
+            </p:contentPart>
+          </mc:Choice>
+          <mc:Fallback>
+            <p:pic>
+              <p:nvPicPr>
+                <p:cNvPr id="21" name="Ink 20">
+                  <a:extLst>
+                    <a:ext uri="{FF2B5EF4-FFF2-40B4-BE49-F238E27FC236}">
+                      <a16:creationId xmlns:a16="http://schemas.microsoft.com/office/drawing/2014/main" id="{AED9D2EA-4721-49CC-929A-AF414EA4C4E4}"/>
+                    </a:ext>
+                  </a:extLst>
+                </p:cNvPr>
+                <p:cNvPicPr/>
+                <p:nvPr/>
+              </p:nvPicPr>
+              <p:blipFill>
+                <a:blip r:embed="rId31"/>
+                <a:stretch>
+                  <a:fillRect/>
+                </a:stretch>
+              </p:blipFill>
+              <p:spPr>
+                <a:xfrm>
+                  <a:off x="3176569" y="3467059"/>
+                  <a:ext cx="55800" cy="228960"/>
+                </a:xfrm>
+                <a:prstGeom prst="rect">
+                  <a:avLst/>
+                </a:prstGeom>
+              </p:spPr>
+            </p:pic>
+          </mc:Fallback>
+        </mc:AlternateContent>
+        <mc:AlternateContent xmlns:mc="http://schemas.openxmlformats.org/markup-compatibility/2006">
+          <mc:Choice xmlns:p14="http://schemas.microsoft.com/office/powerpoint/2010/main" Requires="p14">
+            <p:contentPart p14:bwMode="auto" r:id="rId32">
+              <p14:nvContentPartPr>
+                <p14:cNvPr id="22" name="Ink 21">
+                  <a:extLst>
+                    <a:ext uri="{FF2B5EF4-FFF2-40B4-BE49-F238E27FC236}">
+                      <a16:creationId xmlns:a16="http://schemas.microsoft.com/office/drawing/2014/main" id="{4DFD2D4C-8938-4B9B-A83F-5AFABE37D69B}"/>
+                    </a:ext>
+                  </a:extLst>
+                </p14:cNvPr>
+                <p14:cNvContentPartPr/>
+                <p14:nvPr/>
+              </p14:nvContentPartPr>
+              <p14:xfrm>
+                <a:off x="3135529" y="3447259"/>
+                <a:ext cx="133920" cy="86760"/>
+              </p14:xfrm>
+            </p:contentPart>
+          </mc:Choice>
+          <mc:Fallback>
+            <p:pic>
+              <p:nvPicPr>
+                <p:cNvPr id="22" name="Ink 21">
+                  <a:extLst>
+                    <a:ext uri="{FF2B5EF4-FFF2-40B4-BE49-F238E27FC236}">
+                      <a16:creationId xmlns:a16="http://schemas.microsoft.com/office/drawing/2014/main" id="{4DFD2D4C-8938-4B9B-A83F-5AFABE37D69B}"/>
+                    </a:ext>
+                  </a:extLst>
+                </p:cNvPr>
+                <p:cNvPicPr/>
+                <p:nvPr/>
+              </p:nvPicPr>
+              <p:blipFill>
+                <a:blip r:embed="rId33"/>
+                <a:stretch>
+                  <a:fillRect/>
+                </a:stretch>
+              </p:blipFill>
+              <p:spPr>
+                <a:xfrm>
+                  <a:off x="3126889" y="3438619"/>
+                  <a:ext cx="151560" cy="104400"/>
+                </a:xfrm>
+                <a:prstGeom prst="rect">
+                  <a:avLst/>
+                </a:prstGeom>
+              </p:spPr>
+            </p:pic>
+          </mc:Fallback>
+        </mc:AlternateContent>
+      </p:grpSp>
     </p:spTree>
     <p:extLst>
       <p:ext uri="{BB962C8B-B14F-4D97-AF65-F5344CB8AC3E}">
